--- a/warner-azure-webapp-pod.pptx
+++ b/warner-azure-webapp-pod.pptx
@@ -872,7 +872,7 @@
           <a:p>
             <a:fld id="{6AD6EE87-EBD5-4F12-A48A-63ACA297AC8F}" type="datetimeFigureOut">
               <a:rPr lang="en-US" smtClean="0"/>
-              <a:t>4/4/2017</a:t>
+              <a:t>4/6/2017</a:t>
             </a:fld>
             <a:endParaRPr lang="en-US" dirty="0"/>
           </a:p>
@@ -1196,7 +1196,7 @@
             <a:fld id="{90298CD5-6C1E-4009-B41F-6DF62E31D3BE}" type="datetimeFigureOut">
               <a:rPr lang="en-US" smtClean="0"/>
               <a:pPr/>
-              <a:t>4/4/2017</a:t>
+              <a:t>4/6/2017</a:t>
             </a:fld>
             <a:endParaRPr lang="en-US" dirty="0"/>
           </a:p>
@@ -1512,7 +1512,7 @@
             <a:fld id="{90298CD5-6C1E-4009-B41F-6DF62E31D3BE}" type="datetimeFigureOut">
               <a:rPr lang="en-US" smtClean="0"/>
               <a:pPr/>
-              <a:t>4/4/2017</a:t>
+              <a:t>4/6/2017</a:t>
             </a:fld>
             <a:endParaRPr lang="en-US" dirty="0"/>
           </a:p>
@@ -1847,7 +1847,7 @@
             <a:fld id="{90298CD5-6C1E-4009-B41F-6DF62E31D3BE}" type="datetimeFigureOut">
               <a:rPr lang="en-US" smtClean="0"/>
               <a:pPr/>
-              <a:t>4/4/2017</a:t>
+              <a:t>4/6/2017</a:t>
             </a:fld>
             <a:endParaRPr lang="en-US" dirty="0"/>
           </a:p>
@@ -2163,7 +2163,7 @@
             <a:fld id="{90298CD5-6C1E-4009-B41F-6DF62E31D3BE}" type="datetimeFigureOut">
               <a:rPr lang="en-US" smtClean="0"/>
               <a:pPr/>
-              <a:t>4/4/2017</a:t>
+              <a:t>4/6/2017</a:t>
             </a:fld>
             <a:endParaRPr lang="en-US" dirty="0"/>
           </a:p>
@@ -2558,7 +2558,7 @@
             <a:fld id="{90298CD5-6C1E-4009-B41F-6DF62E31D3BE}" type="datetimeFigureOut">
               <a:rPr lang="en-US" smtClean="0"/>
               <a:pPr/>
-              <a:t>4/4/2017</a:t>
+              <a:t>4/6/2017</a:t>
             </a:fld>
             <a:endParaRPr lang="en-US" dirty="0"/>
           </a:p>
@@ -2729,7 +2729,7 @@
           <a:p>
             <a:fld id="{4CD73815-2707-4475-8F1A-B873CB631BB4}" type="datetimeFigureOut">
               <a:rPr lang="en-US" smtClean="0"/>
-              <a:t>4/4/2017</a:t>
+              <a:t>4/6/2017</a:t>
             </a:fld>
             <a:endParaRPr lang="en-US" dirty="0"/>
           </a:p>
@@ -2909,7 +2909,7 @@
           <a:p>
             <a:fld id="{2A4AFB99-0EAB-4182-AFF8-E214C82A68F6}" type="datetimeFigureOut">
               <a:rPr lang="en-US" smtClean="0"/>
-              <a:t>4/4/2017</a:t>
+              <a:t>4/6/2017</a:t>
             </a:fld>
             <a:endParaRPr lang="en-US" dirty="0"/>
           </a:p>
@@ -3079,7 +3079,7 @@
           <a:p>
             <a:fld id="{A5D3794B-289A-4A80-97D7-111025398D45}" type="datetimeFigureOut">
               <a:rPr lang="en-US" smtClean="0"/>
-              <a:t>4/4/2017</a:t>
+              <a:t>4/6/2017</a:t>
             </a:fld>
             <a:endParaRPr lang="en-US" dirty="0"/>
           </a:p>
@@ -3326,7 +3326,7 @@
           <a:p>
             <a:fld id="{5A61015F-7CC6-4D0A-9D87-873EA4C304CC}" type="datetimeFigureOut">
               <a:rPr lang="en-US" smtClean="0"/>
-              <a:t>4/4/2017</a:t>
+              <a:t>4/6/2017</a:t>
             </a:fld>
             <a:endParaRPr lang="en-US" dirty="0"/>
           </a:p>
@@ -3630,7 +3630,7 @@
           <a:p>
             <a:fld id="{93C6A301-0538-44EC-B09D-202E1042A48B}" type="datetimeFigureOut">
               <a:rPr lang="en-US" smtClean="0"/>
-              <a:t>4/4/2017</a:t>
+              <a:t>4/6/2017</a:t>
             </a:fld>
             <a:endParaRPr lang="en-US" dirty="0"/>
           </a:p>
@@ -4004,7 +4004,7 @@
           <a:p>
             <a:fld id="{D789574A-8875-45EF-8EA2-3CAA0F7ABC4C}" type="datetimeFigureOut">
               <a:rPr lang="en-US" smtClean="0"/>
-              <a:t>4/4/2017</a:t>
+              <a:t>4/6/2017</a:t>
             </a:fld>
             <a:endParaRPr lang="en-US" dirty="0"/>
           </a:p>
@@ -4127,7 +4127,7 @@
           <a:p>
             <a:fld id="{67EF4D4C-5367-4C26-9E2B-D8088D7FCA81}" type="datetimeFigureOut">
               <a:rPr lang="en-US" smtClean="0"/>
-              <a:t>4/4/2017</a:t>
+              <a:t>4/6/2017</a:t>
             </a:fld>
             <a:endParaRPr lang="en-US" dirty="0"/>
           </a:p>
@@ -4222,7 +4222,7 @@
           <a:p>
             <a:fld id="{56E91E96-98B0-4413-9547-46F3504108EF}" type="datetimeFigureOut">
               <a:rPr lang="en-US" smtClean="0"/>
-              <a:t>4/4/2017</a:t>
+              <a:t>4/6/2017</a:t>
             </a:fld>
             <a:endParaRPr lang="en-US" dirty="0"/>
           </a:p>
@@ -4477,7 +4477,7 @@
           <a:p>
             <a:fld id="{05C68B11-C5A8-448C-8CE9-B1A273C79CFC}" type="datetimeFigureOut">
               <a:rPr lang="en-US" smtClean="0"/>
-              <a:t>4/4/2017</a:t>
+              <a:t>4/6/2017</a:t>
             </a:fld>
             <a:endParaRPr lang="en-US" dirty="0"/>
           </a:p>
@@ -4782,7 +4782,7 @@
           <a:p>
             <a:fld id="{C7616CA0-919D-4A49-9C8A-62FDFB3A5183}" type="datetimeFigureOut">
               <a:rPr lang="en-US" smtClean="0"/>
-              <a:t>4/4/2017</a:t>
+              <a:t>4/6/2017</a:t>
             </a:fld>
             <a:endParaRPr lang="en-US" dirty="0"/>
           </a:p>
@@ -5485,7 +5485,7 @@
             <a:fld id="{90298CD5-6C1E-4009-B41F-6DF62E31D3BE}" type="datetimeFigureOut">
               <a:rPr lang="en-US" smtClean="0"/>
               <a:pPr/>
-              <a:t>4/4/2017</a:t>
+              <a:t>4/6/2017</a:t>
             </a:fld>
             <a:endParaRPr lang="en-US" dirty="0"/>
           </a:p>
@@ -6081,37 +6081,13 @@
           <a:p>
             <a:r>
               <a:rPr lang="en-US" smtClean="0"/>
-              <a:t>Wedne</a:t>
-            </a:r>
-            <a:r>
-              <a:rPr lang="en-US" smtClean="0"/>
-              <a:t>sday</a:t>
-            </a:r>
-            <a:r>
-              <a:rPr lang="en-US" smtClean="0"/>
-              <a:t>, April </a:t>
-            </a:r>
-            <a:r>
-              <a:rPr lang="en-US" smtClean="0"/>
-              <a:t>12, </a:t>
-            </a:r>
-            <a:r>
-              <a:rPr lang="en-US" smtClean="0"/>
-              <a:t>2017</a:t>
-            </a:r>
-          </a:p>
-          <a:p>
-            <a:r>
-              <a:rPr lang="en-US" smtClean="0"/>
-              <a:t>10:00 </a:t>
-            </a:r>
-            <a:r>
-              <a:rPr lang="en-US" smtClean="0"/>
-              <a:t>- </a:t>
-            </a:r>
-            <a:r>
-              <a:rPr lang="en-US" smtClean="0"/>
-              <a:t>10:45 </a:t>
+              <a:t>Wednesday, April 12, 2017</a:t>
+            </a:r>
+          </a:p>
+          <a:p>
+            <a:r>
+              <a:rPr lang="en-US" smtClean="0"/>
+              <a:t>10:00 - 10:45 </a:t>
             </a:r>
             <a:r>
               <a:rPr lang="en-US"/>
@@ -7090,12 +7066,36 @@
           <a:p>
             <a:r>
               <a:rPr lang="en-US" smtClean="0"/>
-              <a:t>The Target Environment</a:t>
+              <a:t>Our Solution</a:t>
             </a:r>
             <a:endParaRPr lang="en-US"/>
           </a:p>
         </p:txBody>
       </p:sp>
+      <p:pic>
+        <p:nvPicPr>
+          <p:cNvPr id="3" name="Picture 2"/>
+          <p:cNvPicPr>
+            <a:picLocks noChangeAspect="1"/>
+          </p:cNvPicPr>
+          <p:nvPr/>
+        </p:nvPicPr>
+        <p:blipFill>
+          <a:blip r:embed="rId2"/>
+          <a:stretch>
+            <a:fillRect/>
+          </a:stretch>
+        </p:blipFill>
+        <p:spPr>
+          <a:xfrm>
+            <a:off x="2454876" y="1331459"/>
+            <a:ext cx="7282249" cy="5322602"/>
+          </a:xfrm>
+          <a:prstGeom prst="rect">
+            <a:avLst/>
+          </a:prstGeom>
+        </p:spPr>
+      </p:pic>
     </p:spTree>
     <p:extLst>
       <p:ext uri="{BB962C8B-B14F-4D97-AF65-F5344CB8AC3E}">
@@ -7258,19 +7258,11 @@
             </a:r>
             <a:r>
               <a:rPr lang="en-US" sz="1800" b="1" strike="sngStrike" smtClean="0"/>
-              <a:t>M</a:t>
-            </a:r>
-            <a:r>
-              <a:rPr lang="en-US" sz="1800" b="1" strike="sngStrike" smtClean="0"/>
-              <a:t>e</a:t>
+              <a:t>Me</a:t>
             </a:r>
             <a:r>
               <a:rPr lang="en-US" sz="1800" b="1" smtClean="0"/>
-              <a:t> </a:t>
-            </a:r>
-            <a:r>
-              <a:rPr lang="en-US" sz="1800" b="1" smtClean="0"/>
-              <a:t>the evaluation</a:t>
+              <a:t> the evaluation</a:t>
             </a:r>
             <a:endParaRPr lang="en-US" sz="1800" b="1"/>
           </a:p>

--- a/warner-azure-webapp-pod.pptx
+++ b/warner-azure-webapp-pod.pptx
@@ -21,6 +21,16 @@
     <p:sldId id="274" r:id="rId15"/>
     <p:sldId id="275" r:id="rId16"/>
     <p:sldId id="264" r:id="rId17"/>
+    <p:sldId id="276" r:id="rId18"/>
+    <p:sldId id="277" r:id="rId19"/>
+    <p:sldId id="278" r:id="rId20"/>
+    <p:sldId id="279" r:id="rId21"/>
+    <p:sldId id="280" r:id="rId22"/>
+    <p:sldId id="281" r:id="rId23"/>
+    <p:sldId id="282" r:id="rId24"/>
+    <p:sldId id="283" r:id="rId25"/>
+    <p:sldId id="284" r:id="rId26"/>
+    <p:sldId id="285" r:id="rId27"/>
   </p:sldIdLst>
   <p:sldSz cx="12192000" cy="6858000"/>
   <p:notesSz cx="6858000" cy="9144000"/>
@@ -120,6 +130,44 @@
     </a:lvl9pPr>
   </p:defaultTextStyle>
   <p:extLst>
+    <p:ext uri="{521415D9-36F7-43E2-AB2F-B90AF26B5E84}">
+      <p14:sectionLst xmlns:p14="http://schemas.microsoft.com/office/powerpoint/2010/main">
+        <p14:section name="Default Section" id="{5E0CC6F0-FD2F-476C-8EFD-8E1349B8E910}">
+          <p14:sldIdLst>
+            <p14:sldId id="256"/>
+            <p14:sldId id="257"/>
+            <p14:sldId id="258"/>
+            <p14:sldId id="259"/>
+            <p14:sldId id="265"/>
+            <p14:sldId id="266"/>
+            <p14:sldId id="267"/>
+            <p14:sldId id="268"/>
+            <p14:sldId id="269"/>
+            <p14:sldId id="270"/>
+            <p14:sldId id="271"/>
+            <p14:sldId id="272"/>
+            <p14:sldId id="273"/>
+            <p14:sldId id="274"/>
+            <p14:sldId id="275"/>
+            <p14:sldId id="264"/>
+          </p14:sldIdLst>
+        </p14:section>
+        <p14:section name="Untitled Section" id="{939B2556-0DE1-4653-B149-8B115B1E8404}">
+          <p14:sldIdLst>
+            <p14:sldId id="276"/>
+            <p14:sldId id="277"/>
+            <p14:sldId id="278"/>
+            <p14:sldId id="279"/>
+            <p14:sldId id="280"/>
+            <p14:sldId id="281"/>
+            <p14:sldId id="282"/>
+            <p14:sldId id="283"/>
+            <p14:sldId id="284"/>
+            <p14:sldId id="285"/>
+          </p14:sldIdLst>
+        </p14:section>
+      </p14:sectionLst>
+    </p:ext>
     <p:ext uri="{EFAFB233-063F-42B5-8137-9DF3F51BA10A}">
       <p15:sldGuideLst xmlns:p15="http://schemas.microsoft.com/office/powerpoint/2012/main"/>
     </p:ext>
@@ -2970,6 +3018,1425 @@
 </p:sldLayout>
 </file>
 
+<file path=ppt/slideLayouts/slideLayout17.xml><?xml version="1.0" encoding="utf-8"?>
+<p:sldLayout xmlns:a="http://schemas.openxmlformats.org/drawingml/2006/main" xmlns:r="http://schemas.openxmlformats.org/officeDocument/2006/relationships" xmlns:p="http://schemas.openxmlformats.org/presentationml/2006/main" userDrawn="1">
+  <p:cSld name="Demo (Optional)">
+    <p:spTree>
+      <p:nvGrpSpPr>
+        <p:cNvPr id="1" name=""/>
+        <p:cNvGrpSpPr/>
+        <p:nvPr/>
+      </p:nvGrpSpPr>
+      <p:grpSpPr>
+        <a:xfrm>
+          <a:off x="0" y="0"/>
+          <a:ext cx="0" cy="0"/>
+          <a:chOff x="0" y="0"/>
+          <a:chExt cx="0" cy="0"/>
+        </a:xfrm>
+      </p:grpSpPr>
+      <p:sp>
+        <p:nvSpPr>
+          <p:cNvPr id="13" name="Rectangle 12"/>
+          <p:cNvSpPr/>
+          <p:nvPr userDrawn="1"/>
+        </p:nvSpPr>
+        <p:spPr>
+          <a:xfrm>
+            <a:off x="0" y="0"/>
+            <a:ext cx="4635500" cy="6858000"/>
+          </a:xfrm>
+          <a:prstGeom prst="rect">
+            <a:avLst/>
+          </a:prstGeom>
+          <a:solidFill>
+            <a:schemeClr val="accent2"/>
+          </a:solidFill>
+          <a:ln>
+            <a:noFill/>
+          </a:ln>
+          <a:effectLst/>
+        </p:spPr>
+        <p:style>
+          <a:lnRef idx="2">
+            <a:schemeClr val="accent1"/>
+          </a:lnRef>
+          <a:fillRef idx="0">
+            <a:schemeClr val="accent1"/>
+          </a:fillRef>
+          <a:effectRef idx="1">
+            <a:schemeClr val="accent1"/>
+          </a:effectRef>
+          <a:fontRef idx="minor">
+            <a:schemeClr val="tx1"/>
+          </a:fontRef>
+        </p:style>
+        <p:txBody>
+          <a:bodyPr rtlCol="0" anchor="ctr"/>
+          <a:lstStyle/>
+          <a:p>
+            <a:pPr algn="ctr"/>
+            <a:endParaRPr lang="en-US" dirty="0" err="1">
+              <a:solidFill>
+                <a:schemeClr val="bg1"/>
+              </a:solidFill>
+              <a:latin typeface="Gotham Medium" panose="02000604030000020004" pitchFamily="50" charset="0"/>
+            </a:endParaRPr>
+          </a:p>
+        </p:txBody>
+      </p:sp>
+      <p:pic>
+        <p:nvPicPr>
+          <p:cNvPr id="2" name="Picture 1"/>
+          <p:cNvPicPr>
+            <a:picLocks noChangeAspect="1"/>
+          </p:cNvPicPr>
+          <p:nvPr userDrawn="1"/>
+        </p:nvPicPr>
+        <p:blipFill>
+          <a:blip r:embed="rId2">
+            <a:extLst>
+              <a:ext uri="{28A0092B-C50C-407E-A947-70E740481C1C}">
+                <a14:useLocalDpi xmlns:a14="http://schemas.microsoft.com/office/drawing/2010/main" val="0"/>
+              </a:ext>
+            </a:extLst>
+          </a:blip>
+          <a:stretch>
+            <a:fillRect/>
+          </a:stretch>
+        </p:blipFill>
+        <p:spPr>
+          <a:xfrm>
+            <a:off x="0" y="0"/>
+            <a:ext cx="4635500" cy="6858000"/>
+          </a:xfrm>
+          <a:prstGeom prst="rect">
+            <a:avLst/>
+          </a:prstGeom>
+        </p:spPr>
+      </p:pic>
+      <p:pic>
+        <p:nvPicPr>
+          <p:cNvPr id="3" name="Picture 2"/>
+          <p:cNvPicPr>
+            <a:picLocks noChangeAspect="1"/>
+          </p:cNvPicPr>
+          <p:nvPr userDrawn="1"/>
+        </p:nvPicPr>
+        <p:blipFill>
+          <a:blip r:embed="rId3">
+            <a:extLst>
+              <a:ext uri="{28A0092B-C50C-407E-A947-70E740481C1C}">
+                <a14:useLocalDpi xmlns:a14="http://schemas.microsoft.com/office/drawing/2010/main" val="0"/>
+              </a:ext>
+            </a:extLst>
+          </a:blip>
+          <a:stretch>
+            <a:fillRect/>
+          </a:stretch>
+        </p:blipFill>
+        <p:spPr>
+          <a:xfrm>
+            <a:off x="0" y="0"/>
+            <a:ext cx="4635500" cy="6858000"/>
+          </a:xfrm>
+          <a:prstGeom prst="rect">
+            <a:avLst/>
+          </a:prstGeom>
+        </p:spPr>
+      </p:pic>
+      <p:sp>
+        <p:nvSpPr>
+          <p:cNvPr id="10" name="TextBox 9"/>
+          <p:cNvSpPr txBox="1"/>
+          <p:nvPr userDrawn="1"/>
+        </p:nvSpPr>
+        <p:spPr>
+          <a:xfrm>
+            <a:off x="0" y="2054618"/>
+            <a:ext cx="4629149" cy="477054"/>
+          </a:xfrm>
+          <a:prstGeom prst="rect">
+            <a:avLst/>
+          </a:prstGeom>
+          <a:noFill/>
+        </p:spPr>
+        <p:txBody>
+          <a:bodyPr wrap="square" rtlCol="0">
+            <a:spAutoFit/>
+          </a:bodyPr>
+          <a:lstStyle/>
+          <a:p>
+            <a:pPr algn="ctr">
+              <a:lnSpc>
+                <a:spcPts val="3000"/>
+              </a:lnSpc>
+            </a:pPr>
+            <a:r>
+              <a:rPr lang="en-US" sz="3600" b="0" i="0" dirty="0">
+                <a:solidFill>
+                  <a:schemeClr val="bg1"/>
+                </a:solidFill>
+                <a:latin typeface="+mj-lt"/>
+                <a:ea typeface="Gotham Light" charset="0"/>
+                <a:cs typeface="Gotham Light" charset="0"/>
+              </a:rPr>
+              <a:t>Demo</a:t>
+            </a:r>
+          </a:p>
+        </p:txBody>
+      </p:sp>
+      <p:sp>
+        <p:nvSpPr>
+          <p:cNvPr id="8" name="Text Placeholder 16"/>
+          <p:cNvSpPr>
+            <a:spLocks noGrp="1"/>
+          </p:cNvSpPr>
+          <p:nvPr>
+            <p:ph type="body" sz="quarter" idx="12" hasCustomPrompt="1"/>
+          </p:nvPr>
+        </p:nvSpPr>
+        <p:spPr>
+          <a:xfrm>
+            <a:off x="5181600" y="328230"/>
+            <a:ext cx="6463307" cy="5990425"/>
+          </a:xfrm>
+        </p:spPr>
+        <p:txBody>
+          <a:bodyPr anchor="ctr"/>
+          <a:lstStyle>
+            <a:lvl1pPr algn="l">
+              <a:lnSpc>
+                <a:spcPct val="100000"/>
+              </a:lnSpc>
+              <a:defRPr sz="2400" baseline="0">
+                <a:solidFill>
+                  <a:schemeClr val="accent2"/>
+                </a:solidFill>
+              </a:defRPr>
+            </a:lvl1pPr>
+            <a:lvl2pPr algn="l">
+              <a:defRPr sz="2400" b="0" i="0">
+                <a:solidFill>
+                  <a:schemeClr val="accent2"/>
+                </a:solidFill>
+                <a:latin typeface="Gotham Book" panose="02000604040000020004" pitchFamily="50" charset="0"/>
+                <a:ea typeface="Gotham Book" panose="02000604040000020004" pitchFamily="50" charset="0"/>
+                <a:cs typeface="Gotham Book" panose="02000604040000020004" pitchFamily="50" charset="0"/>
+              </a:defRPr>
+            </a:lvl2pPr>
+            <a:lvl3pPr algn="l">
+              <a:defRPr sz="2400" b="0" i="0">
+                <a:solidFill>
+                  <a:schemeClr val="accent2"/>
+                </a:solidFill>
+                <a:latin typeface="Gotham Book" panose="02000604040000020004" pitchFamily="50" charset="0"/>
+                <a:ea typeface="Gotham Book" panose="02000604040000020004" pitchFamily="50" charset="0"/>
+                <a:cs typeface="Gotham Book" panose="02000604040000020004" pitchFamily="50" charset="0"/>
+              </a:defRPr>
+            </a:lvl3pPr>
+            <a:lvl4pPr algn="l">
+              <a:defRPr sz="2400" b="0" i="0">
+                <a:solidFill>
+                  <a:schemeClr val="accent2"/>
+                </a:solidFill>
+                <a:latin typeface="Gotham Book" panose="02000604040000020004" pitchFamily="50" charset="0"/>
+                <a:ea typeface="Gotham Book" panose="02000604040000020004" pitchFamily="50" charset="0"/>
+                <a:cs typeface="Gotham Book" panose="02000604040000020004" pitchFamily="50" charset="0"/>
+              </a:defRPr>
+            </a:lvl4pPr>
+            <a:lvl5pPr algn="l">
+              <a:defRPr sz="2400" b="0" i="0">
+                <a:solidFill>
+                  <a:schemeClr val="accent2"/>
+                </a:solidFill>
+                <a:latin typeface="Gotham Book" panose="02000604040000020004" pitchFamily="50" charset="0"/>
+                <a:ea typeface="Gotham Book" panose="02000604040000020004" pitchFamily="50" charset="0"/>
+                <a:cs typeface="Gotham Book" panose="02000604040000020004" pitchFamily="50" charset="0"/>
+              </a:defRPr>
+            </a:lvl5pPr>
+            <a:lvl6pPr>
+              <a:defRPr>
+                <a:solidFill>
+                  <a:schemeClr val="accent2"/>
+                </a:solidFill>
+              </a:defRPr>
+            </a:lvl6pPr>
+            <a:lvl7pPr>
+              <a:defRPr>
+                <a:solidFill>
+                  <a:schemeClr val="accent2"/>
+                </a:solidFill>
+              </a:defRPr>
+            </a:lvl7pPr>
+            <a:lvl8pPr>
+              <a:defRPr>
+                <a:solidFill>
+                  <a:schemeClr val="accent2"/>
+                </a:solidFill>
+              </a:defRPr>
+            </a:lvl8pPr>
+            <a:lvl9pPr marL="2286000" indent="0">
+              <a:buNone/>
+              <a:defRPr>
+                <a:solidFill>
+                  <a:schemeClr val="accent2"/>
+                </a:solidFill>
+              </a:defRPr>
+            </a:lvl9pPr>
+          </a:lstStyle>
+          <a:p>
+            <a:pPr lvl="0"/>
+            <a:r>
+              <a:rPr lang="en-US" dirty="0"/>
+              <a:t>Click to add text</a:t>
+            </a:r>
+          </a:p>
+          <a:p>
+            <a:pPr lvl="1"/>
+            <a:r>
+              <a:rPr lang="en-US" dirty="0"/>
+              <a:t>Second level</a:t>
+            </a:r>
+          </a:p>
+          <a:p>
+            <a:pPr lvl="2"/>
+            <a:r>
+              <a:rPr lang="en-US" dirty="0"/>
+              <a:t>Third level</a:t>
+            </a:r>
+          </a:p>
+          <a:p>
+            <a:pPr lvl="3"/>
+            <a:r>
+              <a:rPr lang="en-US" dirty="0"/>
+              <a:t>Fourth level</a:t>
+            </a:r>
+          </a:p>
+          <a:p>
+            <a:pPr lvl="4"/>
+            <a:r>
+              <a:rPr lang="en-US" dirty="0"/>
+              <a:t>Fifth level</a:t>
+            </a:r>
+          </a:p>
+        </p:txBody>
+      </p:sp>
+      <p:sp>
+        <p:nvSpPr>
+          <p:cNvPr id="11" name="Rectangle 10"/>
+          <p:cNvSpPr/>
+          <p:nvPr userDrawn="1"/>
+        </p:nvSpPr>
+        <p:spPr>
+          <a:xfrm>
+            <a:off x="-1463041" y="0"/>
+            <a:ext cx="1463041" cy="738664"/>
+          </a:xfrm>
+          <a:prstGeom prst="rect">
+            <a:avLst/>
+          </a:prstGeom>
+        </p:spPr>
+        <p:txBody>
+          <a:bodyPr wrap="square">
+            <a:spAutoFit/>
+          </a:bodyPr>
+          <a:lstStyle/>
+          <a:p>
+            <a:pPr algn="r"/>
+            <a:r>
+              <a:rPr lang="en-US" sz="1400" b="0" dirty="0">
+                <a:latin typeface="Gotham Medium" panose="02000604030000020004" pitchFamily="50" charset="0"/>
+              </a:rPr>
+              <a:t>This bullet list is </a:t>
+            </a:r>
+            <a:r>
+              <a:rPr lang="en-US" sz="1400" b="1" dirty="0">
+                <a:solidFill>
+                  <a:schemeClr val="accent1"/>
+                </a:solidFill>
+                <a:latin typeface="Gotham Medium" panose="02000604030000020004" pitchFamily="50" charset="0"/>
+              </a:rPr>
+              <a:t>preset</a:t>
+            </a:r>
+            <a:r>
+              <a:rPr lang="en-US" sz="1400" b="0" dirty="0">
+                <a:solidFill>
+                  <a:schemeClr val="accent1"/>
+                </a:solidFill>
+                <a:latin typeface="Gotham Medium" panose="02000604030000020004" pitchFamily="50" charset="0"/>
+              </a:rPr>
+              <a:t> </a:t>
+            </a:r>
+            <a:r>
+              <a:rPr lang="en-US" sz="1400" b="0" dirty="0">
+                <a:latin typeface="Gotham Medium" panose="02000604030000020004" pitchFamily="50" charset="0"/>
+              </a:rPr>
+              <a:t>with </a:t>
+            </a:r>
+            <a:r>
+              <a:rPr lang="en-US" sz="1400" b="1" dirty="0">
+                <a:solidFill>
+                  <a:schemeClr val="accent1"/>
+                </a:solidFill>
+                <a:latin typeface="Gotham Medium" panose="02000604030000020004" pitchFamily="50" charset="0"/>
+              </a:rPr>
+              <a:t>animations</a:t>
+            </a:r>
+          </a:p>
+        </p:txBody>
+      </p:sp>
+    </p:spTree>
+    <p:extLst>
+      <p:ext uri="{BB962C8B-B14F-4D97-AF65-F5344CB8AC3E}">
+        <p14:creationId xmlns:p14="http://schemas.microsoft.com/office/powerpoint/2010/main" val="3831870951"/>
+      </p:ext>
+    </p:extLst>
+  </p:cSld>
+  <p:clrMapOvr>
+    <a:masterClrMapping/>
+  </p:clrMapOvr>
+  <p:timing>
+    <p:tnLst>
+      <p:par>
+        <p:cTn id="1" dur="indefinite" restart="never" nodeType="tmRoot">
+          <p:childTnLst>
+            <p:seq concurrent="1" nextAc="seek">
+              <p:cTn id="2" dur="indefinite" nodeType="mainSeq">
+                <p:childTnLst>
+                  <p:par>
+                    <p:cTn id="3" fill="hold">
+                      <p:stCondLst>
+                        <p:cond delay="indefinite"/>
+                        <p:cond evt="onBegin" delay="0">
+                          <p:tn val="2"/>
+                        </p:cond>
+                      </p:stCondLst>
+                      <p:childTnLst>
+                        <p:par>
+                          <p:cTn id="4" fill="hold">
+                            <p:stCondLst>
+                              <p:cond delay="0"/>
+                            </p:stCondLst>
+                            <p:childTnLst>
+                              <p:par>
+                                <p:cTn id="5" presetID="1" presetClass="exit" presetSubtype="0" fill="hold" nodeType="withEffect">
+                                  <p:stCondLst>
+                                    <p:cond delay="0"/>
+                                  </p:stCondLst>
+                                  <p:childTnLst>
+                                    <p:set>
+                                      <p:cBhvr>
+                                        <p:cTn id="6" dur="1" fill="hold">
+                                          <p:stCondLst>
+                                            <p:cond delay="0"/>
+                                          </p:stCondLst>
+                                        </p:cTn>
+                                        <p:tgtEl>
+                                          <p:spTgt spid="3"/>
+                                        </p:tgtEl>
+                                        <p:attrNameLst>
+                                          <p:attrName>style.visibility</p:attrName>
+                                        </p:attrNameLst>
+                                      </p:cBhvr>
+                                      <p:to>
+                                        <p:strVal val="hidden"/>
+                                      </p:to>
+                                    </p:set>
+                                  </p:childTnLst>
+                                </p:cTn>
+                              </p:par>
+                              <p:par>
+                                <p:cTn id="7" presetID="1" presetClass="entr" presetSubtype="0" fill="hold" nodeType="withEffect">
+                                  <p:stCondLst>
+                                    <p:cond delay="500"/>
+                                  </p:stCondLst>
+                                  <p:childTnLst>
+                                    <p:set>
+                                      <p:cBhvr>
+                                        <p:cTn id="8" dur="1" fill="hold">
+                                          <p:stCondLst>
+                                            <p:cond delay="0"/>
+                                          </p:stCondLst>
+                                        </p:cTn>
+                                        <p:tgtEl>
+                                          <p:spTgt spid="2"/>
+                                        </p:tgtEl>
+                                        <p:attrNameLst>
+                                          <p:attrName>style.visibility</p:attrName>
+                                        </p:attrNameLst>
+                                      </p:cBhvr>
+                                      <p:to>
+                                        <p:strVal val="visible"/>
+                                      </p:to>
+                                    </p:set>
+                                  </p:childTnLst>
+                                </p:cTn>
+                              </p:par>
+                              <p:par>
+                                <p:cTn id="9" presetID="1" presetClass="exit" presetSubtype="0" fill="hold" nodeType="withEffect">
+                                  <p:stCondLst>
+                                    <p:cond delay="5000"/>
+                                  </p:stCondLst>
+                                  <p:childTnLst>
+                                    <p:set>
+                                      <p:cBhvr>
+                                        <p:cTn id="10" dur="1" fill="hold">
+                                          <p:stCondLst>
+                                            <p:cond delay="0"/>
+                                          </p:stCondLst>
+                                        </p:cTn>
+                                        <p:tgtEl>
+                                          <p:spTgt spid="2"/>
+                                        </p:tgtEl>
+                                        <p:attrNameLst>
+                                          <p:attrName>style.visibility</p:attrName>
+                                        </p:attrNameLst>
+                                      </p:cBhvr>
+                                      <p:to>
+                                        <p:strVal val="hidden"/>
+                                      </p:to>
+                                    </p:set>
+                                  </p:childTnLst>
+                                </p:cTn>
+                              </p:par>
+                            </p:childTnLst>
+                          </p:cTn>
+                        </p:par>
+                        <p:par>
+                          <p:cTn id="11" fill="hold">
+                            <p:stCondLst>
+                              <p:cond delay="5000"/>
+                            </p:stCondLst>
+                            <p:childTnLst>
+                              <p:par>
+                                <p:cTn id="12" presetID="1" presetClass="entr" presetSubtype="0" fill="hold" nodeType="afterEffect">
+                                  <p:stCondLst>
+                                    <p:cond delay="0"/>
+                                  </p:stCondLst>
+                                  <p:childTnLst>
+                                    <p:set>
+                                      <p:cBhvr>
+                                        <p:cTn id="13" dur="1" fill="hold">
+                                          <p:stCondLst>
+                                            <p:cond delay="0"/>
+                                          </p:stCondLst>
+                                        </p:cTn>
+                                        <p:tgtEl>
+                                          <p:spTgt spid="3"/>
+                                        </p:tgtEl>
+                                        <p:attrNameLst>
+                                          <p:attrName>style.visibility</p:attrName>
+                                        </p:attrNameLst>
+                                      </p:cBhvr>
+                                      <p:to>
+                                        <p:strVal val="visible"/>
+                                      </p:to>
+                                    </p:set>
+                                  </p:childTnLst>
+                                </p:cTn>
+                              </p:par>
+                            </p:childTnLst>
+                          </p:cTn>
+                        </p:par>
+                      </p:childTnLst>
+                    </p:cTn>
+                  </p:par>
+                  <p:par>
+                    <p:cTn id="14" fill="hold">
+                      <p:stCondLst>
+                        <p:cond delay="indefinite"/>
+                      </p:stCondLst>
+                      <p:childTnLst>
+                        <p:par>
+                          <p:cTn id="15" fill="hold">
+                            <p:stCondLst>
+                              <p:cond delay="0"/>
+                            </p:stCondLst>
+                            <p:childTnLst>
+                              <p:par>
+                                <p:cTn id="16" presetID="1" presetClass="entr" presetSubtype="0" fill="hold" grpId="0" nodeType="clickEffect">
+                                  <p:stCondLst>
+                                    <p:cond delay="0"/>
+                                  </p:stCondLst>
+                                  <p:childTnLst>
+                                    <p:set>
+                                      <p:cBhvr>
+                                        <p:cTn id="17" dur="1" fill="hold">
+                                          <p:stCondLst>
+                                            <p:cond delay="0"/>
+                                          </p:stCondLst>
+                                        </p:cTn>
+                                        <p:tgtEl>
+                                          <p:spTgt spid="8">
+                                            <p:txEl>
+                                              <p:pRg st="0" end="0"/>
+                                            </p:txEl>
+                                          </p:spTgt>
+                                        </p:tgtEl>
+                                        <p:attrNameLst>
+                                          <p:attrName>style.visibility</p:attrName>
+                                        </p:attrNameLst>
+                                      </p:cBhvr>
+                                      <p:to>
+                                        <p:strVal val="visible"/>
+                                      </p:to>
+                                    </p:set>
+                                  </p:childTnLst>
+                                  <p:subTnLst>
+                                    <p:animClr clrSpc="rgb" dir="cw">
+                                      <p:cBhvr override="childStyle">
+                                        <p:cTn dur="1" fill="hold" display="0" masterRel="nextClick" afterEffect="1"/>
+                                        <p:tgtEl>
+                                          <p:spTgt spid="8">
+                                            <p:txEl>
+                                              <p:pRg st="0" end="0"/>
+                                            </p:txEl>
+                                          </p:spTgt>
+                                        </p:tgtEl>
+                                        <p:attrNameLst>
+                                          <p:attrName>ppt_c</p:attrName>
+                                        </p:attrNameLst>
+                                      </p:cBhvr>
+                                      <p:to>
+                                        <a:schemeClr val="tx2"/>
+                                      </p:to>
+                                    </p:animClr>
+                                  </p:subTnLst>
+                                </p:cTn>
+                              </p:par>
+                            </p:childTnLst>
+                          </p:cTn>
+                        </p:par>
+                      </p:childTnLst>
+                    </p:cTn>
+                  </p:par>
+                  <p:par>
+                    <p:cTn id="18" fill="hold">
+                      <p:stCondLst>
+                        <p:cond delay="indefinite"/>
+                      </p:stCondLst>
+                      <p:childTnLst>
+                        <p:par>
+                          <p:cTn id="19" fill="hold">
+                            <p:stCondLst>
+                              <p:cond delay="0"/>
+                            </p:stCondLst>
+                            <p:childTnLst>
+                              <p:par>
+                                <p:cTn id="20" presetID="1" presetClass="entr" presetSubtype="0" fill="hold" grpId="0" nodeType="clickEffect">
+                                  <p:stCondLst>
+                                    <p:cond delay="0"/>
+                                  </p:stCondLst>
+                                  <p:childTnLst>
+                                    <p:set>
+                                      <p:cBhvr>
+                                        <p:cTn id="21" dur="1" fill="hold">
+                                          <p:stCondLst>
+                                            <p:cond delay="0"/>
+                                          </p:stCondLst>
+                                        </p:cTn>
+                                        <p:tgtEl>
+                                          <p:spTgt spid="8">
+                                            <p:txEl>
+                                              <p:pRg st="1" end="1"/>
+                                            </p:txEl>
+                                          </p:spTgt>
+                                        </p:tgtEl>
+                                        <p:attrNameLst>
+                                          <p:attrName>style.visibility</p:attrName>
+                                        </p:attrNameLst>
+                                      </p:cBhvr>
+                                      <p:to>
+                                        <p:strVal val="visible"/>
+                                      </p:to>
+                                    </p:set>
+                                  </p:childTnLst>
+                                  <p:subTnLst>
+                                    <p:animClr clrSpc="rgb" dir="cw">
+                                      <p:cBhvr override="childStyle">
+                                        <p:cTn dur="1" fill="hold" display="0" masterRel="nextClick" afterEffect="1"/>
+                                        <p:tgtEl>
+                                          <p:spTgt spid="8">
+                                            <p:txEl>
+                                              <p:pRg st="1" end="1"/>
+                                            </p:txEl>
+                                          </p:spTgt>
+                                        </p:tgtEl>
+                                        <p:attrNameLst>
+                                          <p:attrName>ppt_c</p:attrName>
+                                        </p:attrNameLst>
+                                      </p:cBhvr>
+                                      <p:to>
+                                        <a:schemeClr val="tx2"/>
+                                      </p:to>
+                                    </p:animClr>
+                                  </p:subTnLst>
+                                </p:cTn>
+                              </p:par>
+                            </p:childTnLst>
+                          </p:cTn>
+                        </p:par>
+                      </p:childTnLst>
+                    </p:cTn>
+                  </p:par>
+                  <p:par>
+                    <p:cTn id="22" fill="hold">
+                      <p:stCondLst>
+                        <p:cond delay="indefinite"/>
+                      </p:stCondLst>
+                      <p:childTnLst>
+                        <p:par>
+                          <p:cTn id="23" fill="hold">
+                            <p:stCondLst>
+                              <p:cond delay="0"/>
+                            </p:stCondLst>
+                            <p:childTnLst>
+                              <p:par>
+                                <p:cTn id="24" presetID="1" presetClass="entr" presetSubtype="0" fill="hold" grpId="0" nodeType="clickEffect">
+                                  <p:stCondLst>
+                                    <p:cond delay="0"/>
+                                  </p:stCondLst>
+                                  <p:childTnLst>
+                                    <p:set>
+                                      <p:cBhvr>
+                                        <p:cTn id="25" dur="1" fill="hold">
+                                          <p:stCondLst>
+                                            <p:cond delay="0"/>
+                                          </p:stCondLst>
+                                        </p:cTn>
+                                        <p:tgtEl>
+                                          <p:spTgt spid="8">
+                                            <p:txEl>
+                                              <p:pRg st="2" end="2"/>
+                                            </p:txEl>
+                                          </p:spTgt>
+                                        </p:tgtEl>
+                                        <p:attrNameLst>
+                                          <p:attrName>style.visibility</p:attrName>
+                                        </p:attrNameLst>
+                                      </p:cBhvr>
+                                      <p:to>
+                                        <p:strVal val="visible"/>
+                                      </p:to>
+                                    </p:set>
+                                  </p:childTnLst>
+                                  <p:subTnLst>
+                                    <p:animClr clrSpc="rgb" dir="cw">
+                                      <p:cBhvr override="childStyle">
+                                        <p:cTn dur="1" fill="hold" display="0" masterRel="nextClick" afterEffect="1"/>
+                                        <p:tgtEl>
+                                          <p:spTgt spid="8">
+                                            <p:txEl>
+                                              <p:pRg st="2" end="2"/>
+                                            </p:txEl>
+                                          </p:spTgt>
+                                        </p:tgtEl>
+                                        <p:attrNameLst>
+                                          <p:attrName>ppt_c</p:attrName>
+                                        </p:attrNameLst>
+                                      </p:cBhvr>
+                                      <p:to>
+                                        <a:schemeClr val="tx2"/>
+                                      </p:to>
+                                    </p:animClr>
+                                  </p:subTnLst>
+                                </p:cTn>
+                              </p:par>
+                            </p:childTnLst>
+                          </p:cTn>
+                        </p:par>
+                      </p:childTnLst>
+                    </p:cTn>
+                  </p:par>
+                  <p:par>
+                    <p:cTn id="26" fill="hold">
+                      <p:stCondLst>
+                        <p:cond delay="indefinite"/>
+                      </p:stCondLst>
+                      <p:childTnLst>
+                        <p:par>
+                          <p:cTn id="27" fill="hold">
+                            <p:stCondLst>
+                              <p:cond delay="0"/>
+                            </p:stCondLst>
+                            <p:childTnLst>
+                              <p:par>
+                                <p:cTn id="28" presetID="1" presetClass="entr" presetSubtype="0" fill="hold" grpId="0" nodeType="clickEffect">
+                                  <p:stCondLst>
+                                    <p:cond delay="0"/>
+                                  </p:stCondLst>
+                                  <p:childTnLst>
+                                    <p:set>
+                                      <p:cBhvr>
+                                        <p:cTn id="29" dur="1" fill="hold">
+                                          <p:stCondLst>
+                                            <p:cond delay="0"/>
+                                          </p:stCondLst>
+                                        </p:cTn>
+                                        <p:tgtEl>
+                                          <p:spTgt spid="8">
+                                            <p:txEl>
+                                              <p:pRg st="3" end="3"/>
+                                            </p:txEl>
+                                          </p:spTgt>
+                                        </p:tgtEl>
+                                        <p:attrNameLst>
+                                          <p:attrName>style.visibility</p:attrName>
+                                        </p:attrNameLst>
+                                      </p:cBhvr>
+                                      <p:to>
+                                        <p:strVal val="visible"/>
+                                      </p:to>
+                                    </p:set>
+                                  </p:childTnLst>
+                                  <p:subTnLst>
+                                    <p:animClr clrSpc="rgb" dir="cw">
+                                      <p:cBhvr override="childStyle">
+                                        <p:cTn dur="1" fill="hold" display="0" masterRel="nextClick" afterEffect="1"/>
+                                        <p:tgtEl>
+                                          <p:spTgt spid="8">
+                                            <p:txEl>
+                                              <p:pRg st="3" end="3"/>
+                                            </p:txEl>
+                                          </p:spTgt>
+                                        </p:tgtEl>
+                                        <p:attrNameLst>
+                                          <p:attrName>ppt_c</p:attrName>
+                                        </p:attrNameLst>
+                                      </p:cBhvr>
+                                      <p:to>
+                                        <a:schemeClr val="tx2"/>
+                                      </p:to>
+                                    </p:animClr>
+                                  </p:subTnLst>
+                                </p:cTn>
+                              </p:par>
+                            </p:childTnLst>
+                          </p:cTn>
+                        </p:par>
+                      </p:childTnLst>
+                    </p:cTn>
+                  </p:par>
+                  <p:par>
+                    <p:cTn id="30" fill="hold">
+                      <p:stCondLst>
+                        <p:cond delay="indefinite"/>
+                      </p:stCondLst>
+                      <p:childTnLst>
+                        <p:par>
+                          <p:cTn id="31" fill="hold">
+                            <p:stCondLst>
+                              <p:cond delay="0"/>
+                            </p:stCondLst>
+                            <p:childTnLst>
+                              <p:par>
+                                <p:cTn id="32" presetID="1" presetClass="entr" presetSubtype="0" fill="hold" grpId="0" nodeType="clickEffect">
+                                  <p:stCondLst>
+                                    <p:cond delay="0"/>
+                                  </p:stCondLst>
+                                  <p:childTnLst>
+                                    <p:set>
+                                      <p:cBhvr>
+                                        <p:cTn id="33" dur="1" fill="hold">
+                                          <p:stCondLst>
+                                            <p:cond delay="0"/>
+                                          </p:stCondLst>
+                                        </p:cTn>
+                                        <p:tgtEl>
+                                          <p:spTgt spid="8">
+                                            <p:txEl>
+                                              <p:pRg st="4" end="4"/>
+                                            </p:txEl>
+                                          </p:spTgt>
+                                        </p:tgtEl>
+                                        <p:attrNameLst>
+                                          <p:attrName>style.visibility</p:attrName>
+                                        </p:attrNameLst>
+                                      </p:cBhvr>
+                                      <p:to>
+                                        <p:strVal val="visible"/>
+                                      </p:to>
+                                    </p:set>
+                                  </p:childTnLst>
+                                  <p:subTnLst>
+                                    <p:animClr clrSpc="rgb" dir="cw">
+                                      <p:cBhvr override="childStyle">
+                                        <p:cTn dur="1" fill="hold" display="0" masterRel="nextClick" afterEffect="1"/>
+                                        <p:tgtEl>
+                                          <p:spTgt spid="8">
+                                            <p:txEl>
+                                              <p:pRg st="4" end="4"/>
+                                            </p:txEl>
+                                          </p:spTgt>
+                                        </p:tgtEl>
+                                        <p:attrNameLst>
+                                          <p:attrName>ppt_c</p:attrName>
+                                        </p:attrNameLst>
+                                      </p:cBhvr>
+                                      <p:to>
+                                        <a:schemeClr val="tx2"/>
+                                      </p:to>
+                                    </p:animClr>
+                                  </p:subTnLst>
+                                </p:cTn>
+                              </p:par>
+                            </p:childTnLst>
+                          </p:cTn>
+                        </p:par>
+                      </p:childTnLst>
+                    </p:cTn>
+                  </p:par>
+                </p:childTnLst>
+              </p:cTn>
+              <p:prevCondLst>
+                <p:cond evt="onPrev" delay="0">
+                  <p:tgtEl>
+                    <p:sldTgt/>
+                  </p:tgtEl>
+                </p:cond>
+              </p:prevCondLst>
+              <p:nextCondLst>
+                <p:cond evt="onNext" delay="0">
+                  <p:tgtEl>
+                    <p:sldTgt/>
+                  </p:tgtEl>
+                </p:cond>
+              </p:nextCondLst>
+            </p:seq>
+          </p:childTnLst>
+        </p:cTn>
+      </p:par>
+    </p:tnLst>
+    <p:bldLst>
+      <p:bldP spid="8" grpId="0" build="p">
+        <p:tmplLst>
+          <p:tmpl lvl="1">
+            <p:tnLst>
+              <p:par>
+                <p:cTn presetID="1" presetClass="entr" presetSubtype="0" fill="hold" nodeType="clickEffect">
+                  <p:stCondLst>
+                    <p:cond delay="0"/>
+                  </p:stCondLst>
+                  <p:childTnLst>
+                    <p:set>
+                      <p:cBhvr>
+                        <p:cTn dur="1" fill="hold">
+                          <p:stCondLst>
+                            <p:cond delay="0"/>
+                          </p:stCondLst>
+                        </p:cTn>
+                        <p:tgtEl>
+                          <p:spTgt spid="8"/>
+                        </p:tgtEl>
+                        <p:attrNameLst>
+                          <p:attrName>style.visibility</p:attrName>
+                        </p:attrNameLst>
+                      </p:cBhvr>
+                      <p:to>
+                        <p:strVal val="visible"/>
+                      </p:to>
+                    </p:set>
+                  </p:childTnLst>
+                  <p:subTnLst>
+                    <p:animClr clrSpc="rgb" dir="cw">
+                      <p:cBhvr override="childStyle">
+                        <p:cTn dur="1" fill="hold" display="0" masterRel="nextClick" afterEffect="1"/>
+                        <p:tgtEl>
+                          <p:spTgt spid="8"/>
+                        </p:tgtEl>
+                        <p:attrNameLst>
+                          <p:attrName>ppt_c</p:attrName>
+                        </p:attrNameLst>
+                      </p:cBhvr>
+                      <p:to>
+                        <a:schemeClr val="tx2"/>
+                      </p:to>
+                    </p:animClr>
+                  </p:subTnLst>
+                </p:cTn>
+              </p:par>
+            </p:tnLst>
+          </p:tmpl>
+          <p:tmpl lvl="2">
+            <p:tnLst>
+              <p:par>
+                <p:cTn presetID="1" presetClass="entr" presetSubtype="0" fill="hold" nodeType="clickEffect">
+                  <p:stCondLst>
+                    <p:cond delay="0"/>
+                  </p:stCondLst>
+                  <p:childTnLst>
+                    <p:set>
+                      <p:cBhvr>
+                        <p:cTn dur="1" fill="hold">
+                          <p:stCondLst>
+                            <p:cond delay="0"/>
+                          </p:stCondLst>
+                        </p:cTn>
+                        <p:tgtEl>
+                          <p:spTgt spid="8"/>
+                        </p:tgtEl>
+                        <p:attrNameLst>
+                          <p:attrName>style.visibility</p:attrName>
+                        </p:attrNameLst>
+                      </p:cBhvr>
+                      <p:to>
+                        <p:strVal val="visible"/>
+                      </p:to>
+                    </p:set>
+                  </p:childTnLst>
+                  <p:subTnLst>
+                    <p:animClr clrSpc="rgb" dir="cw">
+                      <p:cBhvr override="childStyle">
+                        <p:cTn dur="1" fill="hold" display="0" masterRel="nextClick" afterEffect="1"/>
+                        <p:tgtEl>
+                          <p:spTgt spid="8"/>
+                        </p:tgtEl>
+                        <p:attrNameLst>
+                          <p:attrName>ppt_c</p:attrName>
+                        </p:attrNameLst>
+                      </p:cBhvr>
+                      <p:to>
+                        <a:schemeClr val="tx2"/>
+                      </p:to>
+                    </p:animClr>
+                  </p:subTnLst>
+                </p:cTn>
+              </p:par>
+            </p:tnLst>
+          </p:tmpl>
+          <p:tmpl lvl="3">
+            <p:tnLst>
+              <p:par>
+                <p:cTn presetID="1" presetClass="entr" presetSubtype="0" fill="hold" nodeType="clickEffect">
+                  <p:stCondLst>
+                    <p:cond delay="0"/>
+                  </p:stCondLst>
+                  <p:childTnLst>
+                    <p:set>
+                      <p:cBhvr>
+                        <p:cTn dur="1" fill="hold">
+                          <p:stCondLst>
+                            <p:cond delay="0"/>
+                          </p:stCondLst>
+                        </p:cTn>
+                        <p:tgtEl>
+                          <p:spTgt spid="8"/>
+                        </p:tgtEl>
+                        <p:attrNameLst>
+                          <p:attrName>style.visibility</p:attrName>
+                        </p:attrNameLst>
+                      </p:cBhvr>
+                      <p:to>
+                        <p:strVal val="visible"/>
+                      </p:to>
+                    </p:set>
+                  </p:childTnLst>
+                  <p:subTnLst>
+                    <p:animClr clrSpc="rgb" dir="cw">
+                      <p:cBhvr override="childStyle">
+                        <p:cTn dur="1" fill="hold" display="0" masterRel="nextClick" afterEffect="1"/>
+                        <p:tgtEl>
+                          <p:spTgt spid="8"/>
+                        </p:tgtEl>
+                        <p:attrNameLst>
+                          <p:attrName>ppt_c</p:attrName>
+                        </p:attrNameLst>
+                      </p:cBhvr>
+                      <p:to>
+                        <a:schemeClr val="tx2"/>
+                      </p:to>
+                    </p:animClr>
+                  </p:subTnLst>
+                </p:cTn>
+              </p:par>
+            </p:tnLst>
+          </p:tmpl>
+          <p:tmpl lvl="4">
+            <p:tnLst>
+              <p:par>
+                <p:cTn presetID="1" presetClass="entr" presetSubtype="0" fill="hold" nodeType="clickEffect">
+                  <p:stCondLst>
+                    <p:cond delay="0"/>
+                  </p:stCondLst>
+                  <p:childTnLst>
+                    <p:set>
+                      <p:cBhvr>
+                        <p:cTn dur="1" fill="hold">
+                          <p:stCondLst>
+                            <p:cond delay="0"/>
+                          </p:stCondLst>
+                        </p:cTn>
+                        <p:tgtEl>
+                          <p:spTgt spid="8"/>
+                        </p:tgtEl>
+                        <p:attrNameLst>
+                          <p:attrName>style.visibility</p:attrName>
+                        </p:attrNameLst>
+                      </p:cBhvr>
+                      <p:to>
+                        <p:strVal val="visible"/>
+                      </p:to>
+                    </p:set>
+                  </p:childTnLst>
+                  <p:subTnLst>
+                    <p:animClr clrSpc="rgb" dir="cw">
+                      <p:cBhvr override="childStyle">
+                        <p:cTn dur="1" fill="hold" display="0" masterRel="nextClick" afterEffect="1"/>
+                        <p:tgtEl>
+                          <p:spTgt spid="8"/>
+                        </p:tgtEl>
+                        <p:attrNameLst>
+                          <p:attrName>ppt_c</p:attrName>
+                        </p:attrNameLst>
+                      </p:cBhvr>
+                      <p:to>
+                        <a:schemeClr val="tx2"/>
+                      </p:to>
+                    </p:animClr>
+                  </p:subTnLst>
+                </p:cTn>
+              </p:par>
+            </p:tnLst>
+          </p:tmpl>
+          <p:tmpl lvl="5">
+            <p:tnLst>
+              <p:par>
+                <p:cTn presetID="1" presetClass="entr" presetSubtype="0" fill="hold" nodeType="clickEffect">
+                  <p:stCondLst>
+                    <p:cond delay="0"/>
+                  </p:stCondLst>
+                  <p:childTnLst>
+                    <p:set>
+                      <p:cBhvr>
+                        <p:cTn dur="1" fill="hold">
+                          <p:stCondLst>
+                            <p:cond delay="0"/>
+                          </p:stCondLst>
+                        </p:cTn>
+                        <p:tgtEl>
+                          <p:spTgt spid="8"/>
+                        </p:tgtEl>
+                        <p:attrNameLst>
+                          <p:attrName>style.visibility</p:attrName>
+                        </p:attrNameLst>
+                      </p:cBhvr>
+                      <p:to>
+                        <p:strVal val="visible"/>
+                      </p:to>
+                    </p:set>
+                  </p:childTnLst>
+                  <p:subTnLst>
+                    <p:animClr clrSpc="rgb" dir="cw">
+                      <p:cBhvr override="childStyle">
+                        <p:cTn dur="1" fill="hold" display="0" masterRel="nextClick" afterEffect="1"/>
+                        <p:tgtEl>
+                          <p:spTgt spid="8"/>
+                        </p:tgtEl>
+                        <p:attrNameLst>
+                          <p:attrName>ppt_c</p:attrName>
+                        </p:attrNameLst>
+                      </p:cBhvr>
+                      <p:to>
+                        <a:schemeClr val="tx2"/>
+                      </p:to>
+                    </p:animClr>
+                  </p:subTnLst>
+                </p:cTn>
+              </p:par>
+            </p:tnLst>
+          </p:tmpl>
+          <p:tmpl lvl="6">
+            <p:tnLst>
+              <p:par>
+                <p:cTn presetID="1" presetClass="entr" presetSubtype="0" fill="hold" nodeType="withEffect">
+                  <p:stCondLst>
+                    <p:cond delay="0"/>
+                  </p:stCondLst>
+                  <p:childTnLst>
+                    <p:set>
+                      <p:cBhvr>
+                        <p:cTn dur="1" fill="hold">
+                          <p:stCondLst>
+                            <p:cond delay="0"/>
+                          </p:stCondLst>
+                        </p:cTn>
+                        <p:tgtEl>
+                          <p:spTgt spid="8"/>
+                        </p:tgtEl>
+                        <p:attrNameLst>
+                          <p:attrName>style.visibility</p:attrName>
+                        </p:attrNameLst>
+                      </p:cBhvr>
+                      <p:to>
+                        <p:strVal val="visible"/>
+                      </p:to>
+                    </p:set>
+                  </p:childTnLst>
+                  <p:subTnLst>
+                    <p:animClr clrSpc="rgb" dir="cw">
+                      <p:cBhvr override="childStyle">
+                        <p:cTn dur="1" fill="hold" display="0" masterRel="nextClick" afterEffect="1"/>
+                        <p:tgtEl>
+                          <p:spTgt spid="8"/>
+                        </p:tgtEl>
+                        <p:attrNameLst>
+                          <p:attrName>ppt_c</p:attrName>
+                        </p:attrNameLst>
+                      </p:cBhvr>
+                      <p:to>
+                        <a:schemeClr val="tx2"/>
+                      </p:to>
+                    </p:animClr>
+                  </p:subTnLst>
+                </p:cTn>
+              </p:par>
+            </p:tnLst>
+          </p:tmpl>
+          <p:tmpl lvl="7">
+            <p:tnLst>
+              <p:par>
+                <p:cTn presetID="1" presetClass="entr" presetSubtype="0" fill="hold" nodeType="withEffect">
+                  <p:stCondLst>
+                    <p:cond delay="0"/>
+                  </p:stCondLst>
+                  <p:childTnLst>
+                    <p:set>
+                      <p:cBhvr>
+                        <p:cTn dur="1" fill="hold">
+                          <p:stCondLst>
+                            <p:cond delay="0"/>
+                          </p:stCondLst>
+                        </p:cTn>
+                        <p:tgtEl>
+                          <p:spTgt spid="8"/>
+                        </p:tgtEl>
+                        <p:attrNameLst>
+                          <p:attrName>style.visibility</p:attrName>
+                        </p:attrNameLst>
+                      </p:cBhvr>
+                      <p:to>
+                        <p:strVal val="visible"/>
+                      </p:to>
+                    </p:set>
+                  </p:childTnLst>
+                  <p:subTnLst>
+                    <p:animClr clrSpc="rgb" dir="cw">
+                      <p:cBhvr override="childStyle">
+                        <p:cTn dur="1" fill="hold" display="0" masterRel="nextClick" afterEffect="1"/>
+                        <p:tgtEl>
+                          <p:spTgt spid="8"/>
+                        </p:tgtEl>
+                        <p:attrNameLst>
+                          <p:attrName>ppt_c</p:attrName>
+                        </p:attrNameLst>
+                      </p:cBhvr>
+                      <p:to>
+                        <a:schemeClr val="tx2"/>
+                      </p:to>
+                    </p:animClr>
+                  </p:subTnLst>
+                </p:cTn>
+              </p:par>
+            </p:tnLst>
+          </p:tmpl>
+          <p:tmpl lvl="8">
+            <p:tnLst>
+              <p:par>
+                <p:cTn presetID="1" presetClass="entr" presetSubtype="0" fill="hold" nodeType="withEffect">
+                  <p:stCondLst>
+                    <p:cond delay="0"/>
+                  </p:stCondLst>
+                  <p:childTnLst>
+                    <p:set>
+                      <p:cBhvr>
+                        <p:cTn dur="1" fill="hold">
+                          <p:stCondLst>
+                            <p:cond delay="0"/>
+                          </p:stCondLst>
+                        </p:cTn>
+                        <p:tgtEl>
+                          <p:spTgt spid="8"/>
+                        </p:tgtEl>
+                        <p:attrNameLst>
+                          <p:attrName>style.visibility</p:attrName>
+                        </p:attrNameLst>
+                      </p:cBhvr>
+                      <p:to>
+                        <p:strVal val="visible"/>
+                      </p:to>
+                    </p:set>
+                  </p:childTnLst>
+                  <p:subTnLst>
+                    <p:animClr clrSpc="rgb" dir="cw">
+                      <p:cBhvr override="childStyle">
+                        <p:cTn dur="1" fill="hold" display="0" masterRel="nextClick" afterEffect="1"/>
+                        <p:tgtEl>
+                          <p:spTgt spid="8"/>
+                        </p:tgtEl>
+                        <p:attrNameLst>
+                          <p:attrName>ppt_c</p:attrName>
+                        </p:attrNameLst>
+                      </p:cBhvr>
+                      <p:to>
+                        <a:schemeClr val="tx2"/>
+                      </p:to>
+                    </p:animClr>
+                  </p:subTnLst>
+                </p:cTn>
+              </p:par>
+            </p:tnLst>
+          </p:tmpl>
+          <p:tmpl lvl="9">
+            <p:tnLst>
+              <p:par>
+                <p:cTn presetID="1" presetClass="entr" presetSubtype="0" fill="hold" nodeType="withEffect">
+                  <p:stCondLst>
+                    <p:cond delay="0"/>
+                  </p:stCondLst>
+                  <p:childTnLst>
+                    <p:set>
+                      <p:cBhvr>
+                        <p:cTn dur="1" fill="hold">
+                          <p:stCondLst>
+                            <p:cond delay="0"/>
+                          </p:stCondLst>
+                        </p:cTn>
+                        <p:tgtEl>
+                          <p:spTgt spid="8"/>
+                        </p:tgtEl>
+                        <p:attrNameLst>
+                          <p:attrName>style.visibility</p:attrName>
+                        </p:attrNameLst>
+                      </p:cBhvr>
+                      <p:to>
+                        <p:strVal val="visible"/>
+                      </p:to>
+                    </p:set>
+                  </p:childTnLst>
+                </p:cTn>
+              </p:par>
+            </p:tnLst>
+          </p:tmpl>
+        </p:tmplLst>
+      </p:bldP>
+    </p:bldLst>
+  </p:timing>
+  <p:extLst mod="1">
+    <p:ext uri="{DCECCB84-F9BA-43D5-87BE-67443E8EF086}">
+      <p15:sldGuideLst xmlns:p15="http://schemas.microsoft.com/office/powerpoint/2012/main">
+        <p15:guide id="4294967295" orient="horz" pos="2160">
+          <p15:clr>
+            <a:srgbClr val="FBAE40"/>
+          </p15:clr>
+        </p15:guide>
+        <p15:guide id="4294967295" pos="3264">
+          <p15:clr>
+            <a:srgbClr val="FBAE40"/>
+          </p15:clr>
+        </p15:guide>
+      </p15:sldGuideLst>
+    </p:ext>
+  </p:extLst>
+</p:sldLayout>
+</file>
+
+<file path=ppt/slideLayouts/slideLayout18.xml><?xml version="1.0" encoding="utf-8"?>
+<p:sldLayout xmlns:a="http://schemas.openxmlformats.org/drawingml/2006/main" xmlns:r="http://schemas.openxmlformats.org/officeDocument/2006/relationships" xmlns:p="http://schemas.openxmlformats.org/presentationml/2006/main" userDrawn="1">
+  <p:cSld name="Important Statement">
+    <p:bg>
+      <p:bgPr>
+        <a:solidFill>
+          <a:schemeClr val="accent2"/>
+        </a:solidFill>
+        <a:effectLst/>
+      </p:bgPr>
+    </p:bg>
+    <p:spTree>
+      <p:nvGrpSpPr>
+        <p:cNvPr id="1" name=""/>
+        <p:cNvGrpSpPr/>
+        <p:nvPr/>
+      </p:nvGrpSpPr>
+      <p:grpSpPr>
+        <a:xfrm>
+          <a:off x="0" y="0"/>
+          <a:ext cx="0" cy="0"/>
+          <a:chOff x="0" y="0"/>
+          <a:chExt cx="0" cy="0"/>
+        </a:xfrm>
+      </p:grpSpPr>
+      <p:sp>
+        <p:nvSpPr>
+          <p:cNvPr id="4" name="Title 12"/>
+          <p:cNvSpPr>
+            <a:spLocks noGrp="1"/>
+          </p:cNvSpPr>
+          <p:nvPr>
+            <p:ph type="title" hasCustomPrompt="1"/>
+          </p:nvPr>
+        </p:nvSpPr>
+        <p:spPr>
+          <a:xfrm>
+            <a:off x="2015067" y="1114004"/>
+            <a:ext cx="8170333" cy="4629992"/>
+          </a:xfrm>
+          <a:noFill/>
+          <a:ln>
+            <a:noFill/>
+          </a:ln>
+        </p:spPr>
+        <p:txBody>
+          <a:bodyPr anchor="ctr">
+            <a:normAutofit/>
+          </a:bodyPr>
+          <a:lstStyle>
+            <a:lvl1pPr algn="ctr">
+              <a:defRPr sz="4799" spc="-112" baseline="0">
+                <a:solidFill>
+                  <a:schemeClr val="bg1"/>
+                </a:solidFill>
+                <a:latin typeface="+mj-lt"/>
+              </a:defRPr>
+            </a:lvl1pPr>
+          </a:lstStyle>
+          <a:p>
+            <a:r>
+              <a:rPr lang="en-US" dirty="0"/>
+              <a:t>This is a short, important statement to bring attention to something.</a:t>
+            </a:r>
+          </a:p>
+        </p:txBody>
+      </p:sp>
+    </p:spTree>
+    <p:extLst>
+      <p:ext uri="{BB962C8B-B14F-4D97-AF65-F5344CB8AC3E}">
+        <p14:creationId xmlns:p14="http://schemas.microsoft.com/office/powerpoint/2010/main" val="527199928"/>
+      </p:ext>
+    </p:extLst>
+  </p:cSld>
+  <p:clrMapOvr>
+    <a:masterClrMapping/>
+  </p:clrMapOvr>
+  <p:extLst mod="1">
+    <p:ext uri="{DCECCB84-F9BA-43D5-87BE-67443E8EF086}">
+      <p15:sldGuideLst xmlns:p15="http://schemas.microsoft.com/office/powerpoint/2012/main">
+        <p15:guide id="4294967295" orient="horz" pos="2160">
+          <p15:clr>
+            <a:srgbClr val="FBAE40"/>
+          </p15:clr>
+        </p15:guide>
+        <p15:guide id="4294967295" pos="3840">
+          <p15:clr>
+            <a:srgbClr val="FBAE40"/>
+          </p15:clr>
+        </p15:guide>
+      </p15:sldGuideLst>
+    </p:ext>
+  </p:extLst>
+</p:sldLayout>
+</file>
+
 <file path=ppt/slideLayouts/slideLayout2.xml><?xml version="1.0" encoding="utf-8"?>
 <p:sldLayout xmlns:a="http://schemas.openxmlformats.org/drawingml/2006/main" xmlns:r="http://schemas.openxmlformats.org/officeDocument/2006/relationships" xmlns:p="http://schemas.openxmlformats.org/presentationml/2006/main" type="obj" preserve="1">
   <p:cSld name="Title and Content">
@@ -5593,6 +7060,8 @@
     <p:sldLayoutId id="2147483704" r:id="rId14"/>
     <p:sldLayoutId id="2147483705" r:id="rId15"/>
     <p:sldLayoutId id="2147483706" r:id="rId16"/>
+    <p:sldLayoutId id="2147483707" r:id="rId17"/>
+    <p:sldLayoutId id="2147483708" r:id="rId18"/>
   </p:sldLayoutIdLst>
   <p:timing>
     <p:tnLst>
@@ -7610,6 +9079,1648 @@
 </p:sld>
 </file>
 
+<file path=ppt/slides/slide17.xml><?xml version="1.0" encoding="utf-8"?>
+<p:sld xmlns:a="http://schemas.openxmlformats.org/drawingml/2006/main" xmlns:r="http://schemas.openxmlformats.org/officeDocument/2006/relationships" xmlns:p="http://schemas.openxmlformats.org/presentationml/2006/main">
+  <p:cSld>
+    <p:spTree>
+      <p:nvGrpSpPr>
+        <p:cNvPr id="1" name=""/>
+        <p:cNvGrpSpPr/>
+        <p:nvPr/>
+      </p:nvGrpSpPr>
+      <p:grpSpPr>
+        <a:xfrm>
+          <a:off x="0" y="0"/>
+          <a:ext cx="0" cy="0"/>
+          <a:chOff x="0" y="0"/>
+          <a:chExt cx="0" cy="0"/>
+        </a:xfrm>
+      </p:grpSpPr>
+      <p:sp>
+        <p:nvSpPr>
+          <p:cNvPr id="2" name="Title 1"/>
+          <p:cNvSpPr>
+            <a:spLocks noGrp="1"/>
+          </p:cNvSpPr>
+          <p:nvPr>
+            <p:ph type="title"/>
+          </p:nvPr>
+        </p:nvSpPr>
+        <p:spPr/>
+        <p:txBody>
+          <a:bodyPr/>
+          <a:lstStyle/>
+          <a:p>
+            <a:r>
+              <a:rPr lang="en-US" smtClean="0"/>
+              <a:t>Template Format</a:t>
+            </a:r>
+            <a:endParaRPr lang="en-US"/>
+          </a:p>
+        </p:txBody>
+      </p:sp>
+      <p:pic>
+        <p:nvPicPr>
+          <p:cNvPr id="5" name="Picture 4"/>
+          <p:cNvPicPr>
+            <a:picLocks noChangeAspect="1"/>
+          </p:cNvPicPr>
+          <p:nvPr/>
+        </p:nvPicPr>
+        <p:blipFill>
+          <a:blip r:embed="rId2"/>
+          <a:stretch>
+            <a:fillRect/>
+          </a:stretch>
+        </p:blipFill>
+        <p:spPr>
+          <a:xfrm>
+            <a:off x="423404" y="2290014"/>
+            <a:ext cx="11345193" cy="2277972"/>
+          </a:xfrm>
+          <a:prstGeom prst="rect">
+            <a:avLst/>
+          </a:prstGeom>
+        </p:spPr>
+      </p:pic>
+      <p:sp>
+        <p:nvSpPr>
+          <p:cNvPr id="4" name="Line Callout 1 3"/>
+          <p:cNvSpPr/>
+          <p:nvPr/>
+        </p:nvSpPr>
+        <p:spPr>
+          <a:xfrm>
+            <a:off x="9382013" y="420624"/>
+            <a:ext cx="2386584" cy="1536192"/>
+          </a:xfrm>
+          <a:prstGeom prst="borderCallout1">
+            <a:avLst>
+              <a:gd name="adj1" fmla="val 18750"/>
+              <a:gd name="adj2" fmla="val -8333"/>
+              <a:gd name="adj3" fmla="val 148810"/>
+              <a:gd name="adj4" fmla="val -300402"/>
+            </a:avLst>
+          </a:prstGeom>
+          <a:solidFill>
+            <a:schemeClr val="accent1"/>
+          </a:solidFill>
+          <a:ln>
+            <a:solidFill>
+              <a:schemeClr val="tx1"/>
+            </a:solidFill>
+          </a:ln>
+          <a:effectLst/>
+        </p:spPr>
+        <p:style>
+          <a:lnRef idx="2">
+            <a:schemeClr val="accent1"/>
+          </a:lnRef>
+          <a:fillRef idx="0">
+            <a:schemeClr val="accent1"/>
+          </a:fillRef>
+          <a:effectRef idx="1">
+            <a:schemeClr val="accent1"/>
+          </a:effectRef>
+          <a:fontRef idx="minor">
+            <a:schemeClr val="tx1"/>
+          </a:fontRef>
+        </p:style>
+        <p:txBody>
+          <a:bodyPr lIns="182880" tIns="182880" rIns="182880" bIns="182880" rtlCol="0" anchor="ctr"/>
+          <a:lstStyle/>
+          <a:p>
+            <a:pPr algn="ctr">
+              <a:spcBef>
+                <a:spcPts val="600"/>
+              </a:spcBef>
+            </a:pPr>
+            <a:r>
+              <a:rPr lang="en-US" sz="2000" smtClean="0">
+                <a:solidFill>
+                  <a:schemeClr val="bg1"/>
+                </a:solidFill>
+              </a:rPr>
+              <a:t>Required</a:t>
+            </a:r>
+            <a:endParaRPr lang="en-US" sz="2000" dirty="0" smtClean="0">
+              <a:solidFill>
+                <a:schemeClr val="bg1"/>
+              </a:solidFill>
+            </a:endParaRPr>
+          </a:p>
+        </p:txBody>
+      </p:sp>
+      <p:sp>
+        <p:nvSpPr>
+          <p:cNvPr id="6" name="Line Callout 1 5"/>
+          <p:cNvSpPr/>
+          <p:nvPr/>
+        </p:nvSpPr>
+        <p:spPr>
+          <a:xfrm>
+            <a:off x="9382013" y="3195355"/>
+            <a:ext cx="2386584" cy="1536192"/>
+          </a:xfrm>
+          <a:prstGeom prst="borderCallout1">
+            <a:avLst>
+              <a:gd name="adj1" fmla="val 18750"/>
+              <a:gd name="adj2" fmla="val -8333"/>
+              <a:gd name="adj3" fmla="val -11973"/>
+              <a:gd name="adj4" fmla="val -247555"/>
+            </a:avLst>
+          </a:prstGeom>
+          <a:solidFill>
+            <a:schemeClr val="accent1"/>
+          </a:solidFill>
+          <a:ln>
+            <a:solidFill>
+              <a:schemeClr val="tx1"/>
+            </a:solidFill>
+          </a:ln>
+          <a:effectLst/>
+        </p:spPr>
+        <p:style>
+          <a:lnRef idx="2">
+            <a:schemeClr val="accent1"/>
+          </a:lnRef>
+          <a:fillRef idx="0">
+            <a:schemeClr val="accent1"/>
+          </a:fillRef>
+          <a:effectRef idx="1">
+            <a:schemeClr val="accent1"/>
+          </a:effectRef>
+          <a:fontRef idx="minor">
+            <a:schemeClr val="tx1"/>
+          </a:fontRef>
+        </p:style>
+        <p:txBody>
+          <a:bodyPr lIns="182880" tIns="182880" rIns="182880" bIns="182880" rtlCol="0" anchor="ctr"/>
+          <a:lstStyle/>
+          <a:p>
+            <a:pPr algn="ctr">
+              <a:spcBef>
+                <a:spcPts val="600"/>
+              </a:spcBef>
+            </a:pPr>
+            <a:r>
+              <a:rPr lang="en-US" sz="2000" smtClean="0">
+                <a:solidFill>
+                  <a:schemeClr val="bg1"/>
+                </a:solidFill>
+              </a:rPr>
+              <a:t>Required; dev use only</a:t>
+            </a:r>
+            <a:endParaRPr lang="en-US" sz="2000" dirty="0" smtClean="0">
+              <a:solidFill>
+                <a:schemeClr val="bg1"/>
+              </a:solidFill>
+            </a:endParaRPr>
+          </a:p>
+        </p:txBody>
+      </p:sp>
+      <p:sp>
+        <p:nvSpPr>
+          <p:cNvPr id="7" name="Line Callout 1 6"/>
+          <p:cNvSpPr/>
+          <p:nvPr/>
+        </p:nvSpPr>
+        <p:spPr>
+          <a:xfrm>
+            <a:off x="9382013" y="4982114"/>
+            <a:ext cx="2386584" cy="1536192"/>
+          </a:xfrm>
+          <a:prstGeom prst="borderCallout1">
+            <a:avLst>
+              <a:gd name="adj1" fmla="val 18750"/>
+              <a:gd name="adj2" fmla="val -8333"/>
+              <a:gd name="adj3" fmla="val -105022"/>
+              <a:gd name="adj4" fmla="val -257684"/>
+            </a:avLst>
+          </a:prstGeom>
+          <a:solidFill>
+            <a:schemeClr val="accent1"/>
+          </a:solidFill>
+          <a:ln>
+            <a:solidFill>
+              <a:schemeClr val="tx1"/>
+            </a:solidFill>
+          </a:ln>
+          <a:effectLst/>
+        </p:spPr>
+        <p:style>
+          <a:lnRef idx="2">
+            <a:schemeClr val="accent1"/>
+          </a:lnRef>
+          <a:fillRef idx="0">
+            <a:schemeClr val="accent1"/>
+          </a:fillRef>
+          <a:effectRef idx="1">
+            <a:schemeClr val="accent1"/>
+          </a:effectRef>
+          <a:fontRef idx="minor">
+            <a:schemeClr val="tx1"/>
+          </a:fontRef>
+        </p:style>
+        <p:txBody>
+          <a:bodyPr lIns="182880" tIns="182880" rIns="182880" bIns="182880" rtlCol="0" anchor="ctr"/>
+          <a:lstStyle/>
+          <a:p>
+            <a:pPr algn="ctr">
+              <a:spcBef>
+                <a:spcPts val="600"/>
+              </a:spcBef>
+            </a:pPr>
+            <a:r>
+              <a:rPr lang="en-US" sz="2000" smtClean="0">
+                <a:solidFill>
+                  <a:schemeClr val="bg1"/>
+                </a:solidFill>
+              </a:rPr>
+              <a:t>Customize deployment</a:t>
+            </a:r>
+            <a:endParaRPr lang="en-US" sz="2000" dirty="0" smtClean="0">
+              <a:solidFill>
+                <a:schemeClr val="bg1"/>
+              </a:solidFill>
+            </a:endParaRPr>
+          </a:p>
+        </p:txBody>
+      </p:sp>
+      <p:sp>
+        <p:nvSpPr>
+          <p:cNvPr id="8" name="Line Callout 1 7"/>
+          <p:cNvSpPr/>
+          <p:nvPr/>
+        </p:nvSpPr>
+        <p:spPr>
+          <a:xfrm>
+            <a:off x="6659834" y="4982114"/>
+            <a:ext cx="2386584" cy="1536192"/>
+          </a:xfrm>
+          <a:prstGeom prst="borderCallout1">
+            <a:avLst>
+              <a:gd name="adj1" fmla="val 18750"/>
+              <a:gd name="adj2" fmla="val -8333"/>
+              <a:gd name="adj3" fmla="val -84497"/>
+              <a:gd name="adj4" fmla="val -146705"/>
+            </a:avLst>
+          </a:prstGeom>
+          <a:solidFill>
+            <a:schemeClr val="accent1"/>
+          </a:solidFill>
+          <a:ln>
+            <a:solidFill>
+              <a:schemeClr val="tx1"/>
+            </a:solidFill>
+          </a:ln>
+          <a:effectLst/>
+        </p:spPr>
+        <p:style>
+          <a:lnRef idx="2">
+            <a:schemeClr val="accent1"/>
+          </a:lnRef>
+          <a:fillRef idx="0">
+            <a:schemeClr val="accent1"/>
+          </a:fillRef>
+          <a:effectRef idx="1">
+            <a:schemeClr val="accent1"/>
+          </a:effectRef>
+          <a:fontRef idx="minor">
+            <a:schemeClr val="tx1"/>
+          </a:fontRef>
+        </p:style>
+        <p:txBody>
+          <a:bodyPr lIns="182880" tIns="182880" rIns="182880" bIns="182880" rtlCol="0" anchor="ctr"/>
+          <a:lstStyle/>
+          <a:p>
+            <a:pPr algn="ctr">
+              <a:spcBef>
+                <a:spcPts val="600"/>
+              </a:spcBef>
+            </a:pPr>
+            <a:r>
+              <a:rPr lang="en-US" sz="2000" smtClean="0">
+                <a:solidFill>
+                  <a:schemeClr val="bg1"/>
+                </a:solidFill>
+              </a:rPr>
+              <a:t>Values used in expressions</a:t>
+            </a:r>
+            <a:endParaRPr lang="en-US" sz="2000" dirty="0" smtClean="0">
+              <a:solidFill>
+                <a:schemeClr val="bg1"/>
+              </a:solidFill>
+            </a:endParaRPr>
+          </a:p>
+        </p:txBody>
+      </p:sp>
+      <p:sp>
+        <p:nvSpPr>
+          <p:cNvPr id="9" name="Line Callout 1 8"/>
+          <p:cNvSpPr/>
+          <p:nvPr/>
+        </p:nvSpPr>
+        <p:spPr>
+          <a:xfrm>
+            <a:off x="3937655" y="4982114"/>
+            <a:ext cx="2386584" cy="1536192"/>
+          </a:xfrm>
+          <a:prstGeom prst="borderCallout1">
+            <a:avLst>
+              <a:gd name="adj1" fmla="val 18750"/>
+              <a:gd name="adj2" fmla="val -8333"/>
+              <a:gd name="adj3" fmla="val -71498"/>
+              <a:gd name="adj4" fmla="val -34405"/>
+            </a:avLst>
+          </a:prstGeom>
+          <a:solidFill>
+            <a:schemeClr val="accent1"/>
+          </a:solidFill>
+          <a:ln>
+            <a:solidFill>
+              <a:schemeClr val="tx1"/>
+            </a:solidFill>
+          </a:ln>
+          <a:effectLst/>
+        </p:spPr>
+        <p:style>
+          <a:lnRef idx="2">
+            <a:schemeClr val="accent1"/>
+          </a:lnRef>
+          <a:fillRef idx="0">
+            <a:schemeClr val="accent1"/>
+          </a:fillRef>
+          <a:effectRef idx="1">
+            <a:schemeClr val="accent1"/>
+          </a:effectRef>
+          <a:fontRef idx="minor">
+            <a:schemeClr val="tx1"/>
+          </a:fontRef>
+        </p:style>
+        <p:txBody>
+          <a:bodyPr lIns="182880" tIns="182880" rIns="182880" bIns="182880" rtlCol="0" anchor="ctr"/>
+          <a:lstStyle/>
+          <a:p>
+            <a:pPr algn="ctr">
+              <a:spcBef>
+                <a:spcPts val="600"/>
+              </a:spcBef>
+            </a:pPr>
+            <a:r>
+              <a:rPr lang="en-US" sz="2000" smtClean="0">
+                <a:solidFill>
+                  <a:schemeClr val="bg1"/>
+                </a:solidFill>
+              </a:rPr>
+              <a:t>Required; included resources</a:t>
+            </a:r>
+            <a:endParaRPr lang="en-US" sz="2000" dirty="0" smtClean="0">
+              <a:solidFill>
+                <a:schemeClr val="bg1"/>
+              </a:solidFill>
+            </a:endParaRPr>
+          </a:p>
+        </p:txBody>
+      </p:sp>
+      <p:sp>
+        <p:nvSpPr>
+          <p:cNvPr id="10" name="Line Callout 1 9"/>
+          <p:cNvSpPr/>
+          <p:nvPr/>
+        </p:nvSpPr>
+        <p:spPr>
+          <a:xfrm>
+            <a:off x="837103" y="4982114"/>
+            <a:ext cx="2386584" cy="1536192"/>
+          </a:xfrm>
+          <a:prstGeom prst="borderCallout1">
+            <a:avLst>
+              <a:gd name="adj1" fmla="val 16013"/>
+              <a:gd name="adj2" fmla="val 103527"/>
+              <a:gd name="adj3" fmla="val -56446"/>
+              <a:gd name="adj4" fmla="val 84061"/>
+            </a:avLst>
+          </a:prstGeom>
+          <a:solidFill>
+            <a:schemeClr val="accent1"/>
+          </a:solidFill>
+          <a:ln>
+            <a:solidFill>
+              <a:schemeClr val="tx1"/>
+            </a:solidFill>
+          </a:ln>
+          <a:effectLst/>
+        </p:spPr>
+        <p:style>
+          <a:lnRef idx="2">
+            <a:schemeClr val="accent1"/>
+          </a:lnRef>
+          <a:fillRef idx="0">
+            <a:schemeClr val="accent1"/>
+          </a:fillRef>
+          <a:effectRef idx="1">
+            <a:schemeClr val="accent1"/>
+          </a:effectRef>
+          <a:fontRef idx="minor">
+            <a:schemeClr val="tx1"/>
+          </a:fontRef>
+        </p:style>
+        <p:txBody>
+          <a:bodyPr lIns="182880" tIns="182880" rIns="182880" bIns="182880" rtlCol="0" anchor="ctr"/>
+          <a:lstStyle/>
+          <a:p>
+            <a:pPr algn="ctr">
+              <a:spcBef>
+                <a:spcPts val="600"/>
+              </a:spcBef>
+            </a:pPr>
+            <a:r>
+              <a:rPr lang="en-US" sz="2000" smtClean="0">
+                <a:solidFill>
+                  <a:schemeClr val="bg1"/>
+                </a:solidFill>
+              </a:rPr>
+              <a:t>Values returned by deployment</a:t>
+            </a:r>
+            <a:endParaRPr lang="en-US" sz="2000" dirty="0" smtClean="0">
+              <a:solidFill>
+                <a:schemeClr val="bg1"/>
+              </a:solidFill>
+            </a:endParaRPr>
+          </a:p>
+        </p:txBody>
+      </p:sp>
+    </p:spTree>
+    <p:extLst>
+      <p:ext uri="{BB962C8B-B14F-4D97-AF65-F5344CB8AC3E}">
+        <p14:creationId xmlns:p14="http://schemas.microsoft.com/office/powerpoint/2010/main" val="1450471816"/>
+      </p:ext>
+    </p:extLst>
+  </p:cSld>
+  <p:clrMapOvr>
+    <a:masterClrMapping/>
+  </p:clrMapOvr>
+  <p:timing>
+    <p:tnLst>
+      <p:par>
+        <p:cTn id="1" dur="indefinite" restart="never" nodeType="tmRoot">
+          <p:childTnLst>
+            <p:seq concurrent="1" nextAc="seek">
+              <p:cTn id="2" dur="indefinite" nodeType="mainSeq">
+                <p:childTnLst>
+                  <p:par>
+                    <p:cTn id="3" fill="hold">
+                      <p:stCondLst>
+                        <p:cond delay="indefinite"/>
+                      </p:stCondLst>
+                      <p:childTnLst>
+                        <p:par>
+                          <p:cTn id="4" fill="hold">
+                            <p:stCondLst>
+                              <p:cond delay="0"/>
+                            </p:stCondLst>
+                            <p:childTnLst>
+                              <p:par>
+                                <p:cTn id="5" presetID="10" presetClass="entr" presetSubtype="0" fill="hold" grpId="0" nodeType="clickEffect">
+                                  <p:stCondLst>
+                                    <p:cond delay="0"/>
+                                  </p:stCondLst>
+                                  <p:childTnLst>
+                                    <p:set>
+                                      <p:cBhvr>
+                                        <p:cTn id="6" dur="1" fill="hold">
+                                          <p:stCondLst>
+                                            <p:cond delay="0"/>
+                                          </p:stCondLst>
+                                        </p:cTn>
+                                        <p:tgtEl>
+                                          <p:spTgt spid="4"/>
+                                        </p:tgtEl>
+                                        <p:attrNameLst>
+                                          <p:attrName>style.visibility</p:attrName>
+                                        </p:attrNameLst>
+                                      </p:cBhvr>
+                                      <p:to>
+                                        <p:strVal val="visible"/>
+                                      </p:to>
+                                    </p:set>
+                                    <p:animEffect transition="in" filter="fade">
+                                      <p:cBhvr>
+                                        <p:cTn id="7" dur="500"/>
+                                        <p:tgtEl>
+                                          <p:spTgt spid="4"/>
+                                        </p:tgtEl>
+                                      </p:cBhvr>
+                                    </p:animEffect>
+                                  </p:childTnLst>
+                                  <p:subTnLst>
+                                    <p:set>
+                                      <p:cBhvr override="childStyle">
+                                        <p:cTn dur="1" fill="hold" display="0" masterRel="nextClick" afterEffect="1"/>
+                                        <p:tgtEl>
+                                          <p:spTgt spid="4"/>
+                                        </p:tgtEl>
+                                        <p:attrNameLst>
+                                          <p:attrName>style.visibility</p:attrName>
+                                        </p:attrNameLst>
+                                      </p:cBhvr>
+                                      <p:to>
+                                        <p:strVal val="hidden"/>
+                                      </p:to>
+                                    </p:set>
+                                  </p:subTnLst>
+                                </p:cTn>
+                              </p:par>
+                            </p:childTnLst>
+                          </p:cTn>
+                        </p:par>
+                      </p:childTnLst>
+                    </p:cTn>
+                  </p:par>
+                  <p:par>
+                    <p:cTn id="8" fill="hold">
+                      <p:stCondLst>
+                        <p:cond delay="indefinite"/>
+                      </p:stCondLst>
+                      <p:childTnLst>
+                        <p:par>
+                          <p:cTn id="9" fill="hold">
+                            <p:stCondLst>
+                              <p:cond delay="0"/>
+                            </p:stCondLst>
+                            <p:childTnLst>
+                              <p:par>
+                                <p:cTn id="10" presetID="10" presetClass="entr" presetSubtype="0" fill="hold" grpId="0" nodeType="clickEffect">
+                                  <p:stCondLst>
+                                    <p:cond delay="0"/>
+                                  </p:stCondLst>
+                                  <p:childTnLst>
+                                    <p:set>
+                                      <p:cBhvr>
+                                        <p:cTn id="11" dur="1" fill="hold">
+                                          <p:stCondLst>
+                                            <p:cond delay="0"/>
+                                          </p:stCondLst>
+                                        </p:cTn>
+                                        <p:tgtEl>
+                                          <p:spTgt spid="6"/>
+                                        </p:tgtEl>
+                                        <p:attrNameLst>
+                                          <p:attrName>style.visibility</p:attrName>
+                                        </p:attrNameLst>
+                                      </p:cBhvr>
+                                      <p:to>
+                                        <p:strVal val="visible"/>
+                                      </p:to>
+                                    </p:set>
+                                    <p:animEffect transition="in" filter="fade">
+                                      <p:cBhvr>
+                                        <p:cTn id="12" dur="500"/>
+                                        <p:tgtEl>
+                                          <p:spTgt spid="6"/>
+                                        </p:tgtEl>
+                                      </p:cBhvr>
+                                    </p:animEffect>
+                                  </p:childTnLst>
+                                  <p:subTnLst>
+                                    <p:set>
+                                      <p:cBhvr override="childStyle">
+                                        <p:cTn dur="1" fill="hold" display="0" masterRel="nextClick" afterEffect="1"/>
+                                        <p:tgtEl>
+                                          <p:spTgt spid="6"/>
+                                        </p:tgtEl>
+                                        <p:attrNameLst>
+                                          <p:attrName>style.visibility</p:attrName>
+                                        </p:attrNameLst>
+                                      </p:cBhvr>
+                                      <p:to>
+                                        <p:strVal val="hidden"/>
+                                      </p:to>
+                                    </p:set>
+                                  </p:subTnLst>
+                                </p:cTn>
+                              </p:par>
+                            </p:childTnLst>
+                          </p:cTn>
+                        </p:par>
+                      </p:childTnLst>
+                    </p:cTn>
+                  </p:par>
+                  <p:par>
+                    <p:cTn id="13" fill="hold">
+                      <p:stCondLst>
+                        <p:cond delay="indefinite"/>
+                      </p:stCondLst>
+                      <p:childTnLst>
+                        <p:par>
+                          <p:cTn id="14" fill="hold">
+                            <p:stCondLst>
+                              <p:cond delay="0"/>
+                            </p:stCondLst>
+                            <p:childTnLst>
+                              <p:par>
+                                <p:cTn id="15" presetID="10" presetClass="entr" presetSubtype="0" fill="hold" grpId="0" nodeType="clickEffect">
+                                  <p:stCondLst>
+                                    <p:cond delay="0"/>
+                                  </p:stCondLst>
+                                  <p:childTnLst>
+                                    <p:set>
+                                      <p:cBhvr>
+                                        <p:cTn id="16" dur="1" fill="hold">
+                                          <p:stCondLst>
+                                            <p:cond delay="0"/>
+                                          </p:stCondLst>
+                                        </p:cTn>
+                                        <p:tgtEl>
+                                          <p:spTgt spid="7"/>
+                                        </p:tgtEl>
+                                        <p:attrNameLst>
+                                          <p:attrName>style.visibility</p:attrName>
+                                        </p:attrNameLst>
+                                      </p:cBhvr>
+                                      <p:to>
+                                        <p:strVal val="visible"/>
+                                      </p:to>
+                                    </p:set>
+                                    <p:animEffect transition="in" filter="fade">
+                                      <p:cBhvr>
+                                        <p:cTn id="17" dur="500"/>
+                                        <p:tgtEl>
+                                          <p:spTgt spid="7"/>
+                                        </p:tgtEl>
+                                      </p:cBhvr>
+                                    </p:animEffect>
+                                  </p:childTnLst>
+                                  <p:subTnLst>
+                                    <p:set>
+                                      <p:cBhvr override="childStyle">
+                                        <p:cTn dur="1" fill="hold" display="0" masterRel="nextClick" afterEffect="1"/>
+                                        <p:tgtEl>
+                                          <p:spTgt spid="7"/>
+                                        </p:tgtEl>
+                                        <p:attrNameLst>
+                                          <p:attrName>style.visibility</p:attrName>
+                                        </p:attrNameLst>
+                                      </p:cBhvr>
+                                      <p:to>
+                                        <p:strVal val="hidden"/>
+                                      </p:to>
+                                    </p:set>
+                                  </p:subTnLst>
+                                </p:cTn>
+                              </p:par>
+                            </p:childTnLst>
+                          </p:cTn>
+                        </p:par>
+                      </p:childTnLst>
+                    </p:cTn>
+                  </p:par>
+                  <p:par>
+                    <p:cTn id="18" fill="hold">
+                      <p:stCondLst>
+                        <p:cond delay="indefinite"/>
+                      </p:stCondLst>
+                      <p:childTnLst>
+                        <p:par>
+                          <p:cTn id="19" fill="hold">
+                            <p:stCondLst>
+                              <p:cond delay="0"/>
+                            </p:stCondLst>
+                            <p:childTnLst>
+                              <p:par>
+                                <p:cTn id="20" presetID="10" presetClass="entr" presetSubtype="0" fill="hold" grpId="0" nodeType="clickEffect">
+                                  <p:stCondLst>
+                                    <p:cond delay="0"/>
+                                  </p:stCondLst>
+                                  <p:childTnLst>
+                                    <p:set>
+                                      <p:cBhvr>
+                                        <p:cTn id="21" dur="1" fill="hold">
+                                          <p:stCondLst>
+                                            <p:cond delay="0"/>
+                                          </p:stCondLst>
+                                        </p:cTn>
+                                        <p:tgtEl>
+                                          <p:spTgt spid="8"/>
+                                        </p:tgtEl>
+                                        <p:attrNameLst>
+                                          <p:attrName>style.visibility</p:attrName>
+                                        </p:attrNameLst>
+                                      </p:cBhvr>
+                                      <p:to>
+                                        <p:strVal val="visible"/>
+                                      </p:to>
+                                    </p:set>
+                                    <p:animEffect transition="in" filter="fade">
+                                      <p:cBhvr>
+                                        <p:cTn id="22" dur="500"/>
+                                        <p:tgtEl>
+                                          <p:spTgt spid="8"/>
+                                        </p:tgtEl>
+                                      </p:cBhvr>
+                                    </p:animEffect>
+                                  </p:childTnLst>
+                                  <p:subTnLst>
+                                    <p:set>
+                                      <p:cBhvr override="childStyle">
+                                        <p:cTn dur="1" fill="hold" display="0" masterRel="nextClick" afterEffect="1"/>
+                                        <p:tgtEl>
+                                          <p:spTgt spid="8"/>
+                                        </p:tgtEl>
+                                        <p:attrNameLst>
+                                          <p:attrName>style.visibility</p:attrName>
+                                        </p:attrNameLst>
+                                      </p:cBhvr>
+                                      <p:to>
+                                        <p:strVal val="hidden"/>
+                                      </p:to>
+                                    </p:set>
+                                  </p:subTnLst>
+                                </p:cTn>
+                              </p:par>
+                            </p:childTnLst>
+                          </p:cTn>
+                        </p:par>
+                      </p:childTnLst>
+                    </p:cTn>
+                  </p:par>
+                  <p:par>
+                    <p:cTn id="23" fill="hold">
+                      <p:stCondLst>
+                        <p:cond delay="indefinite"/>
+                      </p:stCondLst>
+                      <p:childTnLst>
+                        <p:par>
+                          <p:cTn id="24" fill="hold">
+                            <p:stCondLst>
+                              <p:cond delay="0"/>
+                            </p:stCondLst>
+                            <p:childTnLst>
+                              <p:par>
+                                <p:cTn id="25" presetID="10" presetClass="entr" presetSubtype="0" fill="hold" grpId="0" nodeType="clickEffect">
+                                  <p:stCondLst>
+                                    <p:cond delay="0"/>
+                                  </p:stCondLst>
+                                  <p:childTnLst>
+                                    <p:set>
+                                      <p:cBhvr>
+                                        <p:cTn id="26" dur="1" fill="hold">
+                                          <p:stCondLst>
+                                            <p:cond delay="0"/>
+                                          </p:stCondLst>
+                                        </p:cTn>
+                                        <p:tgtEl>
+                                          <p:spTgt spid="9"/>
+                                        </p:tgtEl>
+                                        <p:attrNameLst>
+                                          <p:attrName>style.visibility</p:attrName>
+                                        </p:attrNameLst>
+                                      </p:cBhvr>
+                                      <p:to>
+                                        <p:strVal val="visible"/>
+                                      </p:to>
+                                    </p:set>
+                                    <p:animEffect transition="in" filter="fade">
+                                      <p:cBhvr>
+                                        <p:cTn id="27" dur="500"/>
+                                        <p:tgtEl>
+                                          <p:spTgt spid="9"/>
+                                        </p:tgtEl>
+                                      </p:cBhvr>
+                                    </p:animEffect>
+                                  </p:childTnLst>
+                                  <p:subTnLst>
+                                    <p:set>
+                                      <p:cBhvr override="childStyle">
+                                        <p:cTn dur="1" fill="hold" display="0" masterRel="nextClick" afterEffect="1"/>
+                                        <p:tgtEl>
+                                          <p:spTgt spid="9"/>
+                                        </p:tgtEl>
+                                        <p:attrNameLst>
+                                          <p:attrName>style.visibility</p:attrName>
+                                        </p:attrNameLst>
+                                      </p:cBhvr>
+                                      <p:to>
+                                        <p:strVal val="hidden"/>
+                                      </p:to>
+                                    </p:set>
+                                  </p:subTnLst>
+                                </p:cTn>
+                              </p:par>
+                            </p:childTnLst>
+                          </p:cTn>
+                        </p:par>
+                      </p:childTnLst>
+                    </p:cTn>
+                  </p:par>
+                  <p:par>
+                    <p:cTn id="28" fill="hold">
+                      <p:stCondLst>
+                        <p:cond delay="indefinite"/>
+                      </p:stCondLst>
+                      <p:childTnLst>
+                        <p:par>
+                          <p:cTn id="29" fill="hold">
+                            <p:stCondLst>
+                              <p:cond delay="0"/>
+                            </p:stCondLst>
+                            <p:childTnLst>
+                              <p:par>
+                                <p:cTn id="30" presetID="10" presetClass="entr" presetSubtype="0" fill="hold" grpId="0" nodeType="clickEffect">
+                                  <p:stCondLst>
+                                    <p:cond delay="0"/>
+                                  </p:stCondLst>
+                                  <p:childTnLst>
+                                    <p:set>
+                                      <p:cBhvr>
+                                        <p:cTn id="31" dur="1" fill="hold">
+                                          <p:stCondLst>
+                                            <p:cond delay="0"/>
+                                          </p:stCondLst>
+                                        </p:cTn>
+                                        <p:tgtEl>
+                                          <p:spTgt spid="10"/>
+                                        </p:tgtEl>
+                                        <p:attrNameLst>
+                                          <p:attrName>style.visibility</p:attrName>
+                                        </p:attrNameLst>
+                                      </p:cBhvr>
+                                      <p:to>
+                                        <p:strVal val="visible"/>
+                                      </p:to>
+                                    </p:set>
+                                    <p:animEffect transition="in" filter="fade">
+                                      <p:cBhvr>
+                                        <p:cTn id="32" dur="500"/>
+                                        <p:tgtEl>
+                                          <p:spTgt spid="10"/>
+                                        </p:tgtEl>
+                                      </p:cBhvr>
+                                    </p:animEffect>
+                                  </p:childTnLst>
+                                  <p:subTnLst>
+                                    <p:set>
+                                      <p:cBhvr override="childStyle">
+                                        <p:cTn dur="1" fill="hold" display="0" masterRel="nextClick" afterEffect="1"/>
+                                        <p:tgtEl>
+                                          <p:spTgt spid="10"/>
+                                        </p:tgtEl>
+                                        <p:attrNameLst>
+                                          <p:attrName>style.visibility</p:attrName>
+                                        </p:attrNameLst>
+                                      </p:cBhvr>
+                                      <p:to>
+                                        <p:strVal val="hidden"/>
+                                      </p:to>
+                                    </p:set>
+                                  </p:subTnLst>
+                                </p:cTn>
+                              </p:par>
+                            </p:childTnLst>
+                          </p:cTn>
+                        </p:par>
+                      </p:childTnLst>
+                    </p:cTn>
+                  </p:par>
+                </p:childTnLst>
+              </p:cTn>
+              <p:prevCondLst>
+                <p:cond evt="onPrev" delay="0">
+                  <p:tgtEl>
+                    <p:sldTgt/>
+                  </p:tgtEl>
+                </p:cond>
+              </p:prevCondLst>
+              <p:nextCondLst>
+                <p:cond evt="onNext" delay="0">
+                  <p:tgtEl>
+                    <p:sldTgt/>
+                  </p:tgtEl>
+                </p:cond>
+              </p:nextCondLst>
+            </p:seq>
+          </p:childTnLst>
+        </p:cTn>
+      </p:par>
+    </p:tnLst>
+    <p:bldLst>
+      <p:bldP spid="4" grpId="0" animBg="1"/>
+      <p:bldP spid="6" grpId="0" animBg="1"/>
+      <p:bldP spid="7" grpId="0" animBg="1"/>
+      <p:bldP spid="8" grpId="0" animBg="1"/>
+      <p:bldP spid="9" grpId="0" animBg="1"/>
+      <p:bldP spid="10" grpId="0" animBg="1"/>
+    </p:bldLst>
+  </p:timing>
+</p:sld>
+</file>
+
+<file path=ppt/slides/slide18.xml><?xml version="1.0" encoding="utf-8"?>
+<p:sld xmlns:a="http://schemas.openxmlformats.org/drawingml/2006/main" xmlns:r="http://schemas.openxmlformats.org/officeDocument/2006/relationships" xmlns:p="http://schemas.openxmlformats.org/presentationml/2006/main">
+  <p:cSld>
+    <p:spTree>
+      <p:nvGrpSpPr>
+        <p:cNvPr id="1" name=""/>
+        <p:cNvGrpSpPr/>
+        <p:nvPr/>
+      </p:nvGrpSpPr>
+      <p:grpSpPr>
+        <a:xfrm>
+          <a:off x="0" y="0"/>
+          <a:ext cx="0" cy="0"/>
+          <a:chOff x="0" y="0"/>
+          <a:chExt cx="0" cy="0"/>
+        </a:xfrm>
+      </p:grpSpPr>
+      <p:sp>
+        <p:nvSpPr>
+          <p:cNvPr id="2" name="Title 1"/>
+          <p:cNvSpPr>
+            <a:spLocks noGrp="1"/>
+          </p:cNvSpPr>
+          <p:nvPr>
+            <p:ph type="title"/>
+          </p:nvPr>
+        </p:nvSpPr>
+        <p:spPr/>
+        <p:txBody>
+          <a:bodyPr/>
+          <a:lstStyle/>
+          <a:p>
+            <a:r>
+              <a:rPr lang="en-US" smtClean="0"/>
+              <a:t>Expressions and Functions</a:t>
+            </a:r>
+            <a:endParaRPr lang="en-US"/>
+          </a:p>
+        </p:txBody>
+      </p:sp>
+      <p:pic>
+        <p:nvPicPr>
+          <p:cNvPr id="4" name="Picture 3"/>
+          <p:cNvPicPr>
+            <a:picLocks noChangeAspect="1"/>
+          </p:cNvPicPr>
+          <p:nvPr/>
+        </p:nvPicPr>
+        <p:blipFill>
+          <a:blip r:embed="rId2"/>
+          <a:stretch>
+            <a:fillRect/>
+          </a:stretch>
+        </p:blipFill>
+        <p:spPr>
+          <a:xfrm>
+            <a:off x="488216" y="2640043"/>
+            <a:ext cx="11215568" cy="1577915"/>
+          </a:xfrm>
+          <a:prstGeom prst="rect">
+            <a:avLst/>
+          </a:prstGeom>
+        </p:spPr>
+      </p:pic>
+      <p:sp>
+        <p:nvSpPr>
+          <p:cNvPr id="5" name="Line Callout 1 4"/>
+          <p:cNvSpPr/>
+          <p:nvPr/>
+        </p:nvSpPr>
+        <p:spPr>
+          <a:xfrm>
+            <a:off x="6239421" y="1380384"/>
+            <a:ext cx="2386584" cy="1536192"/>
+          </a:xfrm>
+          <a:prstGeom prst="borderCallout1">
+            <a:avLst>
+              <a:gd name="adj1" fmla="val 18750"/>
+              <a:gd name="adj2" fmla="val -8333"/>
+              <a:gd name="adj3" fmla="val 110496"/>
+              <a:gd name="adj4" fmla="val -146264"/>
+            </a:avLst>
+          </a:prstGeom>
+          <a:solidFill>
+            <a:schemeClr val="accent1"/>
+          </a:solidFill>
+          <a:ln>
+            <a:solidFill>
+              <a:schemeClr val="tx1"/>
+            </a:solidFill>
+          </a:ln>
+          <a:effectLst/>
+        </p:spPr>
+        <p:style>
+          <a:lnRef idx="2">
+            <a:schemeClr val="accent1"/>
+          </a:lnRef>
+          <a:fillRef idx="0">
+            <a:schemeClr val="accent1"/>
+          </a:fillRef>
+          <a:effectRef idx="1">
+            <a:schemeClr val="accent1"/>
+          </a:effectRef>
+          <a:fontRef idx="minor">
+            <a:schemeClr val="tx1"/>
+          </a:fontRef>
+        </p:style>
+        <p:txBody>
+          <a:bodyPr lIns="182880" tIns="182880" rIns="182880" bIns="182880" rtlCol="0" anchor="ctr"/>
+          <a:lstStyle/>
+          <a:p>
+            <a:pPr algn="ctr">
+              <a:spcBef>
+                <a:spcPts val="600"/>
+              </a:spcBef>
+            </a:pPr>
+            <a:r>
+              <a:rPr lang="en-US" sz="2000" smtClean="0">
+                <a:solidFill>
+                  <a:schemeClr val="bg1"/>
+                </a:solidFill>
+              </a:rPr>
+              <a:t>expression</a:t>
+            </a:r>
+            <a:endParaRPr lang="en-US" sz="2000" dirty="0" smtClean="0">
+              <a:solidFill>
+                <a:schemeClr val="bg1"/>
+              </a:solidFill>
+            </a:endParaRPr>
+          </a:p>
+        </p:txBody>
+      </p:sp>
+      <p:sp>
+        <p:nvSpPr>
+          <p:cNvPr id="6" name="Line Callout 1 5"/>
+          <p:cNvSpPr/>
+          <p:nvPr/>
+        </p:nvSpPr>
+        <p:spPr>
+          <a:xfrm>
+            <a:off x="6239421" y="4668902"/>
+            <a:ext cx="2386584" cy="1536192"/>
+          </a:xfrm>
+          <a:prstGeom prst="borderCallout1">
+            <a:avLst>
+              <a:gd name="adj1" fmla="val 18750"/>
+              <a:gd name="adj2" fmla="val -8333"/>
+              <a:gd name="adj3" fmla="val -55076"/>
+              <a:gd name="adj4" fmla="val -74039"/>
+            </a:avLst>
+          </a:prstGeom>
+          <a:solidFill>
+            <a:schemeClr val="accent1"/>
+          </a:solidFill>
+          <a:ln>
+            <a:solidFill>
+              <a:schemeClr val="tx1"/>
+            </a:solidFill>
+          </a:ln>
+          <a:effectLst/>
+        </p:spPr>
+        <p:style>
+          <a:lnRef idx="2">
+            <a:schemeClr val="accent1"/>
+          </a:lnRef>
+          <a:fillRef idx="0">
+            <a:schemeClr val="accent1"/>
+          </a:fillRef>
+          <a:effectRef idx="1">
+            <a:schemeClr val="accent1"/>
+          </a:effectRef>
+          <a:fontRef idx="minor">
+            <a:schemeClr val="tx1"/>
+          </a:fontRef>
+        </p:style>
+        <p:txBody>
+          <a:bodyPr lIns="182880" tIns="182880" rIns="182880" bIns="182880" rtlCol="0" anchor="ctr"/>
+          <a:lstStyle/>
+          <a:p>
+            <a:pPr algn="ctr">
+              <a:spcBef>
+                <a:spcPts val="600"/>
+              </a:spcBef>
+            </a:pPr>
+            <a:r>
+              <a:rPr lang="en-US" sz="2000" smtClean="0">
+                <a:solidFill>
+                  <a:schemeClr val="bg1"/>
+                </a:solidFill>
+              </a:rPr>
+              <a:t>function</a:t>
+            </a:r>
+            <a:endParaRPr lang="en-US" sz="2000" dirty="0" smtClean="0">
+              <a:solidFill>
+                <a:schemeClr val="bg1"/>
+              </a:solidFill>
+            </a:endParaRPr>
+          </a:p>
+        </p:txBody>
+      </p:sp>
+    </p:spTree>
+    <p:extLst>
+      <p:ext uri="{BB962C8B-B14F-4D97-AF65-F5344CB8AC3E}">
+        <p14:creationId xmlns:p14="http://schemas.microsoft.com/office/powerpoint/2010/main" val="23807724"/>
+      </p:ext>
+    </p:extLst>
+  </p:cSld>
+  <p:clrMapOvr>
+    <a:masterClrMapping/>
+  </p:clrMapOvr>
+  <p:timing>
+    <p:tnLst>
+      <p:par>
+        <p:cTn id="1" dur="indefinite" restart="never" nodeType="tmRoot">
+          <p:childTnLst>
+            <p:seq concurrent="1" nextAc="seek">
+              <p:cTn id="2" dur="indefinite" nodeType="mainSeq">
+                <p:childTnLst>
+                  <p:par>
+                    <p:cTn id="3" fill="hold">
+                      <p:stCondLst>
+                        <p:cond delay="indefinite"/>
+                      </p:stCondLst>
+                      <p:childTnLst>
+                        <p:par>
+                          <p:cTn id="4" fill="hold">
+                            <p:stCondLst>
+                              <p:cond delay="0"/>
+                            </p:stCondLst>
+                            <p:childTnLst>
+                              <p:par>
+                                <p:cTn id="5" presetID="10" presetClass="entr" presetSubtype="0" fill="hold" grpId="0" nodeType="clickEffect">
+                                  <p:stCondLst>
+                                    <p:cond delay="0"/>
+                                  </p:stCondLst>
+                                  <p:childTnLst>
+                                    <p:set>
+                                      <p:cBhvr>
+                                        <p:cTn id="6" dur="1" fill="hold">
+                                          <p:stCondLst>
+                                            <p:cond delay="0"/>
+                                          </p:stCondLst>
+                                        </p:cTn>
+                                        <p:tgtEl>
+                                          <p:spTgt spid="5"/>
+                                        </p:tgtEl>
+                                        <p:attrNameLst>
+                                          <p:attrName>style.visibility</p:attrName>
+                                        </p:attrNameLst>
+                                      </p:cBhvr>
+                                      <p:to>
+                                        <p:strVal val="visible"/>
+                                      </p:to>
+                                    </p:set>
+                                    <p:animEffect transition="in" filter="fade">
+                                      <p:cBhvr>
+                                        <p:cTn id="7" dur="500"/>
+                                        <p:tgtEl>
+                                          <p:spTgt spid="5"/>
+                                        </p:tgtEl>
+                                      </p:cBhvr>
+                                    </p:animEffect>
+                                  </p:childTnLst>
+                                  <p:subTnLst>
+                                    <p:set>
+                                      <p:cBhvr override="childStyle">
+                                        <p:cTn dur="1" fill="hold" display="0" masterRel="nextClick" afterEffect="1"/>
+                                        <p:tgtEl>
+                                          <p:spTgt spid="5"/>
+                                        </p:tgtEl>
+                                        <p:attrNameLst>
+                                          <p:attrName>style.visibility</p:attrName>
+                                        </p:attrNameLst>
+                                      </p:cBhvr>
+                                      <p:to>
+                                        <p:strVal val="hidden"/>
+                                      </p:to>
+                                    </p:set>
+                                  </p:subTnLst>
+                                </p:cTn>
+                              </p:par>
+                            </p:childTnLst>
+                          </p:cTn>
+                        </p:par>
+                      </p:childTnLst>
+                    </p:cTn>
+                  </p:par>
+                  <p:par>
+                    <p:cTn id="8" fill="hold">
+                      <p:stCondLst>
+                        <p:cond delay="indefinite"/>
+                      </p:stCondLst>
+                      <p:childTnLst>
+                        <p:par>
+                          <p:cTn id="9" fill="hold">
+                            <p:stCondLst>
+                              <p:cond delay="0"/>
+                            </p:stCondLst>
+                            <p:childTnLst>
+                              <p:par>
+                                <p:cTn id="10" presetID="10" presetClass="entr" presetSubtype="0" fill="hold" grpId="0" nodeType="clickEffect">
+                                  <p:stCondLst>
+                                    <p:cond delay="0"/>
+                                  </p:stCondLst>
+                                  <p:childTnLst>
+                                    <p:set>
+                                      <p:cBhvr>
+                                        <p:cTn id="11" dur="1" fill="hold">
+                                          <p:stCondLst>
+                                            <p:cond delay="0"/>
+                                          </p:stCondLst>
+                                        </p:cTn>
+                                        <p:tgtEl>
+                                          <p:spTgt spid="6"/>
+                                        </p:tgtEl>
+                                        <p:attrNameLst>
+                                          <p:attrName>style.visibility</p:attrName>
+                                        </p:attrNameLst>
+                                      </p:cBhvr>
+                                      <p:to>
+                                        <p:strVal val="visible"/>
+                                      </p:to>
+                                    </p:set>
+                                    <p:animEffect transition="in" filter="fade">
+                                      <p:cBhvr>
+                                        <p:cTn id="12" dur="500"/>
+                                        <p:tgtEl>
+                                          <p:spTgt spid="6"/>
+                                        </p:tgtEl>
+                                      </p:cBhvr>
+                                    </p:animEffect>
+                                  </p:childTnLst>
+                                  <p:subTnLst>
+                                    <p:set>
+                                      <p:cBhvr override="childStyle">
+                                        <p:cTn dur="1" fill="hold" display="0" masterRel="nextClick" afterEffect="1"/>
+                                        <p:tgtEl>
+                                          <p:spTgt spid="6"/>
+                                        </p:tgtEl>
+                                        <p:attrNameLst>
+                                          <p:attrName>style.visibility</p:attrName>
+                                        </p:attrNameLst>
+                                      </p:cBhvr>
+                                      <p:to>
+                                        <p:strVal val="hidden"/>
+                                      </p:to>
+                                    </p:set>
+                                  </p:subTnLst>
+                                </p:cTn>
+                              </p:par>
+                            </p:childTnLst>
+                          </p:cTn>
+                        </p:par>
+                      </p:childTnLst>
+                    </p:cTn>
+                  </p:par>
+                </p:childTnLst>
+              </p:cTn>
+              <p:prevCondLst>
+                <p:cond evt="onPrev" delay="0">
+                  <p:tgtEl>
+                    <p:sldTgt/>
+                  </p:tgtEl>
+                </p:cond>
+              </p:prevCondLst>
+              <p:nextCondLst>
+                <p:cond evt="onNext" delay="0">
+                  <p:tgtEl>
+                    <p:sldTgt/>
+                  </p:tgtEl>
+                </p:cond>
+              </p:nextCondLst>
+            </p:seq>
+          </p:childTnLst>
+        </p:cTn>
+      </p:par>
+    </p:tnLst>
+    <p:bldLst>
+      <p:bldP spid="5" grpId="0" animBg="1"/>
+      <p:bldP spid="6" grpId="0" animBg="1"/>
+    </p:bldLst>
+  </p:timing>
+</p:sld>
+</file>
+
+<file path=ppt/slides/slide19.xml><?xml version="1.0" encoding="utf-8"?>
+<p:sld xmlns:a="http://schemas.openxmlformats.org/drawingml/2006/main" xmlns:r="http://schemas.openxmlformats.org/officeDocument/2006/relationships" xmlns:p="http://schemas.openxmlformats.org/presentationml/2006/main">
+  <p:cSld>
+    <p:spTree>
+      <p:nvGrpSpPr>
+        <p:cNvPr id="1" name=""/>
+        <p:cNvGrpSpPr/>
+        <p:nvPr/>
+      </p:nvGrpSpPr>
+      <p:grpSpPr>
+        <a:xfrm>
+          <a:off x="0" y="0"/>
+          <a:ext cx="0" cy="0"/>
+          <a:chOff x="0" y="0"/>
+          <a:chExt cx="0" cy="0"/>
+        </a:xfrm>
+      </p:grpSpPr>
+      <p:sp>
+        <p:nvSpPr>
+          <p:cNvPr id="2" name="Title 1"/>
+          <p:cNvSpPr>
+            <a:spLocks noGrp="1"/>
+          </p:cNvSpPr>
+          <p:nvPr>
+            <p:ph type="title"/>
+          </p:nvPr>
+        </p:nvSpPr>
+        <p:spPr/>
+        <p:txBody>
+          <a:bodyPr/>
+          <a:lstStyle/>
+          <a:p>
+            <a:r>
+              <a:rPr lang="en-US" smtClean="0"/>
+              <a:t>Visual Studio Code</a:t>
+            </a:r>
+            <a:endParaRPr lang="en-US"/>
+          </a:p>
+        </p:txBody>
+      </p:sp>
+      <p:pic>
+        <p:nvPicPr>
+          <p:cNvPr id="4" name="Picture 3"/>
+          <p:cNvPicPr>
+            <a:picLocks noChangeAspect="1"/>
+          </p:cNvPicPr>
+          <p:nvPr/>
+        </p:nvPicPr>
+        <p:blipFill>
+          <a:blip r:embed="rId2"/>
+          <a:stretch>
+            <a:fillRect/>
+          </a:stretch>
+        </p:blipFill>
+        <p:spPr>
+          <a:xfrm>
+            <a:off x="2281881" y="1270000"/>
+            <a:ext cx="7414054" cy="5459176"/>
+          </a:xfrm>
+          <a:prstGeom prst="rect">
+            <a:avLst/>
+          </a:prstGeom>
+        </p:spPr>
+      </p:pic>
+      <p:pic>
+        <p:nvPicPr>
+          <p:cNvPr id="5" name="Picture 4"/>
+          <p:cNvPicPr>
+            <a:picLocks noChangeAspect="1"/>
+          </p:cNvPicPr>
+          <p:nvPr/>
+        </p:nvPicPr>
+        <p:blipFill>
+          <a:blip r:embed="rId3"/>
+          <a:stretch>
+            <a:fillRect/>
+          </a:stretch>
+        </p:blipFill>
+        <p:spPr>
+          <a:xfrm>
+            <a:off x="1455865" y="2102339"/>
+            <a:ext cx="9280270" cy="3276969"/>
+          </a:xfrm>
+          <a:prstGeom prst="rect">
+            <a:avLst/>
+          </a:prstGeom>
+        </p:spPr>
+      </p:pic>
+      <p:sp>
+        <p:nvSpPr>
+          <p:cNvPr id="6" name="Rectangle 5"/>
+          <p:cNvSpPr/>
+          <p:nvPr/>
+        </p:nvSpPr>
+        <p:spPr>
+          <a:xfrm>
+            <a:off x="2751721" y="4330262"/>
+            <a:ext cx="6497381" cy="893379"/>
+          </a:xfrm>
+          <a:prstGeom prst="rect">
+            <a:avLst/>
+          </a:prstGeom>
+          <a:noFill/>
+          <a:ln w="57150">
+            <a:solidFill>
+              <a:srgbClr val="FF0000"/>
+            </a:solidFill>
+          </a:ln>
+          <a:effectLst/>
+        </p:spPr>
+        <p:style>
+          <a:lnRef idx="2">
+            <a:schemeClr val="accent1"/>
+          </a:lnRef>
+          <a:fillRef idx="0">
+            <a:schemeClr val="accent1"/>
+          </a:fillRef>
+          <a:effectRef idx="1">
+            <a:schemeClr val="accent1"/>
+          </a:effectRef>
+          <a:fontRef idx="minor">
+            <a:schemeClr val="tx1"/>
+          </a:fontRef>
+        </p:style>
+        <p:txBody>
+          <a:bodyPr lIns="182880" tIns="182880" rIns="182880" bIns="182880" rtlCol="0" anchor="ctr"/>
+          <a:lstStyle/>
+          <a:p>
+            <a:pPr algn="ctr">
+              <a:spcBef>
+                <a:spcPts val="600"/>
+              </a:spcBef>
+            </a:pPr>
+            <a:endParaRPr lang="en-US" sz="2000" dirty="0" smtClean="0">
+              <a:solidFill>
+                <a:schemeClr val="bg1"/>
+              </a:solidFill>
+            </a:endParaRPr>
+          </a:p>
+        </p:txBody>
+      </p:sp>
+    </p:spTree>
+    <p:extLst>
+      <p:ext uri="{BB962C8B-B14F-4D97-AF65-F5344CB8AC3E}">
+        <p14:creationId xmlns:p14="http://schemas.microsoft.com/office/powerpoint/2010/main" val="2474982262"/>
+      </p:ext>
+    </p:extLst>
+  </p:cSld>
+  <p:clrMapOvr>
+    <a:masterClrMapping/>
+  </p:clrMapOvr>
+  <p:timing>
+    <p:tnLst>
+      <p:par>
+        <p:cTn id="1" dur="indefinite" restart="never" nodeType="tmRoot">
+          <p:childTnLst>
+            <p:seq concurrent="1" nextAc="seek">
+              <p:cTn id="2" dur="indefinite" nodeType="mainSeq">
+                <p:childTnLst>
+                  <p:par>
+                    <p:cTn id="3" fill="hold">
+                      <p:stCondLst>
+                        <p:cond delay="indefinite"/>
+                      </p:stCondLst>
+                      <p:childTnLst>
+                        <p:par>
+                          <p:cTn id="4" fill="hold">
+                            <p:stCondLst>
+                              <p:cond delay="0"/>
+                            </p:stCondLst>
+                            <p:childTnLst>
+                              <p:par>
+                                <p:cTn id="5" presetID="1" presetClass="exit" presetSubtype="0" fill="hold" nodeType="clickEffect">
+                                  <p:stCondLst>
+                                    <p:cond delay="0"/>
+                                  </p:stCondLst>
+                                  <p:childTnLst>
+                                    <p:set>
+                                      <p:cBhvr>
+                                        <p:cTn id="6" dur="1" fill="hold">
+                                          <p:stCondLst>
+                                            <p:cond delay="0"/>
+                                          </p:stCondLst>
+                                        </p:cTn>
+                                        <p:tgtEl>
+                                          <p:spTgt spid="4"/>
+                                        </p:tgtEl>
+                                        <p:attrNameLst>
+                                          <p:attrName>style.visibility</p:attrName>
+                                        </p:attrNameLst>
+                                      </p:cBhvr>
+                                      <p:to>
+                                        <p:strVal val="hidden"/>
+                                      </p:to>
+                                    </p:set>
+                                  </p:childTnLst>
+                                </p:cTn>
+                              </p:par>
+                              <p:par>
+                                <p:cTn id="7" presetID="10" presetClass="entr" presetSubtype="0" fill="hold" nodeType="withEffect">
+                                  <p:stCondLst>
+                                    <p:cond delay="0"/>
+                                  </p:stCondLst>
+                                  <p:childTnLst>
+                                    <p:set>
+                                      <p:cBhvr>
+                                        <p:cTn id="8" dur="1" fill="hold">
+                                          <p:stCondLst>
+                                            <p:cond delay="0"/>
+                                          </p:stCondLst>
+                                        </p:cTn>
+                                        <p:tgtEl>
+                                          <p:spTgt spid="5"/>
+                                        </p:tgtEl>
+                                        <p:attrNameLst>
+                                          <p:attrName>style.visibility</p:attrName>
+                                        </p:attrNameLst>
+                                      </p:cBhvr>
+                                      <p:to>
+                                        <p:strVal val="visible"/>
+                                      </p:to>
+                                    </p:set>
+                                    <p:animEffect transition="in" filter="fade">
+                                      <p:cBhvr>
+                                        <p:cTn id="9" dur="500"/>
+                                        <p:tgtEl>
+                                          <p:spTgt spid="5"/>
+                                        </p:tgtEl>
+                                      </p:cBhvr>
+                                    </p:animEffect>
+                                  </p:childTnLst>
+                                </p:cTn>
+                              </p:par>
+                            </p:childTnLst>
+                          </p:cTn>
+                        </p:par>
+                      </p:childTnLst>
+                    </p:cTn>
+                  </p:par>
+                  <p:par>
+                    <p:cTn id="10" fill="hold">
+                      <p:stCondLst>
+                        <p:cond delay="indefinite"/>
+                      </p:stCondLst>
+                      <p:childTnLst>
+                        <p:par>
+                          <p:cTn id="11" fill="hold">
+                            <p:stCondLst>
+                              <p:cond delay="0"/>
+                            </p:stCondLst>
+                            <p:childTnLst>
+                              <p:par>
+                                <p:cTn id="12" presetID="10" presetClass="entr" presetSubtype="0" fill="hold" grpId="0" nodeType="clickEffect">
+                                  <p:stCondLst>
+                                    <p:cond delay="0"/>
+                                  </p:stCondLst>
+                                  <p:childTnLst>
+                                    <p:set>
+                                      <p:cBhvr>
+                                        <p:cTn id="13" dur="1" fill="hold">
+                                          <p:stCondLst>
+                                            <p:cond delay="0"/>
+                                          </p:stCondLst>
+                                        </p:cTn>
+                                        <p:tgtEl>
+                                          <p:spTgt spid="6"/>
+                                        </p:tgtEl>
+                                        <p:attrNameLst>
+                                          <p:attrName>style.visibility</p:attrName>
+                                        </p:attrNameLst>
+                                      </p:cBhvr>
+                                      <p:to>
+                                        <p:strVal val="visible"/>
+                                      </p:to>
+                                    </p:set>
+                                    <p:animEffect transition="in" filter="fade">
+                                      <p:cBhvr>
+                                        <p:cTn id="14" dur="500"/>
+                                        <p:tgtEl>
+                                          <p:spTgt spid="6"/>
+                                        </p:tgtEl>
+                                      </p:cBhvr>
+                                    </p:animEffect>
+                                  </p:childTnLst>
+                                </p:cTn>
+                              </p:par>
+                            </p:childTnLst>
+                          </p:cTn>
+                        </p:par>
+                      </p:childTnLst>
+                    </p:cTn>
+                  </p:par>
+                </p:childTnLst>
+              </p:cTn>
+              <p:prevCondLst>
+                <p:cond evt="onPrev" delay="0">
+                  <p:tgtEl>
+                    <p:sldTgt/>
+                  </p:tgtEl>
+                </p:cond>
+              </p:prevCondLst>
+              <p:nextCondLst>
+                <p:cond evt="onNext" delay="0">
+                  <p:tgtEl>
+                    <p:sldTgt/>
+                  </p:tgtEl>
+                </p:cond>
+              </p:nextCondLst>
+            </p:seq>
+          </p:childTnLst>
+        </p:cTn>
+      </p:par>
+    </p:tnLst>
+    <p:bldLst>
+      <p:bldP spid="6" grpId="0" animBg="1"/>
+    </p:bldLst>
+  </p:timing>
+</p:sld>
+</file>
+
 <file path=ppt/slides/slide2.xml><?xml version="1.0" encoding="utf-8"?>
 <p:sld xmlns:a="http://schemas.openxmlformats.org/drawingml/2006/main" xmlns:r="http://schemas.openxmlformats.org/officeDocument/2006/relationships" xmlns:p="http://schemas.openxmlformats.org/presentationml/2006/main">
   <p:cSld>
@@ -7906,6 +11017,2591 @@
         </p:cTn>
       </p:par>
     </p:tnLst>
+  </p:timing>
+</p:sld>
+</file>
+
+<file path=ppt/slides/slide20.xml><?xml version="1.0" encoding="utf-8"?>
+<p:sld xmlns:a="http://schemas.openxmlformats.org/drawingml/2006/main" xmlns:r="http://schemas.openxmlformats.org/officeDocument/2006/relationships" xmlns:p="http://schemas.openxmlformats.org/presentationml/2006/main">
+  <p:cSld>
+    <p:spTree>
+      <p:nvGrpSpPr>
+        <p:cNvPr id="1" name=""/>
+        <p:cNvGrpSpPr/>
+        <p:nvPr/>
+      </p:nvGrpSpPr>
+      <p:grpSpPr>
+        <a:xfrm>
+          <a:off x="0" y="0"/>
+          <a:ext cx="0" cy="0"/>
+          <a:chOff x="0" y="0"/>
+          <a:chExt cx="0" cy="0"/>
+        </a:xfrm>
+      </p:grpSpPr>
+      <p:sp>
+        <p:nvSpPr>
+          <p:cNvPr id="2" name="Title 1"/>
+          <p:cNvSpPr>
+            <a:spLocks noGrp="1"/>
+          </p:cNvSpPr>
+          <p:nvPr>
+            <p:ph type="title"/>
+          </p:nvPr>
+        </p:nvSpPr>
+        <p:spPr/>
+        <p:txBody>
+          <a:bodyPr/>
+          <a:lstStyle/>
+          <a:p>
+            <a:r>
+              <a:rPr lang="en-US" smtClean="0"/>
+              <a:t>Azure Resource </a:t>
+            </a:r>
+            <a:r>
+              <a:rPr lang="en-US" smtClean="0"/>
+              <a:t>Visualizer</a:t>
+            </a:r>
+            <a:endParaRPr lang="en-US"/>
+          </a:p>
+        </p:txBody>
+      </p:sp>
+      <p:pic>
+        <p:nvPicPr>
+          <p:cNvPr id="4" name="Picture 3"/>
+          <p:cNvPicPr>
+            <a:picLocks noChangeAspect="1"/>
+          </p:cNvPicPr>
+          <p:nvPr/>
+        </p:nvPicPr>
+        <p:blipFill>
+          <a:blip r:embed="rId2"/>
+          <a:stretch>
+            <a:fillRect/>
+          </a:stretch>
+        </p:blipFill>
+        <p:spPr>
+          <a:xfrm>
+            <a:off x="1664042" y="1368854"/>
+            <a:ext cx="8297250" cy="5213178"/>
+          </a:xfrm>
+          <a:prstGeom prst="rect">
+            <a:avLst/>
+          </a:prstGeom>
+        </p:spPr>
+      </p:pic>
+      <p:pic>
+        <p:nvPicPr>
+          <p:cNvPr id="5" name="Picture 4"/>
+          <p:cNvPicPr>
+            <a:picLocks noChangeAspect="1"/>
+          </p:cNvPicPr>
+          <p:nvPr/>
+        </p:nvPicPr>
+        <p:blipFill>
+          <a:blip r:embed="rId3"/>
+          <a:stretch>
+            <a:fillRect/>
+          </a:stretch>
+        </p:blipFill>
+        <p:spPr>
+          <a:xfrm>
+            <a:off x="1481993" y="1319427"/>
+            <a:ext cx="8661347" cy="5312032"/>
+          </a:xfrm>
+          <a:prstGeom prst="rect">
+            <a:avLst/>
+          </a:prstGeom>
+        </p:spPr>
+      </p:pic>
+      <p:sp>
+        <p:nvSpPr>
+          <p:cNvPr id="3" name="Rectangle 2"/>
+          <p:cNvSpPr/>
+          <p:nvPr/>
+        </p:nvSpPr>
+        <p:spPr>
+          <a:xfrm>
+            <a:off x="7010400" y="6096000"/>
+            <a:ext cx="3237186" cy="651641"/>
+          </a:xfrm>
+          <a:prstGeom prst="rect">
+            <a:avLst/>
+          </a:prstGeom>
+          <a:noFill/>
+          <a:ln w="57150">
+            <a:solidFill>
+              <a:srgbClr val="FF0000"/>
+            </a:solidFill>
+          </a:ln>
+          <a:effectLst/>
+        </p:spPr>
+        <p:style>
+          <a:lnRef idx="2">
+            <a:schemeClr val="accent1"/>
+          </a:lnRef>
+          <a:fillRef idx="0">
+            <a:schemeClr val="accent1"/>
+          </a:fillRef>
+          <a:effectRef idx="1">
+            <a:schemeClr val="accent1"/>
+          </a:effectRef>
+          <a:fontRef idx="minor">
+            <a:schemeClr val="tx1"/>
+          </a:fontRef>
+        </p:style>
+        <p:txBody>
+          <a:bodyPr lIns="182880" tIns="182880" rIns="182880" bIns="182880" rtlCol="0" anchor="ctr"/>
+          <a:lstStyle/>
+          <a:p>
+            <a:pPr algn="ctr">
+              <a:spcBef>
+                <a:spcPts val="600"/>
+              </a:spcBef>
+            </a:pPr>
+            <a:endParaRPr lang="en-US" sz="2000" dirty="0" smtClean="0">
+              <a:solidFill>
+                <a:schemeClr val="bg1"/>
+              </a:solidFill>
+            </a:endParaRPr>
+          </a:p>
+        </p:txBody>
+      </p:sp>
+    </p:spTree>
+    <p:extLst>
+      <p:ext uri="{BB962C8B-B14F-4D97-AF65-F5344CB8AC3E}">
+        <p14:creationId xmlns:p14="http://schemas.microsoft.com/office/powerpoint/2010/main" val="2822007369"/>
+      </p:ext>
+    </p:extLst>
+  </p:cSld>
+  <p:clrMapOvr>
+    <a:masterClrMapping/>
+  </p:clrMapOvr>
+  <p:timing>
+    <p:tnLst>
+      <p:par>
+        <p:cTn id="1" dur="indefinite" restart="never" nodeType="tmRoot">
+          <p:childTnLst>
+            <p:seq concurrent="1" nextAc="seek">
+              <p:cTn id="2" dur="indefinite" nodeType="mainSeq">
+                <p:childTnLst>
+                  <p:par>
+                    <p:cTn id="3" fill="hold">
+                      <p:stCondLst>
+                        <p:cond delay="indefinite"/>
+                      </p:stCondLst>
+                      <p:childTnLst>
+                        <p:par>
+                          <p:cTn id="4" fill="hold">
+                            <p:stCondLst>
+                              <p:cond delay="0"/>
+                            </p:stCondLst>
+                            <p:childTnLst>
+                              <p:par>
+                                <p:cTn id="5" presetID="1" presetClass="exit" presetSubtype="0" fill="hold" nodeType="clickEffect">
+                                  <p:stCondLst>
+                                    <p:cond delay="0"/>
+                                  </p:stCondLst>
+                                  <p:childTnLst>
+                                    <p:set>
+                                      <p:cBhvr>
+                                        <p:cTn id="6" dur="1" fill="hold">
+                                          <p:stCondLst>
+                                            <p:cond delay="0"/>
+                                          </p:stCondLst>
+                                        </p:cTn>
+                                        <p:tgtEl>
+                                          <p:spTgt spid="4"/>
+                                        </p:tgtEl>
+                                        <p:attrNameLst>
+                                          <p:attrName>style.visibility</p:attrName>
+                                        </p:attrNameLst>
+                                      </p:cBhvr>
+                                      <p:to>
+                                        <p:strVal val="hidden"/>
+                                      </p:to>
+                                    </p:set>
+                                  </p:childTnLst>
+                                </p:cTn>
+                              </p:par>
+                              <p:par>
+                                <p:cTn id="7" presetID="10" presetClass="entr" presetSubtype="0" fill="hold" nodeType="withEffect">
+                                  <p:stCondLst>
+                                    <p:cond delay="0"/>
+                                  </p:stCondLst>
+                                  <p:childTnLst>
+                                    <p:set>
+                                      <p:cBhvr>
+                                        <p:cTn id="8" dur="1" fill="hold">
+                                          <p:stCondLst>
+                                            <p:cond delay="0"/>
+                                          </p:stCondLst>
+                                        </p:cTn>
+                                        <p:tgtEl>
+                                          <p:spTgt spid="5"/>
+                                        </p:tgtEl>
+                                        <p:attrNameLst>
+                                          <p:attrName>style.visibility</p:attrName>
+                                        </p:attrNameLst>
+                                      </p:cBhvr>
+                                      <p:to>
+                                        <p:strVal val="visible"/>
+                                      </p:to>
+                                    </p:set>
+                                    <p:animEffect transition="in" filter="fade">
+                                      <p:cBhvr>
+                                        <p:cTn id="9" dur="500"/>
+                                        <p:tgtEl>
+                                          <p:spTgt spid="5"/>
+                                        </p:tgtEl>
+                                      </p:cBhvr>
+                                    </p:animEffect>
+                                  </p:childTnLst>
+                                </p:cTn>
+                              </p:par>
+                            </p:childTnLst>
+                          </p:cTn>
+                        </p:par>
+                      </p:childTnLst>
+                    </p:cTn>
+                  </p:par>
+                  <p:par>
+                    <p:cTn id="10" fill="hold">
+                      <p:stCondLst>
+                        <p:cond delay="indefinite"/>
+                      </p:stCondLst>
+                      <p:childTnLst>
+                        <p:par>
+                          <p:cTn id="11" fill="hold">
+                            <p:stCondLst>
+                              <p:cond delay="0"/>
+                            </p:stCondLst>
+                            <p:childTnLst>
+                              <p:par>
+                                <p:cTn id="12" presetID="10" presetClass="entr" presetSubtype="0" fill="hold" grpId="0" nodeType="clickEffect">
+                                  <p:stCondLst>
+                                    <p:cond delay="0"/>
+                                  </p:stCondLst>
+                                  <p:childTnLst>
+                                    <p:set>
+                                      <p:cBhvr>
+                                        <p:cTn id="13" dur="1" fill="hold">
+                                          <p:stCondLst>
+                                            <p:cond delay="0"/>
+                                          </p:stCondLst>
+                                        </p:cTn>
+                                        <p:tgtEl>
+                                          <p:spTgt spid="3"/>
+                                        </p:tgtEl>
+                                        <p:attrNameLst>
+                                          <p:attrName>style.visibility</p:attrName>
+                                        </p:attrNameLst>
+                                      </p:cBhvr>
+                                      <p:to>
+                                        <p:strVal val="visible"/>
+                                      </p:to>
+                                    </p:set>
+                                    <p:animEffect transition="in" filter="fade">
+                                      <p:cBhvr>
+                                        <p:cTn id="14" dur="500"/>
+                                        <p:tgtEl>
+                                          <p:spTgt spid="3"/>
+                                        </p:tgtEl>
+                                      </p:cBhvr>
+                                    </p:animEffect>
+                                  </p:childTnLst>
+                                </p:cTn>
+                              </p:par>
+                            </p:childTnLst>
+                          </p:cTn>
+                        </p:par>
+                      </p:childTnLst>
+                    </p:cTn>
+                  </p:par>
+                </p:childTnLst>
+              </p:cTn>
+              <p:prevCondLst>
+                <p:cond evt="onPrev" delay="0">
+                  <p:tgtEl>
+                    <p:sldTgt/>
+                  </p:tgtEl>
+                </p:cond>
+              </p:prevCondLst>
+              <p:nextCondLst>
+                <p:cond evt="onNext" delay="0">
+                  <p:tgtEl>
+                    <p:sldTgt/>
+                  </p:tgtEl>
+                </p:cond>
+              </p:nextCondLst>
+            </p:seq>
+          </p:childTnLst>
+        </p:cTn>
+      </p:par>
+    </p:tnLst>
+    <p:bldLst>
+      <p:bldP spid="3" grpId="0" animBg="1"/>
+    </p:bldLst>
+  </p:timing>
+</p:sld>
+</file>
+
+<file path=ppt/slides/slide21.xml><?xml version="1.0" encoding="utf-8"?>
+<p:sld xmlns:a="http://schemas.openxmlformats.org/drawingml/2006/main" xmlns:r="http://schemas.openxmlformats.org/officeDocument/2006/relationships" xmlns:p="http://schemas.openxmlformats.org/presentationml/2006/main">
+  <p:cSld>
+    <p:spTree>
+      <p:nvGrpSpPr>
+        <p:cNvPr id="1" name=""/>
+        <p:cNvGrpSpPr/>
+        <p:nvPr/>
+      </p:nvGrpSpPr>
+      <p:grpSpPr>
+        <a:xfrm>
+          <a:off x="0" y="0"/>
+          <a:ext cx="0" cy="0"/>
+          <a:chOff x="0" y="0"/>
+          <a:chExt cx="0" cy="0"/>
+        </a:xfrm>
+      </p:grpSpPr>
+      <p:sp>
+        <p:nvSpPr>
+          <p:cNvPr id="2" name="Title 1"/>
+          <p:cNvSpPr>
+            <a:spLocks noGrp="1"/>
+          </p:cNvSpPr>
+          <p:nvPr>
+            <p:ph type="title"/>
+          </p:nvPr>
+        </p:nvSpPr>
+        <p:spPr/>
+        <p:txBody>
+          <a:bodyPr/>
+          <a:lstStyle/>
+          <a:p>
+            <a:r>
+              <a:rPr lang="en-US" smtClean="0"/>
+              <a:t>Azure Resource </a:t>
+            </a:r>
+            <a:r>
+              <a:rPr lang="en-US" smtClean="0"/>
+              <a:t>Visualizer</a:t>
+            </a:r>
+            <a:endParaRPr lang="en-US"/>
+          </a:p>
+        </p:txBody>
+      </p:sp>
+      <p:pic>
+        <p:nvPicPr>
+          <p:cNvPr id="4" name="Picture 3"/>
+          <p:cNvPicPr>
+            <a:picLocks noChangeAspect="1"/>
+          </p:cNvPicPr>
+          <p:nvPr/>
+        </p:nvPicPr>
+        <p:blipFill>
+          <a:blip r:embed="rId2"/>
+          <a:stretch>
+            <a:fillRect/>
+          </a:stretch>
+        </p:blipFill>
+        <p:spPr>
+          <a:xfrm>
+            <a:off x="1664042" y="1368854"/>
+            <a:ext cx="8297250" cy="5213178"/>
+          </a:xfrm>
+          <a:prstGeom prst="rect">
+            <a:avLst/>
+          </a:prstGeom>
+        </p:spPr>
+      </p:pic>
+      <p:pic>
+        <p:nvPicPr>
+          <p:cNvPr id="5" name="Picture 4"/>
+          <p:cNvPicPr>
+            <a:picLocks noChangeAspect="1"/>
+          </p:cNvPicPr>
+          <p:nvPr/>
+        </p:nvPicPr>
+        <p:blipFill>
+          <a:blip r:embed="rId3"/>
+          <a:stretch>
+            <a:fillRect/>
+          </a:stretch>
+        </p:blipFill>
+        <p:spPr>
+          <a:xfrm>
+            <a:off x="1481993" y="1319427"/>
+            <a:ext cx="8661347" cy="5312032"/>
+          </a:xfrm>
+          <a:prstGeom prst="rect">
+            <a:avLst/>
+          </a:prstGeom>
+        </p:spPr>
+      </p:pic>
+      <p:sp>
+        <p:nvSpPr>
+          <p:cNvPr id="3" name="Rectangle 2"/>
+          <p:cNvSpPr/>
+          <p:nvPr/>
+        </p:nvSpPr>
+        <p:spPr>
+          <a:xfrm>
+            <a:off x="7010400" y="6096000"/>
+            <a:ext cx="3237186" cy="651641"/>
+          </a:xfrm>
+          <a:prstGeom prst="rect">
+            <a:avLst/>
+          </a:prstGeom>
+          <a:noFill/>
+          <a:ln w="57150">
+            <a:solidFill>
+              <a:srgbClr val="FF0000"/>
+            </a:solidFill>
+          </a:ln>
+          <a:effectLst/>
+        </p:spPr>
+        <p:style>
+          <a:lnRef idx="2">
+            <a:schemeClr val="accent1"/>
+          </a:lnRef>
+          <a:fillRef idx="0">
+            <a:schemeClr val="accent1"/>
+          </a:fillRef>
+          <a:effectRef idx="1">
+            <a:schemeClr val="accent1"/>
+          </a:effectRef>
+          <a:fontRef idx="minor">
+            <a:schemeClr val="tx1"/>
+          </a:fontRef>
+        </p:style>
+        <p:txBody>
+          <a:bodyPr lIns="182880" tIns="182880" rIns="182880" bIns="182880" rtlCol="0" anchor="ctr"/>
+          <a:lstStyle/>
+          <a:p>
+            <a:pPr algn="ctr">
+              <a:spcBef>
+                <a:spcPts val="600"/>
+              </a:spcBef>
+            </a:pPr>
+            <a:endParaRPr lang="en-US" sz="2000" dirty="0" smtClean="0">
+              <a:solidFill>
+                <a:schemeClr val="bg1"/>
+              </a:solidFill>
+            </a:endParaRPr>
+          </a:p>
+        </p:txBody>
+      </p:sp>
+    </p:spTree>
+    <p:extLst>
+      <p:ext uri="{BB962C8B-B14F-4D97-AF65-F5344CB8AC3E}">
+        <p14:creationId xmlns:p14="http://schemas.microsoft.com/office/powerpoint/2010/main" val="2959855955"/>
+      </p:ext>
+    </p:extLst>
+  </p:cSld>
+  <p:clrMapOvr>
+    <a:masterClrMapping/>
+  </p:clrMapOvr>
+  <p:timing>
+    <p:tnLst>
+      <p:par>
+        <p:cTn id="1" dur="indefinite" restart="never" nodeType="tmRoot">
+          <p:childTnLst>
+            <p:seq concurrent="1" nextAc="seek">
+              <p:cTn id="2" dur="indefinite" nodeType="mainSeq">
+                <p:childTnLst>
+                  <p:par>
+                    <p:cTn id="3" fill="hold">
+                      <p:stCondLst>
+                        <p:cond delay="indefinite"/>
+                      </p:stCondLst>
+                      <p:childTnLst>
+                        <p:par>
+                          <p:cTn id="4" fill="hold">
+                            <p:stCondLst>
+                              <p:cond delay="0"/>
+                            </p:stCondLst>
+                            <p:childTnLst>
+                              <p:par>
+                                <p:cTn id="5" presetID="1" presetClass="exit" presetSubtype="0" fill="hold" nodeType="clickEffect">
+                                  <p:stCondLst>
+                                    <p:cond delay="0"/>
+                                  </p:stCondLst>
+                                  <p:childTnLst>
+                                    <p:set>
+                                      <p:cBhvr>
+                                        <p:cTn id="6" dur="1" fill="hold">
+                                          <p:stCondLst>
+                                            <p:cond delay="0"/>
+                                          </p:stCondLst>
+                                        </p:cTn>
+                                        <p:tgtEl>
+                                          <p:spTgt spid="4"/>
+                                        </p:tgtEl>
+                                        <p:attrNameLst>
+                                          <p:attrName>style.visibility</p:attrName>
+                                        </p:attrNameLst>
+                                      </p:cBhvr>
+                                      <p:to>
+                                        <p:strVal val="hidden"/>
+                                      </p:to>
+                                    </p:set>
+                                  </p:childTnLst>
+                                </p:cTn>
+                              </p:par>
+                              <p:par>
+                                <p:cTn id="7" presetID="10" presetClass="entr" presetSubtype="0" fill="hold" nodeType="withEffect">
+                                  <p:stCondLst>
+                                    <p:cond delay="0"/>
+                                  </p:stCondLst>
+                                  <p:childTnLst>
+                                    <p:set>
+                                      <p:cBhvr>
+                                        <p:cTn id="8" dur="1" fill="hold">
+                                          <p:stCondLst>
+                                            <p:cond delay="0"/>
+                                          </p:stCondLst>
+                                        </p:cTn>
+                                        <p:tgtEl>
+                                          <p:spTgt spid="5"/>
+                                        </p:tgtEl>
+                                        <p:attrNameLst>
+                                          <p:attrName>style.visibility</p:attrName>
+                                        </p:attrNameLst>
+                                      </p:cBhvr>
+                                      <p:to>
+                                        <p:strVal val="visible"/>
+                                      </p:to>
+                                    </p:set>
+                                    <p:animEffect transition="in" filter="fade">
+                                      <p:cBhvr>
+                                        <p:cTn id="9" dur="500"/>
+                                        <p:tgtEl>
+                                          <p:spTgt spid="5"/>
+                                        </p:tgtEl>
+                                      </p:cBhvr>
+                                    </p:animEffect>
+                                  </p:childTnLst>
+                                </p:cTn>
+                              </p:par>
+                            </p:childTnLst>
+                          </p:cTn>
+                        </p:par>
+                      </p:childTnLst>
+                    </p:cTn>
+                  </p:par>
+                  <p:par>
+                    <p:cTn id="10" fill="hold">
+                      <p:stCondLst>
+                        <p:cond delay="indefinite"/>
+                      </p:stCondLst>
+                      <p:childTnLst>
+                        <p:par>
+                          <p:cTn id="11" fill="hold">
+                            <p:stCondLst>
+                              <p:cond delay="0"/>
+                            </p:stCondLst>
+                            <p:childTnLst>
+                              <p:par>
+                                <p:cTn id="12" presetID="10" presetClass="entr" presetSubtype="0" fill="hold" grpId="0" nodeType="clickEffect">
+                                  <p:stCondLst>
+                                    <p:cond delay="0"/>
+                                  </p:stCondLst>
+                                  <p:childTnLst>
+                                    <p:set>
+                                      <p:cBhvr>
+                                        <p:cTn id="13" dur="1" fill="hold">
+                                          <p:stCondLst>
+                                            <p:cond delay="0"/>
+                                          </p:stCondLst>
+                                        </p:cTn>
+                                        <p:tgtEl>
+                                          <p:spTgt spid="3"/>
+                                        </p:tgtEl>
+                                        <p:attrNameLst>
+                                          <p:attrName>style.visibility</p:attrName>
+                                        </p:attrNameLst>
+                                      </p:cBhvr>
+                                      <p:to>
+                                        <p:strVal val="visible"/>
+                                      </p:to>
+                                    </p:set>
+                                    <p:animEffect transition="in" filter="fade">
+                                      <p:cBhvr>
+                                        <p:cTn id="14" dur="500"/>
+                                        <p:tgtEl>
+                                          <p:spTgt spid="3"/>
+                                        </p:tgtEl>
+                                      </p:cBhvr>
+                                    </p:animEffect>
+                                  </p:childTnLst>
+                                </p:cTn>
+                              </p:par>
+                            </p:childTnLst>
+                          </p:cTn>
+                        </p:par>
+                      </p:childTnLst>
+                    </p:cTn>
+                  </p:par>
+                </p:childTnLst>
+              </p:cTn>
+              <p:prevCondLst>
+                <p:cond evt="onPrev" delay="0">
+                  <p:tgtEl>
+                    <p:sldTgt/>
+                  </p:tgtEl>
+                </p:cond>
+              </p:prevCondLst>
+              <p:nextCondLst>
+                <p:cond evt="onNext" delay="0">
+                  <p:tgtEl>
+                    <p:sldTgt/>
+                  </p:tgtEl>
+                </p:cond>
+              </p:nextCondLst>
+            </p:seq>
+          </p:childTnLst>
+        </p:cTn>
+      </p:par>
+    </p:tnLst>
+    <p:bldLst>
+      <p:bldP spid="3" grpId="0" animBg="1"/>
+    </p:bldLst>
+  </p:timing>
+</p:sld>
+</file>
+
+<file path=ppt/slides/slide22.xml><?xml version="1.0" encoding="utf-8"?>
+<p:sld xmlns:a="http://schemas.openxmlformats.org/drawingml/2006/main" xmlns:r="http://schemas.openxmlformats.org/officeDocument/2006/relationships" xmlns:p="http://schemas.openxmlformats.org/presentationml/2006/main">
+  <p:cSld>
+    <p:spTree>
+      <p:nvGrpSpPr>
+        <p:cNvPr id="1" name=""/>
+        <p:cNvGrpSpPr/>
+        <p:nvPr/>
+      </p:nvGrpSpPr>
+      <p:grpSpPr>
+        <a:xfrm>
+          <a:off x="0" y="0"/>
+          <a:ext cx="0" cy="0"/>
+          <a:chOff x="0" y="0"/>
+          <a:chExt cx="0" cy="0"/>
+        </a:xfrm>
+      </p:grpSpPr>
+      <p:sp>
+        <p:nvSpPr>
+          <p:cNvPr id="2" name="Title 1"/>
+          <p:cNvSpPr>
+            <a:spLocks noGrp="1"/>
+          </p:cNvSpPr>
+          <p:nvPr>
+            <p:ph type="title"/>
+          </p:nvPr>
+        </p:nvSpPr>
+        <p:spPr/>
+        <p:txBody>
+          <a:bodyPr/>
+          <a:lstStyle/>
+          <a:p>
+            <a:r>
+              <a:rPr lang="en-US" smtClean="0"/>
+              <a:t>Azure Portal</a:t>
+            </a:r>
+            <a:endParaRPr lang="en-US"/>
+          </a:p>
+        </p:txBody>
+      </p:sp>
+      <p:pic>
+        <p:nvPicPr>
+          <p:cNvPr id="4" name="Picture 3"/>
+          <p:cNvPicPr>
+            <a:picLocks noChangeAspect="1"/>
+          </p:cNvPicPr>
+          <p:nvPr/>
+        </p:nvPicPr>
+        <p:blipFill>
+          <a:blip r:embed="rId2"/>
+          <a:stretch>
+            <a:fillRect/>
+          </a:stretch>
+        </p:blipFill>
+        <p:spPr>
+          <a:xfrm>
+            <a:off x="1565189" y="1393152"/>
+            <a:ext cx="8429614" cy="5369181"/>
+          </a:xfrm>
+          <a:prstGeom prst="rect">
+            <a:avLst/>
+          </a:prstGeom>
+        </p:spPr>
+      </p:pic>
+    </p:spTree>
+    <p:extLst>
+      <p:ext uri="{BB962C8B-B14F-4D97-AF65-F5344CB8AC3E}">
+        <p14:creationId xmlns:p14="http://schemas.microsoft.com/office/powerpoint/2010/main" val="3740842786"/>
+      </p:ext>
+    </p:extLst>
+  </p:cSld>
+  <p:clrMapOvr>
+    <a:masterClrMapping/>
+  </p:clrMapOvr>
+  <p:timing>
+    <p:tnLst>
+      <p:par>
+        <p:cTn id="1" dur="indefinite" restart="never" nodeType="tmRoot"/>
+      </p:par>
+    </p:tnLst>
+  </p:timing>
+</p:sld>
+</file>
+
+<file path=ppt/slides/slide23.xml><?xml version="1.0" encoding="utf-8"?>
+<p:sld xmlns:a="http://schemas.openxmlformats.org/drawingml/2006/main" xmlns:r="http://schemas.openxmlformats.org/officeDocument/2006/relationships" xmlns:p="http://schemas.openxmlformats.org/presentationml/2006/main">
+  <p:cSld>
+    <p:spTree>
+      <p:nvGrpSpPr>
+        <p:cNvPr id="1" name=""/>
+        <p:cNvGrpSpPr/>
+        <p:nvPr/>
+      </p:nvGrpSpPr>
+      <p:grpSpPr>
+        <a:xfrm>
+          <a:off x="0" y="0"/>
+          <a:ext cx="0" cy="0"/>
+          <a:chOff x="0" y="0"/>
+          <a:chExt cx="0" cy="0"/>
+        </a:xfrm>
+      </p:grpSpPr>
+      <p:sp>
+        <p:nvSpPr>
+          <p:cNvPr id="4" name="Text Placeholder 3"/>
+          <p:cNvSpPr>
+            <a:spLocks noGrp="1"/>
+          </p:cNvSpPr>
+          <p:nvPr>
+            <p:ph type="body" sz="quarter" idx="12"/>
+          </p:nvPr>
+        </p:nvSpPr>
+        <p:spPr/>
+        <p:txBody>
+          <a:bodyPr/>
+          <a:lstStyle/>
+          <a:p>
+            <a:r>
+              <a:rPr lang="en-US" b="1" smtClean="0">
+                <a:solidFill>
+                  <a:srgbClr val="F15B2A"/>
+                </a:solidFill>
+              </a:rPr>
+              <a:t>View resource group</a:t>
+            </a:r>
+          </a:p>
+          <a:p>
+            <a:pPr lvl="1"/>
+            <a:r>
+              <a:rPr lang="en-US" b="1" smtClean="0">
+                <a:solidFill>
+                  <a:srgbClr val="F15B2A"/>
+                </a:solidFill>
+              </a:rPr>
+              <a:t>Automation script</a:t>
+            </a:r>
+          </a:p>
+          <a:p>
+            <a:pPr lvl="1"/>
+            <a:r>
+              <a:rPr lang="en-US" b="1" smtClean="0">
+                <a:solidFill>
+                  <a:srgbClr val="F15B2A"/>
+                </a:solidFill>
+              </a:rPr>
+              <a:t>Deployments link</a:t>
+            </a:r>
+          </a:p>
+          <a:p>
+            <a:r>
+              <a:rPr lang="en-US" b="1" smtClean="0">
+                <a:solidFill>
+                  <a:srgbClr val="F15B2A"/>
+                </a:solidFill>
+              </a:rPr>
+              <a:t>Azure Quickstart templates</a:t>
+            </a:r>
+          </a:p>
+          <a:p>
+            <a:r>
+              <a:rPr lang="en-US" b="1" smtClean="0">
+                <a:solidFill>
+                  <a:srgbClr val="F15B2A"/>
+                </a:solidFill>
+              </a:rPr>
+              <a:t>ArmVIZ</a:t>
+            </a:r>
+          </a:p>
+          <a:p>
+            <a:endParaRPr lang="en-US" dirty="0"/>
+          </a:p>
+        </p:txBody>
+      </p:sp>
+      <p:sp>
+        <p:nvSpPr>
+          <p:cNvPr id="2" name="Rectangle 1"/>
+          <p:cNvSpPr/>
+          <p:nvPr/>
+        </p:nvSpPr>
+        <p:spPr>
+          <a:xfrm>
+            <a:off x="1567010" y="4292795"/>
+            <a:ext cx="1461415" cy="1446550"/>
+          </a:xfrm>
+          <a:prstGeom prst="rect">
+            <a:avLst/>
+          </a:prstGeom>
+          <a:noFill/>
+        </p:spPr>
+        <p:txBody>
+          <a:bodyPr wrap="square" lIns="91440" tIns="45720" rIns="91440" bIns="45720">
+            <a:spAutoFit/>
+          </a:bodyPr>
+          <a:lstStyle/>
+          <a:p>
+            <a:pPr algn="ctr"/>
+            <a:r>
+              <a:rPr lang="en-US" sz="8800" b="1" cap="none" spc="50" smtClean="0">
+                <a:ln w="9525" cmpd="sng">
+                  <a:solidFill>
+                    <a:schemeClr val="accent1"/>
+                  </a:solidFill>
+                  <a:prstDash val="solid"/>
+                </a:ln>
+                <a:solidFill>
+                  <a:srgbClr val="70AD47">
+                    <a:tint val="1000"/>
+                  </a:srgbClr>
+                </a:solidFill>
+                <a:effectLst>
+                  <a:glow rad="38100">
+                    <a:schemeClr val="accent1">
+                      <a:alpha val="40000"/>
+                    </a:schemeClr>
+                  </a:glow>
+                </a:effectLst>
+              </a:rPr>
+              <a:t>2</a:t>
+            </a:r>
+            <a:endParaRPr lang="en-US" sz="8800" b="1" cap="none" spc="50">
+              <a:ln w="9525" cmpd="sng">
+                <a:solidFill>
+                  <a:schemeClr val="accent1"/>
+                </a:solidFill>
+                <a:prstDash val="solid"/>
+              </a:ln>
+              <a:solidFill>
+                <a:srgbClr val="70AD47">
+                  <a:tint val="1000"/>
+                </a:srgbClr>
+              </a:solidFill>
+              <a:effectLst>
+                <a:glow rad="38100">
+                  <a:schemeClr val="accent1">
+                    <a:alpha val="40000"/>
+                  </a:schemeClr>
+                </a:glow>
+              </a:effectLst>
+            </a:endParaRPr>
+          </a:p>
+        </p:txBody>
+      </p:sp>
+    </p:spTree>
+    <p:extLst>
+      <p:ext uri="{BB962C8B-B14F-4D97-AF65-F5344CB8AC3E}">
+        <p14:creationId xmlns:p14="http://schemas.microsoft.com/office/powerpoint/2010/main" val="2187710391"/>
+      </p:ext>
+    </p:extLst>
+  </p:cSld>
+  <p:clrMapOvr>
+    <a:masterClrMapping/>
+  </p:clrMapOvr>
+  <p:timing>
+    <p:tnLst>
+      <p:par>
+        <p:cTn id="1" dur="indefinite" restart="never" nodeType="tmRoot"/>
+      </p:par>
+    </p:tnLst>
+  </p:timing>
+</p:sld>
+</file>
+
+<file path=ppt/slides/slide24.xml><?xml version="1.0" encoding="utf-8"?>
+<p:sld xmlns:a="http://schemas.openxmlformats.org/drawingml/2006/main" xmlns:r="http://schemas.openxmlformats.org/officeDocument/2006/relationships" xmlns:p="http://schemas.openxmlformats.org/presentationml/2006/main">
+  <p:cSld>
+    <p:spTree>
+      <p:nvGrpSpPr>
+        <p:cNvPr id="1" name=""/>
+        <p:cNvGrpSpPr/>
+        <p:nvPr/>
+      </p:nvGrpSpPr>
+      <p:grpSpPr>
+        <a:xfrm>
+          <a:off x="0" y="0"/>
+          <a:ext cx="0" cy="0"/>
+          <a:chOff x="0" y="0"/>
+          <a:chExt cx="0" cy="0"/>
+        </a:xfrm>
+      </p:grpSpPr>
+      <p:sp>
+        <p:nvSpPr>
+          <p:cNvPr id="2" name="Title 1"/>
+          <p:cNvSpPr>
+            <a:spLocks noGrp="1"/>
+          </p:cNvSpPr>
+          <p:nvPr>
+            <p:ph type="title"/>
+          </p:nvPr>
+        </p:nvSpPr>
+        <p:spPr/>
+        <p:txBody>
+          <a:bodyPr/>
+          <a:lstStyle/>
+          <a:p>
+            <a:r>
+              <a:rPr lang="en-US" smtClean="0"/>
+              <a:t>Deploy an n-Tier Web Application </a:t>
+            </a:r>
+            <a:endParaRPr lang="en-US"/>
+          </a:p>
+        </p:txBody>
+      </p:sp>
+    </p:spTree>
+    <p:extLst>
+      <p:ext uri="{BB962C8B-B14F-4D97-AF65-F5344CB8AC3E}">
+        <p14:creationId xmlns:p14="http://schemas.microsoft.com/office/powerpoint/2010/main" val="3859677524"/>
+      </p:ext>
+    </p:extLst>
+  </p:cSld>
+  <p:clrMapOvr>
+    <a:masterClrMapping/>
+  </p:clrMapOvr>
+  <p:timing>
+    <p:tnLst>
+      <p:par>
+        <p:cTn id="1" dur="indefinite" restart="never" nodeType="tmRoot"/>
+      </p:par>
+    </p:tnLst>
+  </p:timing>
+</p:sld>
+</file>
+
+<file path=ppt/slides/slide25.xml><?xml version="1.0" encoding="utf-8"?>
+<p:sld xmlns:a="http://schemas.openxmlformats.org/drawingml/2006/main" xmlns:r="http://schemas.openxmlformats.org/officeDocument/2006/relationships" xmlns:p="http://schemas.openxmlformats.org/presentationml/2006/main">
+  <p:cSld>
+    <p:spTree>
+      <p:nvGrpSpPr>
+        <p:cNvPr id="1" name=""/>
+        <p:cNvGrpSpPr/>
+        <p:nvPr/>
+      </p:nvGrpSpPr>
+      <p:grpSpPr>
+        <a:xfrm>
+          <a:off x="0" y="0"/>
+          <a:ext cx="0" cy="0"/>
+          <a:chOff x="0" y="0"/>
+          <a:chExt cx="0" cy="0"/>
+        </a:xfrm>
+      </p:grpSpPr>
+      <p:sp>
+        <p:nvSpPr>
+          <p:cNvPr id="2" name="Title 1"/>
+          <p:cNvSpPr>
+            <a:spLocks noGrp="1"/>
+          </p:cNvSpPr>
+          <p:nvPr>
+            <p:ph type="title"/>
+          </p:nvPr>
+        </p:nvSpPr>
+        <p:spPr/>
+        <p:txBody>
+          <a:bodyPr/>
+          <a:lstStyle/>
+          <a:p>
+            <a:r>
+              <a:rPr lang="en-US" smtClean="0"/>
+              <a:t>Template Deployment</a:t>
+            </a:r>
+            <a:endParaRPr lang="en-US"/>
+          </a:p>
+        </p:txBody>
+      </p:sp>
+      <p:pic>
+        <p:nvPicPr>
+          <p:cNvPr id="4" name="Picture 3"/>
+          <p:cNvPicPr>
+            <a:picLocks noChangeAspect="1"/>
+          </p:cNvPicPr>
+          <p:nvPr/>
+        </p:nvPicPr>
+        <p:blipFill>
+          <a:blip r:embed="rId2"/>
+          <a:stretch>
+            <a:fillRect/>
+          </a:stretch>
+        </p:blipFill>
+        <p:spPr>
+          <a:xfrm>
+            <a:off x="1220793" y="2030626"/>
+            <a:ext cx="9750415" cy="2796749"/>
+          </a:xfrm>
+          <a:prstGeom prst="rect">
+            <a:avLst/>
+          </a:prstGeom>
+        </p:spPr>
+      </p:pic>
+      <p:sp>
+        <p:nvSpPr>
+          <p:cNvPr id="5" name="Line Callout 1 4"/>
+          <p:cNvSpPr/>
+          <p:nvPr/>
+        </p:nvSpPr>
+        <p:spPr>
+          <a:xfrm>
+            <a:off x="6873767" y="4379594"/>
+            <a:ext cx="4969075" cy="1536192"/>
+          </a:xfrm>
+          <a:prstGeom prst="borderCallout1">
+            <a:avLst>
+              <a:gd name="adj1" fmla="val 18750"/>
+              <a:gd name="adj2" fmla="val -8333"/>
+              <a:gd name="adj3" fmla="val -80391"/>
+              <a:gd name="adj4" fmla="val -2589"/>
+            </a:avLst>
+          </a:prstGeom>
+          <a:solidFill>
+            <a:schemeClr val="accent1"/>
+          </a:solidFill>
+          <a:ln>
+            <a:solidFill>
+              <a:schemeClr val="tx1"/>
+            </a:solidFill>
+          </a:ln>
+          <a:effectLst/>
+        </p:spPr>
+        <p:style>
+          <a:lnRef idx="2">
+            <a:schemeClr val="accent1"/>
+          </a:lnRef>
+          <a:fillRef idx="0">
+            <a:schemeClr val="accent1"/>
+          </a:fillRef>
+          <a:effectRef idx="1">
+            <a:schemeClr val="accent1"/>
+          </a:effectRef>
+          <a:fontRef idx="minor">
+            <a:schemeClr val="tx1"/>
+          </a:fontRef>
+        </p:style>
+        <p:txBody>
+          <a:bodyPr lIns="182880" tIns="182880" rIns="182880" bIns="182880" rtlCol="0" anchor="ctr"/>
+          <a:lstStyle/>
+          <a:p>
+            <a:pPr algn="ctr">
+              <a:spcBef>
+                <a:spcPts val="600"/>
+              </a:spcBef>
+            </a:pPr>
+            <a:r>
+              <a:rPr lang="en-US" sz="2000" smtClean="0">
+                <a:solidFill>
+                  <a:schemeClr val="bg1"/>
+                </a:solidFill>
+              </a:rPr>
+              <a:t>Complete (strict)</a:t>
+            </a:r>
+          </a:p>
+          <a:p>
+            <a:pPr algn="ctr">
+              <a:spcBef>
+                <a:spcPts val="600"/>
+              </a:spcBef>
+            </a:pPr>
+            <a:r>
+              <a:rPr lang="en-US" sz="2000" smtClean="0">
+                <a:solidFill>
+                  <a:schemeClr val="bg1"/>
+                </a:solidFill>
+              </a:rPr>
+              <a:t>Incremental (no deletion of existing resources)</a:t>
+            </a:r>
+            <a:endParaRPr lang="en-US" sz="2000" dirty="0" smtClean="0">
+              <a:solidFill>
+                <a:schemeClr val="bg1"/>
+              </a:solidFill>
+            </a:endParaRPr>
+          </a:p>
+        </p:txBody>
+      </p:sp>
+      <p:sp>
+        <p:nvSpPr>
+          <p:cNvPr id="6" name="Line Callout 1 5"/>
+          <p:cNvSpPr/>
+          <p:nvPr/>
+        </p:nvSpPr>
+        <p:spPr>
+          <a:xfrm>
+            <a:off x="945932" y="4999705"/>
+            <a:ext cx="4969075" cy="1536192"/>
+          </a:xfrm>
+          <a:prstGeom prst="borderCallout1">
+            <a:avLst>
+              <a:gd name="adj1" fmla="val 18750"/>
+              <a:gd name="adj2" fmla="val -8333"/>
+              <a:gd name="adj3" fmla="val -85864"/>
+              <a:gd name="adj4" fmla="val 12429"/>
+            </a:avLst>
+          </a:prstGeom>
+          <a:solidFill>
+            <a:schemeClr val="accent1"/>
+          </a:solidFill>
+          <a:ln>
+            <a:solidFill>
+              <a:schemeClr val="tx1"/>
+            </a:solidFill>
+          </a:ln>
+          <a:effectLst/>
+        </p:spPr>
+        <p:style>
+          <a:lnRef idx="2">
+            <a:schemeClr val="accent1"/>
+          </a:lnRef>
+          <a:fillRef idx="0">
+            <a:schemeClr val="accent1"/>
+          </a:fillRef>
+          <a:effectRef idx="1">
+            <a:schemeClr val="accent1"/>
+          </a:effectRef>
+          <a:fontRef idx="minor">
+            <a:schemeClr val="tx1"/>
+          </a:fontRef>
+        </p:style>
+        <p:txBody>
+          <a:bodyPr lIns="182880" tIns="182880" rIns="182880" bIns="182880" rtlCol="0" anchor="ctr"/>
+          <a:lstStyle/>
+          <a:p>
+            <a:pPr algn="ctr">
+              <a:spcBef>
+                <a:spcPts val="600"/>
+              </a:spcBef>
+            </a:pPr>
+            <a:r>
+              <a:rPr lang="en-US" sz="2000" smtClean="0">
+                <a:solidFill>
+                  <a:schemeClr val="bg1"/>
+                </a:solidFill>
+              </a:rPr>
+              <a:t>Can be local file or URI</a:t>
+            </a:r>
+            <a:endParaRPr lang="en-US" sz="2000" dirty="0" smtClean="0">
+              <a:solidFill>
+                <a:schemeClr val="bg1"/>
+              </a:solidFill>
+            </a:endParaRPr>
+          </a:p>
+        </p:txBody>
+      </p:sp>
+    </p:spTree>
+    <p:extLst>
+      <p:ext uri="{BB962C8B-B14F-4D97-AF65-F5344CB8AC3E}">
+        <p14:creationId xmlns:p14="http://schemas.microsoft.com/office/powerpoint/2010/main" val="290504819"/>
+      </p:ext>
+    </p:extLst>
+  </p:cSld>
+  <p:clrMapOvr>
+    <a:masterClrMapping/>
+  </p:clrMapOvr>
+  <p:timing>
+    <p:tnLst>
+      <p:par>
+        <p:cTn id="1" dur="indefinite" restart="never" nodeType="tmRoot">
+          <p:childTnLst>
+            <p:seq concurrent="1" nextAc="seek">
+              <p:cTn id="2" dur="indefinite" nodeType="mainSeq">
+                <p:childTnLst>
+                  <p:par>
+                    <p:cTn id="3" fill="hold">
+                      <p:stCondLst>
+                        <p:cond delay="indefinite"/>
+                      </p:stCondLst>
+                      <p:childTnLst>
+                        <p:par>
+                          <p:cTn id="4" fill="hold">
+                            <p:stCondLst>
+                              <p:cond delay="0"/>
+                            </p:stCondLst>
+                            <p:childTnLst>
+                              <p:par>
+                                <p:cTn id="5" presetID="10" presetClass="entr" presetSubtype="0" fill="hold" grpId="0" nodeType="clickEffect">
+                                  <p:stCondLst>
+                                    <p:cond delay="0"/>
+                                  </p:stCondLst>
+                                  <p:childTnLst>
+                                    <p:set>
+                                      <p:cBhvr>
+                                        <p:cTn id="6" dur="1" fill="hold">
+                                          <p:stCondLst>
+                                            <p:cond delay="0"/>
+                                          </p:stCondLst>
+                                        </p:cTn>
+                                        <p:tgtEl>
+                                          <p:spTgt spid="5"/>
+                                        </p:tgtEl>
+                                        <p:attrNameLst>
+                                          <p:attrName>style.visibility</p:attrName>
+                                        </p:attrNameLst>
+                                      </p:cBhvr>
+                                      <p:to>
+                                        <p:strVal val="visible"/>
+                                      </p:to>
+                                    </p:set>
+                                    <p:animEffect transition="in" filter="fade">
+                                      <p:cBhvr>
+                                        <p:cTn id="7" dur="500"/>
+                                        <p:tgtEl>
+                                          <p:spTgt spid="5"/>
+                                        </p:tgtEl>
+                                      </p:cBhvr>
+                                    </p:animEffect>
+                                  </p:childTnLst>
+                                  <p:subTnLst>
+                                    <p:set>
+                                      <p:cBhvr override="childStyle">
+                                        <p:cTn dur="1" fill="hold" display="0" masterRel="nextClick" afterEffect="1"/>
+                                        <p:tgtEl>
+                                          <p:spTgt spid="5"/>
+                                        </p:tgtEl>
+                                        <p:attrNameLst>
+                                          <p:attrName>style.visibility</p:attrName>
+                                        </p:attrNameLst>
+                                      </p:cBhvr>
+                                      <p:to>
+                                        <p:strVal val="hidden"/>
+                                      </p:to>
+                                    </p:set>
+                                  </p:subTnLst>
+                                </p:cTn>
+                              </p:par>
+                            </p:childTnLst>
+                          </p:cTn>
+                        </p:par>
+                      </p:childTnLst>
+                    </p:cTn>
+                  </p:par>
+                  <p:par>
+                    <p:cTn id="8" fill="hold">
+                      <p:stCondLst>
+                        <p:cond delay="indefinite"/>
+                      </p:stCondLst>
+                      <p:childTnLst>
+                        <p:par>
+                          <p:cTn id="9" fill="hold">
+                            <p:stCondLst>
+                              <p:cond delay="0"/>
+                            </p:stCondLst>
+                            <p:childTnLst>
+                              <p:par>
+                                <p:cTn id="10" presetID="10" presetClass="entr" presetSubtype="0" fill="hold" grpId="0" nodeType="clickEffect">
+                                  <p:stCondLst>
+                                    <p:cond delay="0"/>
+                                  </p:stCondLst>
+                                  <p:childTnLst>
+                                    <p:set>
+                                      <p:cBhvr>
+                                        <p:cTn id="11" dur="1" fill="hold">
+                                          <p:stCondLst>
+                                            <p:cond delay="0"/>
+                                          </p:stCondLst>
+                                        </p:cTn>
+                                        <p:tgtEl>
+                                          <p:spTgt spid="6"/>
+                                        </p:tgtEl>
+                                        <p:attrNameLst>
+                                          <p:attrName>style.visibility</p:attrName>
+                                        </p:attrNameLst>
+                                      </p:cBhvr>
+                                      <p:to>
+                                        <p:strVal val="visible"/>
+                                      </p:to>
+                                    </p:set>
+                                    <p:animEffect transition="in" filter="fade">
+                                      <p:cBhvr>
+                                        <p:cTn id="12" dur="500"/>
+                                        <p:tgtEl>
+                                          <p:spTgt spid="6"/>
+                                        </p:tgtEl>
+                                      </p:cBhvr>
+                                    </p:animEffect>
+                                  </p:childTnLst>
+                                  <p:subTnLst>
+                                    <p:set>
+                                      <p:cBhvr override="childStyle">
+                                        <p:cTn dur="1" fill="hold" display="0" masterRel="nextClick" afterEffect="1"/>
+                                        <p:tgtEl>
+                                          <p:spTgt spid="6"/>
+                                        </p:tgtEl>
+                                        <p:attrNameLst>
+                                          <p:attrName>style.visibility</p:attrName>
+                                        </p:attrNameLst>
+                                      </p:cBhvr>
+                                      <p:to>
+                                        <p:strVal val="hidden"/>
+                                      </p:to>
+                                    </p:set>
+                                  </p:subTnLst>
+                                </p:cTn>
+                              </p:par>
+                            </p:childTnLst>
+                          </p:cTn>
+                        </p:par>
+                      </p:childTnLst>
+                    </p:cTn>
+                  </p:par>
+                </p:childTnLst>
+              </p:cTn>
+              <p:prevCondLst>
+                <p:cond evt="onPrev" delay="0">
+                  <p:tgtEl>
+                    <p:sldTgt/>
+                  </p:tgtEl>
+                </p:cond>
+              </p:prevCondLst>
+              <p:nextCondLst>
+                <p:cond evt="onNext" delay="0">
+                  <p:tgtEl>
+                    <p:sldTgt/>
+                  </p:tgtEl>
+                </p:cond>
+              </p:nextCondLst>
+            </p:seq>
+          </p:childTnLst>
+        </p:cTn>
+      </p:par>
+    </p:tnLst>
+    <p:bldLst>
+      <p:bldP spid="5" grpId="0" animBg="1"/>
+      <p:bldP spid="6" grpId="0" animBg="1"/>
+    </p:bldLst>
+  </p:timing>
+</p:sld>
+</file>
+
+<file path=ppt/slides/slide26.xml><?xml version="1.0" encoding="utf-8"?>
+<p:sld xmlns:a="http://schemas.openxmlformats.org/drawingml/2006/main" xmlns:r="http://schemas.openxmlformats.org/officeDocument/2006/relationships" xmlns:p="http://schemas.openxmlformats.org/presentationml/2006/main">
+  <p:cSld>
+    <p:spTree>
+      <p:nvGrpSpPr>
+        <p:cNvPr id="1" name=""/>
+        <p:cNvGrpSpPr/>
+        <p:nvPr/>
+      </p:nvGrpSpPr>
+      <p:grpSpPr>
+        <a:xfrm>
+          <a:off x="0" y="0"/>
+          <a:ext cx="0" cy="0"/>
+          <a:chOff x="0" y="0"/>
+          <a:chExt cx="0" cy="0"/>
+        </a:xfrm>
+      </p:grpSpPr>
+      <p:sp>
+        <p:nvSpPr>
+          <p:cNvPr id="2" name="Title 1"/>
+          <p:cNvSpPr>
+            <a:spLocks noGrp="1"/>
+          </p:cNvSpPr>
+          <p:nvPr>
+            <p:ph type="title"/>
+          </p:nvPr>
+        </p:nvSpPr>
+        <p:spPr/>
+        <p:txBody>
+          <a:bodyPr/>
+          <a:lstStyle/>
+          <a:p>
+            <a:r>
+              <a:rPr lang="en-US" smtClean="0"/>
+              <a:t>Our Solution</a:t>
+            </a:r>
+            <a:endParaRPr lang="en-US"/>
+          </a:p>
+        </p:txBody>
+      </p:sp>
+      <p:pic>
+        <p:nvPicPr>
+          <p:cNvPr id="3" name="Picture 2"/>
+          <p:cNvPicPr>
+            <a:picLocks noChangeAspect="1"/>
+          </p:cNvPicPr>
+          <p:nvPr/>
+        </p:nvPicPr>
+        <p:blipFill>
+          <a:blip r:embed="rId2"/>
+          <a:stretch>
+            <a:fillRect/>
+          </a:stretch>
+        </p:blipFill>
+        <p:spPr>
+          <a:xfrm>
+            <a:off x="2454876" y="1331459"/>
+            <a:ext cx="7282249" cy="5322602"/>
+          </a:xfrm>
+          <a:prstGeom prst="rect">
+            <a:avLst/>
+          </a:prstGeom>
+        </p:spPr>
+      </p:pic>
+      <p:sp>
+        <p:nvSpPr>
+          <p:cNvPr id="4" name="Right Arrow 3"/>
+          <p:cNvSpPr/>
+          <p:nvPr/>
+        </p:nvSpPr>
+        <p:spPr>
+          <a:xfrm rot="19166161">
+            <a:off x="840826" y="2427890"/>
+            <a:ext cx="2055483" cy="557048"/>
+          </a:xfrm>
+          <a:prstGeom prst="rightArrow">
+            <a:avLst/>
+          </a:prstGeom>
+          <a:solidFill>
+            <a:schemeClr val="accent1"/>
+          </a:solidFill>
+          <a:ln>
+            <a:noFill/>
+          </a:ln>
+          <a:effectLst/>
+        </p:spPr>
+        <p:style>
+          <a:lnRef idx="2">
+            <a:schemeClr val="accent1"/>
+          </a:lnRef>
+          <a:fillRef idx="0">
+            <a:schemeClr val="accent1"/>
+          </a:fillRef>
+          <a:effectRef idx="1">
+            <a:schemeClr val="accent1"/>
+          </a:effectRef>
+          <a:fontRef idx="minor">
+            <a:schemeClr val="tx1"/>
+          </a:fontRef>
+        </p:style>
+        <p:txBody>
+          <a:bodyPr lIns="182880" tIns="182880" rIns="182880" bIns="182880" rtlCol="0" anchor="ctr"/>
+          <a:lstStyle/>
+          <a:p>
+            <a:pPr algn="ctr">
+              <a:spcBef>
+                <a:spcPts val="600"/>
+              </a:spcBef>
+            </a:pPr>
+            <a:endParaRPr lang="en-US" sz="2000" dirty="0" smtClean="0">
+              <a:solidFill>
+                <a:schemeClr val="bg1"/>
+              </a:solidFill>
+            </a:endParaRPr>
+          </a:p>
+        </p:txBody>
+      </p:sp>
+      <p:sp>
+        <p:nvSpPr>
+          <p:cNvPr id="5" name="Right Arrow 4"/>
+          <p:cNvSpPr/>
+          <p:nvPr/>
+        </p:nvSpPr>
+        <p:spPr>
+          <a:xfrm rot="19166161">
+            <a:off x="1965432" y="3081825"/>
+            <a:ext cx="2055483" cy="557048"/>
+          </a:xfrm>
+          <a:prstGeom prst="rightArrow">
+            <a:avLst/>
+          </a:prstGeom>
+          <a:solidFill>
+            <a:schemeClr val="accent1"/>
+          </a:solidFill>
+          <a:ln>
+            <a:noFill/>
+          </a:ln>
+          <a:effectLst/>
+        </p:spPr>
+        <p:style>
+          <a:lnRef idx="2">
+            <a:schemeClr val="accent1"/>
+          </a:lnRef>
+          <a:fillRef idx="0">
+            <a:schemeClr val="accent1"/>
+          </a:fillRef>
+          <a:effectRef idx="1">
+            <a:schemeClr val="accent1"/>
+          </a:effectRef>
+          <a:fontRef idx="minor">
+            <a:schemeClr val="tx1"/>
+          </a:fontRef>
+        </p:style>
+        <p:txBody>
+          <a:bodyPr lIns="182880" tIns="182880" rIns="182880" bIns="182880" rtlCol="0" anchor="ctr"/>
+          <a:lstStyle/>
+          <a:p>
+            <a:pPr algn="ctr">
+              <a:spcBef>
+                <a:spcPts val="600"/>
+              </a:spcBef>
+            </a:pPr>
+            <a:endParaRPr lang="en-US" sz="2000" dirty="0" smtClean="0">
+              <a:solidFill>
+                <a:schemeClr val="bg1"/>
+              </a:solidFill>
+            </a:endParaRPr>
+          </a:p>
+        </p:txBody>
+      </p:sp>
+      <p:sp>
+        <p:nvSpPr>
+          <p:cNvPr id="6" name="Right Arrow 5"/>
+          <p:cNvSpPr/>
+          <p:nvPr/>
+        </p:nvSpPr>
+        <p:spPr>
+          <a:xfrm rot="19166161">
+            <a:off x="4312771" y="4841678"/>
+            <a:ext cx="2055483" cy="557048"/>
+          </a:xfrm>
+          <a:prstGeom prst="rightArrow">
+            <a:avLst/>
+          </a:prstGeom>
+          <a:solidFill>
+            <a:schemeClr val="accent1"/>
+          </a:solidFill>
+          <a:ln>
+            <a:noFill/>
+          </a:ln>
+          <a:effectLst/>
+        </p:spPr>
+        <p:style>
+          <a:lnRef idx="2">
+            <a:schemeClr val="accent1"/>
+          </a:lnRef>
+          <a:fillRef idx="0">
+            <a:schemeClr val="accent1"/>
+          </a:fillRef>
+          <a:effectRef idx="1">
+            <a:schemeClr val="accent1"/>
+          </a:effectRef>
+          <a:fontRef idx="minor">
+            <a:schemeClr val="tx1"/>
+          </a:fontRef>
+        </p:style>
+        <p:txBody>
+          <a:bodyPr lIns="182880" tIns="182880" rIns="182880" bIns="182880" rtlCol="0" anchor="ctr"/>
+          <a:lstStyle/>
+          <a:p>
+            <a:pPr algn="ctr">
+              <a:spcBef>
+                <a:spcPts val="600"/>
+              </a:spcBef>
+            </a:pPr>
+            <a:endParaRPr lang="en-US" sz="2000" dirty="0" smtClean="0">
+              <a:solidFill>
+                <a:schemeClr val="bg1"/>
+              </a:solidFill>
+            </a:endParaRPr>
+          </a:p>
+        </p:txBody>
+      </p:sp>
+      <p:sp>
+        <p:nvSpPr>
+          <p:cNvPr id="7" name="Right Arrow 6"/>
+          <p:cNvSpPr/>
+          <p:nvPr/>
+        </p:nvSpPr>
+        <p:spPr>
+          <a:xfrm rot="19166161">
+            <a:off x="2395342" y="4841679"/>
+            <a:ext cx="2055483" cy="557048"/>
+          </a:xfrm>
+          <a:prstGeom prst="rightArrow">
+            <a:avLst/>
+          </a:prstGeom>
+          <a:solidFill>
+            <a:schemeClr val="accent1"/>
+          </a:solidFill>
+          <a:ln>
+            <a:noFill/>
+          </a:ln>
+          <a:effectLst/>
+        </p:spPr>
+        <p:style>
+          <a:lnRef idx="2">
+            <a:schemeClr val="accent1"/>
+          </a:lnRef>
+          <a:fillRef idx="0">
+            <a:schemeClr val="accent1"/>
+          </a:fillRef>
+          <a:effectRef idx="1">
+            <a:schemeClr val="accent1"/>
+          </a:effectRef>
+          <a:fontRef idx="minor">
+            <a:schemeClr val="tx1"/>
+          </a:fontRef>
+        </p:style>
+        <p:txBody>
+          <a:bodyPr lIns="182880" tIns="182880" rIns="182880" bIns="182880" rtlCol="0" anchor="ctr"/>
+          <a:lstStyle/>
+          <a:p>
+            <a:pPr algn="ctr">
+              <a:spcBef>
+                <a:spcPts val="600"/>
+              </a:spcBef>
+            </a:pPr>
+            <a:endParaRPr lang="en-US" sz="2000" dirty="0" smtClean="0">
+              <a:solidFill>
+                <a:schemeClr val="bg1"/>
+              </a:solidFill>
+            </a:endParaRPr>
+          </a:p>
+        </p:txBody>
+      </p:sp>
+      <p:sp>
+        <p:nvSpPr>
+          <p:cNvPr id="8" name="Right Arrow 7"/>
+          <p:cNvSpPr/>
+          <p:nvPr/>
+        </p:nvSpPr>
+        <p:spPr>
+          <a:xfrm rot="19166161">
+            <a:off x="6030137" y="4841678"/>
+            <a:ext cx="2055483" cy="557048"/>
+          </a:xfrm>
+          <a:prstGeom prst="rightArrow">
+            <a:avLst/>
+          </a:prstGeom>
+          <a:solidFill>
+            <a:schemeClr val="accent1"/>
+          </a:solidFill>
+          <a:ln>
+            <a:noFill/>
+          </a:ln>
+          <a:effectLst/>
+        </p:spPr>
+        <p:style>
+          <a:lnRef idx="2">
+            <a:schemeClr val="accent1"/>
+          </a:lnRef>
+          <a:fillRef idx="0">
+            <a:schemeClr val="accent1"/>
+          </a:fillRef>
+          <a:effectRef idx="1">
+            <a:schemeClr val="accent1"/>
+          </a:effectRef>
+          <a:fontRef idx="minor">
+            <a:schemeClr val="tx1"/>
+          </a:fontRef>
+        </p:style>
+        <p:txBody>
+          <a:bodyPr lIns="182880" tIns="182880" rIns="182880" bIns="182880" rtlCol="0" anchor="ctr"/>
+          <a:lstStyle/>
+          <a:p>
+            <a:pPr algn="ctr">
+              <a:spcBef>
+                <a:spcPts val="600"/>
+              </a:spcBef>
+            </a:pPr>
+            <a:endParaRPr lang="en-US" sz="2000" dirty="0" smtClean="0">
+              <a:solidFill>
+                <a:schemeClr val="bg1"/>
+              </a:solidFill>
+            </a:endParaRPr>
+          </a:p>
+        </p:txBody>
+      </p:sp>
+      <p:sp>
+        <p:nvSpPr>
+          <p:cNvPr id="9" name="Right Arrow 8"/>
+          <p:cNvSpPr/>
+          <p:nvPr/>
+        </p:nvSpPr>
+        <p:spPr>
+          <a:xfrm rot="19166161">
+            <a:off x="3350889" y="3408791"/>
+            <a:ext cx="2055483" cy="557048"/>
+          </a:xfrm>
+          <a:prstGeom prst="rightArrow">
+            <a:avLst/>
+          </a:prstGeom>
+          <a:solidFill>
+            <a:schemeClr val="accent1"/>
+          </a:solidFill>
+          <a:ln>
+            <a:noFill/>
+          </a:ln>
+          <a:effectLst/>
+        </p:spPr>
+        <p:style>
+          <a:lnRef idx="2">
+            <a:schemeClr val="accent1"/>
+          </a:lnRef>
+          <a:fillRef idx="0">
+            <a:schemeClr val="accent1"/>
+          </a:fillRef>
+          <a:effectRef idx="1">
+            <a:schemeClr val="accent1"/>
+          </a:effectRef>
+          <a:fontRef idx="minor">
+            <a:schemeClr val="tx1"/>
+          </a:fontRef>
+        </p:style>
+        <p:txBody>
+          <a:bodyPr lIns="182880" tIns="182880" rIns="182880" bIns="182880" rtlCol="0" anchor="ctr"/>
+          <a:lstStyle/>
+          <a:p>
+            <a:pPr algn="ctr">
+              <a:spcBef>
+                <a:spcPts val="600"/>
+              </a:spcBef>
+            </a:pPr>
+            <a:endParaRPr lang="en-US" sz="2000" dirty="0" smtClean="0">
+              <a:solidFill>
+                <a:schemeClr val="bg1"/>
+              </a:solidFill>
+            </a:endParaRPr>
+          </a:p>
+        </p:txBody>
+      </p:sp>
+      <p:sp>
+        <p:nvSpPr>
+          <p:cNvPr id="10" name="Right Arrow 9"/>
+          <p:cNvSpPr/>
+          <p:nvPr/>
+        </p:nvSpPr>
+        <p:spPr>
+          <a:xfrm rot="19166161">
+            <a:off x="4905404" y="3408788"/>
+            <a:ext cx="2055483" cy="557048"/>
+          </a:xfrm>
+          <a:prstGeom prst="rightArrow">
+            <a:avLst/>
+          </a:prstGeom>
+          <a:solidFill>
+            <a:schemeClr val="accent1"/>
+          </a:solidFill>
+          <a:ln>
+            <a:noFill/>
+          </a:ln>
+          <a:effectLst/>
+        </p:spPr>
+        <p:style>
+          <a:lnRef idx="2">
+            <a:schemeClr val="accent1"/>
+          </a:lnRef>
+          <a:fillRef idx="0">
+            <a:schemeClr val="accent1"/>
+          </a:fillRef>
+          <a:effectRef idx="1">
+            <a:schemeClr val="accent1"/>
+          </a:effectRef>
+          <a:fontRef idx="minor">
+            <a:schemeClr val="tx1"/>
+          </a:fontRef>
+        </p:style>
+        <p:txBody>
+          <a:bodyPr lIns="182880" tIns="182880" rIns="182880" bIns="182880" rtlCol="0" anchor="ctr"/>
+          <a:lstStyle/>
+          <a:p>
+            <a:pPr algn="ctr">
+              <a:spcBef>
+                <a:spcPts val="600"/>
+              </a:spcBef>
+            </a:pPr>
+            <a:endParaRPr lang="en-US" sz="2000" dirty="0" smtClean="0">
+              <a:solidFill>
+                <a:schemeClr val="bg1"/>
+              </a:solidFill>
+            </a:endParaRPr>
+          </a:p>
+        </p:txBody>
+      </p:sp>
+      <p:sp>
+        <p:nvSpPr>
+          <p:cNvPr id="11" name="Right Arrow 10"/>
+          <p:cNvSpPr/>
+          <p:nvPr/>
+        </p:nvSpPr>
+        <p:spPr>
+          <a:xfrm rot="19166161">
+            <a:off x="3912572" y="5846936"/>
+            <a:ext cx="1602192" cy="557048"/>
+          </a:xfrm>
+          <a:prstGeom prst="rightArrow">
+            <a:avLst/>
+          </a:prstGeom>
+          <a:solidFill>
+            <a:schemeClr val="accent1"/>
+          </a:solidFill>
+          <a:ln>
+            <a:noFill/>
+          </a:ln>
+          <a:effectLst/>
+        </p:spPr>
+        <p:style>
+          <a:lnRef idx="2">
+            <a:schemeClr val="accent1"/>
+          </a:lnRef>
+          <a:fillRef idx="0">
+            <a:schemeClr val="accent1"/>
+          </a:fillRef>
+          <a:effectRef idx="1">
+            <a:schemeClr val="accent1"/>
+          </a:effectRef>
+          <a:fontRef idx="minor">
+            <a:schemeClr val="tx1"/>
+          </a:fontRef>
+        </p:style>
+        <p:txBody>
+          <a:bodyPr lIns="182880" tIns="182880" rIns="182880" bIns="182880" rtlCol="0" anchor="ctr"/>
+          <a:lstStyle/>
+          <a:p>
+            <a:pPr algn="ctr">
+              <a:spcBef>
+                <a:spcPts val="600"/>
+              </a:spcBef>
+            </a:pPr>
+            <a:endParaRPr lang="en-US" sz="2000" dirty="0" smtClean="0">
+              <a:solidFill>
+                <a:schemeClr val="bg1"/>
+              </a:solidFill>
+            </a:endParaRPr>
+          </a:p>
+        </p:txBody>
+      </p:sp>
+      <p:sp>
+        <p:nvSpPr>
+          <p:cNvPr id="12" name="Right Arrow 11"/>
+          <p:cNvSpPr/>
+          <p:nvPr/>
+        </p:nvSpPr>
+        <p:spPr>
+          <a:xfrm rot="19166161">
+            <a:off x="5375335" y="5846936"/>
+            <a:ext cx="1602192" cy="557048"/>
+          </a:xfrm>
+          <a:prstGeom prst="rightArrow">
+            <a:avLst/>
+          </a:prstGeom>
+          <a:solidFill>
+            <a:schemeClr val="accent1"/>
+          </a:solidFill>
+          <a:ln>
+            <a:noFill/>
+          </a:ln>
+          <a:effectLst/>
+        </p:spPr>
+        <p:style>
+          <a:lnRef idx="2">
+            <a:schemeClr val="accent1"/>
+          </a:lnRef>
+          <a:fillRef idx="0">
+            <a:schemeClr val="accent1"/>
+          </a:fillRef>
+          <a:effectRef idx="1">
+            <a:schemeClr val="accent1"/>
+          </a:effectRef>
+          <a:fontRef idx="minor">
+            <a:schemeClr val="tx1"/>
+          </a:fontRef>
+        </p:style>
+        <p:txBody>
+          <a:bodyPr lIns="182880" tIns="182880" rIns="182880" bIns="182880" rtlCol="0" anchor="ctr"/>
+          <a:lstStyle/>
+          <a:p>
+            <a:pPr algn="ctr">
+              <a:spcBef>
+                <a:spcPts val="600"/>
+              </a:spcBef>
+            </a:pPr>
+            <a:endParaRPr lang="en-US" sz="2000" dirty="0" smtClean="0">
+              <a:solidFill>
+                <a:schemeClr val="bg1"/>
+              </a:solidFill>
+            </a:endParaRPr>
+          </a:p>
+        </p:txBody>
+      </p:sp>
+    </p:spTree>
+    <p:extLst>
+      <p:ext uri="{BB962C8B-B14F-4D97-AF65-F5344CB8AC3E}">
+        <p14:creationId xmlns:p14="http://schemas.microsoft.com/office/powerpoint/2010/main" val="1033949578"/>
+      </p:ext>
+    </p:extLst>
+  </p:cSld>
+  <p:clrMapOvr>
+    <a:masterClrMapping/>
+  </p:clrMapOvr>
+  <p:timing>
+    <p:tnLst>
+      <p:par>
+        <p:cTn id="1" dur="indefinite" restart="never" nodeType="tmRoot">
+          <p:childTnLst>
+            <p:seq concurrent="1" nextAc="seek">
+              <p:cTn id="2" dur="indefinite" nodeType="mainSeq">
+                <p:childTnLst>
+                  <p:par>
+                    <p:cTn id="3" fill="hold">
+                      <p:stCondLst>
+                        <p:cond delay="indefinite"/>
+                      </p:stCondLst>
+                      <p:childTnLst>
+                        <p:par>
+                          <p:cTn id="4" fill="hold">
+                            <p:stCondLst>
+                              <p:cond delay="0"/>
+                            </p:stCondLst>
+                            <p:childTnLst>
+                              <p:par>
+                                <p:cTn id="5" presetID="10" presetClass="entr" presetSubtype="0" fill="hold" grpId="0" nodeType="clickEffect">
+                                  <p:stCondLst>
+                                    <p:cond delay="0"/>
+                                  </p:stCondLst>
+                                  <p:childTnLst>
+                                    <p:set>
+                                      <p:cBhvr>
+                                        <p:cTn id="6" dur="1" fill="hold">
+                                          <p:stCondLst>
+                                            <p:cond delay="0"/>
+                                          </p:stCondLst>
+                                        </p:cTn>
+                                        <p:tgtEl>
+                                          <p:spTgt spid="4"/>
+                                        </p:tgtEl>
+                                        <p:attrNameLst>
+                                          <p:attrName>style.visibility</p:attrName>
+                                        </p:attrNameLst>
+                                      </p:cBhvr>
+                                      <p:to>
+                                        <p:strVal val="visible"/>
+                                      </p:to>
+                                    </p:set>
+                                    <p:animEffect transition="in" filter="fade">
+                                      <p:cBhvr>
+                                        <p:cTn id="7" dur="200"/>
+                                        <p:tgtEl>
+                                          <p:spTgt spid="4"/>
+                                        </p:tgtEl>
+                                      </p:cBhvr>
+                                    </p:animEffect>
+                                  </p:childTnLst>
+                                  <p:subTnLst>
+                                    <p:set>
+                                      <p:cBhvr override="childStyle">
+                                        <p:cTn dur="1" fill="hold" display="0" masterRel="nextClick" afterEffect="1"/>
+                                        <p:tgtEl>
+                                          <p:spTgt spid="4"/>
+                                        </p:tgtEl>
+                                        <p:attrNameLst>
+                                          <p:attrName>style.visibility</p:attrName>
+                                        </p:attrNameLst>
+                                      </p:cBhvr>
+                                      <p:to>
+                                        <p:strVal val="hidden"/>
+                                      </p:to>
+                                    </p:set>
+                                  </p:subTnLst>
+                                </p:cTn>
+                              </p:par>
+                            </p:childTnLst>
+                          </p:cTn>
+                        </p:par>
+                      </p:childTnLst>
+                    </p:cTn>
+                  </p:par>
+                  <p:par>
+                    <p:cTn id="8" fill="hold">
+                      <p:stCondLst>
+                        <p:cond delay="indefinite"/>
+                      </p:stCondLst>
+                      <p:childTnLst>
+                        <p:par>
+                          <p:cTn id="9" fill="hold">
+                            <p:stCondLst>
+                              <p:cond delay="0"/>
+                            </p:stCondLst>
+                            <p:childTnLst>
+                              <p:par>
+                                <p:cTn id="10" presetID="10" presetClass="entr" presetSubtype="0" fill="hold" grpId="0" nodeType="clickEffect">
+                                  <p:stCondLst>
+                                    <p:cond delay="0"/>
+                                  </p:stCondLst>
+                                  <p:childTnLst>
+                                    <p:set>
+                                      <p:cBhvr>
+                                        <p:cTn id="11" dur="1" fill="hold">
+                                          <p:stCondLst>
+                                            <p:cond delay="0"/>
+                                          </p:stCondLst>
+                                        </p:cTn>
+                                        <p:tgtEl>
+                                          <p:spTgt spid="5"/>
+                                        </p:tgtEl>
+                                        <p:attrNameLst>
+                                          <p:attrName>style.visibility</p:attrName>
+                                        </p:attrNameLst>
+                                      </p:cBhvr>
+                                      <p:to>
+                                        <p:strVal val="visible"/>
+                                      </p:to>
+                                    </p:set>
+                                    <p:animEffect transition="in" filter="fade">
+                                      <p:cBhvr>
+                                        <p:cTn id="12" dur="200"/>
+                                        <p:tgtEl>
+                                          <p:spTgt spid="5"/>
+                                        </p:tgtEl>
+                                      </p:cBhvr>
+                                    </p:animEffect>
+                                  </p:childTnLst>
+                                  <p:subTnLst>
+                                    <p:set>
+                                      <p:cBhvr override="childStyle">
+                                        <p:cTn dur="1" fill="hold" display="0" masterRel="nextClick" afterEffect="1"/>
+                                        <p:tgtEl>
+                                          <p:spTgt spid="5"/>
+                                        </p:tgtEl>
+                                        <p:attrNameLst>
+                                          <p:attrName>style.visibility</p:attrName>
+                                        </p:attrNameLst>
+                                      </p:cBhvr>
+                                      <p:to>
+                                        <p:strVal val="hidden"/>
+                                      </p:to>
+                                    </p:set>
+                                  </p:subTnLst>
+                                </p:cTn>
+                              </p:par>
+                            </p:childTnLst>
+                          </p:cTn>
+                        </p:par>
+                      </p:childTnLst>
+                    </p:cTn>
+                  </p:par>
+                  <p:par>
+                    <p:cTn id="13" fill="hold">
+                      <p:stCondLst>
+                        <p:cond delay="indefinite"/>
+                      </p:stCondLst>
+                      <p:childTnLst>
+                        <p:par>
+                          <p:cTn id="14" fill="hold">
+                            <p:stCondLst>
+                              <p:cond delay="0"/>
+                            </p:stCondLst>
+                            <p:childTnLst>
+                              <p:par>
+                                <p:cTn id="15" presetID="10" presetClass="entr" presetSubtype="0" fill="hold" grpId="0" nodeType="clickEffect">
+                                  <p:stCondLst>
+                                    <p:cond delay="0"/>
+                                  </p:stCondLst>
+                                  <p:childTnLst>
+                                    <p:set>
+                                      <p:cBhvr>
+                                        <p:cTn id="16" dur="1" fill="hold">
+                                          <p:stCondLst>
+                                            <p:cond delay="0"/>
+                                          </p:stCondLst>
+                                        </p:cTn>
+                                        <p:tgtEl>
+                                          <p:spTgt spid="6"/>
+                                        </p:tgtEl>
+                                        <p:attrNameLst>
+                                          <p:attrName>style.visibility</p:attrName>
+                                        </p:attrNameLst>
+                                      </p:cBhvr>
+                                      <p:to>
+                                        <p:strVal val="visible"/>
+                                      </p:to>
+                                    </p:set>
+                                    <p:animEffect transition="in" filter="fade">
+                                      <p:cBhvr>
+                                        <p:cTn id="17" dur="200"/>
+                                        <p:tgtEl>
+                                          <p:spTgt spid="6"/>
+                                        </p:tgtEl>
+                                      </p:cBhvr>
+                                    </p:animEffect>
+                                  </p:childTnLst>
+                                  <p:subTnLst>
+                                    <p:set>
+                                      <p:cBhvr override="childStyle">
+                                        <p:cTn dur="1" fill="hold" display="0" masterRel="nextClick" afterEffect="1"/>
+                                        <p:tgtEl>
+                                          <p:spTgt spid="6"/>
+                                        </p:tgtEl>
+                                        <p:attrNameLst>
+                                          <p:attrName>style.visibility</p:attrName>
+                                        </p:attrNameLst>
+                                      </p:cBhvr>
+                                      <p:to>
+                                        <p:strVal val="hidden"/>
+                                      </p:to>
+                                    </p:set>
+                                  </p:subTnLst>
+                                </p:cTn>
+                              </p:par>
+                            </p:childTnLst>
+                          </p:cTn>
+                        </p:par>
+                      </p:childTnLst>
+                    </p:cTn>
+                  </p:par>
+                  <p:par>
+                    <p:cTn id="18" fill="hold">
+                      <p:stCondLst>
+                        <p:cond delay="indefinite"/>
+                      </p:stCondLst>
+                      <p:childTnLst>
+                        <p:par>
+                          <p:cTn id="19" fill="hold">
+                            <p:stCondLst>
+                              <p:cond delay="0"/>
+                            </p:stCondLst>
+                            <p:childTnLst>
+                              <p:par>
+                                <p:cTn id="20" presetID="10" presetClass="entr" presetSubtype="0" fill="hold" grpId="0" nodeType="clickEffect">
+                                  <p:stCondLst>
+                                    <p:cond delay="0"/>
+                                  </p:stCondLst>
+                                  <p:childTnLst>
+                                    <p:set>
+                                      <p:cBhvr>
+                                        <p:cTn id="21" dur="1" fill="hold">
+                                          <p:stCondLst>
+                                            <p:cond delay="0"/>
+                                          </p:stCondLst>
+                                        </p:cTn>
+                                        <p:tgtEl>
+                                          <p:spTgt spid="7"/>
+                                        </p:tgtEl>
+                                        <p:attrNameLst>
+                                          <p:attrName>style.visibility</p:attrName>
+                                        </p:attrNameLst>
+                                      </p:cBhvr>
+                                      <p:to>
+                                        <p:strVal val="visible"/>
+                                      </p:to>
+                                    </p:set>
+                                    <p:animEffect transition="in" filter="fade">
+                                      <p:cBhvr>
+                                        <p:cTn id="22" dur="200"/>
+                                        <p:tgtEl>
+                                          <p:spTgt spid="7"/>
+                                        </p:tgtEl>
+                                      </p:cBhvr>
+                                    </p:animEffect>
+                                  </p:childTnLst>
+                                  <p:subTnLst>
+                                    <p:set>
+                                      <p:cBhvr override="childStyle">
+                                        <p:cTn dur="1" fill="hold" display="0" masterRel="nextClick" afterEffect="1"/>
+                                        <p:tgtEl>
+                                          <p:spTgt spid="7"/>
+                                        </p:tgtEl>
+                                        <p:attrNameLst>
+                                          <p:attrName>style.visibility</p:attrName>
+                                        </p:attrNameLst>
+                                      </p:cBhvr>
+                                      <p:to>
+                                        <p:strVal val="hidden"/>
+                                      </p:to>
+                                    </p:set>
+                                  </p:subTnLst>
+                                </p:cTn>
+                              </p:par>
+                            </p:childTnLst>
+                          </p:cTn>
+                        </p:par>
+                      </p:childTnLst>
+                    </p:cTn>
+                  </p:par>
+                  <p:par>
+                    <p:cTn id="23" fill="hold">
+                      <p:stCondLst>
+                        <p:cond delay="indefinite"/>
+                      </p:stCondLst>
+                      <p:childTnLst>
+                        <p:par>
+                          <p:cTn id="24" fill="hold">
+                            <p:stCondLst>
+                              <p:cond delay="0"/>
+                            </p:stCondLst>
+                            <p:childTnLst>
+                              <p:par>
+                                <p:cTn id="25" presetID="10" presetClass="entr" presetSubtype="0" fill="hold" grpId="0" nodeType="clickEffect">
+                                  <p:stCondLst>
+                                    <p:cond delay="0"/>
+                                  </p:stCondLst>
+                                  <p:childTnLst>
+                                    <p:set>
+                                      <p:cBhvr>
+                                        <p:cTn id="26" dur="1" fill="hold">
+                                          <p:stCondLst>
+                                            <p:cond delay="0"/>
+                                          </p:stCondLst>
+                                        </p:cTn>
+                                        <p:tgtEl>
+                                          <p:spTgt spid="8"/>
+                                        </p:tgtEl>
+                                        <p:attrNameLst>
+                                          <p:attrName>style.visibility</p:attrName>
+                                        </p:attrNameLst>
+                                      </p:cBhvr>
+                                      <p:to>
+                                        <p:strVal val="visible"/>
+                                      </p:to>
+                                    </p:set>
+                                    <p:animEffect transition="in" filter="fade">
+                                      <p:cBhvr>
+                                        <p:cTn id="27" dur="200"/>
+                                        <p:tgtEl>
+                                          <p:spTgt spid="8"/>
+                                        </p:tgtEl>
+                                      </p:cBhvr>
+                                    </p:animEffect>
+                                  </p:childTnLst>
+                                  <p:subTnLst>
+                                    <p:set>
+                                      <p:cBhvr override="childStyle">
+                                        <p:cTn dur="1" fill="hold" display="0" masterRel="nextClick" afterEffect="1"/>
+                                        <p:tgtEl>
+                                          <p:spTgt spid="8"/>
+                                        </p:tgtEl>
+                                        <p:attrNameLst>
+                                          <p:attrName>style.visibility</p:attrName>
+                                        </p:attrNameLst>
+                                      </p:cBhvr>
+                                      <p:to>
+                                        <p:strVal val="hidden"/>
+                                      </p:to>
+                                    </p:set>
+                                  </p:subTnLst>
+                                </p:cTn>
+                              </p:par>
+                            </p:childTnLst>
+                          </p:cTn>
+                        </p:par>
+                      </p:childTnLst>
+                    </p:cTn>
+                  </p:par>
+                  <p:par>
+                    <p:cTn id="28" fill="hold">
+                      <p:stCondLst>
+                        <p:cond delay="indefinite"/>
+                      </p:stCondLst>
+                      <p:childTnLst>
+                        <p:par>
+                          <p:cTn id="29" fill="hold">
+                            <p:stCondLst>
+                              <p:cond delay="0"/>
+                            </p:stCondLst>
+                            <p:childTnLst>
+                              <p:par>
+                                <p:cTn id="30" presetID="10" presetClass="entr" presetSubtype="0" fill="hold" grpId="0" nodeType="clickEffect">
+                                  <p:stCondLst>
+                                    <p:cond delay="0"/>
+                                  </p:stCondLst>
+                                  <p:childTnLst>
+                                    <p:set>
+                                      <p:cBhvr>
+                                        <p:cTn id="31" dur="1" fill="hold">
+                                          <p:stCondLst>
+                                            <p:cond delay="0"/>
+                                          </p:stCondLst>
+                                        </p:cTn>
+                                        <p:tgtEl>
+                                          <p:spTgt spid="9"/>
+                                        </p:tgtEl>
+                                        <p:attrNameLst>
+                                          <p:attrName>style.visibility</p:attrName>
+                                        </p:attrNameLst>
+                                      </p:cBhvr>
+                                      <p:to>
+                                        <p:strVal val="visible"/>
+                                      </p:to>
+                                    </p:set>
+                                    <p:animEffect transition="in" filter="fade">
+                                      <p:cBhvr>
+                                        <p:cTn id="32" dur="200"/>
+                                        <p:tgtEl>
+                                          <p:spTgt spid="9"/>
+                                        </p:tgtEl>
+                                      </p:cBhvr>
+                                    </p:animEffect>
+                                  </p:childTnLst>
+                                  <p:subTnLst>
+                                    <p:set>
+                                      <p:cBhvr override="childStyle">
+                                        <p:cTn dur="1" fill="hold" display="0" masterRel="nextClick" afterEffect="1"/>
+                                        <p:tgtEl>
+                                          <p:spTgt spid="9"/>
+                                        </p:tgtEl>
+                                        <p:attrNameLst>
+                                          <p:attrName>style.visibility</p:attrName>
+                                        </p:attrNameLst>
+                                      </p:cBhvr>
+                                      <p:to>
+                                        <p:strVal val="hidden"/>
+                                      </p:to>
+                                    </p:set>
+                                  </p:subTnLst>
+                                </p:cTn>
+                              </p:par>
+                            </p:childTnLst>
+                          </p:cTn>
+                        </p:par>
+                      </p:childTnLst>
+                    </p:cTn>
+                  </p:par>
+                  <p:par>
+                    <p:cTn id="33" fill="hold">
+                      <p:stCondLst>
+                        <p:cond delay="indefinite"/>
+                      </p:stCondLst>
+                      <p:childTnLst>
+                        <p:par>
+                          <p:cTn id="34" fill="hold">
+                            <p:stCondLst>
+                              <p:cond delay="0"/>
+                            </p:stCondLst>
+                            <p:childTnLst>
+                              <p:par>
+                                <p:cTn id="35" presetID="10" presetClass="entr" presetSubtype="0" fill="hold" grpId="0" nodeType="clickEffect">
+                                  <p:stCondLst>
+                                    <p:cond delay="0"/>
+                                  </p:stCondLst>
+                                  <p:childTnLst>
+                                    <p:set>
+                                      <p:cBhvr>
+                                        <p:cTn id="36" dur="1" fill="hold">
+                                          <p:stCondLst>
+                                            <p:cond delay="0"/>
+                                          </p:stCondLst>
+                                        </p:cTn>
+                                        <p:tgtEl>
+                                          <p:spTgt spid="10"/>
+                                        </p:tgtEl>
+                                        <p:attrNameLst>
+                                          <p:attrName>style.visibility</p:attrName>
+                                        </p:attrNameLst>
+                                      </p:cBhvr>
+                                      <p:to>
+                                        <p:strVal val="visible"/>
+                                      </p:to>
+                                    </p:set>
+                                    <p:animEffect transition="in" filter="fade">
+                                      <p:cBhvr>
+                                        <p:cTn id="37" dur="200"/>
+                                        <p:tgtEl>
+                                          <p:spTgt spid="10"/>
+                                        </p:tgtEl>
+                                      </p:cBhvr>
+                                    </p:animEffect>
+                                  </p:childTnLst>
+                                  <p:subTnLst>
+                                    <p:set>
+                                      <p:cBhvr override="childStyle">
+                                        <p:cTn dur="1" fill="hold" display="0" masterRel="nextClick" afterEffect="1"/>
+                                        <p:tgtEl>
+                                          <p:spTgt spid="10"/>
+                                        </p:tgtEl>
+                                        <p:attrNameLst>
+                                          <p:attrName>style.visibility</p:attrName>
+                                        </p:attrNameLst>
+                                      </p:cBhvr>
+                                      <p:to>
+                                        <p:strVal val="hidden"/>
+                                      </p:to>
+                                    </p:set>
+                                  </p:subTnLst>
+                                </p:cTn>
+                              </p:par>
+                            </p:childTnLst>
+                          </p:cTn>
+                        </p:par>
+                      </p:childTnLst>
+                    </p:cTn>
+                  </p:par>
+                  <p:par>
+                    <p:cTn id="38" fill="hold">
+                      <p:stCondLst>
+                        <p:cond delay="indefinite"/>
+                      </p:stCondLst>
+                      <p:childTnLst>
+                        <p:par>
+                          <p:cTn id="39" fill="hold">
+                            <p:stCondLst>
+                              <p:cond delay="0"/>
+                            </p:stCondLst>
+                            <p:childTnLst>
+                              <p:par>
+                                <p:cTn id="40" presetID="10" presetClass="entr" presetSubtype="0" fill="hold" grpId="0" nodeType="clickEffect">
+                                  <p:stCondLst>
+                                    <p:cond delay="0"/>
+                                  </p:stCondLst>
+                                  <p:childTnLst>
+                                    <p:set>
+                                      <p:cBhvr>
+                                        <p:cTn id="41" dur="1" fill="hold">
+                                          <p:stCondLst>
+                                            <p:cond delay="0"/>
+                                          </p:stCondLst>
+                                        </p:cTn>
+                                        <p:tgtEl>
+                                          <p:spTgt spid="11"/>
+                                        </p:tgtEl>
+                                        <p:attrNameLst>
+                                          <p:attrName>style.visibility</p:attrName>
+                                        </p:attrNameLst>
+                                      </p:cBhvr>
+                                      <p:to>
+                                        <p:strVal val="visible"/>
+                                      </p:to>
+                                    </p:set>
+                                    <p:animEffect transition="in" filter="fade">
+                                      <p:cBhvr>
+                                        <p:cTn id="42" dur="200"/>
+                                        <p:tgtEl>
+                                          <p:spTgt spid="11"/>
+                                        </p:tgtEl>
+                                      </p:cBhvr>
+                                    </p:animEffect>
+                                  </p:childTnLst>
+                                  <p:subTnLst>
+                                    <p:set>
+                                      <p:cBhvr override="childStyle">
+                                        <p:cTn dur="1" fill="hold" display="0" masterRel="nextClick" afterEffect="1"/>
+                                        <p:tgtEl>
+                                          <p:spTgt spid="11"/>
+                                        </p:tgtEl>
+                                        <p:attrNameLst>
+                                          <p:attrName>style.visibility</p:attrName>
+                                        </p:attrNameLst>
+                                      </p:cBhvr>
+                                      <p:to>
+                                        <p:strVal val="hidden"/>
+                                      </p:to>
+                                    </p:set>
+                                  </p:subTnLst>
+                                </p:cTn>
+                              </p:par>
+                            </p:childTnLst>
+                          </p:cTn>
+                        </p:par>
+                      </p:childTnLst>
+                    </p:cTn>
+                  </p:par>
+                  <p:par>
+                    <p:cTn id="43" fill="hold">
+                      <p:stCondLst>
+                        <p:cond delay="indefinite"/>
+                      </p:stCondLst>
+                      <p:childTnLst>
+                        <p:par>
+                          <p:cTn id="44" fill="hold">
+                            <p:stCondLst>
+                              <p:cond delay="0"/>
+                            </p:stCondLst>
+                            <p:childTnLst>
+                              <p:par>
+                                <p:cTn id="45" presetID="10" presetClass="entr" presetSubtype="0" fill="hold" grpId="0" nodeType="clickEffect">
+                                  <p:stCondLst>
+                                    <p:cond delay="0"/>
+                                  </p:stCondLst>
+                                  <p:childTnLst>
+                                    <p:set>
+                                      <p:cBhvr>
+                                        <p:cTn id="46" dur="1" fill="hold">
+                                          <p:stCondLst>
+                                            <p:cond delay="0"/>
+                                          </p:stCondLst>
+                                        </p:cTn>
+                                        <p:tgtEl>
+                                          <p:spTgt spid="12"/>
+                                        </p:tgtEl>
+                                        <p:attrNameLst>
+                                          <p:attrName>style.visibility</p:attrName>
+                                        </p:attrNameLst>
+                                      </p:cBhvr>
+                                      <p:to>
+                                        <p:strVal val="visible"/>
+                                      </p:to>
+                                    </p:set>
+                                    <p:animEffect transition="in" filter="fade">
+                                      <p:cBhvr>
+                                        <p:cTn id="47" dur="200"/>
+                                        <p:tgtEl>
+                                          <p:spTgt spid="12"/>
+                                        </p:tgtEl>
+                                      </p:cBhvr>
+                                    </p:animEffect>
+                                  </p:childTnLst>
+                                  <p:subTnLst>
+                                    <p:set>
+                                      <p:cBhvr override="childStyle">
+                                        <p:cTn dur="1" fill="hold" display="0" masterRel="nextClick" afterEffect="1"/>
+                                        <p:tgtEl>
+                                          <p:spTgt spid="12"/>
+                                        </p:tgtEl>
+                                        <p:attrNameLst>
+                                          <p:attrName>style.visibility</p:attrName>
+                                        </p:attrNameLst>
+                                      </p:cBhvr>
+                                      <p:to>
+                                        <p:strVal val="hidden"/>
+                                      </p:to>
+                                    </p:set>
+                                  </p:subTnLst>
+                                </p:cTn>
+                              </p:par>
+                            </p:childTnLst>
+                          </p:cTn>
+                        </p:par>
+                      </p:childTnLst>
+                    </p:cTn>
+                  </p:par>
+                </p:childTnLst>
+              </p:cTn>
+              <p:prevCondLst>
+                <p:cond evt="onPrev" delay="0">
+                  <p:tgtEl>
+                    <p:sldTgt/>
+                  </p:tgtEl>
+                </p:cond>
+              </p:prevCondLst>
+              <p:nextCondLst>
+                <p:cond evt="onNext" delay="0">
+                  <p:tgtEl>
+                    <p:sldTgt/>
+                  </p:tgtEl>
+                </p:cond>
+              </p:nextCondLst>
+            </p:seq>
+          </p:childTnLst>
+        </p:cTn>
+      </p:par>
+    </p:tnLst>
+    <p:bldLst>
+      <p:bldP spid="4" grpId="0" animBg="1"/>
+      <p:bldP spid="5" grpId="0" animBg="1"/>
+      <p:bldP spid="6" grpId="0" animBg="1"/>
+      <p:bldP spid="7" grpId="0" animBg="1"/>
+      <p:bldP spid="8" grpId="0" animBg="1"/>
+      <p:bldP spid="9" grpId="0" animBg="1"/>
+      <p:bldP spid="10" grpId="0" animBg="1"/>
+      <p:bldP spid="11" grpId="0" animBg="1"/>
+      <p:bldP spid="12" grpId="0" animBg="1"/>
+    </p:bldLst>
   </p:timing>
 </p:sld>
 </file>

--- a/warner-azure-webapp-pod.pptx
+++ b/warner-azure-webapp-pod.pptx
@@ -10,27 +10,19 @@
     <p:sldId id="258" r:id="rId4"/>
     <p:sldId id="259" r:id="rId5"/>
     <p:sldId id="265" r:id="rId6"/>
-    <p:sldId id="266" r:id="rId7"/>
-    <p:sldId id="267" r:id="rId8"/>
-    <p:sldId id="268" r:id="rId9"/>
+    <p:sldId id="286" r:id="rId7"/>
+    <p:sldId id="287" r:id="rId8"/>
+    <p:sldId id="288" r:id="rId9"/>
     <p:sldId id="269" r:id="rId10"/>
-    <p:sldId id="270" r:id="rId11"/>
+    <p:sldId id="278" r:id="rId11"/>
     <p:sldId id="271" r:id="rId12"/>
-    <p:sldId id="272" r:id="rId13"/>
+    <p:sldId id="279" r:id="rId13"/>
     <p:sldId id="273" r:id="rId14"/>
-    <p:sldId id="274" r:id="rId15"/>
-    <p:sldId id="275" r:id="rId16"/>
-    <p:sldId id="264" r:id="rId17"/>
-    <p:sldId id="276" r:id="rId18"/>
-    <p:sldId id="277" r:id="rId19"/>
-    <p:sldId id="278" r:id="rId20"/>
-    <p:sldId id="279" r:id="rId21"/>
-    <p:sldId id="280" r:id="rId22"/>
-    <p:sldId id="281" r:id="rId23"/>
-    <p:sldId id="282" r:id="rId24"/>
-    <p:sldId id="283" r:id="rId25"/>
-    <p:sldId id="284" r:id="rId26"/>
-    <p:sldId id="285" r:id="rId27"/>
+    <p:sldId id="289" r:id="rId15"/>
+    <p:sldId id="274" r:id="rId16"/>
+    <p:sldId id="285" r:id="rId17"/>
+    <p:sldId id="290" r:id="rId18"/>
+    <p:sldId id="264" r:id="rId19"/>
   </p:sldIdLst>
   <p:sldSz cx="12192000" cy="6858000"/>
   <p:notesSz cx="6858000" cy="9144000"/>
@@ -139,31 +131,19 @@
             <p14:sldId id="258"/>
             <p14:sldId id="259"/>
             <p14:sldId id="265"/>
-            <p14:sldId id="266"/>
-            <p14:sldId id="267"/>
-            <p14:sldId id="268"/>
+            <p14:sldId id="286"/>
+            <p14:sldId id="287"/>
+            <p14:sldId id="288"/>
             <p14:sldId id="269"/>
-            <p14:sldId id="270"/>
+            <p14:sldId id="278"/>
             <p14:sldId id="271"/>
-            <p14:sldId id="272"/>
+            <p14:sldId id="279"/>
             <p14:sldId id="273"/>
+            <p14:sldId id="289"/>
             <p14:sldId id="274"/>
-            <p14:sldId id="275"/>
+            <p14:sldId id="285"/>
+            <p14:sldId id="290"/>
             <p14:sldId id="264"/>
-          </p14:sldIdLst>
-        </p14:section>
-        <p14:section name="Untitled Section" id="{939B2556-0DE1-4653-B149-8B115B1E8404}">
-          <p14:sldIdLst>
-            <p14:sldId id="276"/>
-            <p14:sldId id="277"/>
-            <p14:sldId id="278"/>
-            <p14:sldId id="279"/>
-            <p14:sldId id="280"/>
-            <p14:sldId id="281"/>
-            <p14:sldId id="282"/>
-            <p14:sldId id="283"/>
-            <p14:sldId id="284"/>
-            <p14:sldId id="285"/>
           </p14:sldIdLst>
         </p14:section>
       </p14:sectionLst>
@@ -776,7 +756,7 @@
           </a:lstStyle>
           <a:p>
             <a:r>
-              <a:rPr lang="en-US" smtClean="0"/>
+              <a:rPr lang="en-US"/>
               <a:t>Click to edit Master title style</a:t>
             </a:r>
             <a:endParaRPr lang="en-US" dirty="0"/>
@@ -896,7 +876,7 @@
           </a:lstStyle>
           <a:p>
             <a:r>
-              <a:rPr lang="en-US" smtClean="0"/>
+              <a:rPr lang="en-US"/>
               <a:t>Click to edit Master subtitle style</a:t>
             </a:r>
             <a:endParaRPr lang="en-US" dirty="0"/>
@@ -920,7 +900,7 @@
           <a:p>
             <a:fld id="{6AD6EE87-EBD5-4F12-A48A-63ACA297AC8F}" type="datetimeFigureOut">
               <a:rPr lang="en-US" smtClean="0"/>
-              <a:t>4/6/2017</a:t>
+              <a:t>4/9/2017</a:t>
             </a:fld>
             <a:endParaRPr lang="en-US" dirty="0"/>
           </a:p>
@@ -1097,7 +1077,7 @@
           </a:lstStyle>
           <a:p>
             <a:r>
-              <a:rPr lang="en-US" smtClean="0"/>
+              <a:rPr lang="en-US"/>
               <a:t>Click to edit Master title style</a:t>
             </a:r>
             <a:endParaRPr lang="en-US" dirty="0"/>
@@ -1220,7 +1200,7 @@
           <a:p>
             <a:pPr lvl="0"/>
             <a:r>
-              <a:rPr lang="en-US" smtClean="0"/>
+              <a:rPr lang="en-US"/>
               <a:t>Click to edit Master text styles</a:t>
             </a:r>
           </a:p>
@@ -1244,7 +1224,7 @@
             <a:fld id="{90298CD5-6C1E-4009-B41F-6DF62E31D3BE}" type="datetimeFigureOut">
               <a:rPr lang="en-US" smtClean="0"/>
               <a:pPr/>
-              <a:t>4/6/2017</a:t>
+              <a:t>4/9/2017</a:t>
             </a:fld>
             <a:endParaRPr lang="en-US" dirty="0"/>
           </a:p>
@@ -1350,7 +1330,7 @@
           </a:lstStyle>
           <a:p>
             <a:r>
-              <a:rPr lang="en-US" smtClean="0"/>
+              <a:rPr lang="en-US"/>
               <a:t>Click to edit Master title style</a:t>
             </a:r>
             <a:endParaRPr lang="en-US" dirty="0"/>
@@ -1414,7 +1394,7 @@
           <a:p>
             <a:pPr lvl="0"/>
             <a:r>
-              <a:rPr lang="en-US" smtClean="0"/>
+              <a:rPr lang="en-US"/>
               <a:t>Click to edit Master text styles</a:t>
             </a:r>
           </a:p>
@@ -1536,7 +1516,7 @@
           <a:p>
             <a:pPr lvl="0"/>
             <a:r>
-              <a:rPr lang="en-US" smtClean="0"/>
+              <a:rPr lang="en-US"/>
               <a:t>Click to edit Master text styles</a:t>
             </a:r>
           </a:p>
@@ -1560,7 +1540,7 @@
             <a:fld id="{90298CD5-6C1E-4009-B41F-6DF62E31D3BE}" type="datetimeFigureOut">
               <a:rPr lang="en-US" smtClean="0"/>
               <a:pPr/>
-              <a:t>4/6/2017</a:t>
+              <a:t>4/9/2017</a:t>
             </a:fld>
             <a:endParaRPr lang="en-US" dirty="0"/>
           </a:p>
@@ -1748,7 +1728,7 @@
           </a:lstStyle>
           <a:p>
             <a:r>
-              <a:rPr lang="en-US" smtClean="0"/>
+              <a:rPr lang="en-US"/>
               <a:t>Click to edit Master title style</a:t>
             </a:r>
             <a:endParaRPr lang="en-US" dirty="0"/>
@@ -1871,7 +1851,7 @@
           <a:p>
             <a:pPr lvl="0"/>
             <a:r>
-              <a:rPr lang="en-US" smtClean="0"/>
+              <a:rPr lang="en-US"/>
               <a:t>Click to edit Master text styles</a:t>
             </a:r>
           </a:p>
@@ -1895,7 +1875,7 @@
             <a:fld id="{90298CD5-6C1E-4009-B41F-6DF62E31D3BE}" type="datetimeFigureOut">
               <a:rPr lang="en-US" smtClean="0"/>
               <a:pPr/>
-              <a:t>4/6/2017</a:t>
+              <a:t>4/9/2017</a:t>
             </a:fld>
             <a:endParaRPr lang="en-US" dirty="0"/>
           </a:p>
@@ -2001,7 +1981,7 @@
           </a:lstStyle>
           <a:p>
             <a:r>
-              <a:rPr lang="en-US" smtClean="0"/>
+              <a:rPr lang="en-US"/>
               <a:t>Click to edit Master title style</a:t>
             </a:r>
             <a:endParaRPr lang="en-US" dirty="0"/>
@@ -2065,7 +2045,7 @@
           <a:p>
             <a:pPr lvl="0"/>
             <a:r>
-              <a:rPr lang="en-US" smtClean="0"/>
+              <a:rPr lang="en-US"/>
               <a:t>Click to edit Master text styles</a:t>
             </a:r>
           </a:p>
@@ -2187,7 +2167,7 @@
           <a:p>
             <a:pPr lvl="0"/>
             <a:r>
-              <a:rPr lang="en-US" smtClean="0"/>
+              <a:rPr lang="en-US"/>
               <a:t>Click to edit Master text styles</a:t>
             </a:r>
           </a:p>
@@ -2211,7 +2191,7 @@
             <a:fld id="{90298CD5-6C1E-4009-B41F-6DF62E31D3BE}" type="datetimeFigureOut">
               <a:rPr lang="en-US" smtClean="0"/>
               <a:pPr/>
-              <a:t>4/6/2017</a:t>
+              <a:t>4/9/2017</a:t>
             </a:fld>
             <a:endParaRPr lang="en-US" dirty="0"/>
           </a:p>
@@ -2399,7 +2379,7 @@
           </a:lstStyle>
           <a:p>
             <a:r>
-              <a:rPr lang="en-US" smtClean="0"/>
+              <a:rPr lang="en-US"/>
               <a:t>Click to edit Master title style</a:t>
             </a:r>
             <a:endParaRPr lang="en-US" dirty="0"/>
@@ -2460,7 +2440,7 @@
           <a:p>
             <a:pPr lvl="0"/>
             <a:r>
-              <a:rPr lang="en-US" smtClean="0"/>
+              <a:rPr lang="en-US"/>
               <a:t>Click to edit Master text styles</a:t>
             </a:r>
           </a:p>
@@ -2582,7 +2562,7 @@
           <a:p>
             <a:pPr lvl="0"/>
             <a:r>
-              <a:rPr lang="en-US" smtClean="0"/>
+              <a:rPr lang="en-US"/>
               <a:t>Click to edit Master text styles</a:t>
             </a:r>
           </a:p>
@@ -2606,7 +2586,7 @@
             <a:fld id="{90298CD5-6C1E-4009-B41F-6DF62E31D3BE}" type="datetimeFigureOut">
               <a:rPr lang="en-US" smtClean="0"/>
               <a:pPr/>
-              <a:t>4/6/2017</a:t>
+              <a:t>4/9/2017</a:t>
             </a:fld>
             <a:endParaRPr lang="en-US" dirty="0"/>
           </a:p>
@@ -2701,7 +2681,7 @@
           <a:lstStyle/>
           <a:p>
             <a:r>
-              <a:rPr lang="en-US" smtClean="0"/>
+              <a:rPr lang="en-US"/>
               <a:t>Click to edit Master title style</a:t>
             </a:r>
             <a:endParaRPr lang="en-US" dirty="0"/>
@@ -2725,35 +2705,35 @@
           <a:p>
             <a:pPr lvl="0"/>
             <a:r>
-              <a:rPr lang="en-US" smtClean="0"/>
+              <a:rPr lang="en-US"/>
               <a:t>Click to edit Master text styles</a:t>
             </a:r>
           </a:p>
           <a:p>
             <a:pPr lvl="1"/>
             <a:r>
-              <a:rPr lang="en-US" smtClean="0"/>
+              <a:rPr lang="en-US"/>
               <a:t>Second level</a:t>
             </a:r>
           </a:p>
           <a:p>
             <a:pPr lvl="2"/>
             <a:r>
-              <a:rPr lang="en-US" smtClean="0"/>
+              <a:rPr lang="en-US"/>
               <a:t>Third level</a:t>
             </a:r>
           </a:p>
           <a:p>
             <a:pPr lvl="3"/>
             <a:r>
-              <a:rPr lang="en-US" smtClean="0"/>
+              <a:rPr lang="en-US"/>
               <a:t>Fourth level</a:t>
             </a:r>
           </a:p>
           <a:p>
             <a:pPr lvl="4"/>
             <a:r>
-              <a:rPr lang="en-US" smtClean="0"/>
+              <a:rPr lang="en-US"/>
               <a:t>Fifth level</a:t>
             </a:r>
             <a:endParaRPr lang="en-US" dirty="0"/>
@@ -2777,7 +2757,7 @@
           <a:p>
             <a:fld id="{4CD73815-2707-4475-8F1A-B873CB631BB4}" type="datetimeFigureOut">
               <a:rPr lang="en-US" smtClean="0"/>
-              <a:t>4/6/2017</a:t>
+              <a:t>4/9/2017</a:t>
             </a:fld>
             <a:endParaRPr lang="en-US" dirty="0"/>
           </a:p>
@@ -2876,7 +2856,7 @@
           <a:lstStyle/>
           <a:p>
             <a:r>
-              <a:rPr lang="en-US" smtClean="0"/>
+              <a:rPr lang="en-US"/>
               <a:t>Click to edit Master title style</a:t>
             </a:r>
             <a:endParaRPr lang="en-US" dirty="0"/>
@@ -2905,35 +2885,35 @@
           <a:p>
             <a:pPr lvl="0"/>
             <a:r>
-              <a:rPr lang="en-US" smtClean="0"/>
+              <a:rPr lang="en-US"/>
               <a:t>Click to edit Master text styles</a:t>
             </a:r>
           </a:p>
           <a:p>
             <a:pPr lvl="1"/>
             <a:r>
-              <a:rPr lang="en-US" smtClean="0"/>
+              <a:rPr lang="en-US"/>
               <a:t>Second level</a:t>
             </a:r>
           </a:p>
           <a:p>
             <a:pPr lvl="2"/>
             <a:r>
-              <a:rPr lang="en-US" smtClean="0"/>
+              <a:rPr lang="en-US"/>
               <a:t>Third level</a:t>
             </a:r>
           </a:p>
           <a:p>
             <a:pPr lvl="3"/>
             <a:r>
-              <a:rPr lang="en-US" smtClean="0"/>
+              <a:rPr lang="en-US"/>
               <a:t>Fourth level</a:t>
             </a:r>
           </a:p>
           <a:p>
             <a:pPr lvl="4"/>
             <a:r>
-              <a:rPr lang="en-US" smtClean="0"/>
+              <a:rPr lang="en-US"/>
               <a:t>Fifth level</a:t>
             </a:r>
             <a:endParaRPr lang="en-US" dirty="0"/>
@@ -2957,7 +2937,7 @@
           <a:p>
             <a:fld id="{2A4AFB99-0EAB-4182-AFF8-E214C82A68F6}" type="datetimeFigureOut">
               <a:rPr lang="en-US" smtClean="0"/>
-              <a:t>4/6/2017</a:t>
+              <a:t>4/9/2017</a:t>
             </a:fld>
             <a:endParaRPr lang="en-US" dirty="0"/>
           </a:p>
@@ -3015,1425 +2995,6 @@
   <p:clrMapOvr>
     <a:masterClrMapping/>
   </p:clrMapOvr>
-</p:sldLayout>
-</file>
-
-<file path=ppt/slideLayouts/slideLayout17.xml><?xml version="1.0" encoding="utf-8"?>
-<p:sldLayout xmlns:a="http://schemas.openxmlformats.org/drawingml/2006/main" xmlns:r="http://schemas.openxmlformats.org/officeDocument/2006/relationships" xmlns:p="http://schemas.openxmlformats.org/presentationml/2006/main" userDrawn="1">
-  <p:cSld name="Demo (Optional)">
-    <p:spTree>
-      <p:nvGrpSpPr>
-        <p:cNvPr id="1" name=""/>
-        <p:cNvGrpSpPr/>
-        <p:nvPr/>
-      </p:nvGrpSpPr>
-      <p:grpSpPr>
-        <a:xfrm>
-          <a:off x="0" y="0"/>
-          <a:ext cx="0" cy="0"/>
-          <a:chOff x="0" y="0"/>
-          <a:chExt cx="0" cy="0"/>
-        </a:xfrm>
-      </p:grpSpPr>
-      <p:sp>
-        <p:nvSpPr>
-          <p:cNvPr id="13" name="Rectangle 12"/>
-          <p:cNvSpPr/>
-          <p:nvPr userDrawn="1"/>
-        </p:nvSpPr>
-        <p:spPr>
-          <a:xfrm>
-            <a:off x="0" y="0"/>
-            <a:ext cx="4635500" cy="6858000"/>
-          </a:xfrm>
-          <a:prstGeom prst="rect">
-            <a:avLst/>
-          </a:prstGeom>
-          <a:solidFill>
-            <a:schemeClr val="accent2"/>
-          </a:solidFill>
-          <a:ln>
-            <a:noFill/>
-          </a:ln>
-          <a:effectLst/>
-        </p:spPr>
-        <p:style>
-          <a:lnRef idx="2">
-            <a:schemeClr val="accent1"/>
-          </a:lnRef>
-          <a:fillRef idx="0">
-            <a:schemeClr val="accent1"/>
-          </a:fillRef>
-          <a:effectRef idx="1">
-            <a:schemeClr val="accent1"/>
-          </a:effectRef>
-          <a:fontRef idx="minor">
-            <a:schemeClr val="tx1"/>
-          </a:fontRef>
-        </p:style>
-        <p:txBody>
-          <a:bodyPr rtlCol="0" anchor="ctr"/>
-          <a:lstStyle/>
-          <a:p>
-            <a:pPr algn="ctr"/>
-            <a:endParaRPr lang="en-US" dirty="0" err="1">
-              <a:solidFill>
-                <a:schemeClr val="bg1"/>
-              </a:solidFill>
-              <a:latin typeface="Gotham Medium" panose="02000604030000020004" pitchFamily="50" charset="0"/>
-            </a:endParaRPr>
-          </a:p>
-        </p:txBody>
-      </p:sp>
-      <p:pic>
-        <p:nvPicPr>
-          <p:cNvPr id="2" name="Picture 1"/>
-          <p:cNvPicPr>
-            <a:picLocks noChangeAspect="1"/>
-          </p:cNvPicPr>
-          <p:nvPr userDrawn="1"/>
-        </p:nvPicPr>
-        <p:blipFill>
-          <a:blip r:embed="rId2">
-            <a:extLst>
-              <a:ext uri="{28A0092B-C50C-407E-A947-70E740481C1C}">
-                <a14:useLocalDpi xmlns:a14="http://schemas.microsoft.com/office/drawing/2010/main" val="0"/>
-              </a:ext>
-            </a:extLst>
-          </a:blip>
-          <a:stretch>
-            <a:fillRect/>
-          </a:stretch>
-        </p:blipFill>
-        <p:spPr>
-          <a:xfrm>
-            <a:off x="0" y="0"/>
-            <a:ext cx="4635500" cy="6858000"/>
-          </a:xfrm>
-          <a:prstGeom prst="rect">
-            <a:avLst/>
-          </a:prstGeom>
-        </p:spPr>
-      </p:pic>
-      <p:pic>
-        <p:nvPicPr>
-          <p:cNvPr id="3" name="Picture 2"/>
-          <p:cNvPicPr>
-            <a:picLocks noChangeAspect="1"/>
-          </p:cNvPicPr>
-          <p:nvPr userDrawn="1"/>
-        </p:nvPicPr>
-        <p:blipFill>
-          <a:blip r:embed="rId3">
-            <a:extLst>
-              <a:ext uri="{28A0092B-C50C-407E-A947-70E740481C1C}">
-                <a14:useLocalDpi xmlns:a14="http://schemas.microsoft.com/office/drawing/2010/main" val="0"/>
-              </a:ext>
-            </a:extLst>
-          </a:blip>
-          <a:stretch>
-            <a:fillRect/>
-          </a:stretch>
-        </p:blipFill>
-        <p:spPr>
-          <a:xfrm>
-            <a:off x="0" y="0"/>
-            <a:ext cx="4635500" cy="6858000"/>
-          </a:xfrm>
-          <a:prstGeom prst="rect">
-            <a:avLst/>
-          </a:prstGeom>
-        </p:spPr>
-      </p:pic>
-      <p:sp>
-        <p:nvSpPr>
-          <p:cNvPr id="10" name="TextBox 9"/>
-          <p:cNvSpPr txBox="1"/>
-          <p:nvPr userDrawn="1"/>
-        </p:nvSpPr>
-        <p:spPr>
-          <a:xfrm>
-            <a:off x="0" y="2054618"/>
-            <a:ext cx="4629149" cy="477054"/>
-          </a:xfrm>
-          <a:prstGeom prst="rect">
-            <a:avLst/>
-          </a:prstGeom>
-          <a:noFill/>
-        </p:spPr>
-        <p:txBody>
-          <a:bodyPr wrap="square" rtlCol="0">
-            <a:spAutoFit/>
-          </a:bodyPr>
-          <a:lstStyle/>
-          <a:p>
-            <a:pPr algn="ctr">
-              <a:lnSpc>
-                <a:spcPts val="3000"/>
-              </a:lnSpc>
-            </a:pPr>
-            <a:r>
-              <a:rPr lang="en-US" sz="3600" b="0" i="0" dirty="0">
-                <a:solidFill>
-                  <a:schemeClr val="bg1"/>
-                </a:solidFill>
-                <a:latin typeface="+mj-lt"/>
-                <a:ea typeface="Gotham Light" charset="0"/>
-                <a:cs typeface="Gotham Light" charset="0"/>
-              </a:rPr>
-              <a:t>Demo</a:t>
-            </a:r>
-          </a:p>
-        </p:txBody>
-      </p:sp>
-      <p:sp>
-        <p:nvSpPr>
-          <p:cNvPr id="8" name="Text Placeholder 16"/>
-          <p:cNvSpPr>
-            <a:spLocks noGrp="1"/>
-          </p:cNvSpPr>
-          <p:nvPr>
-            <p:ph type="body" sz="quarter" idx="12" hasCustomPrompt="1"/>
-          </p:nvPr>
-        </p:nvSpPr>
-        <p:spPr>
-          <a:xfrm>
-            <a:off x="5181600" y="328230"/>
-            <a:ext cx="6463307" cy="5990425"/>
-          </a:xfrm>
-        </p:spPr>
-        <p:txBody>
-          <a:bodyPr anchor="ctr"/>
-          <a:lstStyle>
-            <a:lvl1pPr algn="l">
-              <a:lnSpc>
-                <a:spcPct val="100000"/>
-              </a:lnSpc>
-              <a:defRPr sz="2400" baseline="0">
-                <a:solidFill>
-                  <a:schemeClr val="accent2"/>
-                </a:solidFill>
-              </a:defRPr>
-            </a:lvl1pPr>
-            <a:lvl2pPr algn="l">
-              <a:defRPr sz="2400" b="0" i="0">
-                <a:solidFill>
-                  <a:schemeClr val="accent2"/>
-                </a:solidFill>
-                <a:latin typeface="Gotham Book" panose="02000604040000020004" pitchFamily="50" charset="0"/>
-                <a:ea typeface="Gotham Book" panose="02000604040000020004" pitchFamily="50" charset="0"/>
-                <a:cs typeface="Gotham Book" panose="02000604040000020004" pitchFamily="50" charset="0"/>
-              </a:defRPr>
-            </a:lvl2pPr>
-            <a:lvl3pPr algn="l">
-              <a:defRPr sz="2400" b="0" i="0">
-                <a:solidFill>
-                  <a:schemeClr val="accent2"/>
-                </a:solidFill>
-                <a:latin typeface="Gotham Book" panose="02000604040000020004" pitchFamily="50" charset="0"/>
-                <a:ea typeface="Gotham Book" panose="02000604040000020004" pitchFamily="50" charset="0"/>
-                <a:cs typeface="Gotham Book" panose="02000604040000020004" pitchFamily="50" charset="0"/>
-              </a:defRPr>
-            </a:lvl3pPr>
-            <a:lvl4pPr algn="l">
-              <a:defRPr sz="2400" b="0" i="0">
-                <a:solidFill>
-                  <a:schemeClr val="accent2"/>
-                </a:solidFill>
-                <a:latin typeface="Gotham Book" panose="02000604040000020004" pitchFamily="50" charset="0"/>
-                <a:ea typeface="Gotham Book" panose="02000604040000020004" pitchFamily="50" charset="0"/>
-                <a:cs typeface="Gotham Book" panose="02000604040000020004" pitchFamily="50" charset="0"/>
-              </a:defRPr>
-            </a:lvl4pPr>
-            <a:lvl5pPr algn="l">
-              <a:defRPr sz="2400" b="0" i="0">
-                <a:solidFill>
-                  <a:schemeClr val="accent2"/>
-                </a:solidFill>
-                <a:latin typeface="Gotham Book" panose="02000604040000020004" pitchFamily="50" charset="0"/>
-                <a:ea typeface="Gotham Book" panose="02000604040000020004" pitchFamily="50" charset="0"/>
-                <a:cs typeface="Gotham Book" panose="02000604040000020004" pitchFamily="50" charset="0"/>
-              </a:defRPr>
-            </a:lvl5pPr>
-            <a:lvl6pPr>
-              <a:defRPr>
-                <a:solidFill>
-                  <a:schemeClr val="accent2"/>
-                </a:solidFill>
-              </a:defRPr>
-            </a:lvl6pPr>
-            <a:lvl7pPr>
-              <a:defRPr>
-                <a:solidFill>
-                  <a:schemeClr val="accent2"/>
-                </a:solidFill>
-              </a:defRPr>
-            </a:lvl7pPr>
-            <a:lvl8pPr>
-              <a:defRPr>
-                <a:solidFill>
-                  <a:schemeClr val="accent2"/>
-                </a:solidFill>
-              </a:defRPr>
-            </a:lvl8pPr>
-            <a:lvl9pPr marL="2286000" indent="0">
-              <a:buNone/>
-              <a:defRPr>
-                <a:solidFill>
-                  <a:schemeClr val="accent2"/>
-                </a:solidFill>
-              </a:defRPr>
-            </a:lvl9pPr>
-          </a:lstStyle>
-          <a:p>
-            <a:pPr lvl="0"/>
-            <a:r>
-              <a:rPr lang="en-US" dirty="0"/>
-              <a:t>Click to add text</a:t>
-            </a:r>
-          </a:p>
-          <a:p>
-            <a:pPr lvl="1"/>
-            <a:r>
-              <a:rPr lang="en-US" dirty="0"/>
-              <a:t>Second level</a:t>
-            </a:r>
-          </a:p>
-          <a:p>
-            <a:pPr lvl="2"/>
-            <a:r>
-              <a:rPr lang="en-US" dirty="0"/>
-              <a:t>Third level</a:t>
-            </a:r>
-          </a:p>
-          <a:p>
-            <a:pPr lvl="3"/>
-            <a:r>
-              <a:rPr lang="en-US" dirty="0"/>
-              <a:t>Fourth level</a:t>
-            </a:r>
-          </a:p>
-          <a:p>
-            <a:pPr lvl="4"/>
-            <a:r>
-              <a:rPr lang="en-US" dirty="0"/>
-              <a:t>Fifth level</a:t>
-            </a:r>
-          </a:p>
-        </p:txBody>
-      </p:sp>
-      <p:sp>
-        <p:nvSpPr>
-          <p:cNvPr id="11" name="Rectangle 10"/>
-          <p:cNvSpPr/>
-          <p:nvPr userDrawn="1"/>
-        </p:nvSpPr>
-        <p:spPr>
-          <a:xfrm>
-            <a:off x="-1463041" y="0"/>
-            <a:ext cx="1463041" cy="738664"/>
-          </a:xfrm>
-          <a:prstGeom prst="rect">
-            <a:avLst/>
-          </a:prstGeom>
-        </p:spPr>
-        <p:txBody>
-          <a:bodyPr wrap="square">
-            <a:spAutoFit/>
-          </a:bodyPr>
-          <a:lstStyle/>
-          <a:p>
-            <a:pPr algn="r"/>
-            <a:r>
-              <a:rPr lang="en-US" sz="1400" b="0" dirty="0">
-                <a:latin typeface="Gotham Medium" panose="02000604030000020004" pitchFamily="50" charset="0"/>
-              </a:rPr>
-              <a:t>This bullet list is </a:t>
-            </a:r>
-            <a:r>
-              <a:rPr lang="en-US" sz="1400" b="1" dirty="0">
-                <a:solidFill>
-                  <a:schemeClr val="accent1"/>
-                </a:solidFill>
-                <a:latin typeface="Gotham Medium" panose="02000604030000020004" pitchFamily="50" charset="0"/>
-              </a:rPr>
-              <a:t>preset</a:t>
-            </a:r>
-            <a:r>
-              <a:rPr lang="en-US" sz="1400" b="0" dirty="0">
-                <a:solidFill>
-                  <a:schemeClr val="accent1"/>
-                </a:solidFill>
-                <a:latin typeface="Gotham Medium" panose="02000604030000020004" pitchFamily="50" charset="0"/>
-              </a:rPr>
-              <a:t> </a:t>
-            </a:r>
-            <a:r>
-              <a:rPr lang="en-US" sz="1400" b="0" dirty="0">
-                <a:latin typeface="Gotham Medium" panose="02000604030000020004" pitchFamily="50" charset="0"/>
-              </a:rPr>
-              <a:t>with </a:t>
-            </a:r>
-            <a:r>
-              <a:rPr lang="en-US" sz="1400" b="1" dirty="0">
-                <a:solidFill>
-                  <a:schemeClr val="accent1"/>
-                </a:solidFill>
-                <a:latin typeface="Gotham Medium" panose="02000604030000020004" pitchFamily="50" charset="0"/>
-              </a:rPr>
-              <a:t>animations</a:t>
-            </a:r>
-          </a:p>
-        </p:txBody>
-      </p:sp>
-    </p:spTree>
-    <p:extLst>
-      <p:ext uri="{BB962C8B-B14F-4D97-AF65-F5344CB8AC3E}">
-        <p14:creationId xmlns:p14="http://schemas.microsoft.com/office/powerpoint/2010/main" val="3831870951"/>
-      </p:ext>
-    </p:extLst>
-  </p:cSld>
-  <p:clrMapOvr>
-    <a:masterClrMapping/>
-  </p:clrMapOvr>
-  <p:timing>
-    <p:tnLst>
-      <p:par>
-        <p:cTn id="1" dur="indefinite" restart="never" nodeType="tmRoot">
-          <p:childTnLst>
-            <p:seq concurrent="1" nextAc="seek">
-              <p:cTn id="2" dur="indefinite" nodeType="mainSeq">
-                <p:childTnLst>
-                  <p:par>
-                    <p:cTn id="3" fill="hold">
-                      <p:stCondLst>
-                        <p:cond delay="indefinite"/>
-                        <p:cond evt="onBegin" delay="0">
-                          <p:tn val="2"/>
-                        </p:cond>
-                      </p:stCondLst>
-                      <p:childTnLst>
-                        <p:par>
-                          <p:cTn id="4" fill="hold">
-                            <p:stCondLst>
-                              <p:cond delay="0"/>
-                            </p:stCondLst>
-                            <p:childTnLst>
-                              <p:par>
-                                <p:cTn id="5" presetID="1" presetClass="exit" presetSubtype="0" fill="hold" nodeType="withEffect">
-                                  <p:stCondLst>
-                                    <p:cond delay="0"/>
-                                  </p:stCondLst>
-                                  <p:childTnLst>
-                                    <p:set>
-                                      <p:cBhvr>
-                                        <p:cTn id="6" dur="1" fill="hold">
-                                          <p:stCondLst>
-                                            <p:cond delay="0"/>
-                                          </p:stCondLst>
-                                        </p:cTn>
-                                        <p:tgtEl>
-                                          <p:spTgt spid="3"/>
-                                        </p:tgtEl>
-                                        <p:attrNameLst>
-                                          <p:attrName>style.visibility</p:attrName>
-                                        </p:attrNameLst>
-                                      </p:cBhvr>
-                                      <p:to>
-                                        <p:strVal val="hidden"/>
-                                      </p:to>
-                                    </p:set>
-                                  </p:childTnLst>
-                                </p:cTn>
-                              </p:par>
-                              <p:par>
-                                <p:cTn id="7" presetID="1" presetClass="entr" presetSubtype="0" fill="hold" nodeType="withEffect">
-                                  <p:stCondLst>
-                                    <p:cond delay="500"/>
-                                  </p:stCondLst>
-                                  <p:childTnLst>
-                                    <p:set>
-                                      <p:cBhvr>
-                                        <p:cTn id="8" dur="1" fill="hold">
-                                          <p:stCondLst>
-                                            <p:cond delay="0"/>
-                                          </p:stCondLst>
-                                        </p:cTn>
-                                        <p:tgtEl>
-                                          <p:spTgt spid="2"/>
-                                        </p:tgtEl>
-                                        <p:attrNameLst>
-                                          <p:attrName>style.visibility</p:attrName>
-                                        </p:attrNameLst>
-                                      </p:cBhvr>
-                                      <p:to>
-                                        <p:strVal val="visible"/>
-                                      </p:to>
-                                    </p:set>
-                                  </p:childTnLst>
-                                </p:cTn>
-                              </p:par>
-                              <p:par>
-                                <p:cTn id="9" presetID="1" presetClass="exit" presetSubtype="0" fill="hold" nodeType="withEffect">
-                                  <p:stCondLst>
-                                    <p:cond delay="5000"/>
-                                  </p:stCondLst>
-                                  <p:childTnLst>
-                                    <p:set>
-                                      <p:cBhvr>
-                                        <p:cTn id="10" dur="1" fill="hold">
-                                          <p:stCondLst>
-                                            <p:cond delay="0"/>
-                                          </p:stCondLst>
-                                        </p:cTn>
-                                        <p:tgtEl>
-                                          <p:spTgt spid="2"/>
-                                        </p:tgtEl>
-                                        <p:attrNameLst>
-                                          <p:attrName>style.visibility</p:attrName>
-                                        </p:attrNameLst>
-                                      </p:cBhvr>
-                                      <p:to>
-                                        <p:strVal val="hidden"/>
-                                      </p:to>
-                                    </p:set>
-                                  </p:childTnLst>
-                                </p:cTn>
-                              </p:par>
-                            </p:childTnLst>
-                          </p:cTn>
-                        </p:par>
-                        <p:par>
-                          <p:cTn id="11" fill="hold">
-                            <p:stCondLst>
-                              <p:cond delay="5000"/>
-                            </p:stCondLst>
-                            <p:childTnLst>
-                              <p:par>
-                                <p:cTn id="12" presetID="1" presetClass="entr" presetSubtype="0" fill="hold" nodeType="afterEffect">
-                                  <p:stCondLst>
-                                    <p:cond delay="0"/>
-                                  </p:stCondLst>
-                                  <p:childTnLst>
-                                    <p:set>
-                                      <p:cBhvr>
-                                        <p:cTn id="13" dur="1" fill="hold">
-                                          <p:stCondLst>
-                                            <p:cond delay="0"/>
-                                          </p:stCondLst>
-                                        </p:cTn>
-                                        <p:tgtEl>
-                                          <p:spTgt spid="3"/>
-                                        </p:tgtEl>
-                                        <p:attrNameLst>
-                                          <p:attrName>style.visibility</p:attrName>
-                                        </p:attrNameLst>
-                                      </p:cBhvr>
-                                      <p:to>
-                                        <p:strVal val="visible"/>
-                                      </p:to>
-                                    </p:set>
-                                  </p:childTnLst>
-                                </p:cTn>
-                              </p:par>
-                            </p:childTnLst>
-                          </p:cTn>
-                        </p:par>
-                      </p:childTnLst>
-                    </p:cTn>
-                  </p:par>
-                  <p:par>
-                    <p:cTn id="14" fill="hold">
-                      <p:stCondLst>
-                        <p:cond delay="indefinite"/>
-                      </p:stCondLst>
-                      <p:childTnLst>
-                        <p:par>
-                          <p:cTn id="15" fill="hold">
-                            <p:stCondLst>
-                              <p:cond delay="0"/>
-                            </p:stCondLst>
-                            <p:childTnLst>
-                              <p:par>
-                                <p:cTn id="16" presetID="1" presetClass="entr" presetSubtype="0" fill="hold" grpId="0" nodeType="clickEffect">
-                                  <p:stCondLst>
-                                    <p:cond delay="0"/>
-                                  </p:stCondLst>
-                                  <p:childTnLst>
-                                    <p:set>
-                                      <p:cBhvr>
-                                        <p:cTn id="17" dur="1" fill="hold">
-                                          <p:stCondLst>
-                                            <p:cond delay="0"/>
-                                          </p:stCondLst>
-                                        </p:cTn>
-                                        <p:tgtEl>
-                                          <p:spTgt spid="8">
-                                            <p:txEl>
-                                              <p:pRg st="0" end="0"/>
-                                            </p:txEl>
-                                          </p:spTgt>
-                                        </p:tgtEl>
-                                        <p:attrNameLst>
-                                          <p:attrName>style.visibility</p:attrName>
-                                        </p:attrNameLst>
-                                      </p:cBhvr>
-                                      <p:to>
-                                        <p:strVal val="visible"/>
-                                      </p:to>
-                                    </p:set>
-                                  </p:childTnLst>
-                                  <p:subTnLst>
-                                    <p:animClr clrSpc="rgb" dir="cw">
-                                      <p:cBhvr override="childStyle">
-                                        <p:cTn dur="1" fill="hold" display="0" masterRel="nextClick" afterEffect="1"/>
-                                        <p:tgtEl>
-                                          <p:spTgt spid="8">
-                                            <p:txEl>
-                                              <p:pRg st="0" end="0"/>
-                                            </p:txEl>
-                                          </p:spTgt>
-                                        </p:tgtEl>
-                                        <p:attrNameLst>
-                                          <p:attrName>ppt_c</p:attrName>
-                                        </p:attrNameLst>
-                                      </p:cBhvr>
-                                      <p:to>
-                                        <a:schemeClr val="tx2"/>
-                                      </p:to>
-                                    </p:animClr>
-                                  </p:subTnLst>
-                                </p:cTn>
-                              </p:par>
-                            </p:childTnLst>
-                          </p:cTn>
-                        </p:par>
-                      </p:childTnLst>
-                    </p:cTn>
-                  </p:par>
-                  <p:par>
-                    <p:cTn id="18" fill="hold">
-                      <p:stCondLst>
-                        <p:cond delay="indefinite"/>
-                      </p:stCondLst>
-                      <p:childTnLst>
-                        <p:par>
-                          <p:cTn id="19" fill="hold">
-                            <p:stCondLst>
-                              <p:cond delay="0"/>
-                            </p:stCondLst>
-                            <p:childTnLst>
-                              <p:par>
-                                <p:cTn id="20" presetID="1" presetClass="entr" presetSubtype="0" fill="hold" grpId="0" nodeType="clickEffect">
-                                  <p:stCondLst>
-                                    <p:cond delay="0"/>
-                                  </p:stCondLst>
-                                  <p:childTnLst>
-                                    <p:set>
-                                      <p:cBhvr>
-                                        <p:cTn id="21" dur="1" fill="hold">
-                                          <p:stCondLst>
-                                            <p:cond delay="0"/>
-                                          </p:stCondLst>
-                                        </p:cTn>
-                                        <p:tgtEl>
-                                          <p:spTgt spid="8">
-                                            <p:txEl>
-                                              <p:pRg st="1" end="1"/>
-                                            </p:txEl>
-                                          </p:spTgt>
-                                        </p:tgtEl>
-                                        <p:attrNameLst>
-                                          <p:attrName>style.visibility</p:attrName>
-                                        </p:attrNameLst>
-                                      </p:cBhvr>
-                                      <p:to>
-                                        <p:strVal val="visible"/>
-                                      </p:to>
-                                    </p:set>
-                                  </p:childTnLst>
-                                  <p:subTnLst>
-                                    <p:animClr clrSpc="rgb" dir="cw">
-                                      <p:cBhvr override="childStyle">
-                                        <p:cTn dur="1" fill="hold" display="0" masterRel="nextClick" afterEffect="1"/>
-                                        <p:tgtEl>
-                                          <p:spTgt spid="8">
-                                            <p:txEl>
-                                              <p:pRg st="1" end="1"/>
-                                            </p:txEl>
-                                          </p:spTgt>
-                                        </p:tgtEl>
-                                        <p:attrNameLst>
-                                          <p:attrName>ppt_c</p:attrName>
-                                        </p:attrNameLst>
-                                      </p:cBhvr>
-                                      <p:to>
-                                        <a:schemeClr val="tx2"/>
-                                      </p:to>
-                                    </p:animClr>
-                                  </p:subTnLst>
-                                </p:cTn>
-                              </p:par>
-                            </p:childTnLst>
-                          </p:cTn>
-                        </p:par>
-                      </p:childTnLst>
-                    </p:cTn>
-                  </p:par>
-                  <p:par>
-                    <p:cTn id="22" fill="hold">
-                      <p:stCondLst>
-                        <p:cond delay="indefinite"/>
-                      </p:stCondLst>
-                      <p:childTnLst>
-                        <p:par>
-                          <p:cTn id="23" fill="hold">
-                            <p:stCondLst>
-                              <p:cond delay="0"/>
-                            </p:stCondLst>
-                            <p:childTnLst>
-                              <p:par>
-                                <p:cTn id="24" presetID="1" presetClass="entr" presetSubtype="0" fill="hold" grpId="0" nodeType="clickEffect">
-                                  <p:stCondLst>
-                                    <p:cond delay="0"/>
-                                  </p:stCondLst>
-                                  <p:childTnLst>
-                                    <p:set>
-                                      <p:cBhvr>
-                                        <p:cTn id="25" dur="1" fill="hold">
-                                          <p:stCondLst>
-                                            <p:cond delay="0"/>
-                                          </p:stCondLst>
-                                        </p:cTn>
-                                        <p:tgtEl>
-                                          <p:spTgt spid="8">
-                                            <p:txEl>
-                                              <p:pRg st="2" end="2"/>
-                                            </p:txEl>
-                                          </p:spTgt>
-                                        </p:tgtEl>
-                                        <p:attrNameLst>
-                                          <p:attrName>style.visibility</p:attrName>
-                                        </p:attrNameLst>
-                                      </p:cBhvr>
-                                      <p:to>
-                                        <p:strVal val="visible"/>
-                                      </p:to>
-                                    </p:set>
-                                  </p:childTnLst>
-                                  <p:subTnLst>
-                                    <p:animClr clrSpc="rgb" dir="cw">
-                                      <p:cBhvr override="childStyle">
-                                        <p:cTn dur="1" fill="hold" display="0" masterRel="nextClick" afterEffect="1"/>
-                                        <p:tgtEl>
-                                          <p:spTgt spid="8">
-                                            <p:txEl>
-                                              <p:pRg st="2" end="2"/>
-                                            </p:txEl>
-                                          </p:spTgt>
-                                        </p:tgtEl>
-                                        <p:attrNameLst>
-                                          <p:attrName>ppt_c</p:attrName>
-                                        </p:attrNameLst>
-                                      </p:cBhvr>
-                                      <p:to>
-                                        <a:schemeClr val="tx2"/>
-                                      </p:to>
-                                    </p:animClr>
-                                  </p:subTnLst>
-                                </p:cTn>
-                              </p:par>
-                            </p:childTnLst>
-                          </p:cTn>
-                        </p:par>
-                      </p:childTnLst>
-                    </p:cTn>
-                  </p:par>
-                  <p:par>
-                    <p:cTn id="26" fill="hold">
-                      <p:stCondLst>
-                        <p:cond delay="indefinite"/>
-                      </p:stCondLst>
-                      <p:childTnLst>
-                        <p:par>
-                          <p:cTn id="27" fill="hold">
-                            <p:stCondLst>
-                              <p:cond delay="0"/>
-                            </p:stCondLst>
-                            <p:childTnLst>
-                              <p:par>
-                                <p:cTn id="28" presetID="1" presetClass="entr" presetSubtype="0" fill="hold" grpId="0" nodeType="clickEffect">
-                                  <p:stCondLst>
-                                    <p:cond delay="0"/>
-                                  </p:stCondLst>
-                                  <p:childTnLst>
-                                    <p:set>
-                                      <p:cBhvr>
-                                        <p:cTn id="29" dur="1" fill="hold">
-                                          <p:stCondLst>
-                                            <p:cond delay="0"/>
-                                          </p:stCondLst>
-                                        </p:cTn>
-                                        <p:tgtEl>
-                                          <p:spTgt spid="8">
-                                            <p:txEl>
-                                              <p:pRg st="3" end="3"/>
-                                            </p:txEl>
-                                          </p:spTgt>
-                                        </p:tgtEl>
-                                        <p:attrNameLst>
-                                          <p:attrName>style.visibility</p:attrName>
-                                        </p:attrNameLst>
-                                      </p:cBhvr>
-                                      <p:to>
-                                        <p:strVal val="visible"/>
-                                      </p:to>
-                                    </p:set>
-                                  </p:childTnLst>
-                                  <p:subTnLst>
-                                    <p:animClr clrSpc="rgb" dir="cw">
-                                      <p:cBhvr override="childStyle">
-                                        <p:cTn dur="1" fill="hold" display="0" masterRel="nextClick" afterEffect="1"/>
-                                        <p:tgtEl>
-                                          <p:spTgt spid="8">
-                                            <p:txEl>
-                                              <p:pRg st="3" end="3"/>
-                                            </p:txEl>
-                                          </p:spTgt>
-                                        </p:tgtEl>
-                                        <p:attrNameLst>
-                                          <p:attrName>ppt_c</p:attrName>
-                                        </p:attrNameLst>
-                                      </p:cBhvr>
-                                      <p:to>
-                                        <a:schemeClr val="tx2"/>
-                                      </p:to>
-                                    </p:animClr>
-                                  </p:subTnLst>
-                                </p:cTn>
-                              </p:par>
-                            </p:childTnLst>
-                          </p:cTn>
-                        </p:par>
-                      </p:childTnLst>
-                    </p:cTn>
-                  </p:par>
-                  <p:par>
-                    <p:cTn id="30" fill="hold">
-                      <p:stCondLst>
-                        <p:cond delay="indefinite"/>
-                      </p:stCondLst>
-                      <p:childTnLst>
-                        <p:par>
-                          <p:cTn id="31" fill="hold">
-                            <p:stCondLst>
-                              <p:cond delay="0"/>
-                            </p:stCondLst>
-                            <p:childTnLst>
-                              <p:par>
-                                <p:cTn id="32" presetID="1" presetClass="entr" presetSubtype="0" fill="hold" grpId="0" nodeType="clickEffect">
-                                  <p:stCondLst>
-                                    <p:cond delay="0"/>
-                                  </p:stCondLst>
-                                  <p:childTnLst>
-                                    <p:set>
-                                      <p:cBhvr>
-                                        <p:cTn id="33" dur="1" fill="hold">
-                                          <p:stCondLst>
-                                            <p:cond delay="0"/>
-                                          </p:stCondLst>
-                                        </p:cTn>
-                                        <p:tgtEl>
-                                          <p:spTgt spid="8">
-                                            <p:txEl>
-                                              <p:pRg st="4" end="4"/>
-                                            </p:txEl>
-                                          </p:spTgt>
-                                        </p:tgtEl>
-                                        <p:attrNameLst>
-                                          <p:attrName>style.visibility</p:attrName>
-                                        </p:attrNameLst>
-                                      </p:cBhvr>
-                                      <p:to>
-                                        <p:strVal val="visible"/>
-                                      </p:to>
-                                    </p:set>
-                                  </p:childTnLst>
-                                  <p:subTnLst>
-                                    <p:animClr clrSpc="rgb" dir="cw">
-                                      <p:cBhvr override="childStyle">
-                                        <p:cTn dur="1" fill="hold" display="0" masterRel="nextClick" afterEffect="1"/>
-                                        <p:tgtEl>
-                                          <p:spTgt spid="8">
-                                            <p:txEl>
-                                              <p:pRg st="4" end="4"/>
-                                            </p:txEl>
-                                          </p:spTgt>
-                                        </p:tgtEl>
-                                        <p:attrNameLst>
-                                          <p:attrName>ppt_c</p:attrName>
-                                        </p:attrNameLst>
-                                      </p:cBhvr>
-                                      <p:to>
-                                        <a:schemeClr val="tx2"/>
-                                      </p:to>
-                                    </p:animClr>
-                                  </p:subTnLst>
-                                </p:cTn>
-                              </p:par>
-                            </p:childTnLst>
-                          </p:cTn>
-                        </p:par>
-                      </p:childTnLst>
-                    </p:cTn>
-                  </p:par>
-                </p:childTnLst>
-              </p:cTn>
-              <p:prevCondLst>
-                <p:cond evt="onPrev" delay="0">
-                  <p:tgtEl>
-                    <p:sldTgt/>
-                  </p:tgtEl>
-                </p:cond>
-              </p:prevCondLst>
-              <p:nextCondLst>
-                <p:cond evt="onNext" delay="0">
-                  <p:tgtEl>
-                    <p:sldTgt/>
-                  </p:tgtEl>
-                </p:cond>
-              </p:nextCondLst>
-            </p:seq>
-          </p:childTnLst>
-        </p:cTn>
-      </p:par>
-    </p:tnLst>
-    <p:bldLst>
-      <p:bldP spid="8" grpId="0" build="p">
-        <p:tmplLst>
-          <p:tmpl lvl="1">
-            <p:tnLst>
-              <p:par>
-                <p:cTn presetID="1" presetClass="entr" presetSubtype="0" fill="hold" nodeType="clickEffect">
-                  <p:stCondLst>
-                    <p:cond delay="0"/>
-                  </p:stCondLst>
-                  <p:childTnLst>
-                    <p:set>
-                      <p:cBhvr>
-                        <p:cTn dur="1" fill="hold">
-                          <p:stCondLst>
-                            <p:cond delay="0"/>
-                          </p:stCondLst>
-                        </p:cTn>
-                        <p:tgtEl>
-                          <p:spTgt spid="8"/>
-                        </p:tgtEl>
-                        <p:attrNameLst>
-                          <p:attrName>style.visibility</p:attrName>
-                        </p:attrNameLst>
-                      </p:cBhvr>
-                      <p:to>
-                        <p:strVal val="visible"/>
-                      </p:to>
-                    </p:set>
-                  </p:childTnLst>
-                  <p:subTnLst>
-                    <p:animClr clrSpc="rgb" dir="cw">
-                      <p:cBhvr override="childStyle">
-                        <p:cTn dur="1" fill="hold" display="0" masterRel="nextClick" afterEffect="1"/>
-                        <p:tgtEl>
-                          <p:spTgt spid="8"/>
-                        </p:tgtEl>
-                        <p:attrNameLst>
-                          <p:attrName>ppt_c</p:attrName>
-                        </p:attrNameLst>
-                      </p:cBhvr>
-                      <p:to>
-                        <a:schemeClr val="tx2"/>
-                      </p:to>
-                    </p:animClr>
-                  </p:subTnLst>
-                </p:cTn>
-              </p:par>
-            </p:tnLst>
-          </p:tmpl>
-          <p:tmpl lvl="2">
-            <p:tnLst>
-              <p:par>
-                <p:cTn presetID="1" presetClass="entr" presetSubtype="0" fill="hold" nodeType="clickEffect">
-                  <p:stCondLst>
-                    <p:cond delay="0"/>
-                  </p:stCondLst>
-                  <p:childTnLst>
-                    <p:set>
-                      <p:cBhvr>
-                        <p:cTn dur="1" fill="hold">
-                          <p:stCondLst>
-                            <p:cond delay="0"/>
-                          </p:stCondLst>
-                        </p:cTn>
-                        <p:tgtEl>
-                          <p:spTgt spid="8"/>
-                        </p:tgtEl>
-                        <p:attrNameLst>
-                          <p:attrName>style.visibility</p:attrName>
-                        </p:attrNameLst>
-                      </p:cBhvr>
-                      <p:to>
-                        <p:strVal val="visible"/>
-                      </p:to>
-                    </p:set>
-                  </p:childTnLst>
-                  <p:subTnLst>
-                    <p:animClr clrSpc="rgb" dir="cw">
-                      <p:cBhvr override="childStyle">
-                        <p:cTn dur="1" fill="hold" display="0" masterRel="nextClick" afterEffect="1"/>
-                        <p:tgtEl>
-                          <p:spTgt spid="8"/>
-                        </p:tgtEl>
-                        <p:attrNameLst>
-                          <p:attrName>ppt_c</p:attrName>
-                        </p:attrNameLst>
-                      </p:cBhvr>
-                      <p:to>
-                        <a:schemeClr val="tx2"/>
-                      </p:to>
-                    </p:animClr>
-                  </p:subTnLst>
-                </p:cTn>
-              </p:par>
-            </p:tnLst>
-          </p:tmpl>
-          <p:tmpl lvl="3">
-            <p:tnLst>
-              <p:par>
-                <p:cTn presetID="1" presetClass="entr" presetSubtype="0" fill="hold" nodeType="clickEffect">
-                  <p:stCondLst>
-                    <p:cond delay="0"/>
-                  </p:stCondLst>
-                  <p:childTnLst>
-                    <p:set>
-                      <p:cBhvr>
-                        <p:cTn dur="1" fill="hold">
-                          <p:stCondLst>
-                            <p:cond delay="0"/>
-                          </p:stCondLst>
-                        </p:cTn>
-                        <p:tgtEl>
-                          <p:spTgt spid="8"/>
-                        </p:tgtEl>
-                        <p:attrNameLst>
-                          <p:attrName>style.visibility</p:attrName>
-                        </p:attrNameLst>
-                      </p:cBhvr>
-                      <p:to>
-                        <p:strVal val="visible"/>
-                      </p:to>
-                    </p:set>
-                  </p:childTnLst>
-                  <p:subTnLst>
-                    <p:animClr clrSpc="rgb" dir="cw">
-                      <p:cBhvr override="childStyle">
-                        <p:cTn dur="1" fill="hold" display="0" masterRel="nextClick" afterEffect="1"/>
-                        <p:tgtEl>
-                          <p:spTgt spid="8"/>
-                        </p:tgtEl>
-                        <p:attrNameLst>
-                          <p:attrName>ppt_c</p:attrName>
-                        </p:attrNameLst>
-                      </p:cBhvr>
-                      <p:to>
-                        <a:schemeClr val="tx2"/>
-                      </p:to>
-                    </p:animClr>
-                  </p:subTnLst>
-                </p:cTn>
-              </p:par>
-            </p:tnLst>
-          </p:tmpl>
-          <p:tmpl lvl="4">
-            <p:tnLst>
-              <p:par>
-                <p:cTn presetID="1" presetClass="entr" presetSubtype="0" fill="hold" nodeType="clickEffect">
-                  <p:stCondLst>
-                    <p:cond delay="0"/>
-                  </p:stCondLst>
-                  <p:childTnLst>
-                    <p:set>
-                      <p:cBhvr>
-                        <p:cTn dur="1" fill="hold">
-                          <p:stCondLst>
-                            <p:cond delay="0"/>
-                          </p:stCondLst>
-                        </p:cTn>
-                        <p:tgtEl>
-                          <p:spTgt spid="8"/>
-                        </p:tgtEl>
-                        <p:attrNameLst>
-                          <p:attrName>style.visibility</p:attrName>
-                        </p:attrNameLst>
-                      </p:cBhvr>
-                      <p:to>
-                        <p:strVal val="visible"/>
-                      </p:to>
-                    </p:set>
-                  </p:childTnLst>
-                  <p:subTnLst>
-                    <p:animClr clrSpc="rgb" dir="cw">
-                      <p:cBhvr override="childStyle">
-                        <p:cTn dur="1" fill="hold" display="0" masterRel="nextClick" afterEffect="1"/>
-                        <p:tgtEl>
-                          <p:spTgt spid="8"/>
-                        </p:tgtEl>
-                        <p:attrNameLst>
-                          <p:attrName>ppt_c</p:attrName>
-                        </p:attrNameLst>
-                      </p:cBhvr>
-                      <p:to>
-                        <a:schemeClr val="tx2"/>
-                      </p:to>
-                    </p:animClr>
-                  </p:subTnLst>
-                </p:cTn>
-              </p:par>
-            </p:tnLst>
-          </p:tmpl>
-          <p:tmpl lvl="5">
-            <p:tnLst>
-              <p:par>
-                <p:cTn presetID="1" presetClass="entr" presetSubtype="0" fill="hold" nodeType="clickEffect">
-                  <p:stCondLst>
-                    <p:cond delay="0"/>
-                  </p:stCondLst>
-                  <p:childTnLst>
-                    <p:set>
-                      <p:cBhvr>
-                        <p:cTn dur="1" fill="hold">
-                          <p:stCondLst>
-                            <p:cond delay="0"/>
-                          </p:stCondLst>
-                        </p:cTn>
-                        <p:tgtEl>
-                          <p:spTgt spid="8"/>
-                        </p:tgtEl>
-                        <p:attrNameLst>
-                          <p:attrName>style.visibility</p:attrName>
-                        </p:attrNameLst>
-                      </p:cBhvr>
-                      <p:to>
-                        <p:strVal val="visible"/>
-                      </p:to>
-                    </p:set>
-                  </p:childTnLst>
-                  <p:subTnLst>
-                    <p:animClr clrSpc="rgb" dir="cw">
-                      <p:cBhvr override="childStyle">
-                        <p:cTn dur="1" fill="hold" display="0" masterRel="nextClick" afterEffect="1"/>
-                        <p:tgtEl>
-                          <p:spTgt spid="8"/>
-                        </p:tgtEl>
-                        <p:attrNameLst>
-                          <p:attrName>ppt_c</p:attrName>
-                        </p:attrNameLst>
-                      </p:cBhvr>
-                      <p:to>
-                        <a:schemeClr val="tx2"/>
-                      </p:to>
-                    </p:animClr>
-                  </p:subTnLst>
-                </p:cTn>
-              </p:par>
-            </p:tnLst>
-          </p:tmpl>
-          <p:tmpl lvl="6">
-            <p:tnLst>
-              <p:par>
-                <p:cTn presetID="1" presetClass="entr" presetSubtype="0" fill="hold" nodeType="withEffect">
-                  <p:stCondLst>
-                    <p:cond delay="0"/>
-                  </p:stCondLst>
-                  <p:childTnLst>
-                    <p:set>
-                      <p:cBhvr>
-                        <p:cTn dur="1" fill="hold">
-                          <p:stCondLst>
-                            <p:cond delay="0"/>
-                          </p:stCondLst>
-                        </p:cTn>
-                        <p:tgtEl>
-                          <p:spTgt spid="8"/>
-                        </p:tgtEl>
-                        <p:attrNameLst>
-                          <p:attrName>style.visibility</p:attrName>
-                        </p:attrNameLst>
-                      </p:cBhvr>
-                      <p:to>
-                        <p:strVal val="visible"/>
-                      </p:to>
-                    </p:set>
-                  </p:childTnLst>
-                  <p:subTnLst>
-                    <p:animClr clrSpc="rgb" dir="cw">
-                      <p:cBhvr override="childStyle">
-                        <p:cTn dur="1" fill="hold" display="0" masterRel="nextClick" afterEffect="1"/>
-                        <p:tgtEl>
-                          <p:spTgt spid="8"/>
-                        </p:tgtEl>
-                        <p:attrNameLst>
-                          <p:attrName>ppt_c</p:attrName>
-                        </p:attrNameLst>
-                      </p:cBhvr>
-                      <p:to>
-                        <a:schemeClr val="tx2"/>
-                      </p:to>
-                    </p:animClr>
-                  </p:subTnLst>
-                </p:cTn>
-              </p:par>
-            </p:tnLst>
-          </p:tmpl>
-          <p:tmpl lvl="7">
-            <p:tnLst>
-              <p:par>
-                <p:cTn presetID="1" presetClass="entr" presetSubtype="0" fill="hold" nodeType="withEffect">
-                  <p:stCondLst>
-                    <p:cond delay="0"/>
-                  </p:stCondLst>
-                  <p:childTnLst>
-                    <p:set>
-                      <p:cBhvr>
-                        <p:cTn dur="1" fill="hold">
-                          <p:stCondLst>
-                            <p:cond delay="0"/>
-                          </p:stCondLst>
-                        </p:cTn>
-                        <p:tgtEl>
-                          <p:spTgt spid="8"/>
-                        </p:tgtEl>
-                        <p:attrNameLst>
-                          <p:attrName>style.visibility</p:attrName>
-                        </p:attrNameLst>
-                      </p:cBhvr>
-                      <p:to>
-                        <p:strVal val="visible"/>
-                      </p:to>
-                    </p:set>
-                  </p:childTnLst>
-                  <p:subTnLst>
-                    <p:animClr clrSpc="rgb" dir="cw">
-                      <p:cBhvr override="childStyle">
-                        <p:cTn dur="1" fill="hold" display="0" masterRel="nextClick" afterEffect="1"/>
-                        <p:tgtEl>
-                          <p:spTgt spid="8"/>
-                        </p:tgtEl>
-                        <p:attrNameLst>
-                          <p:attrName>ppt_c</p:attrName>
-                        </p:attrNameLst>
-                      </p:cBhvr>
-                      <p:to>
-                        <a:schemeClr val="tx2"/>
-                      </p:to>
-                    </p:animClr>
-                  </p:subTnLst>
-                </p:cTn>
-              </p:par>
-            </p:tnLst>
-          </p:tmpl>
-          <p:tmpl lvl="8">
-            <p:tnLst>
-              <p:par>
-                <p:cTn presetID="1" presetClass="entr" presetSubtype="0" fill="hold" nodeType="withEffect">
-                  <p:stCondLst>
-                    <p:cond delay="0"/>
-                  </p:stCondLst>
-                  <p:childTnLst>
-                    <p:set>
-                      <p:cBhvr>
-                        <p:cTn dur="1" fill="hold">
-                          <p:stCondLst>
-                            <p:cond delay="0"/>
-                          </p:stCondLst>
-                        </p:cTn>
-                        <p:tgtEl>
-                          <p:spTgt spid="8"/>
-                        </p:tgtEl>
-                        <p:attrNameLst>
-                          <p:attrName>style.visibility</p:attrName>
-                        </p:attrNameLst>
-                      </p:cBhvr>
-                      <p:to>
-                        <p:strVal val="visible"/>
-                      </p:to>
-                    </p:set>
-                  </p:childTnLst>
-                  <p:subTnLst>
-                    <p:animClr clrSpc="rgb" dir="cw">
-                      <p:cBhvr override="childStyle">
-                        <p:cTn dur="1" fill="hold" display="0" masterRel="nextClick" afterEffect="1"/>
-                        <p:tgtEl>
-                          <p:spTgt spid="8"/>
-                        </p:tgtEl>
-                        <p:attrNameLst>
-                          <p:attrName>ppt_c</p:attrName>
-                        </p:attrNameLst>
-                      </p:cBhvr>
-                      <p:to>
-                        <a:schemeClr val="tx2"/>
-                      </p:to>
-                    </p:animClr>
-                  </p:subTnLst>
-                </p:cTn>
-              </p:par>
-            </p:tnLst>
-          </p:tmpl>
-          <p:tmpl lvl="9">
-            <p:tnLst>
-              <p:par>
-                <p:cTn presetID="1" presetClass="entr" presetSubtype="0" fill="hold" nodeType="withEffect">
-                  <p:stCondLst>
-                    <p:cond delay="0"/>
-                  </p:stCondLst>
-                  <p:childTnLst>
-                    <p:set>
-                      <p:cBhvr>
-                        <p:cTn dur="1" fill="hold">
-                          <p:stCondLst>
-                            <p:cond delay="0"/>
-                          </p:stCondLst>
-                        </p:cTn>
-                        <p:tgtEl>
-                          <p:spTgt spid="8"/>
-                        </p:tgtEl>
-                        <p:attrNameLst>
-                          <p:attrName>style.visibility</p:attrName>
-                        </p:attrNameLst>
-                      </p:cBhvr>
-                      <p:to>
-                        <p:strVal val="visible"/>
-                      </p:to>
-                    </p:set>
-                  </p:childTnLst>
-                </p:cTn>
-              </p:par>
-            </p:tnLst>
-          </p:tmpl>
-        </p:tmplLst>
-      </p:bldP>
-    </p:bldLst>
-  </p:timing>
-  <p:extLst mod="1">
-    <p:ext uri="{DCECCB84-F9BA-43D5-87BE-67443E8EF086}">
-      <p15:sldGuideLst xmlns:p15="http://schemas.microsoft.com/office/powerpoint/2012/main">
-        <p15:guide id="4294967295" orient="horz" pos="2160">
-          <p15:clr>
-            <a:srgbClr val="FBAE40"/>
-          </p15:clr>
-        </p15:guide>
-        <p15:guide id="4294967295" pos="3264">
-          <p15:clr>
-            <a:srgbClr val="FBAE40"/>
-          </p15:clr>
-        </p15:guide>
-      </p15:sldGuideLst>
-    </p:ext>
-  </p:extLst>
-</p:sldLayout>
-</file>
-
-<file path=ppt/slideLayouts/slideLayout18.xml><?xml version="1.0" encoding="utf-8"?>
-<p:sldLayout xmlns:a="http://schemas.openxmlformats.org/drawingml/2006/main" xmlns:r="http://schemas.openxmlformats.org/officeDocument/2006/relationships" xmlns:p="http://schemas.openxmlformats.org/presentationml/2006/main" userDrawn="1">
-  <p:cSld name="Important Statement">
-    <p:bg>
-      <p:bgPr>
-        <a:solidFill>
-          <a:schemeClr val="accent2"/>
-        </a:solidFill>
-        <a:effectLst/>
-      </p:bgPr>
-    </p:bg>
-    <p:spTree>
-      <p:nvGrpSpPr>
-        <p:cNvPr id="1" name=""/>
-        <p:cNvGrpSpPr/>
-        <p:nvPr/>
-      </p:nvGrpSpPr>
-      <p:grpSpPr>
-        <a:xfrm>
-          <a:off x="0" y="0"/>
-          <a:ext cx="0" cy="0"/>
-          <a:chOff x="0" y="0"/>
-          <a:chExt cx="0" cy="0"/>
-        </a:xfrm>
-      </p:grpSpPr>
-      <p:sp>
-        <p:nvSpPr>
-          <p:cNvPr id="4" name="Title 12"/>
-          <p:cNvSpPr>
-            <a:spLocks noGrp="1"/>
-          </p:cNvSpPr>
-          <p:nvPr>
-            <p:ph type="title" hasCustomPrompt="1"/>
-          </p:nvPr>
-        </p:nvSpPr>
-        <p:spPr>
-          <a:xfrm>
-            <a:off x="2015067" y="1114004"/>
-            <a:ext cx="8170333" cy="4629992"/>
-          </a:xfrm>
-          <a:noFill/>
-          <a:ln>
-            <a:noFill/>
-          </a:ln>
-        </p:spPr>
-        <p:txBody>
-          <a:bodyPr anchor="ctr">
-            <a:normAutofit/>
-          </a:bodyPr>
-          <a:lstStyle>
-            <a:lvl1pPr algn="ctr">
-              <a:defRPr sz="4799" spc="-112" baseline="0">
-                <a:solidFill>
-                  <a:schemeClr val="bg1"/>
-                </a:solidFill>
-                <a:latin typeface="+mj-lt"/>
-              </a:defRPr>
-            </a:lvl1pPr>
-          </a:lstStyle>
-          <a:p>
-            <a:r>
-              <a:rPr lang="en-US" dirty="0"/>
-              <a:t>This is a short, important statement to bring attention to something.</a:t>
-            </a:r>
-          </a:p>
-        </p:txBody>
-      </p:sp>
-    </p:spTree>
-    <p:extLst>
-      <p:ext uri="{BB962C8B-B14F-4D97-AF65-F5344CB8AC3E}">
-        <p14:creationId xmlns:p14="http://schemas.microsoft.com/office/powerpoint/2010/main" val="527199928"/>
-      </p:ext>
-    </p:extLst>
-  </p:cSld>
-  <p:clrMapOvr>
-    <a:masterClrMapping/>
-  </p:clrMapOvr>
-  <p:extLst mod="1">
-    <p:ext uri="{DCECCB84-F9BA-43D5-87BE-67443E8EF086}">
-      <p15:sldGuideLst xmlns:p15="http://schemas.microsoft.com/office/powerpoint/2012/main">
-        <p15:guide id="4294967295" orient="horz" pos="2160">
-          <p15:clr>
-            <a:srgbClr val="FBAE40"/>
-          </p15:clr>
-        </p15:guide>
-        <p15:guide id="4294967295" pos="3840">
-          <p15:clr>
-            <a:srgbClr val="FBAE40"/>
-          </p15:clr>
-        </p15:guide>
-      </p15:sldGuideLst>
-    </p:ext>
-  </p:extLst>
 </p:sldLayout>
 </file>
 
@@ -4470,7 +3031,7 @@
           <a:lstStyle/>
           <a:p>
             <a:r>
-              <a:rPr lang="en-US" smtClean="0"/>
+              <a:rPr lang="en-US"/>
               <a:t>Click to edit Master title style</a:t>
             </a:r>
             <a:endParaRPr lang="en-US" dirty="0"/>
@@ -4494,35 +3055,35 @@
           <a:p>
             <a:pPr lvl="0"/>
             <a:r>
-              <a:rPr lang="en-US" smtClean="0"/>
+              <a:rPr lang="en-US"/>
               <a:t>Click to edit Master text styles</a:t>
             </a:r>
           </a:p>
           <a:p>
             <a:pPr lvl="1"/>
             <a:r>
-              <a:rPr lang="en-US" smtClean="0"/>
+              <a:rPr lang="en-US"/>
               <a:t>Second level</a:t>
             </a:r>
           </a:p>
           <a:p>
             <a:pPr lvl="2"/>
             <a:r>
-              <a:rPr lang="en-US" smtClean="0"/>
+              <a:rPr lang="en-US"/>
               <a:t>Third level</a:t>
             </a:r>
           </a:p>
           <a:p>
             <a:pPr lvl="3"/>
             <a:r>
-              <a:rPr lang="en-US" smtClean="0"/>
+              <a:rPr lang="en-US"/>
               <a:t>Fourth level</a:t>
             </a:r>
           </a:p>
           <a:p>
             <a:pPr lvl="4"/>
             <a:r>
-              <a:rPr lang="en-US" smtClean="0"/>
+              <a:rPr lang="en-US"/>
               <a:t>Fifth level</a:t>
             </a:r>
             <a:endParaRPr lang="en-US" dirty="0"/>
@@ -4546,7 +3107,7 @@
           <a:p>
             <a:fld id="{A5D3794B-289A-4A80-97D7-111025398D45}" type="datetimeFigureOut">
               <a:rPr lang="en-US" smtClean="0"/>
-              <a:t>4/6/2017</a:t>
+              <a:t>4/9/2017</a:t>
             </a:fld>
             <a:endParaRPr lang="en-US" dirty="0"/>
           </a:p>
@@ -4649,7 +3210,7 @@
           </a:lstStyle>
           <a:p>
             <a:r>
-              <a:rPr lang="en-US" smtClean="0"/>
+              <a:rPr lang="en-US"/>
               <a:t>Click to edit Master title style</a:t>
             </a:r>
             <a:endParaRPr lang="en-US" dirty="0"/>
@@ -4770,7 +3331,7 @@
           <a:p>
             <a:pPr lvl="0"/>
             <a:r>
-              <a:rPr lang="en-US" smtClean="0"/>
+              <a:rPr lang="en-US"/>
               <a:t>Click to edit Master text styles</a:t>
             </a:r>
           </a:p>
@@ -4793,7 +3354,7 @@
           <a:p>
             <a:fld id="{5A61015F-7CC6-4D0A-9D87-873EA4C304CC}" type="datetimeFigureOut">
               <a:rPr lang="en-US" smtClean="0"/>
-              <a:t>4/6/2017</a:t>
+              <a:t>4/9/2017</a:t>
             </a:fld>
             <a:endParaRPr lang="en-US" dirty="0"/>
           </a:p>
@@ -4959,7 +3520,7 @@
           <a:lstStyle/>
           <a:p>
             <a:r>
-              <a:rPr lang="en-US" smtClean="0"/>
+              <a:rPr lang="en-US"/>
               <a:t>Click to edit Master title style</a:t>
             </a:r>
             <a:endParaRPr lang="en-US" dirty="0"/>
@@ -4988,35 +3549,35 @@
           <a:p>
             <a:pPr lvl="0"/>
             <a:r>
-              <a:rPr lang="en-US" smtClean="0"/>
+              <a:rPr lang="en-US"/>
               <a:t>Click to edit Master text styles</a:t>
             </a:r>
           </a:p>
           <a:p>
             <a:pPr lvl="1"/>
             <a:r>
-              <a:rPr lang="en-US" smtClean="0"/>
+              <a:rPr lang="en-US"/>
               <a:t>Second level</a:t>
             </a:r>
           </a:p>
           <a:p>
             <a:pPr lvl="2"/>
             <a:r>
-              <a:rPr lang="en-US" smtClean="0"/>
+              <a:rPr lang="en-US"/>
               <a:t>Third level</a:t>
             </a:r>
           </a:p>
           <a:p>
             <a:pPr lvl="3"/>
             <a:r>
-              <a:rPr lang="en-US" smtClean="0"/>
+              <a:rPr lang="en-US"/>
               <a:t>Fourth level</a:t>
             </a:r>
           </a:p>
           <a:p>
             <a:pPr lvl="4"/>
             <a:r>
-              <a:rPr lang="en-US" smtClean="0"/>
+              <a:rPr lang="en-US"/>
               <a:t>Fifth level</a:t>
             </a:r>
             <a:endParaRPr lang="en-US" dirty="0"/>
@@ -5045,35 +3606,35 @@
           <a:p>
             <a:pPr lvl="0"/>
             <a:r>
-              <a:rPr lang="en-US" smtClean="0"/>
+              <a:rPr lang="en-US"/>
               <a:t>Click to edit Master text styles</a:t>
             </a:r>
           </a:p>
           <a:p>
             <a:pPr lvl="1"/>
             <a:r>
-              <a:rPr lang="en-US" smtClean="0"/>
+              <a:rPr lang="en-US"/>
               <a:t>Second level</a:t>
             </a:r>
           </a:p>
           <a:p>
             <a:pPr lvl="2"/>
             <a:r>
-              <a:rPr lang="en-US" smtClean="0"/>
+              <a:rPr lang="en-US"/>
               <a:t>Third level</a:t>
             </a:r>
           </a:p>
           <a:p>
             <a:pPr lvl="3"/>
             <a:r>
-              <a:rPr lang="en-US" smtClean="0"/>
+              <a:rPr lang="en-US"/>
               <a:t>Fourth level</a:t>
             </a:r>
           </a:p>
           <a:p>
             <a:pPr lvl="4"/>
             <a:r>
-              <a:rPr lang="en-US" smtClean="0"/>
+              <a:rPr lang="en-US"/>
               <a:t>Fifth level</a:t>
             </a:r>
             <a:endParaRPr lang="en-US" dirty="0"/>
@@ -5097,7 +3658,7 @@
           <a:p>
             <a:fld id="{93C6A301-0538-44EC-B09D-202E1042A48B}" type="datetimeFigureOut">
               <a:rPr lang="en-US" smtClean="0"/>
-              <a:t>4/6/2017</a:t>
+              <a:t>4/9/2017</a:t>
             </a:fld>
             <a:endParaRPr lang="en-US" dirty="0"/>
           </a:p>
@@ -5195,7 +3756,7 @@
           </a:lstStyle>
           <a:p>
             <a:r>
-              <a:rPr lang="en-US" smtClean="0"/>
+              <a:rPr lang="en-US"/>
               <a:t>Click to edit Master title style</a:t>
             </a:r>
             <a:endParaRPr lang="en-US" dirty="0"/>
@@ -5263,7 +3824,7 @@
           <a:p>
             <a:pPr lvl="0"/>
             <a:r>
-              <a:rPr lang="en-US" smtClean="0"/>
+              <a:rPr lang="en-US"/>
               <a:t>Click to edit Master text styles</a:t>
             </a:r>
           </a:p>
@@ -5293,35 +3854,35 @@
           <a:p>
             <a:pPr lvl="0"/>
             <a:r>
-              <a:rPr lang="en-US" smtClean="0"/>
+              <a:rPr lang="en-US"/>
               <a:t>Click to edit Master text styles</a:t>
             </a:r>
           </a:p>
           <a:p>
             <a:pPr lvl="1"/>
             <a:r>
-              <a:rPr lang="en-US" smtClean="0"/>
+              <a:rPr lang="en-US"/>
               <a:t>Second level</a:t>
             </a:r>
           </a:p>
           <a:p>
             <a:pPr lvl="2"/>
             <a:r>
-              <a:rPr lang="en-US" smtClean="0"/>
+              <a:rPr lang="en-US"/>
               <a:t>Third level</a:t>
             </a:r>
           </a:p>
           <a:p>
             <a:pPr lvl="3"/>
             <a:r>
-              <a:rPr lang="en-US" smtClean="0"/>
+              <a:rPr lang="en-US"/>
               <a:t>Fourth level</a:t>
             </a:r>
           </a:p>
           <a:p>
             <a:pPr lvl="4"/>
             <a:r>
-              <a:rPr lang="en-US" smtClean="0"/>
+              <a:rPr lang="en-US"/>
               <a:t>Fifth level</a:t>
             </a:r>
             <a:endParaRPr lang="en-US" dirty="0"/>
@@ -5389,7 +3950,7 @@
           <a:p>
             <a:pPr lvl="0"/>
             <a:r>
-              <a:rPr lang="en-US" smtClean="0"/>
+              <a:rPr lang="en-US"/>
               <a:t>Click to edit Master text styles</a:t>
             </a:r>
           </a:p>
@@ -5419,35 +3980,35 @@
           <a:p>
             <a:pPr lvl="0"/>
             <a:r>
-              <a:rPr lang="en-US" smtClean="0"/>
+              <a:rPr lang="en-US"/>
               <a:t>Click to edit Master text styles</a:t>
             </a:r>
           </a:p>
           <a:p>
             <a:pPr lvl="1"/>
             <a:r>
-              <a:rPr lang="en-US" smtClean="0"/>
+              <a:rPr lang="en-US"/>
               <a:t>Second level</a:t>
             </a:r>
           </a:p>
           <a:p>
             <a:pPr lvl="2"/>
             <a:r>
-              <a:rPr lang="en-US" smtClean="0"/>
+              <a:rPr lang="en-US"/>
               <a:t>Third level</a:t>
             </a:r>
           </a:p>
           <a:p>
             <a:pPr lvl="3"/>
             <a:r>
-              <a:rPr lang="en-US" smtClean="0"/>
+              <a:rPr lang="en-US"/>
               <a:t>Fourth level</a:t>
             </a:r>
           </a:p>
           <a:p>
             <a:pPr lvl="4"/>
             <a:r>
-              <a:rPr lang="en-US" smtClean="0"/>
+              <a:rPr lang="en-US"/>
               <a:t>Fifth level</a:t>
             </a:r>
             <a:endParaRPr lang="en-US" dirty="0"/>
@@ -5471,7 +4032,7 @@
           <a:p>
             <a:fld id="{D789574A-8875-45EF-8EA2-3CAA0F7ABC4C}" type="datetimeFigureOut">
               <a:rPr lang="en-US" smtClean="0"/>
-              <a:t>4/6/2017</a:t>
+              <a:t>4/9/2017</a:t>
             </a:fld>
             <a:endParaRPr lang="en-US" dirty="0"/>
           </a:p>
@@ -5570,7 +4131,7 @@
           <a:lstStyle/>
           <a:p>
             <a:r>
-              <a:rPr lang="en-US" smtClean="0"/>
+              <a:rPr lang="en-US"/>
               <a:t>Click to edit Master title style</a:t>
             </a:r>
             <a:endParaRPr lang="en-US" dirty="0"/>
@@ -5594,7 +4155,7 @@
           <a:p>
             <a:fld id="{67EF4D4C-5367-4C26-9E2B-D8088D7FCA81}" type="datetimeFigureOut">
               <a:rPr lang="en-US" smtClean="0"/>
-              <a:t>4/6/2017</a:t>
+              <a:t>4/9/2017</a:t>
             </a:fld>
             <a:endParaRPr lang="en-US" dirty="0"/>
           </a:p>
@@ -5689,7 +4250,7 @@
           <a:p>
             <a:fld id="{56E91E96-98B0-4413-9547-46F3504108EF}" type="datetimeFigureOut">
               <a:rPr lang="en-US" smtClean="0"/>
-              <a:t>4/6/2017</a:t>
+              <a:t>4/9/2017</a:t>
             </a:fld>
             <a:endParaRPr lang="en-US" dirty="0"/>
           </a:p>
@@ -5794,7 +4355,7 @@
           </a:lstStyle>
           <a:p>
             <a:r>
-              <a:rPr lang="en-US" smtClean="0"/>
+              <a:rPr lang="en-US"/>
               <a:t>Click to edit Master title style</a:t>
             </a:r>
             <a:endParaRPr lang="en-US" dirty="0"/>
@@ -5825,35 +4386,35 @@
           <a:p>
             <a:pPr lvl="0"/>
             <a:r>
-              <a:rPr lang="en-US" smtClean="0"/>
+              <a:rPr lang="en-US"/>
               <a:t>Click to edit Master text styles</a:t>
             </a:r>
           </a:p>
           <a:p>
             <a:pPr lvl="1"/>
             <a:r>
-              <a:rPr lang="en-US" smtClean="0"/>
+              <a:rPr lang="en-US"/>
               <a:t>Second level</a:t>
             </a:r>
           </a:p>
           <a:p>
             <a:pPr lvl="2"/>
             <a:r>
-              <a:rPr lang="en-US" smtClean="0"/>
+              <a:rPr lang="en-US"/>
               <a:t>Third level</a:t>
             </a:r>
           </a:p>
           <a:p>
             <a:pPr lvl="3"/>
             <a:r>
-              <a:rPr lang="en-US" smtClean="0"/>
+              <a:rPr lang="en-US"/>
               <a:t>Fourth level</a:t>
             </a:r>
           </a:p>
           <a:p>
             <a:pPr lvl="4"/>
             <a:r>
-              <a:rPr lang="en-US" smtClean="0"/>
+              <a:rPr lang="en-US"/>
               <a:t>Fifth level</a:t>
             </a:r>
             <a:endParaRPr lang="en-US" dirty="0"/>
@@ -5921,7 +4482,7 @@
           <a:p>
             <a:pPr lvl="0"/>
             <a:r>
-              <a:rPr lang="en-US" smtClean="0"/>
+              <a:rPr lang="en-US"/>
               <a:t>Click to edit Master text styles</a:t>
             </a:r>
           </a:p>
@@ -5944,7 +4505,7 @@
           <a:p>
             <a:fld id="{05C68B11-C5A8-448C-8CE9-B1A273C79CFC}" type="datetimeFigureOut">
               <a:rPr lang="en-US" smtClean="0"/>
-              <a:t>4/6/2017</a:t>
+              <a:t>4/9/2017</a:t>
             </a:fld>
             <a:endParaRPr lang="en-US" dirty="0"/>
           </a:p>
@@ -6049,7 +4610,7 @@
           </a:lstStyle>
           <a:p>
             <a:r>
-              <a:rPr lang="en-US" smtClean="0"/>
+              <a:rPr lang="en-US"/>
               <a:t>Click to edit Master title style</a:t>
             </a:r>
             <a:endParaRPr lang="en-US" dirty="0"/>
@@ -6116,7 +4677,7 @@
           </a:lstStyle>
           <a:p>
             <a:r>
-              <a:rPr lang="en-US" smtClean="0"/>
+              <a:rPr lang="en-US"/>
               <a:t>Click icon to add picture</a:t>
             </a:r>
             <a:endParaRPr lang="en-US" dirty="0"/>
@@ -6184,7 +4745,7 @@
           <a:p>
             <a:pPr lvl="0"/>
             <a:r>
-              <a:rPr lang="en-US" smtClean="0"/>
+              <a:rPr lang="en-US"/>
               <a:t>Click to edit Master text styles</a:t>
             </a:r>
           </a:p>
@@ -6249,7 +4810,7 @@
           <a:p>
             <a:fld id="{C7616CA0-919D-4A49-9C8A-62FDFB3A5183}" type="datetimeFigureOut">
               <a:rPr lang="en-US" smtClean="0"/>
-              <a:t>4/6/2017</a:t>
+              <a:t>4/9/2017</a:t>
             </a:fld>
             <a:endParaRPr lang="en-US" dirty="0"/>
           </a:p>
@@ -6847,7 +5408,7 @@
           <a:lstStyle/>
           <a:p>
             <a:r>
-              <a:rPr lang="en-US" smtClean="0"/>
+              <a:rPr lang="en-US"/>
               <a:t>Click to edit Master title style</a:t>
             </a:r>
             <a:endParaRPr lang="en-US" dirty="0"/>
@@ -6952,7 +5513,7 @@
             <a:fld id="{90298CD5-6C1E-4009-B41F-6DF62E31D3BE}" type="datetimeFigureOut">
               <a:rPr lang="en-US" smtClean="0"/>
               <a:pPr/>
-              <a:t>4/6/2017</a:t>
+              <a:t>4/9/2017</a:t>
             </a:fld>
             <a:endParaRPr lang="en-US" dirty="0"/>
           </a:p>
@@ -7060,16 +5621,7 @@
     <p:sldLayoutId id="2147483704" r:id="rId14"/>
     <p:sldLayoutId id="2147483705" r:id="rId15"/>
     <p:sldLayoutId id="2147483706" r:id="rId16"/>
-    <p:sldLayoutId id="2147483707" r:id="rId17"/>
-    <p:sldLayoutId id="2147483708" r:id="rId18"/>
   </p:sldLayoutIdLst>
-  <p:timing>
-    <p:tnLst>
-      <p:par>
-        <p:cTn id="1" dur="indefinite" restart="never" nodeType="tmRoot"/>
-      </p:par>
-    </p:tnLst>
-  </p:timing>
   <p:txStyles>
     <p:titleStyle>
       <a:lvl1pPr algn="l" defTabSz="457200" rtl="0" eaLnBrk="1" latinLnBrk="0" hangingPunct="1">
@@ -7502,17 +6054,16 @@
           <a:lstStyle/>
           <a:p>
             <a:r>
-              <a:rPr lang="en-US" smtClean="0"/>
+              <a:rPr lang="en-US" dirty="0"/>
               <a:t>Deploy an n-Tier </a:t>
             </a:r>
             <a:br>
-              <a:rPr lang="en-US" smtClean="0"/>
+              <a:rPr lang="en-US" dirty="0"/>
             </a:br>
             <a:r>
-              <a:rPr lang="en-US" smtClean="0"/>
+              <a:rPr lang="en-US" dirty="0"/>
               <a:t>Web App Pod with PowerShell and Azure</a:t>
             </a:r>
-            <a:endParaRPr lang="en-US"/>
           </a:p>
         </p:txBody>
       </p:sp>
@@ -7529,44 +6080,37 @@
         <p:spPr>
           <a:xfrm>
             <a:off x="1507067" y="4050833"/>
-            <a:ext cx="7766936" cy="1096899"/>
+            <a:ext cx="7766936" cy="1910352"/>
           </a:xfrm>
         </p:spPr>
         <p:txBody>
-          <a:bodyPr/>
+          <a:bodyPr>
+            <a:normAutofit lnSpcReduction="10000"/>
+          </a:bodyPr>
           <a:lstStyle/>
           <a:p>
             <a:r>
-              <a:rPr lang="en-US" smtClean="0"/>
+              <a:rPr lang="en-US" dirty="0"/>
               <a:t>Tim Warner</a:t>
             </a:r>
           </a:p>
           <a:p>
             <a:r>
-              <a:rPr lang="en-US" smtClean="0"/>
+              <a:rPr lang="en-US" dirty="0"/>
               <a:t>Author, Pluralsight</a:t>
             </a:r>
           </a:p>
           <a:p>
             <a:r>
-              <a:rPr lang="en-US" smtClean="0"/>
+              <a:rPr lang="en-US" dirty="0"/>
               <a:t>Wednesday, April 12, 2017</a:t>
             </a:r>
           </a:p>
           <a:p>
             <a:r>
-              <a:rPr lang="en-US" smtClean="0"/>
-              <a:t>10:00 - 10:45 </a:t>
-            </a:r>
-            <a:r>
-              <a:rPr lang="en-US"/>
-              <a:t>a</a:t>
-            </a:r>
-            <a:r>
-              <a:rPr lang="en-US" smtClean="0"/>
-              <a:t>m</a:t>
-            </a:r>
-            <a:endParaRPr lang="en-US"/>
+              <a:rPr lang="en-US" dirty="0"/>
+              <a:t>10:00 - 10:45 am</a:t>
+            </a:r>
           </a:p>
         </p:txBody>
       </p:sp>
@@ -7610,13 +6154,6 @@
   <p:clrMapOvr>
     <a:masterClrMapping/>
   </p:clrMapOvr>
-  <p:timing>
-    <p:tnLst>
-      <p:par>
-        <p:cTn id="1" dur="indefinite" restart="never" nodeType="tmRoot"/>
-      </p:par>
-    </p:tnLst>
-  </p:timing>
 </p:sld>
 </file>
 
@@ -7653,10 +6190,9 @@
           <a:lstStyle/>
           <a:p>
             <a:r>
-              <a:rPr lang="en-US" smtClean="0"/>
+              <a:rPr lang="en-US"/>
               <a:t>Visual Studio Code</a:t>
             </a:r>
-            <a:endParaRPr lang="en-US"/>
           </a:p>
         </p:txBody>
       </p:sp>
@@ -7708,10 +6244,63 @@
           </a:prstGeom>
         </p:spPr>
       </p:pic>
+      <p:sp>
+        <p:nvSpPr>
+          <p:cNvPr id="6" name="Rectangle 5"/>
+          <p:cNvSpPr/>
+          <p:nvPr/>
+        </p:nvSpPr>
+        <p:spPr>
+          <a:xfrm>
+            <a:off x="2751721" y="4330262"/>
+            <a:ext cx="6497381" cy="893379"/>
+          </a:xfrm>
+          <a:prstGeom prst="rect">
+            <a:avLst/>
+          </a:prstGeom>
+          <a:noFill/>
+          <a:ln w="57150">
+            <a:solidFill>
+              <a:srgbClr val="FF0000"/>
+            </a:solidFill>
+          </a:ln>
+          <a:effectLst/>
+        </p:spPr>
+        <p:style>
+          <a:lnRef idx="2">
+            <a:schemeClr val="accent1"/>
+          </a:lnRef>
+          <a:fillRef idx="0">
+            <a:schemeClr val="accent1"/>
+          </a:fillRef>
+          <a:effectRef idx="1">
+            <a:schemeClr val="accent1"/>
+          </a:effectRef>
+          <a:fontRef idx="minor">
+            <a:schemeClr val="tx1"/>
+          </a:fontRef>
+        </p:style>
+        <p:txBody>
+          <a:bodyPr lIns="182880" tIns="182880" rIns="182880" bIns="182880" rtlCol="0" anchor="ctr"/>
+          <a:lstStyle/>
+          <a:p>
+            <a:pPr algn="ctr">
+              <a:spcBef>
+                <a:spcPts val="600"/>
+              </a:spcBef>
+            </a:pPr>
+            <a:endParaRPr lang="en-US" sz="2000" dirty="0">
+              <a:solidFill>
+                <a:schemeClr val="bg1"/>
+              </a:solidFill>
+            </a:endParaRPr>
+          </a:p>
+        </p:txBody>
+      </p:sp>
     </p:spTree>
     <p:extLst>
       <p:ext uri="{BB962C8B-B14F-4D97-AF65-F5344CB8AC3E}">
-        <p14:creationId xmlns:p14="http://schemas.microsoft.com/office/powerpoint/2010/main" val="2233023568"/>
+        <p14:creationId xmlns:p14="http://schemas.microsoft.com/office/powerpoint/2010/main" val="2474982262"/>
       </p:ext>
     </p:extLst>
   </p:cSld>
@@ -7806,6 +6395,59 @@
                       </p:childTnLst>
                     </p:cTn>
                   </p:par>
+                  <p:par>
+                    <p:cTn id="10" fill="hold">
+                      <p:stCondLst>
+                        <p:cond delay="indefinite"/>
+                      </p:stCondLst>
+                      <p:childTnLst>
+                        <p:par>
+                          <p:cTn id="11" fill="hold">
+                            <p:stCondLst>
+                              <p:cond delay="0"/>
+                            </p:stCondLst>
+                            <p:childTnLst>
+                              <p:par>
+                                <p:cTn id="12" presetID="10" presetClass="entr" presetSubtype="0" fill="hold" grpId="0" nodeType="clickEffect">
+                                  <p:stCondLst>
+                                    <p:cond delay="0"/>
+                                  </p:stCondLst>
+                                  <p:childTnLst>
+                                    <p:set>
+                                      <p:cBhvr>
+                                        <p:cTn id="13" dur="1" fill="hold">
+                                          <p:stCondLst>
+                                            <p:cond delay="0"/>
+                                          </p:stCondLst>
+                                        </p:cTn>
+                                        <p:tgtEl>
+                                          <p:spTgt spid="6"/>
+                                        </p:tgtEl>
+                                        <p:attrNameLst>
+                                          <p:attrName>style.visibility</p:attrName>
+                                        </p:attrNameLst>
+                                      </p:cBhvr>
+                                      <p:to>
+                                        <p:strVal val="visible"/>
+                                      </p:to>
+                                    </p:set>
+                                    <p:animEffect transition="in" filter="fade">
+                                      <p:cBhvr>
+                                        <p:cTn id="14" dur="500"/>
+                                        <p:tgtEl>
+                                          <p:spTgt spid="6"/>
+                                        </p:tgtEl>
+                                      </p:cBhvr>
+                                    </p:animEffect>
+                                  </p:childTnLst>
+                                </p:cTn>
+                              </p:par>
+                            </p:childTnLst>
+                          </p:cTn>
+                        </p:par>
+                      </p:childTnLst>
+                    </p:cTn>
+                  </p:par>
                 </p:childTnLst>
               </p:cTn>
               <p:prevCondLst>
@@ -7827,6 +6469,9 @@
         </p:cTn>
       </p:par>
     </p:tnLst>
+    <p:bldLst>
+      <p:bldP spid="6" grpId="0" animBg="1"/>
+    </p:bldLst>
   </p:timing>
 </p:sld>
 </file>
@@ -7864,10 +6509,9 @@
           <a:lstStyle/>
           <a:p>
             <a:r>
-              <a:rPr lang="en-US" smtClean="0"/>
+              <a:rPr lang="en-US"/>
               <a:t>Visual Studio 2017 Community Edition</a:t>
             </a:r>
-            <a:endParaRPr lang="en-US"/>
           </a:p>
         </p:txBody>
       </p:sp>
@@ -8173,16 +6817,20 @@
             <p:ph type="title"/>
           </p:nvPr>
         </p:nvSpPr>
-        <p:spPr/>
+        <p:spPr>
+          <a:xfrm>
+            <a:off x="677334" y="609600"/>
+            <a:ext cx="10021928" cy="1320800"/>
+          </a:xfrm>
+        </p:spPr>
         <p:txBody>
           <a:bodyPr/>
           <a:lstStyle/>
           <a:p>
             <a:r>
-              <a:rPr lang="en-US" smtClean="0"/>
-              <a:t>Azure Resource Visualizer (ARMVIZ)</a:t>
-            </a:r>
-            <a:endParaRPr lang="en-US"/>
+              <a:rPr lang="en-US" dirty="0"/>
+              <a:t>Azure Resource Visualizer (armviz.io)</a:t>
+            </a:r>
           </a:p>
         </p:txBody>
       </p:sp>
@@ -8234,2885 +6882,6 @@
           </a:prstGeom>
         </p:spPr>
       </p:pic>
-    </p:spTree>
-    <p:extLst>
-      <p:ext uri="{BB962C8B-B14F-4D97-AF65-F5344CB8AC3E}">
-        <p14:creationId xmlns:p14="http://schemas.microsoft.com/office/powerpoint/2010/main" val="132953681"/>
-      </p:ext>
-    </p:extLst>
-  </p:cSld>
-  <p:clrMapOvr>
-    <a:masterClrMapping/>
-  </p:clrMapOvr>
-  <p:timing>
-    <p:tnLst>
-      <p:par>
-        <p:cTn id="1" dur="indefinite" restart="never" nodeType="tmRoot">
-          <p:childTnLst>
-            <p:seq concurrent="1" nextAc="seek">
-              <p:cTn id="2" dur="indefinite" nodeType="mainSeq">
-                <p:childTnLst>
-                  <p:par>
-                    <p:cTn id="3" fill="hold">
-                      <p:stCondLst>
-                        <p:cond delay="indefinite"/>
-                      </p:stCondLst>
-                      <p:childTnLst>
-                        <p:par>
-                          <p:cTn id="4" fill="hold">
-                            <p:stCondLst>
-                              <p:cond delay="0"/>
-                            </p:stCondLst>
-                            <p:childTnLst>
-                              <p:par>
-                                <p:cTn id="5" presetID="1" presetClass="exit" presetSubtype="0" fill="hold" nodeType="clickEffect">
-                                  <p:stCondLst>
-                                    <p:cond delay="0"/>
-                                  </p:stCondLst>
-                                  <p:childTnLst>
-                                    <p:set>
-                                      <p:cBhvr>
-                                        <p:cTn id="6" dur="1" fill="hold">
-                                          <p:stCondLst>
-                                            <p:cond delay="0"/>
-                                          </p:stCondLst>
-                                        </p:cTn>
-                                        <p:tgtEl>
-                                          <p:spTgt spid="4"/>
-                                        </p:tgtEl>
-                                        <p:attrNameLst>
-                                          <p:attrName>style.visibility</p:attrName>
-                                        </p:attrNameLst>
-                                      </p:cBhvr>
-                                      <p:to>
-                                        <p:strVal val="hidden"/>
-                                      </p:to>
-                                    </p:set>
-                                  </p:childTnLst>
-                                </p:cTn>
-                              </p:par>
-                              <p:par>
-                                <p:cTn id="7" presetID="10" presetClass="entr" presetSubtype="0" fill="hold" nodeType="withEffect">
-                                  <p:stCondLst>
-                                    <p:cond delay="0"/>
-                                  </p:stCondLst>
-                                  <p:childTnLst>
-                                    <p:set>
-                                      <p:cBhvr>
-                                        <p:cTn id="8" dur="1" fill="hold">
-                                          <p:stCondLst>
-                                            <p:cond delay="0"/>
-                                          </p:stCondLst>
-                                        </p:cTn>
-                                        <p:tgtEl>
-                                          <p:spTgt spid="5"/>
-                                        </p:tgtEl>
-                                        <p:attrNameLst>
-                                          <p:attrName>style.visibility</p:attrName>
-                                        </p:attrNameLst>
-                                      </p:cBhvr>
-                                      <p:to>
-                                        <p:strVal val="visible"/>
-                                      </p:to>
-                                    </p:set>
-                                    <p:animEffect transition="in" filter="fade">
-                                      <p:cBhvr>
-                                        <p:cTn id="9" dur="500"/>
-                                        <p:tgtEl>
-                                          <p:spTgt spid="5"/>
-                                        </p:tgtEl>
-                                      </p:cBhvr>
-                                    </p:animEffect>
-                                  </p:childTnLst>
-                                </p:cTn>
-                              </p:par>
-                            </p:childTnLst>
-                          </p:cTn>
-                        </p:par>
-                      </p:childTnLst>
-                    </p:cTn>
-                  </p:par>
-                </p:childTnLst>
-              </p:cTn>
-              <p:prevCondLst>
-                <p:cond evt="onPrev" delay="0">
-                  <p:tgtEl>
-                    <p:sldTgt/>
-                  </p:tgtEl>
-                </p:cond>
-              </p:prevCondLst>
-              <p:nextCondLst>
-                <p:cond evt="onNext" delay="0">
-                  <p:tgtEl>
-                    <p:sldTgt/>
-                  </p:tgtEl>
-                </p:cond>
-              </p:nextCondLst>
-            </p:seq>
-          </p:childTnLst>
-        </p:cTn>
-      </p:par>
-    </p:tnLst>
-  </p:timing>
-</p:sld>
-</file>
-
-<file path=ppt/slides/slide13.xml><?xml version="1.0" encoding="utf-8"?>
-<p:sld xmlns:a="http://schemas.openxmlformats.org/drawingml/2006/main" xmlns:r="http://schemas.openxmlformats.org/officeDocument/2006/relationships" xmlns:p="http://schemas.openxmlformats.org/presentationml/2006/main">
-  <p:cSld>
-    <p:spTree>
-      <p:nvGrpSpPr>
-        <p:cNvPr id="1" name=""/>
-        <p:cNvGrpSpPr/>
-        <p:nvPr/>
-      </p:nvGrpSpPr>
-      <p:grpSpPr>
-        <a:xfrm>
-          <a:off x="0" y="0"/>
-          <a:ext cx="0" cy="0"/>
-          <a:chOff x="0" y="0"/>
-          <a:chExt cx="0" cy="0"/>
-        </a:xfrm>
-      </p:grpSpPr>
-      <p:sp>
-        <p:nvSpPr>
-          <p:cNvPr id="2" name="Title 1"/>
-          <p:cNvSpPr>
-            <a:spLocks noGrp="1"/>
-          </p:cNvSpPr>
-          <p:nvPr>
-            <p:ph type="title"/>
-          </p:nvPr>
-        </p:nvSpPr>
-        <p:spPr/>
-        <p:txBody>
-          <a:bodyPr/>
-          <a:lstStyle/>
-          <a:p>
-            <a:r>
-              <a:rPr lang="en-US" smtClean="0"/>
-              <a:t>Azure Portal</a:t>
-            </a:r>
-            <a:endParaRPr lang="en-US"/>
-          </a:p>
-        </p:txBody>
-      </p:sp>
-      <p:pic>
-        <p:nvPicPr>
-          <p:cNvPr id="4" name="Picture 3"/>
-          <p:cNvPicPr>
-            <a:picLocks noChangeAspect="1"/>
-          </p:cNvPicPr>
-          <p:nvPr/>
-        </p:nvPicPr>
-        <p:blipFill>
-          <a:blip r:embed="rId2"/>
-          <a:stretch>
-            <a:fillRect/>
-          </a:stretch>
-        </p:blipFill>
-        <p:spPr>
-          <a:xfrm>
-            <a:off x="1565189" y="1393152"/>
-            <a:ext cx="8429614" cy="5369181"/>
-          </a:xfrm>
-          <a:prstGeom prst="rect">
-            <a:avLst/>
-          </a:prstGeom>
-        </p:spPr>
-      </p:pic>
-    </p:spTree>
-    <p:extLst>
-      <p:ext uri="{BB962C8B-B14F-4D97-AF65-F5344CB8AC3E}">
-        <p14:creationId xmlns:p14="http://schemas.microsoft.com/office/powerpoint/2010/main" val="380727323"/>
-      </p:ext>
-    </p:extLst>
-  </p:cSld>
-  <p:clrMapOvr>
-    <a:masterClrMapping/>
-  </p:clrMapOvr>
-  <p:timing>
-    <p:tnLst>
-      <p:par>
-        <p:cTn id="1" dur="indefinite" restart="never" nodeType="tmRoot"/>
-      </p:par>
-    </p:tnLst>
-  </p:timing>
-</p:sld>
-</file>
-
-<file path=ppt/slides/slide14.xml><?xml version="1.0" encoding="utf-8"?>
-<p:sld xmlns:a="http://schemas.openxmlformats.org/drawingml/2006/main" xmlns:r="http://schemas.openxmlformats.org/officeDocument/2006/relationships" xmlns:p="http://schemas.openxmlformats.org/presentationml/2006/main">
-  <p:cSld>
-    <p:spTree>
-      <p:nvGrpSpPr>
-        <p:cNvPr id="1" name=""/>
-        <p:cNvGrpSpPr/>
-        <p:nvPr/>
-      </p:nvGrpSpPr>
-      <p:grpSpPr>
-        <a:xfrm>
-          <a:off x="0" y="0"/>
-          <a:ext cx="0" cy="0"/>
-          <a:chOff x="0" y="0"/>
-          <a:chExt cx="0" cy="0"/>
-        </a:xfrm>
-      </p:grpSpPr>
-      <p:sp>
-        <p:nvSpPr>
-          <p:cNvPr id="4" name="Title 3"/>
-          <p:cNvSpPr>
-            <a:spLocks noGrp="1"/>
-          </p:cNvSpPr>
-          <p:nvPr>
-            <p:ph type="ctrTitle"/>
-          </p:nvPr>
-        </p:nvSpPr>
-        <p:spPr/>
-        <p:txBody>
-          <a:bodyPr/>
-          <a:lstStyle/>
-          <a:p>
-            <a:r>
-              <a:rPr lang="en-US" smtClean="0"/>
-              <a:t>Deploy Some Resources!</a:t>
-            </a:r>
-            <a:endParaRPr lang="en-US"/>
-          </a:p>
-        </p:txBody>
-      </p:sp>
-    </p:spTree>
-    <p:extLst>
-      <p:ext uri="{BB962C8B-B14F-4D97-AF65-F5344CB8AC3E}">
-        <p14:creationId xmlns:p14="http://schemas.microsoft.com/office/powerpoint/2010/main" val="3513632723"/>
-      </p:ext>
-    </p:extLst>
-  </p:cSld>
-  <p:clrMapOvr>
-    <a:masterClrMapping/>
-  </p:clrMapOvr>
-  <p:timing>
-    <p:tnLst>
-      <p:par>
-        <p:cTn id="1" dur="indefinite" restart="never" nodeType="tmRoot"/>
-      </p:par>
-    </p:tnLst>
-  </p:timing>
-</p:sld>
-</file>
-
-<file path=ppt/slides/slide15.xml><?xml version="1.0" encoding="utf-8"?>
-<p:sld xmlns:a="http://schemas.openxmlformats.org/drawingml/2006/main" xmlns:r="http://schemas.openxmlformats.org/officeDocument/2006/relationships" xmlns:p="http://schemas.openxmlformats.org/presentationml/2006/main">
-  <p:cSld>
-    <p:spTree>
-      <p:nvGrpSpPr>
-        <p:cNvPr id="1" name=""/>
-        <p:cNvGrpSpPr/>
-        <p:nvPr/>
-      </p:nvGrpSpPr>
-      <p:grpSpPr>
-        <a:xfrm>
-          <a:off x="0" y="0"/>
-          <a:ext cx="0" cy="0"/>
-          <a:chOff x="0" y="0"/>
-          <a:chExt cx="0" cy="0"/>
-        </a:xfrm>
-      </p:grpSpPr>
-      <p:sp>
-        <p:nvSpPr>
-          <p:cNvPr id="2" name="Title 1"/>
-          <p:cNvSpPr>
-            <a:spLocks noGrp="1"/>
-          </p:cNvSpPr>
-          <p:nvPr>
-            <p:ph type="title"/>
-          </p:nvPr>
-        </p:nvSpPr>
-        <p:spPr/>
-        <p:txBody>
-          <a:bodyPr/>
-          <a:lstStyle/>
-          <a:p>
-            <a:r>
-              <a:rPr lang="en-US" smtClean="0"/>
-              <a:t>Our Solution</a:t>
-            </a:r>
-            <a:endParaRPr lang="en-US"/>
-          </a:p>
-        </p:txBody>
-      </p:sp>
-      <p:pic>
-        <p:nvPicPr>
-          <p:cNvPr id="3" name="Picture 2"/>
-          <p:cNvPicPr>
-            <a:picLocks noChangeAspect="1"/>
-          </p:cNvPicPr>
-          <p:nvPr/>
-        </p:nvPicPr>
-        <p:blipFill>
-          <a:blip r:embed="rId2"/>
-          <a:stretch>
-            <a:fillRect/>
-          </a:stretch>
-        </p:blipFill>
-        <p:spPr>
-          <a:xfrm>
-            <a:off x="2454876" y="1331459"/>
-            <a:ext cx="7282249" cy="5322602"/>
-          </a:xfrm>
-          <a:prstGeom prst="rect">
-            <a:avLst/>
-          </a:prstGeom>
-        </p:spPr>
-      </p:pic>
-    </p:spTree>
-    <p:extLst>
-      <p:ext uri="{BB962C8B-B14F-4D97-AF65-F5344CB8AC3E}">
-        <p14:creationId xmlns:p14="http://schemas.microsoft.com/office/powerpoint/2010/main" val="709019418"/>
-      </p:ext>
-    </p:extLst>
-  </p:cSld>
-  <p:clrMapOvr>
-    <a:masterClrMapping/>
-  </p:clrMapOvr>
-  <p:timing>
-    <p:tnLst>
-      <p:par>
-        <p:cTn id="1" dur="indefinite" restart="never" nodeType="tmRoot"/>
-      </p:par>
-    </p:tnLst>
-  </p:timing>
-</p:sld>
-</file>
-
-<file path=ppt/slides/slide16.xml><?xml version="1.0" encoding="utf-8"?>
-<p:sld xmlns:a="http://schemas.openxmlformats.org/drawingml/2006/main" xmlns:r="http://schemas.openxmlformats.org/officeDocument/2006/relationships" xmlns:p="http://schemas.openxmlformats.org/presentationml/2006/main">
-  <p:cSld>
-    <p:spTree>
-      <p:nvGrpSpPr>
-        <p:cNvPr id="1" name=""/>
-        <p:cNvGrpSpPr/>
-        <p:nvPr/>
-      </p:nvGrpSpPr>
-      <p:grpSpPr>
-        <a:xfrm>
-          <a:off x="0" y="0"/>
-          <a:ext cx="0" cy="0"/>
-          <a:chOff x="0" y="0"/>
-          <a:chExt cx="0" cy="0"/>
-        </a:xfrm>
-      </p:grpSpPr>
-      <p:sp>
-        <p:nvSpPr>
-          <p:cNvPr id="4" name="Title 3"/>
-          <p:cNvSpPr>
-            <a:spLocks noGrp="1"/>
-          </p:cNvSpPr>
-          <p:nvPr>
-            <p:ph type="title"/>
-          </p:nvPr>
-        </p:nvSpPr>
-        <p:spPr/>
-        <p:txBody>
-          <a:bodyPr>
-            <a:normAutofit/>
-          </a:bodyPr>
-          <a:lstStyle/>
-          <a:p>
-            <a:r>
-              <a:rPr lang="en-US" sz="3600" smtClean="0"/>
-              <a:t>Thank you!</a:t>
-            </a:r>
-            <a:endParaRPr lang="en-US" sz="3600"/>
-          </a:p>
-        </p:txBody>
-      </p:sp>
-      <p:sp>
-        <p:nvSpPr>
-          <p:cNvPr id="5" name="Content Placeholder 4"/>
-          <p:cNvSpPr>
-            <a:spLocks noGrp="1"/>
-          </p:cNvSpPr>
-          <p:nvPr>
-            <p:ph idx="1"/>
-          </p:nvPr>
-        </p:nvSpPr>
-        <p:spPr>
-          <a:xfrm>
-            <a:off x="4445501" y="2647670"/>
-            <a:ext cx="6313939" cy="3856961"/>
-          </a:xfrm>
-        </p:spPr>
-        <p:txBody>
-          <a:bodyPr/>
-          <a:lstStyle/>
-          <a:p>
-            <a:r>
-              <a:rPr lang="en-US" smtClean="0"/>
-              <a:t>Materials: </a:t>
-            </a:r>
-            <a:r>
-              <a:rPr lang="en-US" b="1" smtClean="0">
-                <a:solidFill>
-                  <a:srgbClr val="0070C0"/>
-                </a:solidFill>
-              </a:rPr>
-              <a:t>timw.info/awa</a:t>
-            </a:r>
-          </a:p>
-          <a:p>
-            <a:r>
-              <a:rPr lang="en-US" smtClean="0"/>
-              <a:t>Twitter: </a:t>
-            </a:r>
-            <a:r>
-              <a:rPr lang="en-US" b="1">
-                <a:solidFill>
-                  <a:srgbClr val="0070C0"/>
-                </a:solidFill>
-              </a:rPr>
-              <a:t>@TechTrainerTim</a:t>
-            </a:r>
-          </a:p>
-          <a:p>
-            <a:r>
-              <a:rPr lang="en-US" smtClean="0"/>
-              <a:t>Site: </a:t>
-            </a:r>
-            <a:r>
-              <a:rPr lang="en-US" b="1">
-                <a:solidFill>
-                  <a:srgbClr val="0070C0"/>
-                </a:solidFill>
-              </a:rPr>
-              <a:t>techtrainertim.com</a:t>
-            </a:r>
-          </a:p>
-          <a:p>
-            <a:r>
-              <a:rPr lang="en-US" smtClean="0"/>
-              <a:t>Mail: </a:t>
-            </a:r>
-            <a:r>
-              <a:rPr lang="en-US" b="1">
-                <a:solidFill>
-                  <a:srgbClr val="0070C0"/>
-                </a:solidFill>
-              </a:rPr>
-              <a:t>timothy-warner@pluralsight.com</a:t>
-            </a:r>
-          </a:p>
-        </p:txBody>
-      </p:sp>
-      <p:sp>
-        <p:nvSpPr>
-          <p:cNvPr id="6" name="Text Placeholder 5"/>
-          <p:cNvSpPr>
-            <a:spLocks noGrp="1"/>
-          </p:cNvSpPr>
-          <p:nvPr>
-            <p:ph type="body" sz="half" idx="2"/>
-          </p:nvPr>
-        </p:nvSpPr>
-        <p:spPr/>
-        <p:txBody>
-          <a:bodyPr>
-            <a:normAutofit/>
-          </a:bodyPr>
-          <a:lstStyle/>
-          <a:p>
-            <a:r>
-              <a:rPr lang="en-US" sz="1800" b="1" smtClean="0"/>
-              <a:t>Don't You Forget About </a:t>
-            </a:r>
-            <a:r>
-              <a:rPr lang="en-US" sz="1800" b="1" strike="sngStrike" smtClean="0"/>
-              <a:t>Me</a:t>
-            </a:r>
-            <a:r>
-              <a:rPr lang="en-US" sz="1800" b="1" smtClean="0"/>
-              <a:t> the evaluation</a:t>
-            </a:r>
-            <a:endParaRPr lang="en-US" sz="1800" b="1"/>
-          </a:p>
-        </p:txBody>
-      </p:sp>
-      <p:pic>
-        <p:nvPicPr>
-          <p:cNvPr id="2" name="Picture 1"/>
-          <p:cNvPicPr>
-            <a:picLocks noChangeAspect="1"/>
-          </p:cNvPicPr>
-          <p:nvPr/>
-        </p:nvPicPr>
-        <p:blipFill>
-          <a:blip r:embed="rId2"/>
-          <a:stretch>
-            <a:fillRect/>
-          </a:stretch>
-        </p:blipFill>
-        <p:spPr>
-          <a:xfrm>
-            <a:off x="1224404" y="3525568"/>
-            <a:ext cx="1980952" cy="2857143"/>
-          </a:xfrm>
-          <a:prstGeom prst="rect">
-            <a:avLst/>
-          </a:prstGeom>
-        </p:spPr>
-      </p:pic>
-      <p:sp>
-        <p:nvSpPr>
-          <p:cNvPr id="3" name="TextBox 2"/>
-          <p:cNvSpPr txBox="1"/>
-          <p:nvPr/>
-        </p:nvSpPr>
-        <p:spPr>
-          <a:xfrm>
-            <a:off x="1224404" y="6372551"/>
-            <a:ext cx="1980952" cy="307777"/>
-          </a:xfrm>
-          <a:prstGeom prst="rect">
-            <a:avLst/>
-          </a:prstGeom>
-          <a:noFill/>
-        </p:spPr>
-        <p:txBody>
-          <a:bodyPr wrap="square" rtlCol="0">
-            <a:spAutoFit/>
-          </a:bodyPr>
-          <a:lstStyle/>
-          <a:p>
-            <a:pPr algn="ctr"/>
-            <a:r>
-              <a:rPr lang="en-US" sz="1400" smtClean="0"/>
-              <a:t>timw.info/bi1</a:t>
-            </a:r>
-            <a:endParaRPr lang="en-US" sz="1400"/>
-          </a:p>
-        </p:txBody>
-      </p:sp>
-    </p:spTree>
-    <p:extLst>
-      <p:ext uri="{BB962C8B-B14F-4D97-AF65-F5344CB8AC3E}">
-        <p14:creationId xmlns:p14="http://schemas.microsoft.com/office/powerpoint/2010/main" val="230511919"/>
-      </p:ext>
-    </p:extLst>
-  </p:cSld>
-  <p:clrMapOvr>
-    <a:masterClrMapping/>
-  </p:clrMapOvr>
-  <p:timing>
-    <p:tnLst>
-      <p:par>
-        <p:cTn id="1" dur="indefinite" restart="never" nodeType="tmRoot">
-          <p:childTnLst>
-            <p:seq concurrent="1" nextAc="seek">
-              <p:cTn id="2" dur="indefinite" nodeType="mainSeq">
-                <p:childTnLst>
-                  <p:par>
-                    <p:cTn id="3" fill="hold">
-                      <p:stCondLst>
-                        <p:cond delay="indefinite"/>
-                      </p:stCondLst>
-                      <p:childTnLst>
-                        <p:par>
-                          <p:cTn id="4" fill="hold">
-                            <p:stCondLst>
-                              <p:cond delay="0"/>
-                            </p:stCondLst>
-                            <p:childTnLst>
-                              <p:par>
-                                <p:cTn id="5" presetID="10" presetClass="entr" presetSubtype="0" fill="hold" nodeType="clickEffect">
-                                  <p:stCondLst>
-                                    <p:cond delay="0"/>
-                                  </p:stCondLst>
-                                  <p:childTnLst>
-                                    <p:set>
-                                      <p:cBhvr>
-                                        <p:cTn id="6" dur="1" fill="hold">
-                                          <p:stCondLst>
-                                            <p:cond delay="0"/>
-                                          </p:stCondLst>
-                                        </p:cTn>
-                                        <p:tgtEl>
-                                          <p:spTgt spid="5">
-                                            <p:txEl>
-                                              <p:pRg st="0" end="0"/>
-                                            </p:txEl>
-                                          </p:spTgt>
-                                        </p:tgtEl>
-                                        <p:attrNameLst>
-                                          <p:attrName>style.visibility</p:attrName>
-                                        </p:attrNameLst>
-                                      </p:cBhvr>
-                                      <p:to>
-                                        <p:strVal val="visible"/>
-                                      </p:to>
-                                    </p:set>
-                                    <p:animEffect transition="in" filter="fade">
-                                      <p:cBhvr>
-                                        <p:cTn id="7" dur="500"/>
-                                        <p:tgtEl>
-                                          <p:spTgt spid="5">
-                                            <p:txEl>
-                                              <p:pRg st="0" end="0"/>
-                                            </p:txEl>
-                                          </p:spTgt>
-                                        </p:tgtEl>
-                                      </p:cBhvr>
-                                    </p:animEffect>
-                                  </p:childTnLst>
-                                </p:cTn>
-                              </p:par>
-                            </p:childTnLst>
-                          </p:cTn>
-                        </p:par>
-                      </p:childTnLst>
-                    </p:cTn>
-                  </p:par>
-                  <p:par>
-                    <p:cTn id="8" fill="hold">
-                      <p:stCondLst>
-                        <p:cond delay="indefinite"/>
-                      </p:stCondLst>
-                      <p:childTnLst>
-                        <p:par>
-                          <p:cTn id="9" fill="hold">
-                            <p:stCondLst>
-                              <p:cond delay="0"/>
-                            </p:stCondLst>
-                            <p:childTnLst>
-                              <p:par>
-                                <p:cTn id="10" presetID="10" presetClass="entr" presetSubtype="0" fill="hold" nodeType="clickEffect">
-                                  <p:stCondLst>
-                                    <p:cond delay="0"/>
-                                  </p:stCondLst>
-                                  <p:childTnLst>
-                                    <p:set>
-                                      <p:cBhvr>
-                                        <p:cTn id="11" dur="1" fill="hold">
-                                          <p:stCondLst>
-                                            <p:cond delay="0"/>
-                                          </p:stCondLst>
-                                        </p:cTn>
-                                        <p:tgtEl>
-                                          <p:spTgt spid="5">
-                                            <p:txEl>
-                                              <p:pRg st="1" end="1"/>
-                                            </p:txEl>
-                                          </p:spTgt>
-                                        </p:tgtEl>
-                                        <p:attrNameLst>
-                                          <p:attrName>style.visibility</p:attrName>
-                                        </p:attrNameLst>
-                                      </p:cBhvr>
-                                      <p:to>
-                                        <p:strVal val="visible"/>
-                                      </p:to>
-                                    </p:set>
-                                    <p:animEffect transition="in" filter="fade">
-                                      <p:cBhvr>
-                                        <p:cTn id="12" dur="500"/>
-                                        <p:tgtEl>
-                                          <p:spTgt spid="5">
-                                            <p:txEl>
-                                              <p:pRg st="1" end="1"/>
-                                            </p:txEl>
-                                          </p:spTgt>
-                                        </p:tgtEl>
-                                      </p:cBhvr>
-                                    </p:animEffect>
-                                  </p:childTnLst>
-                                </p:cTn>
-                              </p:par>
-                            </p:childTnLst>
-                          </p:cTn>
-                        </p:par>
-                      </p:childTnLst>
-                    </p:cTn>
-                  </p:par>
-                  <p:par>
-                    <p:cTn id="13" fill="hold">
-                      <p:stCondLst>
-                        <p:cond delay="indefinite"/>
-                      </p:stCondLst>
-                      <p:childTnLst>
-                        <p:par>
-                          <p:cTn id="14" fill="hold">
-                            <p:stCondLst>
-                              <p:cond delay="0"/>
-                            </p:stCondLst>
-                            <p:childTnLst>
-                              <p:par>
-                                <p:cTn id="15" presetID="10" presetClass="entr" presetSubtype="0" fill="hold" nodeType="clickEffect">
-                                  <p:stCondLst>
-                                    <p:cond delay="0"/>
-                                  </p:stCondLst>
-                                  <p:childTnLst>
-                                    <p:set>
-                                      <p:cBhvr>
-                                        <p:cTn id="16" dur="1" fill="hold">
-                                          <p:stCondLst>
-                                            <p:cond delay="0"/>
-                                          </p:stCondLst>
-                                        </p:cTn>
-                                        <p:tgtEl>
-                                          <p:spTgt spid="5">
-                                            <p:txEl>
-                                              <p:pRg st="2" end="2"/>
-                                            </p:txEl>
-                                          </p:spTgt>
-                                        </p:tgtEl>
-                                        <p:attrNameLst>
-                                          <p:attrName>style.visibility</p:attrName>
-                                        </p:attrNameLst>
-                                      </p:cBhvr>
-                                      <p:to>
-                                        <p:strVal val="visible"/>
-                                      </p:to>
-                                    </p:set>
-                                    <p:animEffect transition="in" filter="fade">
-                                      <p:cBhvr>
-                                        <p:cTn id="17" dur="500"/>
-                                        <p:tgtEl>
-                                          <p:spTgt spid="5">
-                                            <p:txEl>
-                                              <p:pRg st="2" end="2"/>
-                                            </p:txEl>
-                                          </p:spTgt>
-                                        </p:tgtEl>
-                                      </p:cBhvr>
-                                    </p:animEffect>
-                                  </p:childTnLst>
-                                </p:cTn>
-                              </p:par>
-                            </p:childTnLst>
-                          </p:cTn>
-                        </p:par>
-                      </p:childTnLst>
-                    </p:cTn>
-                  </p:par>
-                  <p:par>
-                    <p:cTn id="18" fill="hold">
-                      <p:stCondLst>
-                        <p:cond delay="indefinite"/>
-                      </p:stCondLst>
-                      <p:childTnLst>
-                        <p:par>
-                          <p:cTn id="19" fill="hold">
-                            <p:stCondLst>
-                              <p:cond delay="0"/>
-                            </p:stCondLst>
-                            <p:childTnLst>
-                              <p:par>
-                                <p:cTn id="20" presetID="10" presetClass="entr" presetSubtype="0" fill="hold" nodeType="clickEffect">
-                                  <p:stCondLst>
-                                    <p:cond delay="0"/>
-                                  </p:stCondLst>
-                                  <p:childTnLst>
-                                    <p:set>
-                                      <p:cBhvr>
-                                        <p:cTn id="21" dur="1" fill="hold">
-                                          <p:stCondLst>
-                                            <p:cond delay="0"/>
-                                          </p:stCondLst>
-                                        </p:cTn>
-                                        <p:tgtEl>
-                                          <p:spTgt spid="5">
-                                            <p:txEl>
-                                              <p:pRg st="3" end="3"/>
-                                            </p:txEl>
-                                          </p:spTgt>
-                                        </p:tgtEl>
-                                        <p:attrNameLst>
-                                          <p:attrName>style.visibility</p:attrName>
-                                        </p:attrNameLst>
-                                      </p:cBhvr>
-                                      <p:to>
-                                        <p:strVal val="visible"/>
-                                      </p:to>
-                                    </p:set>
-                                    <p:animEffect transition="in" filter="fade">
-                                      <p:cBhvr>
-                                        <p:cTn id="22" dur="500"/>
-                                        <p:tgtEl>
-                                          <p:spTgt spid="5">
-                                            <p:txEl>
-                                              <p:pRg st="3" end="3"/>
-                                            </p:txEl>
-                                          </p:spTgt>
-                                        </p:tgtEl>
-                                      </p:cBhvr>
-                                    </p:animEffect>
-                                  </p:childTnLst>
-                                </p:cTn>
-                              </p:par>
-                            </p:childTnLst>
-                          </p:cTn>
-                        </p:par>
-                      </p:childTnLst>
-                    </p:cTn>
-                  </p:par>
-                </p:childTnLst>
-              </p:cTn>
-              <p:prevCondLst>
-                <p:cond evt="onPrev" delay="0">
-                  <p:tgtEl>
-                    <p:sldTgt/>
-                  </p:tgtEl>
-                </p:cond>
-              </p:prevCondLst>
-              <p:nextCondLst>
-                <p:cond evt="onNext" delay="0">
-                  <p:tgtEl>
-                    <p:sldTgt/>
-                  </p:tgtEl>
-                </p:cond>
-              </p:nextCondLst>
-            </p:seq>
-          </p:childTnLst>
-        </p:cTn>
-      </p:par>
-    </p:tnLst>
-  </p:timing>
-</p:sld>
-</file>
-
-<file path=ppt/slides/slide17.xml><?xml version="1.0" encoding="utf-8"?>
-<p:sld xmlns:a="http://schemas.openxmlformats.org/drawingml/2006/main" xmlns:r="http://schemas.openxmlformats.org/officeDocument/2006/relationships" xmlns:p="http://schemas.openxmlformats.org/presentationml/2006/main">
-  <p:cSld>
-    <p:spTree>
-      <p:nvGrpSpPr>
-        <p:cNvPr id="1" name=""/>
-        <p:cNvGrpSpPr/>
-        <p:nvPr/>
-      </p:nvGrpSpPr>
-      <p:grpSpPr>
-        <a:xfrm>
-          <a:off x="0" y="0"/>
-          <a:ext cx="0" cy="0"/>
-          <a:chOff x="0" y="0"/>
-          <a:chExt cx="0" cy="0"/>
-        </a:xfrm>
-      </p:grpSpPr>
-      <p:sp>
-        <p:nvSpPr>
-          <p:cNvPr id="2" name="Title 1"/>
-          <p:cNvSpPr>
-            <a:spLocks noGrp="1"/>
-          </p:cNvSpPr>
-          <p:nvPr>
-            <p:ph type="title"/>
-          </p:nvPr>
-        </p:nvSpPr>
-        <p:spPr/>
-        <p:txBody>
-          <a:bodyPr/>
-          <a:lstStyle/>
-          <a:p>
-            <a:r>
-              <a:rPr lang="en-US" smtClean="0"/>
-              <a:t>Template Format</a:t>
-            </a:r>
-            <a:endParaRPr lang="en-US"/>
-          </a:p>
-        </p:txBody>
-      </p:sp>
-      <p:pic>
-        <p:nvPicPr>
-          <p:cNvPr id="5" name="Picture 4"/>
-          <p:cNvPicPr>
-            <a:picLocks noChangeAspect="1"/>
-          </p:cNvPicPr>
-          <p:nvPr/>
-        </p:nvPicPr>
-        <p:blipFill>
-          <a:blip r:embed="rId2"/>
-          <a:stretch>
-            <a:fillRect/>
-          </a:stretch>
-        </p:blipFill>
-        <p:spPr>
-          <a:xfrm>
-            <a:off x="423404" y="2290014"/>
-            <a:ext cx="11345193" cy="2277972"/>
-          </a:xfrm>
-          <a:prstGeom prst="rect">
-            <a:avLst/>
-          </a:prstGeom>
-        </p:spPr>
-      </p:pic>
-      <p:sp>
-        <p:nvSpPr>
-          <p:cNvPr id="4" name="Line Callout 1 3"/>
-          <p:cNvSpPr/>
-          <p:nvPr/>
-        </p:nvSpPr>
-        <p:spPr>
-          <a:xfrm>
-            <a:off x="9382013" y="420624"/>
-            <a:ext cx="2386584" cy="1536192"/>
-          </a:xfrm>
-          <a:prstGeom prst="borderCallout1">
-            <a:avLst>
-              <a:gd name="adj1" fmla="val 18750"/>
-              <a:gd name="adj2" fmla="val -8333"/>
-              <a:gd name="adj3" fmla="val 148810"/>
-              <a:gd name="adj4" fmla="val -300402"/>
-            </a:avLst>
-          </a:prstGeom>
-          <a:solidFill>
-            <a:schemeClr val="accent1"/>
-          </a:solidFill>
-          <a:ln>
-            <a:solidFill>
-              <a:schemeClr val="tx1"/>
-            </a:solidFill>
-          </a:ln>
-          <a:effectLst/>
-        </p:spPr>
-        <p:style>
-          <a:lnRef idx="2">
-            <a:schemeClr val="accent1"/>
-          </a:lnRef>
-          <a:fillRef idx="0">
-            <a:schemeClr val="accent1"/>
-          </a:fillRef>
-          <a:effectRef idx="1">
-            <a:schemeClr val="accent1"/>
-          </a:effectRef>
-          <a:fontRef idx="minor">
-            <a:schemeClr val="tx1"/>
-          </a:fontRef>
-        </p:style>
-        <p:txBody>
-          <a:bodyPr lIns="182880" tIns="182880" rIns="182880" bIns="182880" rtlCol="0" anchor="ctr"/>
-          <a:lstStyle/>
-          <a:p>
-            <a:pPr algn="ctr">
-              <a:spcBef>
-                <a:spcPts val="600"/>
-              </a:spcBef>
-            </a:pPr>
-            <a:r>
-              <a:rPr lang="en-US" sz="2000" smtClean="0">
-                <a:solidFill>
-                  <a:schemeClr val="bg1"/>
-                </a:solidFill>
-              </a:rPr>
-              <a:t>Required</a:t>
-            </a:r>
-            <a:endParaRPr lang="en-US" sz="2000" dirty="0" smtClean="0">
-              <a:solidFill>
-                <a:schemeClr val="bg1"/>
-              </a:solidFill>
-            </a:endParaRPr>
-          </a:p>
-        </p:txBody>
-      </p:sp>
-      <p:sp>
-        <p:nvSpPr>
-          <p:cNvPr id="6" name="Line Callout 1 5"/>
-          <p:cNvSpPr/>
-          <p:nvPr/>
-        </p:nvSpPr>
-        <p:spPr>
-          <a:xfrm>
-            <a:off x="9382013" y="3195355"/>
-            <a:ext cx="2386584" cy="1536192"/>
-          </a:xfrm>
-          <a:prstGeom prst="borderCallout1">
-            <a:avLst>
-              <a:gd name="adj1" fmla="val 18750"/>
-              <a:gd name="adj2" fmla="val -8333"/>
-              <a:gd name="adj3" fmla="val -11973"/>
-              <a:gd name="adj4" fmla="val -247555"/>
-            </a:avLst>
-          </a:prstGeom>
-          <a:solidFill>
-            <a:schemeClr val="accent1"/>
-          </a:solidFill>
-          <a:ln>
-            <a:solidFill>
-              <a:schemeClr val="tx1"/>
-            </a:solidFill>
-          </a:ln>
-          <a:effectLst/>
-        </p:spPr>
-        <p:style>
-          <a:lnRef idx="2">
-            <a:schemeClr val="accent1"/>
-          </a:lnRef>
-          <a:fillRef idx="0">
-            <a:schemeClr val="accent1"/>
-          </a:fillRef>
-          <a:effectRef idx="1">
-            <a:schemeClr val="accent1"/>
-          </a:effectRef>
-          <a:fontRef idx="minor">
-            <a:schemeClr val="tx1"/>
-          </a:fontRef>
-        </p:style>
-        <p:txBody>
-          <a:bodyPr lIns="182880" tIns="182880" rIns="182880" bIns="182880" rtlCol="0" anchor="ctr"/>
-          <a:lstStyle/>
-          <a:p>
-            <a:pPr algn="ctr">
-              <a:spcBef>
-                <a:spcPts val="600"/>
-              </a:spcBef>
-            </a:pPr>
-            <a:r>
-              <a:rPr lang="en-US" sz="2000" smtClean="0">
-                <a:solidFill>
-                  <a:schemeClr val="bg1"/>
-                </a:solidFill>
-              </a:rPr>
-              <a:t>Required; dev use only</a:t>
-            </a:r>
-            <a:endParaRPr lang="en-US" sz="2000" dirty="0" smtClean="0">
-              <a:solidFill>
-                <a:schemeClr val="bg1"/>
-              </a:solidFill>
-            </a:endParaRPr>
-          </a:p>
-        </p:txBody>
-      </p:sp>
-      <p:sp>
-        <p:nvSpPr>
-          <p:cNvPr id="7" name="Line Callout 1 6"/>
-          <p:cNvSpPr/>
-          <p:nvPr/>
-        </p:nvSpPr>
-        <p:spPr>
-          <a:xfrm>
-            <a:off x="9382013" y="4982114"/>
-            <a:ext cx="2386584" cy="1536192"/>
-          </a:xfrm>
-          <a:prstGeom prst="borderCallout1">
-            <a:avLst>
-              <a:gd name="adj1" fmla="val 18750"/>
-              <a:gd name="adj2" fmla="val -8333"/>
-              <a:gd name="adj3" fmla="val -105022"/>
-              <a:gd name="adj4" fmla="val -257684"/>
-            </a:avLst>
-          </a:prstGeom>
-          <a:solidFill>
-            <a:schemeClr val="accent1"/>
-          </a:solidFill>
-          <a:ln>
-            <a:solidFill>
-              <a:schemeClr val="tx1"/>
-            </a:solidFill>
-          </a:ln>
-          <a:effectLst/>
-        </p:spPr>
-        <p:style>
-          <a:lnRef idx="2">
-            <a:schemeClr val="accent1"/>
-          </a:lnRef>
-          <a:fillRef idx="0">
-            <a:schemeClr val="accent1"/>
-          </a:fillRef>
-          <a:effectRef idx="1">
-            <a:schemeClr val="accent1"/>
-          </a:effectRef>
-          <a:fontRef idx="minor">
-            <a:schemeClr val="tx1"/>
-          </a:fontRef>
-        </p:style>
-        <p:txBody>
-          <a:bodyPr lIns="182880" tIns="182880" rIns="182880" bIns="182880" rtlCol="0" anchor="ctr"/>
-          <a:lstStyle/>
-          <a:p>
-            <a:pPr algn="ctr">
-              <a:spcBef>
-                <a:spcPts val="600"/>
-              </a:spcBef>
-            </a:pPr>
-            <a:r>
-              <a:rPr lang="en-US" sz="2000" smtClean="0">
-                <a:solidFill>
-                  <a:schemeClr val="bg1"/>
-                </a:solidFill>
-              </a:rPr>
-              <a:t>Customize deployment</a:t>
-            </a:r>
-            <a:endParaRPr lang="en-US" sz="2000" dirty="0" smtClean="0">
-              <a:solidFill>
-                <a:schemeClr val="bg1"/>
-              </a:solidFill>
-            </a:endParaRPr>
-          </a:p>
-        </p:txBody>
-      </p:sp>
-      <p:sp>
-        <p:nvSpPr>
-          <p:cNvPr id="8" name="Line Callout 1 7"/>
-          <p:cNvSpPr/>
-          <p:nvPr/>
-        </p:nvSpPr>
-        <p:spPr>
-          <a:xfrm>
-            <a:off x="6659834" y="4982114"/>
-            <a:ext cx="2386584" cy="1536192"/>
-          </a:xfrm>
-          <a:prstGeom prst="borderCallout1">
-            <a:avLst>
-              <a:gd name="adj1" fmla="val 18750"/>
-              <a:gd name="adj2" fmla="val -8333"/>
-              <a:gd name="adj3" fmla="val -84497"/>
-              <a:gd name="adj4" fmla="val -146705"/>
-            </a:avLst>
-          </a:prstGeom>
-          <a:solidFill>
-            <a:schemeClr val="accent1"/>
-          </a:solidFill>
-          <a:ln>
-            <a:solidFill>
-              <a:schemeClr val="tx1"/>
-            </a:solidFill>
-          </a:ln>
-          <a:effectLst/>
-        </p:spPr>
-        <p:style>
-          <a:lnRef idx="2">
-            <a:schemeClr val="accent1"/>
-          </a:lnRef>
-          <a:fillRef idx="0">
-            <a:schemeClr val="accent1"/>
-          </a:fillRef>
-          <a:effectRef idx="1">
-            <a:schemeClr val="accent1"/>
-          </a:effectRef>
-          <a:fontRef idx="minor">
-            <a:schemeClr val="tx1"/>
-          </a:fontRef>
-        </p:style>
-        <p:txBody>
-          <a:bodyPr lIns="182880" tIns="182880" rIns="182880" bIns="182880" rtlCol="0" anchor="ctr"/>
-          <a:lstStyle/>
-          <a:p>
-            <a:pPr algn="ctr">
-              <a:spcBef>
-                <a:spcPts val="600"/>
-              </a:spcBef>
-            </a:pPr>
-            <a:r>
-              <a:rPr lang="en-US" sz="2000" smtClean="0">
-                <a:solidFill>
-                  <a:schemeClr val="bg1"/>
-                </a:solidFill>
-              </a:rPr>
-              <a:t>Values used in expressions</a:t>
-            </a:r>
-            <a:endParaRPr lang="en-US" sz="2000" dirty="0" smtClean="0">
-              <a:solidFill>
-                <a:schemeClr val="bg1"/>
-              </a:solidFill>
-            </a:endParaRPr>
-          </a:p>
-        </p:txBody>
-      </p:sp>
-      <p:sp>
-        <p:nvSpPr>
-          <p:cNvPr id="9" name="Line Callout 1 8"/>
-          <p:cNvSpPr/>
-          <p:nvPr/>
-        </p:nvSpPr>
-        <p:spPr>
-          <a:xfrm>
-            <a:off x="3937655" y="4982114"/>
-            <a:ext cx="2386584" cy="1536192"/>
-          </a:xfrm>
-          <a:prstGeom prst="borderCallout1">
-            <a:avLst>
-              <a:gd name="adj1" fmla="val 18750"/>
-              <a:gd name="adj2" fmla="val -8333"/>
-              <a:gd name="adj3" fmla="val -71498"/>
-              <a:gd name="adj4" fmla="val -34405"/>
-            </a:avLst>
-          </a:prstGeom>
-          <a:solidFill>
-            <a:schemeClr val="accent1"/>
-          </a:solidFill>
-          <a:ln>
-            <a:solidFill>
-              <a:schemeClr val="tx1"/>
-            </a:solidFill>
-          </a:ln>
-          <a:effectLst/>
-        </p:spPr>
-        <p:style>
-          <a:lnRef idx="2">
-            <a:schemeClr val="accent1"/>
-          </a:lnRef>
-          <a:fillRef idx="0">
-            <a:schemeClr val="accent1"/>
-          </a:fillRef>
-          <a:effectRef idx="1">
-            <a:schemeClr val="accent1"/>
-          </a:effectRef>
-          <a:fontRef idx="minor">
-            <a:schemeClr val="tx1"/>
-          </a:fontRef>
-        </p:style>
-        <p:txBody>
-          <a:bodyPr lIns="182880" tIns="182880" rIns="182880" bIns="182880" rtlCol="0" anchor="ctr"/>
-          <a:lstStyle/>
-          <a:p>
-            <a:pPr algn="ctr">
-              <a:spcBef>
-                <a:spcPts val="600"/>
-              </a:spcBef>
-            </a:pPr>
-            <a:r>
-              <a:rPr lang="en-US" sz="2000" smtClean="0">
-                <a:solidFill>
-                  <a:schemeClr val="bg1"/>
-                </a:solidFill>
-              </a:rPr>
-              <a:t>Required; included resources</a:t>
-            </a:r>
-            <a:endParaRPr lang="en-US" sz="2000" dirty="0" smtClean="0">
-              <a:solidFill>
-                <a:schemeClr val="bg1"/>
-              </a:solidFill>
-            </a:endParaRPr>
-          </a:p>
-        </p:txBody>
-      </p:sp>
-      <p:sp>
-        <p:nvSpPr>
-          <p:cNvPr id="10" name="Line Callout 1 9"/>
-          <p:cNvSpPr/>
-          <p:nvPr/>
-        </p:nvSpPr>
-        <p:spPr>
-          <a:xfrm>
-            <a:off x="837103" y="4982114"/>
-            <a:ext cx="2386584" cy="1536192"/>
-          </a:xfrm>
-          <a:prstGeom prst="borderCallout1">
-            <a:avLst>
-              <a:gd name="adj1" fmla="val 16013"/>
-              <a:gd name="adj2" fmla="val 103527"/>
-              <a:gd name="adj3" fmla="val -56446"/>
-              <a:gd name="adj4" fmla="val 84061"/>
-            </a:avLst>
-          </a:prstGeom>
-          <a:solidFill>
-            <a:schemeClr val="accent1"/>
-          </a:solidFill>
-          <a:ln>
-            <a:solidFill>
-              <a:schemeClr val="tx1"/>
-            </a:solidFill>
-          </a:ln>
-          <a:effectLst/>
-        </p:spPr>
-        <p:style>
-          <a:lnRef idx="2">
-            <a:schemeClr val="accent1"/>
-          </a:lnRef>
-          <a:fillRef idx="0">
-            <a:schemeClr val="accent1"/>
-          </a:fillRef>
-          <a:effectRef idx="1">
-            <a:schemeClr val="accent1"/>
-          </a:effectRef>
-          <a:fontRef idx="minor">
-            <a:schemeClr val="tx1"/>
-          </a:fontRef>
-        </p:style>
-        <p:txBody>
-          <a:bodyPr lIns="182880" tIns="182880" rIns="182880" bIns="182880" rtlCol="0" anchor="ctr"/>
-          <a:lstStyle/>
-          <a:p>
-            <a:pPr algn="ctr">
-              <a:spcBef>
-                <a:spcPts val="600"/>
-              </a:spcBef>
-            </a:pPr>
-            <a:r>
-              <a:rPr lang="en-US" sz="2000" smtClean="0">
-                <a:solidFill>
-                  <a:schemeClr val="bg1"/>
-                </a:solidFill>
-              </a:rPr>
-              <a:t>Values returned by deployment</a:t>
-            </a:r>
-            <a:endParaRPr lang="en-US" sz="2000" dirty="0" smtClean="0">
-              <a:solidFill>
-                <a:schemeClr val="bg1"/>
-              </a:solidFill>
-            </a:endParaRPr>
-          </a:p>
-        </p:txBody>
-      </p:sp>
-    </p:spTree>
-    <p:extLst>
-      <p:ext uri="{BB962C8B-B14F-4D97-AF65-F5344CB8AC3E}">
-        <p14:creationId xmlns:p14="http://schemas.microsoft.com/office/powerpoint/2010/main" val="1450471816"/>
-      </p:ext>
-    </p:extLst>
-  </p:cSld>
-  <p:clrMapOvr>
-    <a:masterClrMapping/>
-  </p:clrMapOvr>
-  <p:timing>
-    <p:tnLst>
-      <p:par>
-        <p:cTn id="1" dur="indefinite" restart="never" nodeType="tmRoot">
-          <p:childTnLst>
-            <p:seq concurrent="1" nextAc="seek">
-              <p:cTn id="2" dur="indefinite" nodeType="mainSeq">
-                <p:childTnLst>
-                  <p:par>
-                    <p:cTn id="3" fill="hold">
-                      <p:stCondLst>
-                        <p:cond delay="indefinite"/>
-                      </p:stCondLst>
-                      <p:childTnLst>
-                        <p:par>
-                          <p:cTn id="4" fill="hold">
-                            <p:stCondLst>
-                              <p:cond delay="0"/>
-                            </p:stCondLst>
-                            <p:childTnLst>
-                              <p:par>
-                                <p:cTn id="5" presetID="10" presetClass="entr" presetSubtype="0" fill="hold" grpId="0" nodeType="clickEffect">
-                                  <p:stCondLst>
-                                    <p:cond delay="0"/>
-                                  </p:stCondLst>
-                                  <p:childTnLst>
-                                    <p:set>
-                                      <p:cBhvr>
-                                        <p:cTn id="6" dur="1" fill="hold">
-                                          <p:stCondLst>
-                                            <p:cond delay="0"/>
-                                          </p:stCondLst>
-                                        </p:cTn>
-                                        <p:tgtEl>
-                                          <p:spTgt spid="4"/>
-                                        </p:tgtEl>
-                                        <p:attrNameLst>
-                                          <p:attrName>style.visibility</p:attrName>
-                                        </p:attrNameLst>
-                                      </p:cBhvr>
-                                      <p:to>
-                                        <p:strVal val="visible"/>
-                                      </p:to>
-                                    </p:set>
-                                    <p:animEffect transition="in" filter="fade">
-                                      <p:cBhvr>
-                                        <p:cTn id="7" dur="500"/>
-                                        <p:tgtEl>
-                                          <p:spTgt spid="4"/>
-                                        </p:tgtEl>
-                                      </p:cBhvr>
-                                    </p:animEffect>
-                                  </p:childTnLst>
-                                  <p:subTnLst>
-                                    <p:set>
-                                      <p:cBhvr override="childStyle">
-                                        <p:cTn dur="1" fill="hold" display="0" masterRel="nextClick" afterEffect="1"/>
-                                        <p:tgtEl>
-                                          <p:spTgt spid="4"/>
-                                        </p:tgtEl>
-                                        <p:attrNameLst>
-                                          <p:attrName>style.visibility</p:attrName>
-                                        </p:attrNameLst>
-                                      </p:cBhvr>
-                                      <p:to>
-                                        <p:strVal val="hidden"/>
-                                      </p:to>
-                                    </p:set>
-                                  </p:subTnLst>
-                                </p:cTn>
-                              </p:par>
-                            </p:childTnLst>
-                          </p:cTn>
-                        </p:par>
-                      </p:childTnLst>
-                    </p:cTn>
-                  </p:par>
-                  <p:par>
-                    <p:cTn id="8" fill="hold">
-                      <p:stCondLst>
-                        <p:cond delay="indefinite"/>
-                      </p:stCondLst>
-                      <p:childTnLst>
-                        <p:par>
-                          <p:cTn id="9" fill="hold">
-                            <p:stCondLst>
-                              <p:cond delay="0"/>
-                            </p:stCondLst>
-                            <p:childTnLst>
-                              <p:par>
-                                <p:cTn id="10" presetID="10" presetClass="entr" presetSubtype="0" fill="hold" grpId="0" nodeType="clickEffect">
-                                  <p:stCondLst>
-                                    <p:cond delay="0"/>
-                                  </p:stCondLst>
-                                  <p:childTnLst>
-                                    <p:set>
-                                      <p:cBhvr>
-                                        <p:cTn id="11" dur="1" fill="hold">
-                                          <p:stCondLst>
-                                            <p:cond delay="0"/>
-                                          </p:stCondLst>
-                                        </p:cTn>
-                                        <p:tgtEl>
-                                          <p:spTgt spid="6"/>
-                                        </p:tgtEl>
-                                        <p:attrNameLst>
-                                          <p:attrName>style.visibility</p:attrName>
-                                        </p:attrNameLst>
-                                      </p:cBhvr>
-                                      <p:to>
-                                        <p:strVal val="visible"/>
-                                      </p:to>
-                                    </p:set>
-                                    <p:animEffect transition="in" filter="fade">
-                                      <p:cBhvr>
-                                        <p:cTn id="12" dur="500"/>
-                                        <p:tgtEl>
-                                          <p:spTgt spid="6"/>
-                                        </p:tgtEl>
-                                      </p:cBhvr>
-                                    </p:animEffect>
-                                  </p:childTnLst>
-                                  <p:subTnLst>
-                                    <p:set>
-                                      <p:cBhvr override="childStyle">
-                                        <p:cTn dur="1" fill="hold" display="0" masterRel="nextClick" afterEffect="1"/>
-                                        <p:tgtEl>
-                                          <p:spTgt spid="6"/>
-                                        </p:tgtEl>
-                                        <p:attrNameLst>
-                                          <p:attrName>style.visibility</p:attrName>
-                                        </p:attrNameLst>
-                                      </p:cBhvr>
-                                      <p:to>
-                                        <p:strVal val="hidden"/>
-                                      </p:to>
-                                    </p:set>
-                                  </p:subTnLst>
-                                </p:cTn>
-                              </p:par>
-                            </p:childTnLst>
-                          </p:cTn>
-                        </p:par>
-                      </p:childTnLst>
-                    </p:cTn>
-                  </p:par>
-                  <p:par>
-                    <p:cTn id="13" fill="hold">
-                      <p:stCondLst>
-                        <p:cond delay="indefinite"/>
-                      </p:stCondLst>
-                      <p:childTnLst>
-                        <p:par>
-                          <p:cTn id="14" fill="hold">
-                            <p:stCondLst>
-                              <p:cond delay="0"/>
-                            </p:stCondLst>
-                            <p:childTnLst>
-                              <p:par>
-                                <p:cTn id="15" presetID="10" presetClass="entr" presetSubtype="0" fill="hold" grpId="0" nodeType="clickEffect">
-                                  <p:stCondLst>
-                                    <p:cond delay="0"/>
-                                  </p:stCondLst>
-                                  <p:childTnLst>
-                                    <p:set>
-                                      <p:cBhvr>
-                                        <p:cTn id="16" dur="1" fill="hold">
-                                          <p:stCondLst>
-                                            <p:cond delay="0"/>
-                                          </p:stCondLst>
-                                        </p:cTn>
-                                        <p:tgtEl>
-                                          <p:spTgt spid="7"/>
-                                        </p:tgtEl>
-                                        <p:attrNameLst>
-                                          <p:attrName>style.visibility</p:attrName>
-                                        </p:attrNameLst>
-                                      </p:cBhvr>
-                                      <p:to>
-                                        <p:strVal val="visible"/>
-                                      </p:to>
-                                    </p:set>
-                                    <p:animEffect transition="in" filter="fade">
-                                      <p:cBhvr>
-                                        <p:cTn id="17" dur="500"/>
-                                        <p:tgtEl>
-                                          <p:spTgt spid="7"/>
-                                        </p:tgtEl>
-                                      </p:cBhvr>
-                                    </p:animEffect>
-                                  </p:childTnLst>
-                                  <p:subTnLst>
-                                    <p:set>
-                                      <p:cBhvr override="childStyle">
-                                        <p:cTn dur="1" fill="hold" display="0" masterRel="nextClick" afterEffect="1"/>
-                                        <p:tgtEl>
-                                          <p:spTgt spid="7"/>
-                                        </p:tgtEl>
-                                        <p:attrNameLst>
-                                          <p:attrName>style.visibility</p:attrName>
-                                        </p:attrNameLst>
-                                      </p:cBhvr>
-                                      <p:to>
-                                        <p:strVal val="hidden"/>
-                                      </p:to>
-                                    </p:set>
-                                  </p:subTnLst>
-                                </p:cTn>
-                              </p:par>
-                            </p:childTnLst>
-                          </p:cTn>
-                        </p:par>
-                      </p:childTnLst>
-                    </p:cTn>
-                  </p:par>
-                  <p:par>
-                    <p:cTn id="18" fill="hold">
-                      <p:stCondLst>
-                        <p:cond delay="indefinite"/>
-                      </p:stCondLst>
-                      <p:childTnLst>
-                        <p:par>
-                          <p:cTn id="19" fill="hold">
-                            <p:stCondLst>
-                              <p:cond delay="0"/>
-                            </p:stCondLst>
-                            <p:childTnLst>
-                              <p:par>
-                                <p:cTn id="20" presetID="10" presetClass="entr" presetSubtype="0" fill="hold" grpId="0" nodeType="clickEffect">
-                                  <p:stCondLst>
-                                    <p:cond delay="0"/>
-                                  </p:stCondLst>
-                                  <p:childTnLst>
-                                    <p:set>
-                                      <p:cBhvr>
-                                        <p:cTn id="21" dur="1" fill="hold">
-                                          <p:stCondLst>
-                                            <p:cond delay="0"/>
-                                          </p:stCondLst>
-                                        </p:cTn>
-                                        <p:tgtEl>
-                                          <p:spTgt spid="8"/>
-                                        </p:tgtEl>
-                                        <p:attrNameLst>
-                                          <p:attrName>style.visibility</p:attrName>
-                                        </p:attrNameLst>
-                                      </p:cBhvr>
-                                      <p:to>
-                                        <p:strVal val="visible"/>
-                                      </p:to>
-                                    </p:set>
-                                    <p:animEffect transition="in" filter="fade">
-                                      <p:cBhvr>
-                                        <p:cTn id="22" dur="500"/>
-                                        <p:tgtEl>
-                                          <p:spTgt spid="8"/>
-                                        </p:tgtEl>
-                                      </p:cBhvr>
-                                    </p:animEffect>
-                                  </p:childTnLst>
-                                  <p:subTnLst>
-                                    <p:set>
-                                      <p:cBhvr override="childStyle">
-                                        <p:cTn dur="1" fill="hold" display="0" masterRel="nextClick" afterEffect="1"/>
-                                        <p:tgtEl>
-                                          <p:spTgt spid="8"/>
-                                        </p:tgtEl>
-                                        <p:attrNameLst>
-                                          <p:attrName>style.visibility</p:attrName>
-                                        </p:attrNameLst>
-                                      </p:cBhvr>
-                                      <p:to>
-                                        <p:strVal val="hidden"/>
-                                      </p:to>
-                                    </p:set>
-                                  </p:subTnLst>
-                                </p:cTn>
-                              </p:par>
-                            </p:childTnLst>
-                          </p:cTn>
-                        </p:par>
-                      </p:childTnLst>
-                    </p:cTn>
-                  </p:par>
-                  <p:par>
-                    <p:cTn id="23" fill="hold">
-                      <p:stCondLst>
-                        <p:cond delay="indefinite"/>
-                      </p:stCondLst>
-                      <p:childTnLst>
-                        <p:par>
-                          <p:cTn id="24" fill="hold">
-                            <p:stCondLst>
-                              <p:cond delay="0"/>
-                            </p:stCondLst>
-                            <p:childTnLst>
-                              <p:par>
-                                <p:cTn id="25" presetID="10" presetClass="entr" presetSubtype="0" fill="hold" grpId="0" nodeType="clickEffect">
-                                  <p:stCondLst>
-                                    <p:cond delay="0"/>
-                                  </p:stCondLst>
-                                  <p:childTnLst>
-                                    <p:set>
-                                      <p:cBhvr>
-                                        <p:cTn id="26" dur="1" fill="hold">
-                                          <p:stCondLst>
-                                            <p:cond delay="0"/>
-                                          </p:stCondLst>
-                                        </p:cTn>
-                                        <p:tgtEl>
-                                          <p:spTgt spid="9"/>
-                                        </p:tgtEl>
-                                        <p:attrNameLst>
-                                          <p:attrName>style.visibility</p:attrName>
-                                        </p:attrNameLst>
-                                      </p:cBhvr>
-                                      <p:to>
-                                        <p:strVal val="visible"/>
-                                      </p:to>
-                                    </p:set>
-                                    <p:animEffect transition="in" filter="fade">
-                                      <p:cBhvr>
-                                        <p:cTn id="27" dur="500"/>
-                                        <p:tgtEl>
-                                          <p:spTgt spid="9"/>
-                                        </p:tgtEl>
-                                      </p:cBhvr>
-                                    </p:animEffect>
-                                  </p:childTnLst>
-                                  <p:subTnLst>
-                                    <p:set>
-                                      <p:cBhvr override="childStyle">
-                                        <p:cTn dur="1" fill="hold" display="0" masterRel="nextClick" afterEffect="1"/>
-                                        <p:tgtEl>
-                                          <p:spTgt spid="9"/>
-                                        </p:tgtEl>
-                                        <p:attrNameLst>
-                                          <p:attrName>style.visibility</p:attrName>
-                                        </p:attrNameLst>
-                                      </p:cBhvr>
-                                      <p:to>
-                                        <p:strVal val="hidden"/>
-                                      </p:to>
-                                    </p:set>
-                                  </p:subTnLst>
-                                </p:cTn>
-                              </p:par>
-                            </p:childTnLst>
-                          </p:cTn>
-                        </p:par>
-                      </p:childTnLst>
-                    </p:cTn>
-                  </p:par>
-                  <p:par>
-                    <p:cTn id="28" fill="hold">
-                      <p:stCondLst>
-                        <p:cond delay="indefinite"/>
-                      </p:stCondLst>
-                      <p:childTnLst>
-                        <p:par>
-                          <p:cTn id="29" fill="hold">
-                            <p:stCondLst>
-                              <p:cond delay="0"/>
-                            </p:stCondLst>
-                            <p:childTnLst>
-                              <p:par>
-                                <p:cTn id="30" presetID="10" presetClass="entr" presetSubtype="0" fill="hold" grpId="0" nodeType="clickEffect">
-                                  <p:stCondLst>
-                                    <p:cond delay="0"/>
-                                  </p:stCondLst>
-                                  <p:childTnLst>
-                                    <p:set>
-                                      <p:cBhvr>
-                                        <p:cTn id="31" dur="1" fill="hold">
-                                          <p:stCondLst>
-                                            <p:cond delay="0"/>
-                                          </p:stCondLst>
-                                        </p:cTn>
-                                        <p:tgtEl>
-                                          <p:spTgt spid="10"/>
-                                        </p:tgtEl>
-                                        <p:attrNameLst>
-                                          <p:attrName>style.visibility</p:attrName>
-                                        </p:attrNameLst>
-                                      </p:cBhvr>
-                                      <p:to>
-                                        <p:strVal val="visible"/>
-                                      </p:to>
-                                    </p:set>
-                                    <p:animEffect transition="in" filter="fade">
-                                      <p:cBhvr>
-                                        <p:cTn id="32" dur="500"/>
-                                        <p:tgtEl>
-                                          <p:spTgt spid="10"/>
-                                        </p:tgtEl>
-                                      </p:cBhvr>
-                                    </p:animEffect>
-                                  </p:childTnLst>
-                                  <p:subTnLst>
-                                    <p:set>
-                                      <p:cBhvr override="childStyle">
-                                        <p:cTn dur="1" fill="hold" display="0" masterRel="nextClick" afterEffect="1"/>
-                                        <p:tgtEl>
-                                          <p:spTgt spid="10"/>
-                                        </p:tgtEl>
-                                        <p:attrNameLst>
-                                          <p:attrName>style.visibility</p:attrName>
-                                        </p:attrNameLst>
-                                      </p:cBhvr>
-                                      <p:to>
-                                        <p:strVal val="hidden"/>
-                                      </p:to>
-                                    </p:set>
-                                  </p:subTnLst>
-                                </p:cTn>
-                              </p:par>
-                            </p:childTnLst>
-                          </p:cTn>
-                        </p:par>
-                      </p:childTnLst>
-                    </p:cTn>
-                  </p:par>
-                </p:childTnLst>
-              </p:cTn>
-              <p:prevCondLst>
-                <p:cond evt="onPrev" delay="0">
-                  <p:tgtEl>
-                    <p:sldTgt/>
-                  </p:tgtEl>
-                </p:cond>
-              </p:prevCondLst>
-              <p:nextCondLst>
-                <p:cond evt="onNext" delay="0">
-                  <p:tgtEl>
-                    <p:sldTgt/>
-                  </p:tgtEl>
-                </p:cond>
-              </p:nextCondLst>
-            </p:seq>
-          </p:childTnLst>
-        </p:cTn>
-      </p:par>
-    </p:tnLst>
-    <p:bldLst>
-      <p:bldP spid="4" grpId="0" animBg="1"/>
-      <p:bldP spid="6" grpId="0" animBg="1"/>
-      <p:bldP spid="7" grpId="0" animBg="1"/>
-      <p:bldP spid="8" grpId="0" animBg="1"/>
-      <p:bldP spid="9" grpId="0" animBg="1"/>
-      <p:bldP spid="10" grpId="0" animBg="1"/>
-    </p:bldLst>
-  </p:timing>
-</p:sld>
-</file>
-
-<file path=ppt/slides/slide18.xml><?xml version="1.0" encoding="utf-8"?>
-<p:sld xmlns:a="http://schemas.openxmlformats.org/drawingml/2006/main" xmlns:r="http://schemas.openxmlformats.org/officeDocument/2006/relationships" xmlns:p="http://schemas.openxmlformats.org/presentationml/2006/main">
-  <p:cSld>
-    <p:spTree>
-      <p:nvGrpSpPr>
-        <p:cNvPr id="1" name=""/>
-        <p:cNvGrpSpPr/>
-        <p:nvPr/>
-      </p:nvGrpSpPr>
-      <p:grpSpPr>
-        <a:xfrm>
-          <a:off x="0" y="0"/>
-          <a:ext cx="0" cy="0"/>
-          <a:chOff x="0" y="0"/>
-          <a:chExt cx="0" cy="0"/>
-        </a:xfrm>
-      </p:grpSpPr>
-      <p:sp>
-        <p:nvSpPr>
-          <p:cNvPr id="2" name="Title 1"/>
-          <p:cNvSpPr>
-            <a:spLocks noGrp="1"/>
-          </p:cNvSpPr>
-          <p:nvPr>
-            <p:ph type="title"/>
-          </p:nvPr>
-        </p:nvSpPr>
-        <p:spPr/>
-        <p:txBody>
-          <a:bodyPr/>
-          <a:lstStyle/>
-          <a:p>
-            <a:r>
-              <a:rPr lang="en-US" smtClean="0"/>
-              <a:t>Expressions and Functions</a:t>
-            </a:r>
-            <a:endParaRPr lang="en-US"/>
-          </a:p>
-        </p:txBody>
-      </p:sp>
-      <p:pic>
-        <p:nvPicPr>
-          <p:cNvPr id="4" name="Picture 3"/>
-          <p:cNvPicPr>
-            <a:picLocks noChangeAspect="1"/>
-          </p:cNvPicPr>
-          <p:nvPr/>
-        </p:nvPicPr>
-        <p:blipFill>
-          <a:blip r:embed="rId2"/>
-          <a:stretch>
-            <a:fillRect/>
-          </a:stretch>
-        </p:blipFill>
-        <p:spPr>
-          <a:xfrm>
-            <a:off x="488216" y="2640043"/>
-            <a:ext cx="11215568" cy="1577915"/>
-          </a:xfrm>
-          <a:prstGeom prst="rect">
-            <a:avLst/>
-          </a:prstGeom>
-        </p:spPr>
-      </p:pic>
-      <p:sp>
-        <p:nvSpPr>
-          <p:cNvPr id="5" name="Line Callout 1 4"/>
-          <p:cNvSpPr/>
-          <p:nvPr/>
-        </p:nvSpPr>
-        <p:spPr>
-          <a:xfrm>
-            <a:off x="6239421" y="1380384"/>
-            <a:ext cx="2386584" cy="1536192"/>
-          </a:xfrm>
-          <a:prstGeom prst="borderCallout1">
-            <a:avLst>
-              <a:gd name="adj1" fmla="val 18750"/>
-              <a:gd name="adj2" fmla="val -8333"/>
-              <a:gd name="adj3" fmla="val 110496"/>
-              <a:gd name="adj4" fmla="val -146264"/>
-            </a:avLst>
-          </a:prstGeom>
-          <a:solidFill>
-            <a:schemeClr val="accent1"/>
-          </a:solidFill>
-          <a:ln>
-            <a:solidFill>
-              <a:schemeClr val="tx1"/>
-            </a:solidFill>
-          </a:ln>
-          <a:effectLst/>
-        </p:spPr>
-        <p:style>
-          <a:lnRef idx="2">
-            <a:schemeClr val="accent1"/>
-          </a:lnRef>
-          <a:fillRef idx="0">
-            <a:schemeClr val="accent1"/>
-          </a:fillRef>
-          <a:effectRef idx="1">
-            <a:schemeClr val="accent1"/>
-          </a:effectRef>
-          <a:fontRef idx="minor">
-            <a:schemeClr val="tx1"/>
-          </a:fontRef>
-        </p:style>
-        <p:txBody>
-          <a:bodyPr lIns="182880" tIns="182880" rIns="182880" bIns="182880" rtlCol="0" anchor="ctr"/>
-          <a:lstStyle/>
-          <a:p>
-            <a:pPr algn="ctr">
-              <a:spcBef>
-                <a:spcPts val="600"/>
-              </a:spcBef>
-            </a:pPr>
-            <a:r>
-              <a:rPr lang="en-US" sz="2000" smtClean="0">
-                <a:solidFill>
-                  <a:schemeClr val="bg1"/>
-                </a:solidFill>
-              </a:rPr>
-              <a:t>expression</a:t>
-            </a:r>
-            <a:endParaRPr lang="en-US" sz="2000" dirty="0" smtClean="0">
-              <a:solidFill>
-                <a:schemeClr val="bg1"/>
-              </a:solidFill>
-            </a:endParaRPr>
-          </a:p>
-        </p:txBody>
-      </p:sp>
-      <p:sp>
-        <p:nvSpPr>
-          <p:cNvPr id="6" name="Line Callout 1 5"/>
-          <p:cNvSpPr/>
-          <p:nvPr/>
-        </p:nvSpPr>
-        <p:spPr>
-          <a:xfrm>
-            <a:off x="6239421" y="4668902"/>
-            <a:ext cx="2386584" cy="1536192"/>
-          </a:xfrm>
-          <a:prstGeom prst="borderCallout1">
-            <a:avLst>
-              <a:gd name="adj1" fmla="val 18750"/>
-              <a:gd name="adj2" fmla="val -8333"/>
-              <a:gd name="adj3" fmla="val -55076"/>
-              <a:gd name="adj4" fmla="val -74039"/>
-            </a:avLst>
-          </a:prstGeom>
-          <a:solidFill>
-            <a:schemeClr val="accent1"/>
-          </a:solidFill>
-          <a:ln>
-            <a:solidFill>
-              <a:schemeClr val="tx1"/>
-            </a:solidFill>
-          </a:ln>
-          <a:effectLst/>
-        </p:spPr>
-        <p:style>
-          <a:lnRef idx="2">
-            <a:schemeClr val="accent1"/>
-          </a:lnRef>
-          <a:fillRef idx="0">
-            <a:schemeClr val="accent1"/>
-          </a:fillRef>
-          <a:effectRef idx="1">
-            <a:schemeClr val="accent1"/>
-          </a:effectRef>
-          <a:fontRef idx="minor">
-            <a:schemeClr val="tx1"/>
-          </a:fontRef>
-        </p:style>
-        <p:txBody>
-          <a:bodyPr lIns="182880" tIns="182880" rIns="182880" bIns="182880" rtlCol="0" anchor="ctr"/>
-          <a:lstStyle/>
-          <a:p>
-            <a:pPr algn="ctr">
-              <a:spcBef>
-                <a:spcPts val="600"/>
-              </a:spcBef>
-            </a:pPr>
-            <a:r>
-              <a:rPr lang="en-US" sz="2000" smtClean="0">
-                <a:solidFill>
-                  <a:schemeClr val="bg1"/>
-                </a:solidFill>
-              </a:rPr>
-              <a:t>function</a:t>
-            </a:r>
-            <a:endParaRPr lang="en-US" sz="2000" dirty="0" smtClean="0">
-              <a:solidFill>
-                <a:schemeClr val="bg1"/>
-              </a:solidFill>
-            </a:endParaRPr>
-          </a:p>
-        </p:txBody>
-      </p:sp>
-    </p:spTree>
-    <p:extLst>
-      <p:ext uri="{BB962C8B-B14F-4D97-AF65-F5344CB8AC3E}">
-        <p14:creationId xmlns:p14="http://schemas.microsoft.com/office/powerpoint/2010/main" val="23807724"/>
-      </p:ext>
-    </p:extLst>
-  </p:cSld>
-  <p:clrMapOvr>
-    <a:masterClrMapping/>
-  </p:clrMapOvr>
-  <p:timing>
-    <p:tnLst>
-      <p:par>
-        <p:cTn id="1" dur="indefinite" restart="never" nodeType="tmRoot">
-          <p:childTnLst>
-            <p:seq concurrent="1" nextAc="seek">
-              <p:cTn id="2" dur="indefinite" nodeType="mainSeq">
-                <p:childTnLst>
-                  <p:par>
-                    <p:cTn id="3" fill="hold">
-                      <p:stCondLst>
-                        <p:cond delay="indefinite"/>
-                      </p:stCondLst>
-                      <p:childTnLst>
-                        <p:par>
-                          <p:cTn id="4" fill="hold">
-                            <p:stCondLst>
-                              <p:cond delay="0"/>
-                            </p:stCondLst>
-                            <p:childTnLst>
-                              <p:par>
-                                <p:cTn id="5" presetID="10" presetClass="entr" presetSubtype="0" fill="hold" grpId="0" nodeType="clickEffect">
-                                  <p:stCondLst>
-                                    <p:cond delay="0"/>
-                                  </p:stCondLst>
-                                  <p:childTnLst>
-                                    <p:set>
-                                      <p:cBhvr>
-                                        <p:cTn id="6" dur="1" fill="hold">
-                                          <p:stCondLst>
-                                            <p:cond delay="0"/>
-                                          </p:stCondLst>
-                                        </p:cTn>
-                                        <p:tgtEl>
-                                          <p:spTgt spid="5"/>
-                                        </p:tgtEl>
-                                        <p:attrNameLst>
-                                          <p:attrName>style.visibility</p:attrName>
-                                        </p:attrNameLst>
-                                      </p:cBhvr>
-                                      <p:to>
-                                        <p:strVal val="visible"/>
-                                      </p:to>
-                                    </p:set>
-                                    <p:animEffect transition="in" filter="fade">
-                                      <p:cBhvr>
-                                        <p:cTn id="7" dur="500"/>
-                                        <p:tgtEl>
-                                          <p:spTgt spid="5"/>
-                                        </p:tgtEl>
-                                      </p:cBhvr>
-                                    </p:animEffect>
-                                  </p:childTnLst>
-                                  <p:subTnLst>
-                                    <p:set>
-                                      <p:cBhvr override="childStyle">
-                                        <p:cTn dur="1" fill="hold" display="0" masterRel="nextClick" afterEffect="1"/>
-                                        <p:tgtEl>
-                                          <p:spTgt spid="5"/>
-                                        </p:tgtEl>
-                                        <p:attrNameLst>
-                                          <p:attrName>style.visibility</p:attrName>
-                                        </p:attrNameLst>
-                                      </p:cBhvr>
-                                      <p:to>
-                                        <p:strVal val="hidden"/>
-                                      </p:to>
-                                    </p:set>
-                                  </p:subTnLst>
-                                </p:cTn>
-                              </p:par>
-                            </p:childTnLst>
-                          </p:cTn>
-                        </p:par>
-                      </p:childTnLst>
-                    </p:cTn>
-                  </p:par>
-                  <p:par>
-                    <p:cTn id="8" fill="hold">
-                      <p:stCondLst>
-                        <p:cond delay="indefinite"/>
-                      </p:stCondLst>
-                      <p:childTnLst>
-                        <p:par>
-                          <p:cTn id="9" fill="hold">
-                            <p:stCondLst>
-                              <p:cond delay="0"/>
-                            </p:stCondLst>
-                            <p:childTnLst>
-                              <p:par>
-                                <p:cTn id="10" presetID="10" presetClass="entr" presetSubtype="0" fill="hold" grpId="0" nodeType="clickEffect">
-                                  <p:stCondLst>
-                                    <p:cond delay="0"/>
-                                  </p:stCondLst>
-                                  <p:childTnLst>
-                                    <p:set>
-                                      <p:cBhvr>
-                                        <p:cTn id="11" dur="1" fill="hold">
-                                          <p:stCondLst>
-                                            <p:cond delay="0"/>
-                                          </p:stCondLst>
-                                        </p:cTn>
-                                        <p:tgtEl>
-                                          <p:spTgt spid="6"/>
-                                        </p:tgtEl>
-                                        <p:attrNameLst>
-                                          <p:attrName>style.visibility</p:attrName>
-                                        </p:attrNameLst>
-                                      </p:cBhvr>
-                                      <p:to>
-                                        <p:strVal val="visible"/>
-                                      </p:to>
-                                    </p:set>
-                                    <p:animEffect transition="in" filter="fade">
-                                      <p:cBhvr>
-                                        <p:cTn id="12" dur="500"/>
-                                        <p:tgtEl>
-                                          <p:spTgt spid="6"/>
-                                        </p:tgtEl>
-                                      </p:cBhvr>
-                                    </p:animEffect>
-                                  </p:childTnLst>
-                                  <p:subTnLst>
-                                    <p:set>
-                                      <p:cBhvr override="childStyle">
-                                        <p:cTn dur="1" fill="hold" display="0" masterRel="nextClick" afterEffect="1"/>
-                                        <p:tgtEl>
-                                          <p:spTgt spid="6"/>
-                                        </p:tgtEl>
-                                        <p:attrNameLst>
-                                          <p:attrName>style.visibility</p:attrName>
-                                        </p:attrNameLst>
-                                      </p:cBhvr>
-                                      <p:to>
-                                        <p:strVal val="hidden"/>
-                                      </p:to>
-                                    </p:set>
-                                  </p:subTnLst>
-                                </p:cTn>
-                              </p:par>
-                            </p:childTnLst>
-                          </p:cTn>
-                        </p:par>
-                      </p:childTnLst>
-                    </p:cTn>
-                  </p:par>
-                </p:childTnLst>
-              </p:cTn>
-              <p:prevCondLst>
-                <p:cond evt="onPrev" delay="0">
-                  <p:tgtEl>
-                    <p:sldTgt/>
-                  </p:tgtEl>
-                </p:cond>
-              </p:prevCondLst>
-              <p:nextCondLst>
-                <p:cond evt="onNext" delay="0">
-                  <p:tgtEl>
-                    <p:sldTgt/>
-                  </p:tgtEl>
-                </p:cond>
-              </p:nextCondLst>
-            </p:seq>
-          </p:childTnLst>
-        </p:cTn>
-      </p:par>
-    </p:tnLst>
-    <p:bldLst>
-      <p:bldP spid="5" grpId="0" animBg="1"/>
-      <p:bldP spid="6" grpId="0" animBg="1"/>
-    </p:bldLst>
-  </p:timing>
-</p:sld>
-</file>
-
-<file path=ppt/slides/slide19.xml><?xml version="1.0" encoding="utf-8"?>
-<p:sld xmlns:a="http://schemas.openxmlformats.org/drawingml/2006/main" xmlns:r="http://schemas.openxmlformats.org/officeDocument/2006/relationships" xmlns:p="http://schemas.openxmlformats.org/presentationml/2006/main">
-  <p:cSld>
-    <p:spTree>
-      <p:nvGrpSpPr>
-        <p:cNvPr id="1" name=""/>
-        <p:cNvGrpSpPr/>
-        <p:nvPr/>
-      </p:nvGrpSpPr>
-      <p:grpSpPr>
-        <a:xfrm>
-          <a:off x="0" y="0"/>
-          <a:ext cx="0" cy="0"/>
-          <a:chOff x="0" y="0"/>
-          <a:chExt cx="0" cy="0"/>
-        </a:xfrm>
-      </p:grpSpPr>
-      <p:sp>
-        <p:nvSpPr>
-          <p:cNvPr id="2" name="Title 1"/>
-          <p:cNvSpPr>
-            <a:spLocks noGrp="1"/>
-          </p:cNvSpPr>
-          <p:nvPr>
-            <p:ph type="title"/>
-          </p:nvPr>
-        </p:nvSpPr>
-        <p:spPr/>
-        <p:txBody>
-          <a:bodyPr/>
-          <a:lstStyle/>
-          <a:p>
-            <a:r>
-              <a:rPr lang="en-US" smtClean="0"/>
-              <a:t>Visual Studio Code</a:t>
-            </a:r>
-            <a:endParaRPr lang="en-US"/>
-          </a:p>
-        </p:txBody>
-      </p:sp>
-      <p:pic>
-        <p:nvPicPr>
-          <p:cNvPr id="4" name="Picture 3"/>
-          <p:cNvPicPr>
-            <a:picLocks noChangeAspect="1"/>
-          </p:cNvPicPr>
-          <p:nvPr/>
-        </p:nvPicPr>
-        <p:blipFill>
-          <a:blip r:embed="rId2"/>
-          <a:stretch>
-            <a:fillRect/>
-          </a:stretch>
-        </p:blipFill>
-        <p:spPr>
-          <a:xfrm>
-            <a:off x="2281881" y="1270000"/>
-            <a:ext cx="7414054" cy="5459176"/>
-          </a:xfrm>
-          <a:prstGeom prst="rect">
-            <a:avLst/>
-          </a:prstGeom>
-        </p:spPr>
-      </p:pic>
-      <p:pic>
-        <p:nvPicPr>
-          <p:cNvPr id="5" name="Picture 4"/>
-          <p:cNvPicPr>
-            <a:picLocks noChangeAspect="1"/>
-          </p:cNvPicPr>
-          <p:nvPr/>
-        </p:nvPicPr>
-        <p:blipFill>
-          <a:blip r:embed="rId3"/>
-          <a:stretch>
-            <a:fillRect/>
-          </a:stretch>
-        </p:blipFill>
-        <p:spPr>
-          <a:xfrm>
-            <a:off x="1455865" y="2102339"/>
-            <a:ext cx="9280270" cy="3276969"/>
-          </a:xfrm>
-          <a:prstGeom prst="rect">
-            <a:avLst/>
-          </a:prstGeom>
-        </p:spPr>
-      </p:pic>
-      <p:sp>
-        <p:nvSpPr>
-          <p:cNvPr id="6" name="Rectangle 5"/>
-          <p:cNvSpPr/>
-          <p:nvPr/>
-        </p:nvSpPr>
-        <p:spPr>
-          <a:xfrm>
-            <a:off x="2751721" y="4330262"/>
-            <a:ext cx="6497381" cy="893379"/>
-          </a:xfrm>
-          <a:prstGeom prst="rect">
-            <a:avLst/>
-          </a:prstGeom>
-          <a:noFill/>
-          <a:ln w="57150">
-            <a:solidFill>
-              <a:srgbClr val="FF0000"/>
-            </a:solidFill>
-          </a:ln>
-          <a:effectLst/>
-        </p:spPr>
-        <p:style>
-          <a:lnRef idx="2">
-            <a:schemeClr val="accent1"/>
-          </a:lnRef>
-          <a:fillRef idx="0">
-            <a:schemeClr val="accent1"/>
-          </a:fillRef>
-          <a:effectRef idx="1">
-            <a:schemeClr val="accent1"/>
-          </a:effectRef>
-          <a:fontRef idx="minor">
-            <a:schemeClr val="tx1"/>
-          </a:fontRef>
-        </p:style>
-        <p:txBody>
-          <a:bodyPr lIns="182880" tIns="182880" rIns="182880" bIns="182880" rtlCol="0" anchor="ctr"/>
-          <a:lstStyle/>
-          <a:p>
-            <a:pPr algn="ctr">
-              <a:spcBef>
-                <a:spcPts val="600"/>
-              </a:spcBef>
-            </a:pPr>
-            <a:endParaRPr lang="en-US" sz="2000" dirty="0" smtClean="0">
-              <a:solidFill>
-                <a:schemeClr val="bg1"/>
-              </a:solidFill>
-            </a:endParaRPr>
-          </a:p>
-        </p:txBody>
-      </p:sp>
-    </p:spTree>
-    <p:extLst>
-      <p:ext uri="{BB962C8B-B14F-4D97-AF65-F5344CB8AC3E}">
-        <p14:creationId xmlns:p14="http://schemas.microsoft.com/office/powerpoint/2010/main" val="2474982262"/>
-      </p:ext>
-    </p:extLst>
-  </p:cSld>
-  <p:clrMapOvr>
-    <a:masterClrMapping/>
-  </p:clrMapOvr>
-  <p:timing>
-    <p:tnLst>
-      <p:par>
-        <p:cTn id="1" dur="indefinite" restart="never" nodeType="tmRoot">
-          <p:childTnLst>
-            <p:seq concurrent="1" nextAc="seek">
-              <p:cTn id="2" dur="indefinite" nodeType="mainSeq">
-                <p:childTnLst>
-                  <p:par>
-                    <p:cTn id="3" fill="hold">
-                      <p:stCondLst>
-                        <p:cond delay="indefinite"/>
-                      </p:stCondLst>
-                      <p:childTnLst>
-                        <p:par>
-                          <p:cTn id="4" fill="hold">
-                            <p:stCondLst>
-                              <p:cond delay="0"/>
-                            </p:stCondLst>
-                            <p:childTnLst>
-                              <p:par>
-                                <p:cTn id="5" presetID="1" presetClass="exit" presetSubtype="0" fill="hold" nodeType="clickEffect">
-                                  <p:stCondLst>
-                                    <p:cond delay="0"/>
-                                  </p:stCondLst>
-                                  <p:childTnLst>
-                                    <p:set>
-                                      <p:cBhvr>
-                                        <p:cTn id="6" dur="1" fill="hold">
-                                          <p:stCondLst>
-                                            <p:cond delay="0"/>
-                                          </p:stCondLst>
-                                        </p:cTn>
-                                        <p:tgtEl>
-                                          <p:spTgt spid="4"/>
-                                        </p:tgtEl>
-                                        <p:attrNameLst>
-                                          <p:attrName>style.visibility</p:attrName>
-                                        </p:attrNameLst>
-                                      </p:cBhvr>
-                                      <p:to>
-                                        <p:strVal val="hidden"/>
-                                      </p:to>
-                                    </p:set>
-                                  </p:childTnLst>
-                                </p:cTn>
-                              </p:par>
-                              <p:par>
-                                <p:cTn id="7" presetID="10" presetClass="entr" presetSubtype="0" fill="hold" nodeType="withEffect">
-                                  <p:stCondLst>
-                                    <p:cond delay="0"/>
-                                  </p:stCondLst>
-                                  <p:childTnLst>
-                                    <p:set>
-                                      <p:cBhvr>
-                                        <p:cTn id="8" dur="1" fill="hold">
-                                          <p:stCondLst>
-                                            <p:cond delay="0"/>
-                                          </p:stCondLst>
-                                        </p:cTn>
-                                        <p:tgtEl>
-                                          <p:spTgt spid="5"/>
-                                        </p:tgtEl>
-                                        <p:attrNameLst>
-                                          <p:attrName>style.visibility</p:attrName>
-                                        </p:attrNameLst>
-                                      </p:cBhvr>
-                                      <p:to>
-                                        <p:strVal val="visible"/>
-                                      </p:to>
-                                    </p:set>
-                                    <p:animEffect transition="in" filter="fade">
-                                      <p:cBhvr>
-                                        <p:cTn id="9" dur="500"/>
-                                        <p:tgtEl>
-                                          <p:spTgt spid="5"/>
-                                        </p:tgtEl>
-                                      </p:cBhvr>
-                                    </p:animEffect>
-                                  </p:childTnLst>
-                                </p:cTn>
-                              </p:par>
-                            </p:childTnLst>
-                          </p:cTn>
-                        </p:par>
-                      </p:childTnLst>
-                    </p:cTn>
-                  </p:par>
-                  <p:par>
-                    <p:cTn id="10" fill="hold">
-                      <p:stCondLst>
-                        <p:cond delay="indefinite"/>
-                      </p:stCondLst>
-                      <p:childTnLst>
-                        <p:par>
-                          <p:cTn id="11" fill="hold">
-                            <p:stCondLst>
-                              <p:cond delay="0"/>
-                            </p:stCondLst>
-                            <p:childTnLst>
-                              <p:par>
-                                <p:cTn id="12" presetID="10" presetClass="entr" presetSubtype="0" fill="hold" grpId="0" nodeType="clickEffect">
-                                  <p:stCondLst>
-                                    <p:cond delay="0"/>
-                                  </p:stCondLst>
-                                  <p:childTnLst>
-                                    <p:set>
-                                      <p:cBhvr>
-                                        <p:cTn id="13" dur="1" fill="hold">
-                                          <p:stCondLst>
-                                            <p:cond delay="0"/>
-                                          </p:stCondLst>
-                                        </p:cTn>
-                                        <p:tgtEl>
-                                          <p:spTgt spid="6"/>
-                                        </p:tgtEl>
-                                        <p:attrNameLst>
-                                          <p:attrName>style.visibility</p:attrName>
-                                        </p:attrNameLst>
-                                      </p:cBhvr>
-                                      <p:to>
-                                        <p:strVal val="visible"/>
-                                      </p:to>
-                                    </p:set>
-                                    <p:animEffect transition="in" filter="fade">
-                                      <p:cBhvr>
-                                        <p:cTn id="14" dur="500"/>
-                                        <p:tgtEl>
-                                          <p:spTgt spid="6"/>
-                                        </p:tgtEl>
-                                      </p:cBhvr>
-                                    </p:animEffect>
-                                  </p:childTnLst>
-                                </p:cTn>
-                              </p:par>
-                            </p:childTnLst>
-                          </p:cTn>
-                        </p:par>
-                      </p:childTnLst>
-                    </p:cTn>
-                  </p:par>
-                </p:childTnLst>
-              </p:cTn>
-              <p:prevCondLst>
-                <p:cond evt="onPrev" delay="0">
-                  <p:tgtEl>
-                    <p:sldTgt/>
-                  </p:tgtEl>
-                </p:cond>
-              </p:prevCondLst>
-              <p:nextCondLst>
-                <p:cond evt="onNext" delay="0">
-                  <p:tgtEl>
-                    <p:sldTgt/>
-                  </p:tgtEl>
-                </p:cond>
-              </p:nextCondLst>
-            </p:seq>
-          </p:childTnLst>
-        </p:cTn>
-      </p:par>
-    </p:tnLst>
-    <p:bldLst>
-      <p:bldP spid="6" grpId="0" animBg="1"/>
-    </p:bldLst>
-  </p:timing>
-</p:sld>
-</file>
-
-<file path=ppt/slides/slide2.xml><?xml version="1.0" encoding="utf-8"?>
-<p:sld xmlns:a="http://schemas.openxmlformats.org/drawingml/2006/main" xmlns:r="http://schemas.openxmlformats.org/officeDocument/2006/relationships" xmlns:p="http://schemas.openxmlformats.org/presentationml/2006/main">
-  <p:cSld>
-    <p:spTree>
-      <p:nvGrpSpPr>
-        <p:cNvPr id="1" name=""/>
-        <p:cNvGrpSpPr/>
-        <p:nvPr/>
-      </p:nvGrpSpPr>
-      <p:grpSpPr>
-        <a:xfrm>
-          <a:off x="0" y="0"/>
-          <a:ext cx="0" cy="0"/>
-          <a:chOff x="0" y="0"/>
-          <a:chExt cx="0" cy="0"/>
-        </a:xfrm>
-      </p:grpSpPr>
-      <p:sp>
-        <p:nvSpPr>
-          <p:cNvPr id="2" name="Title 1"/>
-          <p:cNvSpPr>
-            <a:spLocks noGrp="1"/>
-          </p:cNvSpPr>
-          <p:nvPr>
-            <p:ph type="title"/>
-          </p:nvPr>
-        </p:nvSpPr>
-        <p:spPr/>
-        <p:txBody>
-          <a:bodyPr/>
-          <a:lstStyle/>
-          <a:p>
-            <a:r>
-              <a:rPr lang="en-US" smtClean="0"/>
-              <a:t>Our Agenda</a:t>
-            </a:r>
-            <a:endParaRPr lang="en-US"/>
-          </a:p>
-        </p:txBody>
-      </p:sp>
-      <p:sp>
-        <p:nvSpPr>
-          <p:cNvPr id="3" name="Content Placeholder 2"/>
-          <p:cNvSpPr>
-            <a:spLocks noGrp="1"/>
-          </p:cNvSpPr>
-          <p:nvPr>
-            <p:ph idx="1"/>
-          </p:nvPr>
-        </p:nvSpPr>
-        <p:spPr/>
-        <p:txBody>
-          <a:bodyPr/>
-          <a:lstStyle/>
-          <a:p>
-            <a:r>
-              <a:rPr lang="en-US" smtClean="0"/>
-              <a:t>ARM template "blink and you miss it" quick start</a:t>
-            </a:r>
-          </a:p>
-          <a:p>
-            <a:r>
-              <a:rPr lang="en-US" smtClean="0"/>
-              <a:t>ARM template helpers and "cheaters"</a:t>
-            </a:r>
-          </a:p>
-          <a:p>
-            <a:r>
-              <a:rPr lang="en-US" smtClean="0"/>
-              <a:t>Deploy some resources!</a:t>
-            </a:r>
-          </a:p>
-        </p:txBody>
-      </p:sp>
-    </p:spTree>
-    <p:extLst>
-      <p:ext uri="{BB962C8B-B14F-4D97-AF65-F5344CB8AC3E}">
-        <p14:creationId xmlns:p14="http://schemas.microsoft.com/office/powerpoint/2010/main" val="2304021838"/>
-      </p:ext>
-    </p:extLst>
-  </p:cSld>
-  <p:clrMapOvr>
-    <a:masterClrMapping/>
-  </p:clrMapOvr>
-  <p:timing>
-    <p:tnLst>
-      <p:par>
-        <p:cTn id="1" dur="indefinite" restart="never" nodeType="tmRoot">
-          <p:childTnLst>
-            <p:seq concurrent="1" nextAc="seek">
-              <p:cTn id="2" dur="indefinite" nodeType="mainSeq">
-                <p:childTnLst>
-                  <p:par>
-                    <p:cTn id="3" fill="hold">
-                      <p:stCondLst>
-                        <p:cond delay="indefinite"/>
-                      </p:stCondLst>
-                      <p:childTnLst>
-                        <p:par>
-                          <p:cTn id="4" fill="hold">
-                            <p:stCondLst>
-                              <p:cond delay="0"/>
-                            </p:stCondLst>
-                            <p:childTnLst>
-                              <p:par>
-                                <p:cTn id="5" presetID="10" presetClass="entr" presetSubtype="0" fill="hold" nodeType="clickEffect">
-                                  <p:stCondLst>
-                                    <p:cond delay="0"/>
-                                  </p:stCondLst>
-                                  <p:childTnLst>
-                                    <p:set>
-                                      <p:cBhvr>
-                                        <p:cTn id="6" dur="1" fill="hold">
-                                          <p:stCondLst>
-                                            <p:cond delay="0"/>
-                                          </p:stCondLst>
-                                        </p:cTn>
-                                        <p:tgtEl>
-                                          <p:spTgt spid="3">
-                                            <p:txEl>
-                                              <p:pRg st="0" end="0"/>
-                                            </p:txEl>
-                                          </p:spTgt>
-                                        </p:tgtEl>
-                                        <p:attrNameLst>
-                                          <p:attrName>style.visibility</p:attrName>
-                                        </p:attrNameLst>
-                                      </p:cBhvr>
-                                      <p:to>
-                                        <p:strVal val="visible"/>
-                                      </p:to>
-                                    </p:set>
-                                    <p:animEffect transition="in" filter="fade">
-                                      <p:cBhvr>
-                                        <p:cTn id="7" dur="500"/>
-                                        <p:tgtEl>
-                                          <p:spTgt spid="3">
-                                            <p:txEl>
-                                              <p:pRg st="0" end="0"/>
-                                            </p:txEl>
-                                          </p:spTgt>
-                                        </p:tgtEl>
-                                      </p:cBhvr>
-                                    </p:animEffect>
-                                  </p:childTnLst>
-                                </p:cTn>
-                              </p:par>
-                            </p:childTnLst>
-                          </p:cTn>
-                        </p:par>
-                      </p:childTnLst>
-                    </p:cTn>
-                  </p:par>
-                  <p:par>
-                    <p:cTn id="8" fill="hold">
-                      <p:stCondLst>
-                        <p:cond delay="indefinite"/>
-                      </p:stCondLst>
-                      <p:childTnLst>
-                        <p:par>
-                          <p:cTn id="9" fill="hold">
-                            <p:stCondLst>
-                              <p:cond delay="0"/>
-                            </p:stCondLst>
-                            <p:childTnLst>
-                              <p:par>
-                                <p:cTn id="10" presetID="10" presetClass="entr" presetSubtype="0" fill="hold" nodeType="clickEffect">
-                                  <p:stCondLst>
-                                    <p:cond delay="0"/>
-                                  </p:stCondLst>
-                                  <p:childTnLst>
-                                    <p:set>
-                                      <p:cBhvr>
-                                        <p:cTn id="11" dur="1" fill="hold">
-                                          <p:stCondLst>
-                                            <p:cond delay="0"/>
-                                          </p:stCondLst>
-                                        </p:cTn>
-                                        <p:tgtEl>
-                                          <p:spTgt spid="3">
-                                            <p:txEl>
-                                              <p:pRg st="1" end="1"/>
-                                            </p:txEl>
-                                          </p:spTgt>
-                                        </p:tgtEl>
-                                        <p:attrNameLst>
-                                          <p:attrName>style.visibility</p:attrName>
-                                        </p:attrNameLst>
-                                      </p:cBhvr>
-                                      <p:to>
-                                        <p:strVal val="visible"/>
-                                      </p:to>
-                                    </p:set>
-                                    <p:animEffect transition="in" filter="fade">
-                                      <p:cBhvr>
-                                        <p:cTn id="12" dur="500"/>
-                                        <p:tgtEl>
-                                          <p:spTgt spid="3">
-                                            <p:txEl>
-                                              <p:pRg st="1" end="1"/>
-                                            </p:txEl>
-                                          </p:spTgt>
-                                        </p:tgtEl>
-                                      </p:cBhvr>
-                                    </p:animEffect>
-                                  </p:childTnLst>
-                                </p:cTn>
-                              </p:par>
-                            </p:childTnLst>
-                          </p:cTn>
-                        </p:par>
-                      </p:childTnLst>
-                    </p:cTn>
-                  </p:par>
-                  <p:par>
-                    <p:cTn id="13" fill="hold">
-                      <p:stCondLst>
-                        <p:cond delay="indefinite"/>
-                      </p:stCondLst>
-                      <p:childTnLst>
-                        <p:par>
-                          <p:cTn id="14" fill="hold">
-                            <p:stCondLst>
-                              <p:cond delay="0"/>
-                            </p:stCondLst>
-                            <p:childTnLst>
-                              <p:par>
-                                <p:cTn id="15" presetID="10" presetClass="entr" presetSubtype="0" fill="hold" nodeType="clickEffect">
-                                  <p:stCondLst>
-                                    <p:cond delay="0"/>
-                                  </p:stCondLst>
-                                  <p:childTnLst>
-                                    <p:set>
-                                      <p:cBhvr>
-                                        <p:cTn id="16" dur="1" fill="hold">
-                                          <p:stCondLst>
-                                            <p:cond delay="0"/>
-                                          </p:stCondLst>
-                                        </p:cTn>
-                                        <p:tgtEl>
-                                          <p:spTgt spid="3">
-                                            <p:txEl>
-                                              <p:pRg st="2" end="2"/>
-                                            </p:txEl>
-                                          </p:spTgt>
-                                        </p:tgtEl>
-                                        <p:attrNameLst>
-                                          <p:attrName>style.visibility</p:attrName>
-                                        </p:attrNameLst>
-                                      </p:cBhvr>
-                                      <p:to>
-                                        <p:strVal val="visible"/>
-                                      </p:to>
-                                    </p:set>
-                                    <p:animEffect transition="in" filter="fade">
-                                      <p:cBhvr>
-                                        <p:cTn id="17" dur="500"/>
-                                        <p:tgtEl>
-                                          <p:spTgt spid="3">
-                                            <p:txEl>
-                                              <p:pRg st="2" end="2"/>
-                                            </p:txEl>
-                                          </p:spTgt>
-                                        </p:tgtEl>
-                                      </p:cBhvr>
-                                    </p:animEffect>
-                                  </p:childTnLst>
-                                </p:cTn>
-                              </p:par>
-                            </p:childTnLst>
-                          </p:cTn>
-                        </p:par>
-                      </p:childTnLst>
-                    </p:cTn>
-                  </p:par>
-                </p:childTnLst>
-              </p:cTn>
-              <p:prevCondLst>
-                <p:cond evt="onPrev" delay="0">
-                  <p:tgtEl>
-                    <p:sldTgt/>
-                  </p:tgtEl>
-                </p:cond>
-              </p:prevCondLst>
-              <p:nextCondLst>
-                <p:cond evt="onNext" delay="0">
-                  <p:tgtEl>
-                    <p:sldTgt/>
-                  </p:tgtEl>
-                </p:cond>
-              </p:nextCondLst>
-            </p:seq>
-          </p:childTnLst>
-        </p:cTn>
-      </p:par>
-    </p:tnLst>
-  </p:timing>
-</p:sld>
-</file>
-
-<file path=ppt/slides/slide20.xml><?xml version="1.0" encoding="utf-8"?>
-<p:sld xmlns:a="http://schemas.openxmlformats.org/drawingml/2006/main" xmlns:r="http://schemas.openxmlformats.org/officeDocument/2006/relationships" xmlns:p="http://schemas.openxmlformats.org/presentationml/2006/main">
-  <p:cSld>
-    <p:spTree>
-      <p:nvGrpSpPr>
-        <p:cNvPr id="1" name=""/>
-        <p:cNvGrpSpPr/>
-        <p:nvPr/>
-      </p:nvGrpSpPr>
-      <p:grpSpPr>
-        <a:xfrm>
-          <a:off x="0" y="0"/>
-          <a:ext cx="0" cy="0"/>
-          <a:chOff x="0" y="0"/>
-          <a:chExt cx="0" cy="0"/>
-        </a:xfrm>
-      </p:grpSpPr>
-      <p:sp>
-        <p:nvSpPr>
-          <p:cNvPr id="2" name="Title 1"/>
-          <p:cNvSpPr>
-            <a:spLocks noGrp="1"/>
-          </p:cNvSpPr>
-          <p:nvPr>
-            <p:ph type="title"/>
-          </p:nvPr>
-        </p:nvSpPr>
-        <p:spPr/>
-        <p:txBody>
-          <a:bodyPr/>
-          <a:lstStyle/>
-          <a:p>
-            <a:r>
-              <a:rPr lang="en-US" smtClean="0"/>
-              <a:t>Azure Resource </a:t>
-            </a:r>
-            <a:r>
-              <a:rPr lang="en-US" smtClean="0"/>
-              <a:t>Visualizer</a:t>
-            </a:r>
-            <a:endParaRPr lang="en-US"/>
-          </a:p>
-        </p:txBody>
-      </p:sp>
-      <p:pic>
-        <p:nvPicPr>
-          <p:cNvPr id="4" name="Picture 3"/>
-          <p:cNvPicPr>
-            <a:picLocks noChangeAspect="1"/>
-          </p:cNvPicPr>
-          <p:nvPr/>
-        </p:nvPicPr>
-        <p:blipFill>
-          <a:blip r:embed="rId2"/>
-          <a:stretch>
-            <a:fillRect/>
-          </a:stretch>
-        </p:blipFill>
-        <p:spPr>
-          <a:xfrm>
-            <a:off x="1664042" y="1368854"/>
-            <a:ext cx="8297250" cy="5213178"/>
-          </a:xfrm>
-          <a:prstGeom prst="rect">
-            <a:avLst/>
-          </a:prstGeom>
-        </p:spPr>
-      </p:pic>
-      <p:pic>
-        <p:nvPicPr>
-          <p:cNvPr id="5" name="Picture 4"/>
-          <p:cNvPicPr>
-            <a:picLocks noChangeAspect="1"/>
-          </p:cNvPicPr>
-          <p:nvPr/>
-        </p:nvPicPr>
-        <p:blipFill>
-          <a:blip r:embed="rId3"/>
-          <a:stretch>
-            <a:fillRect/>
-          </a:stretch>
-        </p:blipFill>
-        <p:spPr>
-          <a:xfrm>
-            <a:off x="1481993" y="1319427"/>
-            <a:ext cx="8661347" cy="5312032"/>
-          </a:xfrm>
-          <a:prstGeom prst="rect">
-            <a:avLst/>
-          </a:prstGeom>
-        </p:spPr>
-      </p:pic>
       <p:sp>
         <p:nvSpPr>
           <p:cNvPr id="3" name="Rectangle 2"/>
@@ -11158,7 +6927,7 @@
                 <a:spcPts val="600"/>
               </a:spcBef>
             </a:pPr>
-            <a:endParaRPr lang="en-US" sz="2000" dirty="0" smtClean="0">
+            <a:endParaRPr lang="en-US" sz="2000" dirty="0">
               <a:solidFill>
                 <a:schemeClr val="bg1"/>
               </a:solidFill>
@@ -11345,7 +7114,7 @@
 </p:sld>
 </file>
 
-<file path=ppt/slides/slide21.xml><?xml version="1.0" encoding="utf-8"?>
+<file path=ppt/slides/slide13.xml><?xml version="1.0" encoding="utf-8"?>
 <p:sld xmlns:a="http://schemas.openxmlformats.org/drawingml/2006/main" xmlns:r="http://schemas.openxmlformats.org/officeDocument/2006/relationships" xmlns:p="http://schemas.openxmlformats.org/presentationml/2006/main">
   <p:cSld>
     <p:spTree>
@@ -11378,334 +7147,9 @@
           <a:lstStyle/>
           <a:p>
             <a:r>
-              <a:rPr lang="en-US" smtClean="0"/>
-              <a:t>Azure Resource </a:t>
-            </a:r>
-            <a:r>
-              <a:rPr lang="en-US" smtClean="0"/>
-              <a:t>Visualizer</a:t>
-            </a:r>
-            <a:endParaRPr lang="en-US"/>
-          </a:p>
-        </p:txBody>
-      </p:sp>
-      <p:pic>
-        <p:nvPicPr>
-          <p:cNvPr id="4" name="Picture 3"/>
-          <p:cNvPicPr>
-            <a:picLocks noChangeAspect="1"/>
-          </p:cNvPicPr>
-          <p:nvPr/>
-        </p:nvPicPr>
-        <p:blipFill>
-          <a:blip r:embed="rId2"/>
-          <a:stretch>
-            <a:fillRect/>
-          </a:stretch>
-        </p:blipFill>
-        <p:spPr>
-          <a:xfrm>
-            <a:off x="1664042" y="1368854"/>
-            <a:ext cx="8297250" cy="5213178"/>
-          </a:xfrm>
-          <a:prstGeom prst="rect">
-            <a:avLst/>
-          </a:prstGeom>
-        </p:spPr>
-      </p:pic>
-      <p:pic>
-        <p:nvPicPr>
-          <p:cNvPr id="5" name="Picture 4"/>
-          <p:cNvPicPr>
-            <a:picLocks noChangeAspect="1"/>
-          </p:cNvPicPr>
-          <p:nvPr/>
-        </p:nvPicPr>
-        <p:blipFill>
-          <a:blip r:embed="rId3"/>
-          <a:stretch>
-            <a:fillRect/>
-          </a:stretch>
-        </p:blipFill>
-        <p:spPr>
-          <a:xfrm>
-            <a:off x="1481993" y="1319427"/>
-            <a:ext cx="8661347" cy="5312032"/>
-          </a:xfrm>
-          <a:prstGeom prst="rect">
-            <a:avLst/>
-          </a:prstGeom>
-        </p:spPr>
-      </p:pic>
-      <p:sp>
-        <p:nvSpPr>
-          <p:cNvPr id="3" name="Rectangle 2"/>
-          <p:cNvSpPr/>
-          <p:nvPr/>
-        </p:nvSpPr>
-        <p:spPr>
-          <a:xfrm>
-            <a:off x="7010400" y="6096000"/>
-            <a:ext cx="3237186" cy="651641"/>
-          </a:xfrm>
-          <a:prstGeom prst="rect">
-            <a:avLst/>
-          </a:prstGeom>
-          <a:noFill/>
-          <a:ln w="57150">
-            <a:solidFill>
-              <a:srgbClr val="FF0000"/>
-            </a:solidFill>
-          </a:ln>
-          <a:effectLst/>
-        </p:spPr>
-        <p:style>
-          <a:lnRef idx="2">
-            <a:schemeClr val="accent1"/>
-          </a:lnRef>
-          <a:fillRef idx="0">
-            <a:schemeClr val="accent1"/>
-          </a:fillRef>
-          <a:effectRef idx="1">
-            <a:schemeClr val="accent1"/>
-          </a:effectRef>
-          <a:fontRef idx="minor">
-            <a:schemeClr val="tx1"/>
-          </a:fontRef>
-        </p:style>
-        <p:txBody>
-          <a:bodyPr lIns="182880" tIns="182880" rIns="182880" bIns="182880" rtlCol="0" anchor="ctr"/>
-          <a:lstStyle/>
-          <a:p>
-            <a:pPr algn="ctr">
-              <a:spcBef>
-                <a:spcPts val="600"/>
-              </a:spcBef>
-            </a:pPr>
-            <a:endParaRPr lang="en-US" sz="2000" dirty="0" smtClean="0">
-              <a:solidFill>
-                <a:schemeClr val="bg1"/>
-              </a:solidFill>
-            </a:endParaRPr>
-          </a:p>
-        </p:txBody>
-      </p:sp>
-    </p:spTree>
-    <p:extLst>
-      <p:ext uri="{BB962C8B-B14F-4D97-AF65-F5344CB8AC3E}">
-        <p14:creationId xmlns:p14="http://schemas.microsoft.com/office/powerpoint/2010/main" val="2959855955"/>
-      </p:ext>
-    </p:extLst>
-  </p:cSld>
-  <p:clrMapOvr>
-    <a:masterClrMapping/>
-  </p:clrMapOvr>
-  <p:timing>
-    <p:tnLst>
-      <p:par>
-        <p:cTn id="1" dur="indefinite" restart="never" nodeType="tmRoot">
-          <p:childTnLst>
-            <p:seq concurrent="1" nextAc="seek">
-              <p:cTn id="2" dur="indefinite" nodeType="mainSeq">
-                <p:childTnLst>
-                  <p:par>
-                    <p:cTn id="3" fill="hold">
-                      <p:stCondLst>
-                        <p:cond delay="indefinite"/>
-                      </p:stCondLst>
-                      <p:childTnLst>
-                        <p:par>
-                          <p:cTn id="4" fill="hold">
-                            <p:stCondLst>
-                              <p:cond delay="0"/>
-                            </p:stCondLst>
-                            <p:childTnLst>
-                              <p:par>
-                                <p:cTn id="5" presetID="1" presetClass="exit" presetSubtype="0" fill="hold" nodeType="clickEffect">
-                                  <p:stCondLst>
-                                    <p:cond delay="0"/>
-                                  </p:stCondLst>
-                                  <p:childTnLst>
-                                    <p:set>
-                                      <p:cBhvr>
-                                        <p:cTn id="6" dur="1" fill="hold">
-                                          <p:stCondLst>
-                                            <p:cond delay="0"/>
-                                          </p:stCondLst>
-                                        </p:cTn>
-                                        <p:tgtEl>
-                                          <p:spTgt spid="4"/>
-                                        </p:tgtEl>
-                                        <p:attrNameLst>
-                                          <p:attrName>style.visibility</p:attrName>
-                                        </p:attrNameLst>
-                                      </p:cBhvr>
-                                      <p:to>
-                                        <p:strVal val="hidden"/>
-                                      </p:to>
-                                    </p:set>
-                                  </p:childTnLst>
-                                </p:cTn>
-                              </p:par>
-                              <p:par>
-                                <p:cTn id="7" presetID="10" presetClass="entr" presetSubtype="0" fill="hold" nodeType="withEffect">
-                                  <p:stCondLst>
-                                    <p:cond delay="0"/>
-                                  </p:stCondLst>
-                                  <p:childTnLst>
-                                    <p:set>
-                                      <p:cBhvr>
-                                        <p:cTn id="8" dur="1" fill="hold">
-                                          <p:stCondLst>
-                                            <p:cond delay="0"/>
-                                          </p:stCondLst>
-                                        </p:cTn>
-                                        <p:tgtEl>
-                                          <p:spTgt spid="5"/>
-                                        </p:tgtEl>
-                                        <p:attrNameLst>
-                                          <p:attrName>style.visibility</p:attrName>
-                                        </p:attrNameLst>
-                                      </p:cBhvr>
-                                      <p:to>
-                                        <p:strVal val="visible"/>
-                                      </p:to>
-                                    </p:set>
-                                    <p:animEffect transition="in" filter="fade">
-                                      <p:cBhvr>
-                                        <p:cTn id="9" dur="500"/>
-                                        <p:tgtEl>
-                                          <p:spTgt spid="5"/>
-                                        </p:tgtEl>
-                                      </p:cBhvr>
-                                    </p:animEffect>
-                                  </p:childTnLst>
-                                </p:cTn>
-                              </p:par>
-                            </p:childTnLst>
-                          </p:cTn>
-                        </p:par>
-                      </p:childTnLst>
-                    </p:cTn>
-                  </p:par>
-                  <p:par>
-                    <p:cTn id="10" fill="hold">
-                      <p:stCondLst>
-                        <p:cond delay="indefinite"/>
-                      </p:stCondLst>
-                      <p:childTnLst>
-                        <p:par>
-                          <p:cTn id="11" fill="hold">
-                            <p:stCondLst>
-                              <p:cond delay="0"/>
-                            </p:stCondLst>
-                            <p:childTnLst>
-                              <p:par>
-                                <p:cTn id="12" presetID="10" presetClass="entr" presetSubtype="0" fill="hold" grpId="0" nodeType="clickEffect">
-                                  <p:stCondLst>
-                                    <p:cond delay="0"/>
-                                  </p:stCondLst>
-                                  <p:childTnLst>
-                                    <p:set>
-                                      <p:cBhvr>
-                                        <p:cTn id="13" dur="1" fill="hold">
-                                          <p:stCondLst>
-                                            <p:cond delay="0"/>
-                                          </p:stCondLst>
-                                        </p:cTn>
-                                        <p:tgtEl>
-                                          <p:spTgt spid="3"/>
-                                        </p:tgtEl>
-                                        <p:attrNameLst>
-                                          <p:attrName>style.visibility</p:attrName>
-                                        </p:attrNameLst>
-                                      </p:cBhvr>
-                                      <p:to>
-                                        <p:strVal val="visible"/>
-                                      </p:to>
-                                    </p:set>
-                                    <p:animEffect transition="in" filter="fade">
-                                      <p:cBhvr>
-                                        <p:cTn id="14" dur="500"/>
-                                        <p:tgtEl>
-                                          <p:spTgt spid="3"/>
-                                        </p:tgtEl>
-                                      </p:cBhvr>
-                                    </p:animEffect>
-                                  </p:childTnLst>
-                                </p:cTn>
-                              </p:par>
-                            </p:childTnLst>
-                          </p:cTn>
-                        </p:par>
-                      </p:childTnLst>
-                    </p:cTn>
-                  </p:par>
-                </p:childTnLst>
-              </p:cTn>
-              <p:prevCondLst>
-                <p:cond evt="onPrev" delay="0">
-                  <p:tgtEl>
-                    <p:sldTgt/>
-                  </p:tgtEl>
-                </p:cond>
-              </p:prevCondLst>
-              <p:nextCondLst>
-                <p:cond evt="onNext" delay="0">
-                  <p:tgtEl>
-                    <p:sldTgt/>
-                  </p:tgtEl>
-                </p:cond>
-              </p:nextCondLst>
-            </p:seq>
-          </p:childTnLst>
-        </p:cTn>
-      </p:par>
-    </p:tnLst>
-    <p:bldLst>
-      <p:bldP spid="3" grpId="0" animBg="1"/>
-    </p:bldLst>
-  </p:timing>
-</p:sld>
-</file>
-
-<file path=ppt/slides/slide22.xml><?xml version="1.0" encoding="utf-8"?>
-<p:sld xmlns:a="http://schemas.openxmlformats.org/drawingml/2006/main" xmlns:r="http://schemas.openxmlformats.org/officeDocument/2006/relationships" xmlns:p="http://schemas.openxmlformats.org/presentationml/2006/main">
-  <p:cSld>
-    <p:spTree>
-      <p:nvGrpSpPr>
-        <p:cNvPr id="1" name=""/>
-        <p:cNvGrpSpPr/>
-        <p:nvPr/>
-      </p:nvGrpSpPr>
-      <p:grpSpPr>
-        <a:xfrm>
-          <a:off x="0" y="0"/>
-          <a:ext cx="0" cy="0"/>
-          <a:chOff x="0" y="0"/>
-          <a:chExt cx="0" cy="0"/>
-        </a:xfrm>
-      </p:grpSpPr>
-      <p:sp>
-        <p:nvSpPr>
-          <p:cNvPr id="2" name="Title 1"/>
-          <p:cNvSpPr>
-            <a:spLocks noGrp="1"/>
-          </p:cNvSpPr>
-          <p:nvPr>
-            <p:ph type="title"/>
-          </p:nvPr>
-        </p:nvSpPr>
-        <p:spPr/>
-        <p:txBody>
-          <a:bodyPr/>
-          <a:lstStyle/>
-          <a:p>
-            <a:r>
-              <a:rPr lang="en-US" smtClean="0"/>
+              <a:rPr lang="en-US"/>
               <a:t>Azure Portal</a:t>
             </a:r>
-            <a:endParaRPr lang="en-US"/>
           </a:p>
         </p:txBody>
       </p:sp>
@@ -11736,24 +7180,17 @@
     </p:spTree>
     <p:extLst>
       <p:ext uri="{BB962C8B-B14F-4D97-AF65-F5344CB8AC3E}">
-        <p14:creationId xmlns:p14="http://schemas.microsoft.com/office/powerpoint/2010/main" val="3740842786"/>
+        <p14:creationId xmlns:p14="http://schemas.microsoft.com/office/powerpoint/2010/main" val="380727323"/>
       </p:ext>
     </p:extLst>
   </p:cSld>
   <p:clrMapOvr>
     <a:masterClrMapping/>
   </p:clrMapOvr>
-  <p:timing>
-    <p:tnLst>
-      <p:par>
-        <p:cTn id="1" dur="indefinite" restart="never" nodeType="tmRoot"/>
-      </p:par>
-    </p:tnLst>
-  </p:timing>
 </p:sld>
 </file>
 
-<file path=ppt/slides/slide23.xml><?xml version="1.0" encoding="utf-8"?>
+<file path=ppt/slides/slide14.xml><?xml version="1.0" encoding="utf-8"?>
 <p:sld xmlns:a="http://schemas.openxmlformats.org/drawingml/2006/main" xmlns:r="http://schemas.openxmlformats.org/officeDocument/2006/relationships" xmlns:p="http://schemas.openxmlformats.org/presentationml/2006/main">
   <p:cSld>
     <p:spTree>
@@ -11772,12 +7209,12 @@
       </p:grpSpPr>
       <p:sp>
         <p:nvSpPr>
-          <p:cNvPr id="4" name="Text Placeholder 3"/>
+          <p:cNvPr id="2" name="Title 1"/>
           <p:cNvSpPr>
             <a:spLocks noGrp="1"/>
           </p:cNvSpPr>
           <p:nvPr>
-            <p:ph type="body" sz="quarter" idx="12"/>
+            <p:ph type="title"/>
           </p:nvPr>
         </p:nvSpPr>
         <p:spPr/>
@@ -11786,151 +7223,101 @@
           <a:lstStyle/>
           <a:p>
             <a:r>
-              <a:rPr lang="en-US" b="1" smtClean="0">
-                <a:solidFill>
-                  <a:srgbClr val="F15B2A"/>
-                </a:solidFill>
-              </a:rPr>
-              <a:t>View resource group</a:t>
-            </a:r>
-          </a:p>
-          <a:p>
-            <a:pPr lvl="1"/>
-            <a:r>
-              <a:rPr lang="en-US" b="1" smtClean="0">
-                <a:solidFill>
-                  <a:srgbClr val="F15B2A"/>
-                </a:solidFill>
-              </a:rPr>
-              <a:t>Automation script</a:t>
-            </a:r>
-          </a:p>
-          <a:p>
-            <a:pPr lvl="1"/>
-            <a:r>
-              <a:rPr lang="en-US" b="1" smtClean="0">
-                <a:solidFill>
-                  <a:srgbClr val="F15B2A"/>
-                </a:solidFill>
-              </a:rPr>
-              <a:t>Deployments link</a:t>
-            </a:r>
-          </a:p>
-          <a:p>
-            <a:r>
-              <a:rPr lang="en-US" b="1" smtClean="0">
-                <a:solidFill>
-                  <a:srgbClr val="F15B2A"/>
-                </a:solidFill>
-              </a:rPr>
-              <a:t>Azure Quickstart templates</a:t>
-            </a:r>
-          </a:p>
-          <a:p>
-            <a:r>
-              <a:rPr lang="en-US" b="1" smtClean="0">
-                <a:solidFill>
-                  <a:srgbClr val="F15B2A"/>
-                </a:solidFill>
-              </a:rPr>
-              <a:t>ArmVIZ</a:t>
-            </a:r>
-          </a:p>
-          <a:p>
-            <a:endParaRPr lang="en-US" dirty="0"/>
-          </a:p>
-        </p:txBody>
-      </p:sp>
-      <p:sp>
-        <p:nvSpPr>
-          <p:cNvPr id="2" name="Rectangle 1"/>
-          <p:cNvSpPr/>
+              <a:rPr lang="en-US" dirty="0"/>
+              <a:t>Demo Tasks</a:t>
+            </a:r>
+          </a:p>
+        </p:txBody>
+      </p:sp>
+      <p:sp>
+        <p:nvSpPr>
+          <p:cNvPr id="3" name="Content Placeholder 2"/>
+          <p:cNvSpPr>
+            <a:spLocks noGrp="1"/>
+          </p:cNvSpPr>
+          <p:nvPr>
+            <p:ph idx="1"/>
+          </p:nvPr>
+        </p:nvSpPr>
+        <p:spPr/>
+        <p:txBody>
+          <a:bodyPr/>
+          <a:lstStyle/>
+          <a:p>
+            <a:r>
+              <a:rPr lang="en-US" dirty="0"/>
+              <a:t>Resource Explorer</a:t>
+            </a:r>
+          </a:p>
+          <a:p>
+            <a:r>
+              <a:rPr lang="en-US" dirty="0"/>
+              <a:t>Automation Script</a:t>
+            </a:r>
+          </a:p>
+          <a:p>
+            <a:r>
+              <a:rPr lang="en-US" dirty="0"/>
+              <a:t>Resource Group &gt; Deployments</a:t>
+            </a:r>
+          </a:p>
+        </p:txBody>
+      </p:sp>
+      <p:pic>
+        <p:nvPicPr>
+          <p:cNvPr id="1026" name="Picture 2" descr="Lecture, Conference, Mission, Planning, Plan, Cat"/>
+          <p:cNvPicPr>
+            <a:picLocks noChangeAspect="1" noChangeArrowheads="1"/>
+          </p:cNvPicPr>
           <p:nvPr/>
-        </p:nvSpPr>
-        <p:spPr>
+        </p:nvPicPr>
+        <p:blipFill>
+          <a:blip r:embed="rId2">
+            <a:extLst>
+              <a:ext uri="{28A0092B-C50C-407E-A947-70E740481C1C}">
+                <a14:useLocalDpi xmlns:a14="http://schemas.microsoft.com/office/drawing/2010/main" val="0"/>
+              </a:ext>
+            </a:extLst>
+          </a:blip>
+          <a:srcRect/>
+          <a:stretch>
+            <a:fillRect/>
+          </a:stretch>
+        </p:blipFill>
+        <p:spPr bwMode="auto">
           <a:xfrm>
-            <a:off x="1567010" y="4292795"/>
-            <a:ext cx="1461415" cy="1446550"/>
+            <a:off x="5863742" y="1792224"/>
+            <a:ext cx="5654650" cy="3534156"/>
           </a:xfrm>
           <a:prstGeom prst="rect">
             <a:avLst/>
           </a:prstGeom>
           <a:noFill/>
+          <a:extLst>
+            <a:ext uri="{909E8E84-426E-40DD-AFC4-6F175D3DCCD1}">
+              <a14:hiddenFill xmlns:a14="http://schemas.microsoft.com/office/drawing/2010/main">
+                <a:solidFill>
+                  <a:srgbClr val="FFFFFF"/>
+                </a:solidFill>
+              </a14:hiddenFill>
+            </a:ext>
+          </a:extLst>
         </p:spPr>
-        <p:txBody>
-          <a:bodyPr wrap="square" lIns="91440" tIns="45720" rIns="91440" bIns="45720">
-            <a:spAutoFit/>
-          </a:bodyPr>
-          <a:lstStyle/>
-          <a:p>
-            <a:pPr algn="ctr"/>
-            <a:r>
-              <a:rPr lang="en-US" sz="8800" b="1" cap="none" spc="50" smtClean="0">
-                <a:ln w="9525" cmpd="sng">
-                  <a:solidFill>
-                    <a:schemeClr val="accent1"/>
-                  </a:solidFill>
-                  <a:prstDash val="solid"/>
-                </a:ln>
-                <a:solidFill>
-                  <a:srgbClr val="70AD47">
-                    <a:tint val="1000"/>
-                  </a:srgbClr>
-                </a:solidFill>
-                <a:effectLst>
-                  <a:glow rad="38100">
-                    <a:schemeClr val="accent1">
-                      <a:alpha val="40000"/>
-                    </a:schemeClr>
-                  </a:glow>
-                </a:effectLst>
-              </a:rPr>
-              <a:t>2</a:t>
-            </a:r>
-            <a:endParaRPr lang="en-US" sz="8800" b="1" cap="none" spc="50">
-              <a:ln w="9525" cmpd="sng">
-                <a:solidFill>
-                  <a:schemeClr val="accent1"/>
-                </a:solidFill>
-                <a:prstDash val="solid"/>
-              </a:ln>
-              <a:solidFill>
-                <a:srgbClr val="70AD47">
-                  <a:tint val="1000"/>
-                </a:srgbClr>
-              </a:solidFill>
-              <a:effectLst>
-                <a:glow rad="38100">
-                  <a:schemeClr val="accent1">
-                    <a:alpha val="40000"/>
-                  </a:schemeClr>
-                </a:glow>
-              </a:effectLst>
-            </a:endParaRPr>
-          </a:p>
-        </p:txBody>
-      </p:sp>
+      </p:pic>
     </p:spTree>
     <p:extLst>
       <p:ext uri="{BB962C8B-B14F-4D97-AF65-F5344CB8AC3E}">
-        <p14:creationId xmlns:p14="http://schemas.microsoft.com/office/powerpoint/2010/main" val="2187710391"/>
+        <p14:creationId xmlns:p14="http://schemas.microsoft.com/office/powerpoint/2010/main" val="2797034559"/>
       </p:ext>
     </p:extLst>
   </p:cSld>
   <p:clrMapOvr>
     <a:masterClrMapping/>
   </p:clrMapOvr>
-  <p:timing>
-    <p:tnLst>
-      <p:par>
-        <p:cTn id="1" dur="indefinite" restart="never" nodeType="tmRoot"/>
-      </p:par>
-    </p:tnLst>
-  </p:timing>
 </p:sld>
 </file>
 
-<file path=ppt/slides/slide24.xml><?xml version="1.0" encoding="utf-8"?>
+<file path=ppt/slides/slide15.xml><?xml version="1.0" encoding="utf-8"?>
 <p:sld xmlns:a="http://schemas.openxmlformats.org/drawingml/2006/main" xmlns:r="http://schemas.openxmlformats.org/officeDocument/2006/relationships" xmlns:p="http://schemas.openxmlformats.org/presentationml/2006/main">
   <p:cSld>
     <p:spTree>
@@ -11949,12 +7336,12 @@
       </p:grpSpPr>
       <p:sp>
         <p:nvSpPr>
-          <p:cNvPr id="2" name="Title 1"/>
+          <p:cNvPr id="4" name="Title 3"/>
           <p:cNvSpPr>
             <a:spLocks noGrp="1"/>
           </p:cNvSpPr>
           <p:nvPr>
-            <p:ph type="title"/>
+            <p:ph type="ctrTitle"/>
           </p:nvPr>
         </p:nvSpPr>
         <p:spPr/>
@@ -11963,34 +7350,26 @@
           <a:lstStyle/>
           <a:p>
             <a:r>
-              <a:rPr lang="en-US" smtClean="0"/>
-              <a:t>Deploy an n-Tier Web Application </a:t>
-            </a:r>
-            <a:endParaRPr lang="en-US"/>
+              <a:rPr lang="en-US" dirty="0"/>
+              <a:t>Deploy a Web App</a:t>
+            </a:r>
           </a:p>
         </p:txBody>
       </p:sp>
     </p:spTree>
     <p:extLst>
       <p:ext uri="{BB962C8B-B14F-4D97-AF65-F5344CB8AC3E}">
-        <p14:creationId xmlns:p14="http://schemas.microsoft.com/office/powerpoint/2010/main" val="3859677524"/>
+        <p14:creationId xmlns:p14="http://schemas.microsoft.com/office/powerpoint/2010/main" val="3513632723"/>
       </p:ext>
     </p:extLst>
   </p:cSld>
   <p:clrMapOvr>
     <a:masterClrMapping/>
   </p:clrMapOvr>
-  <p:timing>
-    <p:tnLst>
-      <p:par>
-        <p:cTn id="1" dur="indefinite" restart="never" nodeType="tmRoot"/>
-      </p:par>
-    </p:tnLst>
-  </p:timing>
 </p:sld>
 </file>
 
-<file path=ppt/slides/slide25.xml><?xml version="1.0" encoding="utf-8"?>
+<file path=ppt/slides/slide16.xml><?xml version="1.0" encoding="utf-8"?>
 <p:sld xmlns:a="http://schemas.openxmlformats.org/drawingml/2006/main" xmlns:r="http://schemas.openxmlformats.org/officeDocument/2006/relationships" xmlns:p="http://schemas.openxmlformats.org/presentationml/2006/main">
   <p:cSld>
     <p:spTree>
@@ -12023,410 +7402,9 @@
           <a:lstStyle/>
           <a:p>
             <a:r>
-              <a:rPr lang="en-US" smtClean="0"/>
-              <a:t>Template Deployment</a:t>
-            </a:r>
-            <a:endParaRPr lang="en-US"/>
-          </a:p>
-        </p:txBody>
-      </p:sp>
-      <p:pic>
-        <p:nvPicPr>
-          <p:cNvPr id="4" name="Picture 3"/>
-          <p:cNvPicPr>
-            <a:picLocks noChangeAspect="1"/>
-          </p:cNvPicPr>
-          <p:nvPr/>
-        </p:nvPicPr>
-        <p:blipFill>
-          <a:blip r:embed="rId2"/>
-          <a:stretch>
-            <a:fillRect/>
-          </a:stretch>
-        </p:blipFill>
-        <p:spPr>
-          <a:xfrm>
-            <a:off x="1220793" y="2030626"/>
-            <a:ext cx="9750415" cy="2796749"/>
-          </a:xfrm>
-          <a:prstGeom prst="rect">
-            <a:avLst/>
-          </a:prstGeom>
-        </p:spPr>
-      </p:pic>
-      <p:sp>
-        <p:nvSpPr>
-          <p:cNvPr id="5" name="Line Callout 1 4"/>
-          <p:cNvSpPr/>
-          <p:nvPr/>
-        </p:nvSpPr>
-        <p:spPr>
-          <a:xfrm>
-            <a:off x="6873767" y="4379594"/>
-            <a:ext cx="4969075" cy="1536192"/>
-          </a:xfrm>
-          <a:prstGeom prst="borderCallout1">
-            <a:avLst>
-              <a:gd name="adj1" fmla="val 18750"/>
-              <a:gd name="adj2" fmla="val -8333"/>
-              <a:gd name="adj3" fmla="val -80391"/>
-              <a:gd name="adj4" fmla="val -2589"/>
-            </a:avLst>
-          </a:prstGeom>
-          <a:solidFill>
-            <a:schemeClr val="accent1"/>
-          </a:solidFill>
-          <a:ln>
-            <a:solidFill>
-              <a:schemeClr val="tx1"/>
-            </a:solidFill>
-          </a:ln>
-          <a:effectLst/>
-        </p:spPr>
-        <p:style>
-          <a:lnRef idx="2">
-            <a:schemeClr val="accent1"/>
-          </a:lnRef>
-          <a:fillRef idx="0">
-            <a:schemeClr val="accent1"/>
-          </a:fillRef>
-          <a:effectRef idx="1">
-            <a:schemeClr val="accent1"/>
-          </a:effectRef>
-          <a:fontRef idx="minor">
-            <a:schemeClr val="tx1"/>
-          </a:fontRef>
-        </p:style>
-        <p:txBody>
-          <a:bodyPr lIns="182880" tIns="182880" rIns="182880" bIns="182880" rtlCol="0" anchor="ctr"/>
-          <a:lstStyle/>
-          <a:p>
-            <a:pPr algn="ctr">
-              <a:spcBef>
-                <a:spcPts val="600"/>
-              </a:spcBef>
-            </a:pPr>
-            <a:r>
-              <a:rPr lang="en-US" sz="2000" smtClean="0">
-                <a:solidFill>
-                  <a:schemeClr val="bg1"/>
-                </a:solidFill>
-              </a:rPr>
-              <a:t>Complete (strict)</a:t>
-            </a:r>
-          </a:p>
-          <a:p>
-            <a:pPr algn="ctr">
-              <a:spcBef>
-                <a:spcPts val="600"/>
-              </a:spcBef>
-            </a:pPr>
-            <a:r>
-              <a:rPr lang="en-US" sz="2000" smtClean="0">
-                <a:solidFill>
-                  <a:schemeClr val="bg1"/>
-                </a:solidFill>
-              </a:rPr>
-              <a:t>Incremental (no deletion of existing resources)</a:t>
-            </a:r>
-            <a:endParaRPr lang="en-US" sz="2000" dirty="0" smtClean="0">
-              <a:solidFill>
-                <a:schemeClr val="bg1"/>
-              </a:solidFill>
-            </a:endParaRPr>
-          </a:p>
-        </p:txBody>
-      </p:sp>
-      <p:sp>
-        <p:nvSpPr>
-          <p:cNvPr id="6" name="Line Callout 1 5"/>
-          <p:cNvSpPr/>
-          <p:nvPr/>
-        </p:nvSpPr>
-        <p:spPr>
-          <a:xfrm>
-            <a:off x="945932" y="4999705"/>
-            <a:ext cx="4969075" cy="1536192"/>
-          </a:xfrm>
-          <a:prstGeom prst="borderCallout1">
-            <a:avLst>
-              <a:gd name="adj1" fmla="val 18750"/>
-              <a:gd name="adj2" fmla="val -8333"/>
-              <a:gd name="adj3" fmla="val -85864"/>
-              <a:gd name="adj4" fmla="val 12429"/>
-            </a:avLst>
-          </a:prstGeom>
-          <a:solidFill>
-            <a:schemeClr val="accent1"/>
-          </a:solidFill>
-          <a:ln>
-            <a:solidFill>
-              <a:schemeClr val="tx1"/>
-            </a:solidFill>
-          </a:ln>
-          <a:effectLst/>
-        </p:spPr>
-        <p:style>
-          <a:lnRef idx="2">
-            <a:schemeClr val="accent1"/>
-          </a:lnRef>
-          <a:fillRef idx="0">
-            <a:schemeClr val="accent1"/>
-          </a:fillRef>
-          <a:effectRef idx="1">
-            <a:schemeClr val="accent1"/>
-          </a:effectRef>
-          <a:fontRef idx="minor">
-            <a:schemeClr val="tx1"/>
-          </a:fontRef>
-        </p:style>
-        <p:txBody>
-          <a:bodyPr lIns="182880" tIns="182880" rIns="182880" bIns="182880" rtlCol="0" anchor="ctr"/>
-          <a:lstStyle/>
-          <a:p>
-            <a:pPr algn="ctr">
-              <a:spcBef>
-                <a:spcPts val="600"/>
-              </a:spcBef>
-            </a:pPr>
-            <a:r>
-              <a:rPr lang="en-US" sz="2000" smtClean="0">
-                <a:solidFill>
-                  <a:schemeClr val="bg1"/>
-                </a:solidFill>
-              </a:rPr>
-              <a:t>Can be local file or URI</a:t>
-            </a:r>
-            <a:endParaRPr lang="en-US" sz="2000" dirty="0" smtClean="0">
-              <a:solidFill>
-                <a:schemeClr val="bg1"/>
-              </a:solidFill>
-            </a:endParaRPr>
-          </a:p>
-        </p:txBody>
-      </p:sp>
-    </p:spTree>
-    <p:extLst>
-      <p:ext uri="{BB962C8B-B14F-4D97-AF65-F5344CB8AC3E}">
-        <p14:creationId xmlns:p14="http://schemas.microsoft.com/office/powerpoint/2010/main" val="290504819"/>
-      </p:ext>
-    </p:extLst>
-  </p:cSld>
-  <p:clrMapOvr>
-    <a:masterClrMapping/>
-  </p:clrMapOvr>
-  <p:timing>
-    <p:tnLst>
-      <p:par>
-        <p:cTn id="1" dur="indefinite" restart="never" nodeType="tmRoot">
-          <p:childTnLst>
-            <p:seq concurrent="1" nextAc="seek">
-              <p:cTn id="2" dur="indefinite" nodeType="mainSeq">
-                <p:childTnLst>
-                  <p:par>
-                    <p:cTn id="3" fill="hold">
-                      <p:stCondLst>
-                        <p:cond delay="indefinite"/>
-                      </p:stCondLst>
-                      <p:childTnLst>
-                        <p:par>
-                          <p:cTn id="4" fill="hold">
-                            <p:stCondLst>
-                              <p:cond delay="0"/>
-                            </p:stCondLst>
-                            <p:childTnLst>
-                              <p:par>
-                                <p:cTn id="5" presetID="10" presetClass="entr" presetSubtype="0" fill="hold" grpId="0" nodeType="clickEffect">
-                                  <p:stCondLst>
-                                    <p:cond delay="0"/>
-                                  </p:stCondLst>
-                                  <p:childTnLst>
-                                    <p:set>
-                                      <p:cBhvr>
-                                        <p:cTn id="6" dur="1" fill="hold">
-                                          <p:stCondLst>
-                                            <p:cond delay="0"/>
-                                          </p:stCondLst>
-                                        </p:cTn>
-                                        <p:tgtEl>
-                                          <p:spTgt spid="5"/>
-                                        </p:tgtEl>
-                                        <p:attrNameLst>
-                                          <p:attrName>style.visibility</p:attrName>
-                                        </p:attrNameLst>
-                                      </p:cBhvr>
-                                      <p:to>
-                                        <p:strVal val="visible"/>
-                                      </p:to>
-                                    </p:set>
-                                    <p:animEffect transition="in" filter="fade">
-                                      <p:cBhvr>
-                                        <p:cTn id="7" dur="500"/>
-                                        <p:tgtEl>
-                                          <p:spTgt spid="5"/>
-                                        </p:tgtEl>
-                                      </p:cBhvr>
-                                    </p:animEffect>
-                                  </p:childTnLst>
-                                  <p:subTnLst>
-                                    <p:set>
-                                      <p:cBhvr override="childStyle">
-                                        <p:cTn dur="1" fill="hold" display="0" masterRel="nextClick" afterEffect="1"/>
-                                        <p:tgtEl>
-                                          <p:spTgt spid="5"/>
-                                        </p:tgtEl>
-                                        <p:attrNameLst>
-                                          <p:attrName>style.visibility</p:attrName>
-                                        </p:attrNameLst>
-                                      </p:cBhvr>
-                                      <p:to>
-                                        <p:strVal val="hidden"/>
-                                      </p:to>
-                                    </p:set>
-                                  </p:subTnLst>
-                                </p:cTn>
-                              </p:par>
-                            </p:childTnLst>
-                          </p:cTn>
-                        </p:par>
-                      </p:childTnLst>
-                    </p:cTn>
-                  </p:par>
-                  <p:par>
-                    <p:cTn id="8" fill="hold">
-                      <p:stCondLst>
-                        <p:cond delay="indefinite"/>
-                      </p:stCondLst>
-                      <p:childTnLst>
-                        <p:par>
-                          <p:cTn id="9" fill="hold">
-                            <p:stCondLst>
-                              <p:cond delay="0"/>
-                            </p:stCondLst>
-                            <p:childTnLst>
-                              <p:par>
-                                <p:cTn id="10" presetID="10" presetClass="entr" presetSubtype="0" fill="hold" grpId="0" nodeType="clickEffect">
-                                  <p:stCondLst>
-                                    <p:cond delay="0"/>
-                                  </p:stCondLst>
-                                  <p:childTnLst>
-                                    <p:set>
-                                      <p:cBhvr>
-                                        <p:cTn id="11" dur="1" fill="hold">
-                                          <p:stCondLst>
-                                            <p:cond delay="0"/>
-                                          </p:stCondLst>
-                                        </p:cTn>
-                                        <p:tgtEl>
-                                          <p:spTgt spid="6"/>
-                                        </p:tgtEl>
-                                        <p:attrNameLst>
-                                          <p:attrName>style.visibility</p:attrName>
-                                        </p:attrNameLst>
-                                      </p:cBhvr>
-                                      <p:to>
-                                        <p:strVal val="visible"/>
-                                      </p:to>
-                                    </p:set>
-                                    <p:animEffect transition="in" filter="fade">
-                                      <p:cBhvr>
-                                        <p:cTn id="12" dur="500"/>
-                                        <p:tgtEl>
-                                          <p:spTgt spid="6"/>
-                                        </p:tgtEl>
-                                      </p:cBhvr>
-                                    </p:animEffect>
-                                  </p:childTnLst>
-                                  <p:subTnLst>
-                                    <p:set>
-                                      <p:cBhvr override="childStyle">
-                                        <p:cTn dur="1" fill="hold" display="0" masterRel="nextClick" afterEffect="1"/>
-                                        <p:tgtEl>
-                                          <p:spTgt spid="6"/>
-                                        </p:tgtEl>
-                                        <p:attrNameLst>
-                                          <p:attrName>style.visibility</p:attrName>
-                                        </p:attrNameLst>
-                                      </p:cBhvr>
-                                      <p:to>
-                                        <p:strVal val="hidden"/>
-                                      </p:to>
-                                    </p:set>
-                                  </p:subTnLst>
-                                </p:cTn>
-                              </p:par>
-                            </p:childTnLst>
-                          </p:cTn>
-                        </p:par>
-                      </p:childTnLst>
-                    </p:cTn>
-                  </p:par>
-                </p:childTnLst>
-              </p:cTn>
-              <p:prevCondLst>
-                <p:cond evt="onPrev" delay="0">
-                  <p:tgtEl>
-                    <p:sldTgt/>
-                  </p:tgtEl>
-                </p:cond>
-              </p:prevCondLst>
-              <p:nextCondLst>
-                <p:cond evt="onNext" delay="0">
-                  <p:tgtEl>
-                    <p:sldTgt/>
-                  </p:tgtEl>
-                </p:cond>
-              </p:nextCondLst>
-            </p:seq>
-          </p:childTnLst>
-        </p:cTn>
-      </p:par>
-    </p:tnLst>
-    <p:bldLst>
-      <p:bldP spid="5" grpId="0" animBg="1"/>
-      <p:bldP spid="6" grpId="0" animBg="1"/>
-    </p:bldLst>
-  </p:timing>
-</p:sld>
-</file>
-
-<file path=ppt/slides/slide26.xml><?xml version="1.0" encoding="utf-8"?>
-<p:sld xmlns:a="http://schemas.openxmlformats.org/drawingml/2006/main" xmlns:r="http://schemas.openxmlformats.org/officeDocument/2006/relationships" xmlns:p="http://schemas.openxmlformats.org/presentationml/2006/main">
-  <p:cSld>
-    <p:spTree>
-      <p:nvGrpSpPr>
-        <p:cNvPr id="1" name=""/>
-        <p:cNvGrpSpPr/>
-        <p:nvPr/>
-      </p:nvGrpSpPr>
-      <p:grpSpPr>
-        <a:xfrm>
-          <a:off x="0" y="0"/>
-          <a:ext cx="0" cy="0"/>
-          <a:chOff x="0" y="0"/>
-          <a:chExt cx="0" cy="0"/>
-        </a:xfrm>
-      </p:grpSpPr>
-      <p:sp>
-        <p:nvSpPr>
-          <p:cNvPr id="2" name="Title 1"/>
-          <p:cNvSpPr>
-            <a:spLocks noGrp="1"/>
-          </p:cNvSpPr>
-          <p:nvPr>
-            <p:ph type="title"/>
-          </p:nvPr>
-        </p:nvSpPr>
-        <p:spPr/>
-        <p:txBody>
-          <a:bodyPr/>
-          <a:lstStyle/>
-          <a:p>
-            <a:r>
-              <a:rPr lang="en-US" smtClean="0"/>
-              <a:t>Our Solution</a:t>
-            </a:r>
-            <a:endParaRPr lang="en-US"/>
+              <a:rPr lang="en-US" dirty="0"/>
+              <a:t>Our “Simple” PaaS Solution</a:t>
+            </a:r>
           </a:p>
         </p:txBody>
       </p:sp>
@@ -12499,7 +7477,7 @@
                 <a:spcPts val="600"/>
               </a:spcBef>
             </a:pPr>
-            <a:endParaRPr lang="en-US" sz="2000" dirty="0" smtClean="0">
+            <a:endParaRPr lang="en-US" sz="2000" dirty="0">
               <a:solidFill>
                 <a:schemeClr val="bg1"/>
               </a:solidFill>
@@ -12552,7 +7530,7 @@
                 <a:spcPts val="600"/>
               </a:spcBef>
             </a:pPr>
-            <a:endParaRPr lang="en-US" sz="2000" dirty="0" smtClean="0">
+            <a:endParaRPr lang="en-US" sz="2000" dirty="0">
               <a:solidFill>
                 <a:schemeClr val="bg1"/>
               </a:solidFill>
@@ -12605,7 +7583,7 @@
                 <a:spcPts val="600"/>
               </a:spcBef>
             </a:pPr>
-            <a:endParaRPr lang="en-US" sz="2000" dirty="0" smtClean="0">
+            <a:endParaRPr lang="en-US" sz="2000" dirty="0">
               <a:solidFill>
                 <a:schemeClr val="bg1"/>
               </a:solidFill>
@@ -12658,7 +7636,7 @@
                 <a:spcPts val="600"/>
               </a:spcBef>
             </a:pPr>
-            <a:endParaRPr lang="en-US" sz="2000" dirty="0" smtClean="0">
+            <a:endParaRPr lang="en-US" sz="2000" dirty="0">
               <a:solidFill>
                 <a:schemeClr val="bg1"/>
               </a:solidFill>
@@ -12711,7 +7689,7 @@
                 <a:spcPts val="600"/>
               </a:spcBef>
             </a:pPr>
-            <a:endParaRPr lang="en-US" sz="2000" dirty="0" smtClean="0">
+            <a:endParaRPr lang="en-US" sz="2000" dirty="0">
               <a:solidFill>
                 <a:schemeClr val="bg1"/>
               </a:solidFill>
@@ -12764,7 +7742,7 @@
                 <a:spcPts val="600"/>
               </a:spcBef>
             </a:pPr>
-            <a:endParaRPr lang="en-US" sz="2000" dirty="0" smtClean="0">
+            <a:endParaRPr lang="en-US" sz="2000" dirty="0">
               <a:solidFill>
                 <a:schemeClr val="bg1"/>
               </a:solidFill>
@@ -12817,7 +7795,7 @@
                 <a:spcPts val="600"/>
               </a:spcBef>
             </a:pPr>
-            <a:endParaRPr lang="en-US" sz="2000" dirty="0" smtClean="0">
+            <a:endParaRPr lang="en-US" sz="2000" dirty="0">
               <a:solidFill>
                 <a:schemeClr val="bg1"/>
               </a:solidFill>
@@ -12870,7 +7848,7 @@
                 <a:spcPts val="600"/>
               </a:spcBef>
             </a:pPr>
-            <a:endParaRPr lang="en-US" sz="2000" dirty="0" smtClean="0">
+            <a:endParaRPr lang="en-US" sz="2000" dirty="0">
               <a:solidFill>
                 <a:schemeClr val="bg1"/>
               </a:solidFill>
@@ -12923,7 +7901,7 @@
                 <a:spcPts val="600"/>
               </a:spcBef>
             </a:pPr>
-            <a:endParaRPr lang="en-US" sz="2000" dirty="0" smtClean="0">
+            <a:endParaRPr lang="en-US" sz="2000" dirty="0">
               <a:solidFill>
                 <a:schemeClr val="bg1"/>
               </a:solidFill>
@@ -13606,6 +8584,925 @@
 </p:sld>
 </file>
 
+<file path=ppt/slides/slide17.xml><?xml version="1.0" encoding="utf-8"?>
+<p:sld xmlns:a="http://schemas.openxmlformats.org/drawingml/2006/main" xmlns:r="http://schemas.openxmlformats.org/officeDocument/2006/relationships" xmlns:p="http://schemas.openxmlformats.org/presentationml/2006/main">
+  <p:cSld>
+    <p:spTree>
+      <p:nvGrpSpPr>
+        <p:cNvPr id="1" name=""/>
+        <p:cNvGrpSpPr/>
+        <p:nvPr/>
+      </p:nvGrpSpPr>
+      <p:grpSpPr>
+        <a:xfrm>
+          <a:off x="0" y="0"/>
+          <a:ext cx="0" cy="0"/>
+          <a:chOff x="0" y="0"/>
+          <a:chExt cx="0" cy="0"/>
+        </a:xfrm>
+      </p:grpSpPr>
+      <p:sp>
+        <p:nvSpPr>
+          <p:cNvPr id="2" name="Title 1"/>
+          <p:cNvSpPr>
+            <a:spLocks noGrp="1"/>
+          </p:cNvSpPr>
+          <p:nvPr>
+            <p:ph type="title"/>
+          </p:nvPr>
+        </p:nvSpPr>
+        <p:spPr/>
+        <p:txBody>
+          <a:bodyPr/>
+          <a:lstStyle/>
+          <a:p>
+            <a:r>
+              <a:rPr lang="en-US" dirty="0"/>
+              <a:t>Demo Tasks</a:t>
+            </a:r>
+          </a:p>
+        </p:txBody>
+      </p:sp>
+      <p:sp>
+        <p:nvSpPr>
+          <p:cNvPr id="3" name="Content Placeholder 2"/>
+          <p:cNvSpPr>
+            <a:spLocks noGrp="1"/>
+          </p:cNvSpPr>
+          <p:nvPr>
+            <p:ph idx="1"/>
+          </p:nvPr>
+        </p:nvSpPr>
+        <p:spPr/>
+        <p:txBody>
+          <a:bodyPr/>
+          <a:lstStyle/>
+          <a:p>
+            <a:r>
+              <a:rPr lang="en-US" dirty="0"/>
+              <a:t>Azure </a:t>
+            </a:r>
+            <a:r>
+              <a:rPr lang="en-US" dirty="0" err="1"/>
+              <a:t>Quickstart</a:t>
+            </a:r>
+            <a:r>
+              <a:rPr lang="en-US" dirty="0"/>
+              <a:t> Templates &amp; Portal</a:t>
+            </a:r>
+          </a:p>
+          <a:p>
+            <a:r>
+              <a:rPr lang="en-US" dirty="0"/>
+              <a:t>Visual Studio</a:t>
+            </a:r>
+          </a:p>
+        </p:txBody>
+      </p:sp>
+      <p:pic>
+        <p:nvPicPr>
+          <p:cNvPr id="4" name="Picture 2" descr="Lecture, Conference, Mission, Planning, Plan, Cat"/>
+          <p:cNvPicPr>
+            <a:picLocks noChangeAspect="1" noChangeArrowheads="1"/>
+          </p:cNvPicPr>
+          <p:nvPr/>
+        </p:nvPicPr>
+        <p:blipFill>
+          <a:blip r:embed="rId2">
+            <a:extLst>
+              <a:ext uri="{28A0092B-C50C-407E-A947-70E740481C1C}">
+                <a14:useLocalDpi xmlns:a14="http://schemas.microsoft.com/office/drawing/2010/main" val="0"/>
+              </a:ext>
+            </a:extLst>
+          </a:blip>
+          <a:srcRect/>
+          <a:stretch>
+            <a:fillRect/>
+          </a:stretch>
+        </p:blipFill>
+        <p:spPr bwMode="auto">
+          <a:xfrm>
+            <a:off x="5863742" y="1792224"/>
+            <a:ext cx="5654650" cy="3534156"/>
+          </a:xfrm>
+          <a:prstGeom prst="rect">
+            <a:avLst/>
+          </a:prstGeom>
+          <a:noFill/>
+          <a:extLst>
+            <a:ext uri="{909E8E84-426E-40DD-AFC4-6F175D3DCCD1}">
+              <a14:hiddenFill xmlns:a14="http://schemas.microsoft.com/office/drawing/2010/main">
+                <a:solidFill>
+                  <a:srgbClr val="FFFFFF"/>
+                </a:solidFill>
+              </a14:hiddenFill>
+            </a:ext>
+          </a:extLst>
+        </p:spPr>
+      </p:pic>
+    </p:spTree>
+    <p:extLst>
+      <p:ext uri="{BB962C8B-B14F-4D97-AF65-F5344CB8AC3E}">
+        <p14:creationId xmlns:p14="http://schemas.microsoft.com/office/powerpoint/2010/main" val="2300319442"/>
+      </p:ext>
+    </p:extLst>
+  </p:cSld>
+  <p:clrMapOvr>
+    <a:masterClrMapping/>
+  </p:clrMapOvr>
+</p:sld>
+</file>
+
+<file path=ppt/slides/slide18.xml><?xml version="1.0" encoding="utf-8"?>
+<p:sld xmlns:a="http://schemas.openxmlformats.org/drawingml/2006/main" xmlns:r="http://schemas.openxmlformats.org/officeDocument/2006/relationships" xmlns:p="http://schemas.openxmlformats.org/presentationml/2006/main">
+  <p:cSld>
+    <p:spTree>
+      <p:nvGrpSpPr>
+        <p:cNvPr id="1" name=""/>
+        <p:cNvGrpSpPr/>
+        <p:nvPr/>
+      </p:nvGrpSpPr>
+      <p:grpSpPr>
+        <a:xfrm>
+          <a:off x="0" y="0"/>
+          <a:ext cx="0" cy="0"/>
+          <a:chOff x="0" y="0"/>
+          <a:chExt cx="0" cy="0"/>
+        </a:xfrm>
+      </p:grpSpPr>
+      <p:sp>
+        <p:nvSpPr>
+          <p:cNvPr id="4" name="Title 3"/>
+          <p:cNvSpPr>
+            <a:spLocks noGrp="1"/>
+          </p:cNvSpPr>
+          <p:nvPr>
+            <p:ph type="title"/>
+          </p:nvPr>
+        </p:nvSpPr>
+        <p:spPr/>
+        <p:txBody>
+          <a:bodyPr>
+            <a:normAutofit/>
+          </a:bodyPr>
+          <a:lstStyle/>
+          <a:p>
+            <a:r>
+              <a:rPr lang="en-US" sz="3600"/>
+              <a:t>Thank you!</a:t>
+            </a:r>
+          </a:p>
+        </p:txBody>
+      </p:sp>
+      <p:sp>
+        <p:nvSpPr>
+          <p:cNvPr id="5" name="Content Placeholder 4"/>
+          <p:cNvSpPr>
+            <a:spLocks noGrp="1"/>
+          </p:cNvSpPr>
+          <p:nvPr>
+            <p:ph idx="1"/>
+          </p:nvPr>
+        </p:nvSpPr>
+        <p:spPr>
+          <a:xfrm>
+            <a:off x="4445501" y="2647670"/>
+            <a:ext cx="6313939" cy="3856961"/>
+          </a:xfrm>
+        </p:spPr>
+        <p:txBody>
+          <a:bodyPr/>
+          <a:lstStyle/>
+          <a:p>
+            <a:r>
+              <a:rPr lang="en-US"/>
+              <a:t>Materials: </a:t>
+            </a:r>
+            <a:r>
+              <a:rPr lang="en-US" b="1">
+                <a:solidFill>
+                  <a:srgbClr val="0070C0"/>
+                </a:solidFill>
+              </a:rPr>
+              <a:t>timw.info/awa</a:t>
+            </a:r>
+          </a:p>
+          <a:p>
+            <a:r>
+              <a:rPr lang="en-US"/>
+              <a:t>Twitter: </a:t>
+            </a:r>
+            <a:r>
+              <a:rPr lang="en-US" b="1">
+                <a:solidFill>
+                  <a:srgbClr val="0070C0"/>
+                </a:solidFill>
+              </a:rPr>
+              <a:t>@TechTrainerTim</a:t>
+            </a:r>
+          </a:p>
+          <a:p>
+            <a:r>
+              <a:rPr lang="en-US"/>
+              <a:t>Site: </a:t>
+            </a:r>
+            <a:r>
+              <a:rPr lang="en-US" b="1">
+                <a:solidFill>
+                  <a:srgbClr val="0070C0"/>
+                </a:solidFill>
+              </a:rPr>
+              <a:t>techtrainertim.com</a:t>
+            </a:r>
+          </a:p>
+          <a:p>
+            <a:r>
+              <a:rPr lang="en-US"/>
+              <a:t>Mail: </a:t>
+            </a:r>
+            <a:r>
+              <a:rPr lang="en-US" b="1">
+                <a:solidFill>
+                  <a:srgbClr val="0070C0"/>
+                </a:solidFill>
+              </a:rPr>
+              <a:t>timothy-warner@pluralsight.com</a:t>
+            </a:r>
+          </a:p>
+        </p:txBody>
+      </p:sp>
+      <p:sp>
+        <p:nvSpPr>
+          <p:cNvPr id="6" name="Text Placeholder 5"/>
+          <p:cNvSpPr>
+            <a:spLocks noGrp="1"/>
+          </p:cNvSpPr>
+          <p:nvPr>
+            <p:ph type="body" sz="half" idx="2"/>
+          </p:nvPr>
+        </p:nvSpPr>
+        <p:spPr/>
+        <p:txBody>
+          <a:bodyPr>
+            <a:normAutofit/>
+          </a:bodyPr>
+          <a:lstStyle/>
+          <a:p>
+            <a:r>
+              <a:rPr lang="en-US" sz="1800" b="1"/>
+              <a:t>Don't You Forget About </a:t>
+            </a:r>
+            <a:r>
+              <a:rPr lang="en-US" sz="1800" b="1" strike="sngStrike"/>
+              <a:t>Me</a:t>
+            </a:r>
+            <a:r>
+              <a:rPr lang="en-US" sz="1800" b="1"/>
+              <a:t> the evaluation</a:t>
+            </a:r>
+          </a:p>
+        </p:txBody>
+      </p:sp>
+      <p:pic>
+        <p:nvPicPr>
+          <p:cNvPr id="2" name="Picture 1"/>
+          <p:cNvPicPr>
+            <a:picLocks noChangeAspect="1"/>
+          </p:cNvPicPr>
+          <p:nvPr/>
+        </p:nvPicPr>
+        <p:blipFill>
+          <a:blip r:embed="rId2"/>
+          <a:stretch>
+            <a:fillRect/>
+          </a:stretch>
+        </p:blipFill>
+        <p:spPr>
+          <a:xfrm>
+            <a:off x="1224404" y="3525568"/>
+            <a:ext cx="1980952" cy="2857143"/>
+          </a:xfrm>
+          <a:prstGeom prst="rect">
+            <a:avLst/>
+          </a:prstGeom>
+        </p:spPr>
+      </p:pic>
+      <p:sp>
+        <p:nvSpPr>
+          <p:cNvPr id="3" name="TextBox 2"/>
+          <p:cNvSpPr txBox="1"/>
+          <p:nvPr/>
+        </p:nvSpPr>
+        <p:spPr>
+          <a:xfrm>
+            <a:off x="1224404" y="6372551"/>
+            <a:ext cx="1980952" cy="307777"/>
+          </a:xfrm>
+          <a:prstGeom prst="rect">
+            <a:avLst/>
+          </a:prstGeom>
+          <a:noFill/>
+        </p:spPr>
+        <p:txBody>
+          <a:bodyPr wrap="square" rtlCol="0">
+            <a:spAutoFit/>
+          </a:bodyPr>
+          <a:lstStyle/>
+          <a:p>
+            <a:pPr algn="ctr"/>
+            <a:r>
+              <a:rPr lang="en-US" sz="1400"/>
+              <a:t>timw.info/bi1</a:t>
+            </a:r>
+          </a:p>
+        </p:txBody>
+      </p:sp>
+    </p:spTree>
+    <p:extLst>
+      <p:ext uri="{BB962C8B-B14F-4D97-AF65-F5344CB8AC3E}">
+        <p14:creationId xmlns:p14="http://schemas.microsoft.com/office/powerpoint/2010/main" val="230511919"/>
+      </p:ext>
+    </p:extLst>
+  </p:cSld>
+  <p:clrMapOvr>
+    <a:masterClrMapping/>
+  </p:clrMapOvr>
+  <p:timing>
+    <p:tnLst>
+      <p:par>
+        <p:cTn id="1" dur="indefinite" restart="never" nodeType="tmRoot">
+          <p:childTnLst>
+            <p:seq concurrent="1" nextAc="seek">
+              <p:cTn id="2" dur="indefinite" nodeType="mainSeq">
+                <p:childTnLst>
+                  <p:par>
+                    <p:cTn id="3" fill="hold">
+                      <p:stCondLst>
+                        <p:cond delay="indefinite"/>
+                      </p:stCondLst>
+                      <p:childTnLst>
+                        <p:par>
+                          <p:cTn id="4" fill="hold">
+                            <p:stCondLst>
+                              <p:cond delay="0"/>
+                            </p:stCondLst>
+                            <p:childTnLst>
+                              <p:par>
+                                <p:cTn id="5" presetID="10" presetClass="entr" presetSubtype="0" fill="hold" nodeType="clickEffect">
+                                  <p:stCondLst>
+                                    <p:cond delay="0"/>
+                                  </p:stCondLst>
+                                  <p:childTnLst>
+                                    <p:set>
+                                      <p:cBhvr>
+                                        <p:cTn id="6" dur="1" fill="hold">
+                                          <p:stCondLst>
+                                            <p:cond delay="0"/>
+                                          </p:stCondLst>
+                                        </p:cTn>
+                                        <p:tgtEl>
+                                          <p:spTgt spid="5">
+                                            <p:txEl>
+                                              <p:pRg st="0" end="0"/>
+                                            </p:txEl>
+                                          </p:spTgt>
+                                        </p:tgtEl>
+                                        <p:attrNameLst>
+                                          <p:attrName>style.visibility</p:attrName>
+                                        </p:attrNameLst>
+                                      </p:cBhvr>
+                                      <p:to>
+                                        <p:strVal val="visible"/>
+                                      </p:to>
+                                    </p:set>
+                                    <p:animEffect transition="in" filter="fade">
+                                      <p:cBhvr>
+                                        <p:cTn id="7" dur="500"/>
+                                        <p:tgtEl>
+                                          <p:spTgt spid="5">
+                                            <p:txEl>
+                                              <p:pRg st="0" end="0"/>
+                                            </p:txEl>
+                                          </p:spTgt>
+                                        </p:tgtEl>
+                                      </p:cBhvr>
+                                    </p:animEffect>
+                                  </p:childTnLst>
+                                </p:cTn>
+                              </p:par>
+                            </p:childTnLst>
+                          </p:cTn>
+                        </p:par>
+                      </p:childTnLst>
+                    </p:cTn>
+                  </p:par>
+                  <p:par>
+                    <p:cTn id="8" fill="hold">
+                      <p:stCondLst>
+                        <p:cond delay="indefinite"/>
+                      </p:stCondLst>
+                      <p:childTnLst>
+                        <p:par>
+                          <p:cTn id="9" fill="hold">
+                            <p:stCondLst>
+                              <p:cond delay="0"/>
+                            </p:stCondLst>
+                            <p:childTnLst>
+                              <p:par>
+                                <p:cTn id="10" presetID="10" presetClass="entr" presetSubtype="0" fill="hold" nodeType="clickEffect">
+                                  <p:stCondLst>
+                                    <p:cond delay="0"/>
+                                  </p:stCondLst>
+                                  <p:childTnLst>
+                                    <p:set>
+                                      <p:cBhvr>
+                                        <p:cTn id="11" dur="1" fill="hold">
+                                          <p:stCondLst>
+                                            <p:cond delay="0"/>
+                                          </p:stCondLst>
+                                        </p:cTn>
+                                        <p:tgtEl>
+                                          <p:spTgt spid="5">
+                                            <p:txEl>
+                                              <p:pRg st="1" end="1"/>
+                                            </p:txEl>
+                                          </p:spTgt>
+                                        </p:tgtEl>
+                                        <p:attrNameLst>
+                                          <p:attrName>style.visibility</p:attrName>
+                                        </p:attrNameLst>
+                                      </p:cBhvr>
+                                      <p:to>
+                                        <p:strVal val="visible"/>
+                                      </p:to>
+                                    </p:set>
+                                    <p:animEffect transition="in" filter="fade">
+                                      <p:cBhvr>
+                                        <p:cTn id="12" dur="500"/>
+                                        <p:tgtEl>
+                                          <p:spTgt spid="5">
+                                            <p:txEl>
+                                              <p:pRg st="1" end="1"/>
+                                            </p:txEl>
+                                          </p:spTgt>
+                                        </p:tgtEl>
+                                      </p:cBhvr>
+                                    </p:animEffect>
+                                  </p:childTnLst>
+                                </p:cTn>
+                              </p:par>
+                            </p:childTnLst>
+                          </p:cTn>
+                        </p:par>
+                      </p:childTnLst>
+                    </p:cTn>
+                  </p:par>
+                  <p:par>
+                    <p:cTn id="13" fill="hold">
+                      <p:stCondLst>
+                        <p:cond delay="indefinite"/>
+                      </p:stCondLst>
+                      <p:childTnLst>
+                        <p:par>
+                          <p:cTn id="14" fill="hold">
+                            <p:stCondLst>
+                              <p:cond delay="0"/>
+                            </p:stCondLst>
+                            <p:childTnLst>
+                              <p:par>
+                                <p:cTn id="15" presetID="10" presetClass="entr" presetSubtype="0" fill="hold" nodeType="clickEffect">
+                                  <p:stCondLst>
+                                    <p:cond delay="0"/>
+                                  </p:stCondLst>
+                                  <p:childTnLst>
+                                    <p:set>
+                                      <p:cBhvr>
+                                        <p:cTn id="16" dur="1" fill="hold">
+                                          <p:stCondLst>
+                                            <p:cond delay="0"/>
+                                          </p:stCondLst>
+                                        </p:cTn>
+                                        <p:tgtEl>
+                                          <p:spTgt spid="5">
+                                            <p:txEl>
+                                              <p:pRg st="2" end="2"/>
+                                            </p:txEl>
+                                          </p:spTgt>
+                                        </p:tgtEl>
+                                        <p:attrNameLst>
+                                          <p:attrName>style.visibility</p:attrName>
+                                        </p:attrNameLst>
+                                      </p:cBhvr>
+                                      <p:to>
+                                        <p:strVal val="visible"/>
+                                      </p:to>
+                                    </p:set>
+                                    <p:animEffect transition="in" filter="fade">
+                                      <p:cBhvr>
+                                        <p:cTn id="17" dur="500"/>
+                                        <p:tgtEl>
+                                          <p:spTgt spid="5">
+                                            <p:txEl>
+                                              <p:pRg st="2" end="2"/>
+                                            </p:txEl>
+                                          </p:spTgt>
+                                        </p:tgtEl>
+                                      </p:cBhvr>
+                                    </p:animEffect>
+                                  </p:childTnLst>
+                                </p:cTn>
+                              </p:par>
+                            </p:childTnLst>
+                          </p:cTn>
+                        </p:par>
+                      </p:childTnLst>
+                    </p:cTn>
+                  </p:par>
+                  <p:par>
+                    <p:cTn id="18" fill="hold">
+                      <p:stCondLst>
+                        <p:cond delay="indefinite"/>
+                      </p:stCondLst>
+                      <p:childTnLst>
+                        <p:par>
+                          <p:cTn id="19" fill="hold">
+                            <p:stCondLst>
+                              <p:cond delay="0"/>
+                            </p:stCondLst>
+                            <p:childTnLst>
+                              <p:par>
+                                <p:cTn id="20" presetID="10" presetClass="entr" presetSubtype="0" fill="hold" nodeType="clickEffect">
+                                  <p:stCondLst>
+                                    <p:cond delay="0"/>
+                                  </p:stCondLst>
+                                  <p:childTnLst>
+                                    <p:set>
+                                      <p:cBhvr>
+                                        <p:cTn id="21" dur="1" fill="hold">
+                                          <p:stCondLst>
+                                            <p:cond delay="0"/>
+                                          </p:stCondLst>
+                                        </p:cTn>
+                                        <p:tgtEl>
+                                          <p:spTgt spid="5">
+                                            <p:txEl>
+                                              <p:pRg st="3" end="3"/>
+                                            </p:txEl>
+                                          </p:spTgt>
+                                        </p:tgtEl>
+                                        <p:attrNameLst>
+                                          <p:attrName>style.visibility</p:attrName>
+                                        </p:attrNameLst>
+                                      </p:cBhvr>
+                                      <p:to>
+                                        <p:strVal val="visible"/>
+                                      </p:to>
+                                    </p:set>
+                                    <p:animEffect transition="in" filter="fade">
+                                      <p:cBhvr>
+                                        <p:cTn id="22" dur="500"/>
+                                        <p:tgtEl>
+                                          <p:spTgt spid="5">
+                                            <p:txEl>
+                                              <p:pRg st="3" end="3"/>
+                                            </p:txEl>
+                                          </p:spTgt>
+                                        </p:tgtEl>
+                                      </p:cBhvr>
+                                    </p:animEffect>
+                                  </p:childTnLst>
+                                </p:cTn>
+                              </p:par>
+                            </p:childTnLst>
+                          </p:cTn>
+                        </p:par>
+                      </p:childTnLst>
+                    </p:cTn>
+                  </p:par>
+                </p:childTnLst>
+              </p:cTn>
+              <p:prevCondLst>
+                <p:cond evt="onPrev" delay="0">
+                  <p:tgtEl>
+                    <p:sldTgt/>
+                  </p:tgtEl>
+                </p:cond>
+              </p:prevCondLst>
+              <p:nextCondLst>
+                <p:cond evt="onNext" delay="0">
+                  <p:tgtEl>
+                    <p:sldTgt/>
+                  </p:tgtEl>
+                </p:cond>
+              </p:nextCondLst>
+            </p:seq>
+          </p:childTnLst>
+        </p:cTn>
+      </p:par>
+    </p:tnLst>
+  </p:timing>
+</p:sld>
+</file>
+
+<file path=ppt/slides/slide2.xml><?xml version="1.0" encoding="utf-8"?>
+<p:sld xmlns:a="http://schemas.openxmlformats.org/drawingml/2006/main" xmlns:r="http://schemas.openxmlformats.org/officeDocument/2006/relationships" xmlns:p="http://schemas.openxmlformats.org/presentationml/2006/main">
+  <p:cSld>
+    <p:spTree>
+      <p:nvGrpSpPr>
+        <p:cNvPr id="1" name=""/>
+        <p:cNvGrpSpPr/>
+        <p:nvPr/>
+      </p:nvGrpSpPr>
+      <p:grpSpPr>
+        <a:xfrm>
+          <a:off x="0" y="0"/>
+          <a:ext cx="0" cy="0"/>
+          <a:chOff x="0" y="0"/>
+          <a:chExt cx="0" cy="0"/>
+        </a:xfrm>
+      </p:grpSpPr>
+      <p:sp>
+        <p:nvSpPr>
+          <p:cNvPr id="2" name="Title 1"/>
+          <p:cNvSpPr>
+            <a:spLocks noGrp="1"/>
+          </p:cNvSpPr>
+          <p:nvPr>
+            <p:ph type="title"/>
+          </p:nvPr>
+        </p:nvSpPr>
+        <p:spPr/>
+        <p:txBody>
+          <a:bodyPr/>
+          <a:lstStyle/>
+          <a:p>
+            <a:r>
+              <a:rPr lang="en-US" dirty="0"/>
+              <a:t>Your Takeaways</a:t>
+            </a:r>
+          </a:p>
+        </p:txBody>
+      </p:sp>
+      <p:sp>
+        <p:nvSpPr>
+          <p:cNvPr id="3" name="Content Placeholder 2"/>
+          <p:cNvSpPr>
+            <a:spLocks noGrp="1"/>
+          </p:cNvSpPr>
+          <p:nvPr>
+            <p:ph idx="1"/>
+          </p:nvPr>
+        </p:nvSpPr>
+        <p:spPr/>
+        <p:txBody>
+          <a:bodyPr/>
+          <a:lstStyle/>
+          <a:p>
+            <a:r>
+              <a:rPr lang="en-US" dirty="0"/>
+              <a:t>Understand ARM templates and template deployment in Azure</a:t>
+            </a:r>
+          </a:p>
+          <a:p>
+            <a:r>
+              <a:rPr lang="en-US" dirty="0"/>
+              <a:t>Shorten your learning curve with ARM template helper resources</a:t>
+            </a:r>
+          </a:p>
+          <a:p>
+            <a:r>
+              <a:rPr lang="en-US" dirty="0"/>
+              <a:t>Deploy a web app using an ARM template</a:t>
+            </a:r>
+          </a:p>
+        </p:txBody>
+      </p:sp>
+    </p:spTree>
+    <p:extLst>
+      <p:ext uri="{BB962C8B-B14F-4D97-AF65-F5344CB8AC3E}">
+        <p14:creationId xmlns:p14="http://schemas.microsoft.com/office/powerpoint/2010/main" val="2304021838"/>
+      </p:ext>
+    </p:extLst>
+  </p:cSld>
+  <p:clrMapOvr>
+    <a:masterClrMapping/>
+  </p:clrMapOvr>
+  <p:timing>
+    <p:tnLst>
+      <p:par>
+        <p:cTn id="1" dur="indefinite" restart="never" nodeType="tmRoot">
+          <p:childTnLst>
+            <p:seq concurrent="1" nextAc="seek">
+              <p:cTn id="2" dur="indefinite" nodeType="mainSeq">
+                <p:childTnLst>
+                  <p:par>
+                    <p:cTn id="3" fill="hold">
+                      <p:stCondLst>
+                        <p:cond delay="indefinite"/>
+                      </p:stCondLst>
+                      <p:childTnLst>
+                        <p:par>
+                          <p:cTn id="4" fill="hold">
+                            <p:stCondLst>
+                              <p:cond delay="0"/>
+                            </p:stCondLst>
+                            <p:childTnLst>
+                              <p:par>
+                                <p:cTn id="5" presetID="10" presetClass="entr" presetSubtype="0" fill="hold" nodeType="clickEffect">
+                                  <p:stCondLst>
+                                    <p:cond delay="0"/>
+                                  </p:stCondLst>
+                                  <p:childTnLst>
+                                    <p:set>
+                                      <p:cBhvr>
+                                        <p:cTn id="6" dur="1" fill="hold">
+                                          <p:stCondLst>
+                                            <p:cond delay="0"/>
+                                          </p:stCondLst>
+                                        </p:cTn>
+                                        <p:tgtEl>
+                                          <p:spTgt spid="3">
+                                            <p:txEl>
+                                              <p:pRg st="0" end="0"/>
+                                            </p:txEl>
+                                          </p:spTgt>
+                                        </p:tgtEl>
+                                        <p:attrNameLst>
+                                          <p:attrName>style.visibility</p:attrName>
+                                        </p:attrNameLst>
+                                      </p:cBhvr>
+                                      <p:to>
+                                        <p:strVal val="visible"/>
+                                      </p:to>
+                                    </p:set>
+                                    <p:animEffect transition="in" filter="fade">
+                                      <p:cBhvr>
+                                        <p:cTn id="7" dur="500"/>
+                                        <p:tgtEl>
+                                          <p:spTgt spid="3">
+                                            <p:txEl>
+                                              <p:pRg st="0" end="0"/>
+                                            </p:txEl>
+                                          </p:spTgt>
+                                        </p:tgtEl>
+                                      </p:cBhvr>
+                                    </p:animEffect>
+                                  </p:childTnLst>
+                                </p:cTn>
+                              </p:par>
+                            </p:childTnLst>
+                          </p:cTn>
+                        </p:par>
+                      </p:childTnLst>
+                    </p:cTn>
+                  </p:par>
+                  <p:par>
+                    <p:cTn id="8" fill="hold">
+                      <p:stCondLst>
+                        <p:cond delay="indefinite"/>
+                      </p:stCondLst>
+                      <p:childTnLst>
+                        <p:par>
+                          <p:cTn id="9" fill="hold">
+                            <p:stCondLst>
+                              <p:cond delay="0"/>
+                            </p:stCondLst>
+                            <p:childTnLst>
+                              <p:par>
+                                <p:cTn id="10" presetID="10" presetClass="entr" presetSubtype="0" fill="hold" nodeType="clickEffect">
+                                  <p:stCondLst>
+                                    <p:cond delay="0"/>
+                                  </p:stCondLst>
+                                  <p:childTnLst>
+                                    <p:set>
+                                      <p:cBhvr>
+                                        <p:cTn id="11" dur="1" fill="hold">
+                                          <p:stCondLst>
+                                            <p:cond delay="0"/>
+                                          </p:stCondLst>
+                                        </p:cTn>
+                                        <p:tgtEl>
+                                          <p:spTgt spid="3">
+                                            <p:txEl>
+                                              <p:pRg st="1" end="1"/>
+                                            </p:txEl>
+                                          </p:spTgt>
+                                        </p:tgtEl>
+                                        <p:attrNameLst>
+                                          <p:attrName>style.visibility</p:attrName>
+                                        </p:attrNameLst>
+                                      </p:cBhvr>
+                                      <p:to>
+                                        <p:strVal val="visible"/>
+                                      </p:to>
+                                    </p:set>
+                                    <p:animEffect transition="in" filter="fade">
+                                      <p:cBhvr>
+                                        <p:cTn id="12" dur="500"/>
+                                        <p:tgtEl>
+                                          <p:spTgt spid="3">
+                                            <p:txEl>
+                                              <p:pRg st="1" end="1"/>
+                                            </p:txEl>
+                                          </p:spTgt>
+                                        </p:tgtEl>
+                                      </p:cBhvr>
+                                    </p:animEffect>
+                                  </p:childTnLst>
+                                </p:cTn>
+                              </p:par>
+                            </p:childTnLst>
+                          </p:cTn>
+                        </p:par>
+                      </p:childTnLst>
+                    </p:cTn>
+                  </p:par>
+                  <p:par>
+                    <p:cTn id="13" fill="hold">
+                      <p:stCondLst>
+                        <p:cond delay="indefinite"/>
+                      </p:stCondLst>
+                      <p:childTnLst>
+                        <p:par>
+                          <p:cTn id="14" fill="hold">
+                            <p:stCondLst>
+                              <p:cond delay="0"/>
+                            </p:stCondLst>
+                            <p:childTnLst>
+                              <p:par>
+                                <p:cTn id="15" presetID="10" presetClass="entr" presetSubtype="0" fill="hold" nodeType="clickEffect">
+                                  <p:stCondLst>
+                                    <p:cond delay="0"/>
+                                  </p:stCondLst>
+                                  <p:childTnLst>
+                                    <p:set>
+                                      <p:cBhvr>
+                                        <p:cTn id="16" dur="1" fill="hold">
+                                          <p:stCondLst>
+                                            <p:cond delay="0"/>
+                                          </p:stCondLst>
+                                        </p:cTn>
+                                        <p:tgtEl>
+                                          <p:spTgt spid="3">
+                                            <p:txEl>
+                                              <p:pRg st="2" end="2"/>
+                                            </p:txEl>
+                                          </p:spTgt>
+                                        </p:tgtEl>
+                                        <p:attrNameLst>
+                                          <p:attrName>style.visibility</p:attrName>
+                                        </p:attrNameLst>
+                                      </p:cBhvr>
+                                      <p:to>
+                                        <p:strVal val="visible"/>
+                                      </p:to>
+                                    </p:set>
+                                    <p:animEffect transition="in" filter="fade">
+                                      <p:cBhvr>
+                                        <p:cTn id="17" dur="500"/>
+                                        <p:tgtEl>
+                                          <p:spTgt spid="3">
+                                            <p:txEl>
+                                              <p:pRg st="2" end="2"/>
+                                            </p:txEl>
+                                          </p:spTgt>
+                                        </p:tgtEl>
+                                      </p:cBhvr>
+                                    </p:animEffect>
+                                  </p:childTnLst>
+                                </p:cTn>
+                              </p:par>
+                            </p:childTnLst>
+                          </p:cTn>
+                        </p:par>
+                      </p:childTnLst>
+                    </p:cTn>
+                  </p:par>
+                </p:childTnLst>
+              </p:cTn>
+              <p:prevCondLst>
+                <p:cond evt="onPrev" delay="0">
+                  <p:tgtEl>
+                    <p:sldTgt/>
+                  </p:tgtEl>
+                </p:cond>
+              </p:prevCondLst>
+              <p:nextCondLst>
+                <p:cond evt="onNext" delay="0">
+                  <p:tgtEl>
+                    <p:sldTgt/>
+                  </p:tgtEl>
+                </p:cond>
+              </p:nextCondLst>
+            </p:seq>
+          </p:childTnLst>
+        </p:cTn>
+      </p:par>
+    </p:tnLst>
+  </p:timing>
+</p:sld>
+</file>
+
 <file path=ppt/slides/slide3.xml><?xml version="1.0" encoding="utf-8"?>
 <p:sld xmlns:a="http://schemas.openxmlformats.org/drawingml/2006/main" xmlns:r="http://schemas.openxmlformats.org/officeDocument/2006/relationships" xmlns:p="http://schemas.openxmlformats.org/presentationml/2006/main">
   <p:cSld>
@@ -13639,10 +9536,9 @@
           <a:lstStyle/>
           <a:p>
             <a:r>
-              <a:rPr lang="en-US" smtClean="0"/>
+              <a:rPr lang="en-US" dirty="0"/>
               <a:t>Session Materials</a:t>
             </a:r>
-            <a:endParaRPr lang="en-US"/>
           </a:p>
         </p:txBody>
       </p:sp>
@@ -13672,7 +9568,7 @@
               <a:buNone/>
             </a:pPr>
             <a:r>
-              <a:rPr lang="en-US" sz="4400" b="1" smtClean="0">
+              <a:rPr lang="en-US" sz="4400" b="1" dirty="0">
                 <a:solidFill>
                   <a:srgbClr val="0070C0"/>
                 </a:solidFill>
@@ -13680,7 +9576,18 @@
                 <a:ea typeface="Verdana" panose="020B0604030504040204" pitchFamily="34" charset="0"/>
                 <a:cs typeface="Verdana" panose="020B0604030504040204" pitchFamily="34" charset="0"/>
               </a:rPr>
-              <a:t>timw.info/awa</a:t>
+              <a:t>timw.info/</a:t>
+            </a:r>
+            <a:r>
+              <a:rPr lang="en-US" sz="4400" b="1" dirty="0" err="1">
+                <a:solidFill>
+                  <a:srgbClr val="0070C0"/>
+                </a:solidFill>
+                <a:latin typeface="Verdana" panose="020B0604030504040204" pitchFamily="34" charset="0"/>
+                <a:ea typeface="Verdana" panose="020B0604030504040204" pitchFamily="34" charset="0"/>
+                <a:cs typeface="Verdana" panose="020B0604030504040204" pitchFamily="34" charset="0"/>
+              </a:rPr>
+              <a:t>awa</a:t>
             </a:r>
             <a:endParaRPr lang="en-US" sz="4400" b="1">
               <a:solidFill>
@@ -13734,6 +9641,49 @@
           </a:extLst>
         </p:spPr>
       </p:pic>
+      <p:sp>
+        <p:nvSpPr>
+          <p:cNvPr id="4" name="Rectangle: Rounded Corners 3"/>
+          <p:cNvSpPr/>
+          <p:nvPr/>
+        </p:nvSpPr>
+        <p:spPr>
+          <a:xfrm>
+            <a:off x="578338" y="3731846"/>
+            <a:ext cx="3587262" cy="2176585"/>
+          </a:xfrm>
+          <a:prstGeom prst="roundRect">
+            <a:avLst/>
+          </a:prstGeom>
+        </p:spPr>
+        <p:style>
+          <a:lnRef idx="2">
+            <a:schemeClr val="accent1">
+              <a:shade val="50000"/>
+            </a:schemeClr>
+          </a:lnRef>
+          <a:fillRef idx="1">
+            <a:schemeClr val="accent1"/>
+          </a:fillRef>
+          <a:effectRef idx="0">
+            <a:schemeClr val="accent1"/>
+          </a:effectRef>
+          <a:fontRef idx="minor">
+            <a:schemeClr val="lt1"/>
+          </a:fontRef>
+        </p:style>
+        <p:txBody>
+          <a:bodyPr rtlCol="0" anchor="ctr"/>
+          <a:lstStyle/>
+          <a:p>
+            <a:pPr algn="ctr"/>
+            <a:r>
+              <a:rPr lang="en-US" sz="2400" dirty="0"/>
+              <a:t>Check out yesterday’s session materials on managing Azure web apps</a:t>
+            </a:r>
+          </a:p>
+        </p:txBody>
+      </p:sp>
     </p:spTree>
     <p:extLst>
       <p:ext uri="{BB962C8B-B14F-4D97-AF65-F5344CB8AC3E}">
@@ -13747,9 +9697,88 @@
   <p:timing>
     <p:tnLst>
       <p:par>
-        <p:cTn id="1" dur="indefinite" restart="never" nodeType="tmRoot"/>
+        <p:cTn id="1" dur="indefinite" restart="never" nodeType="tmRoot">
+          <p:childTnLst>
+            <p:seq concurrent="1" nextAc="seek">
+              <p:cTn id="2" dur="indefinite" nodeType="mainSeq">
+                <p:childTnLst>
+                  <p:par>
+                    <p:cTn id="3" fill="hold">
+                      <p:stCondLst>
+                        <p:cond delay="indefinite"/>
+                      </p:stCondLst>
+                      <p:childTnLst>
+                        <p:par>
+                          <p:cTn id="4" fill="hold">
+                            <p:stCondLst>
+                              <p:cond delay="0"/>
+                            </p:stCondLst>
+                            <p:childTnLst>
+                              <p:par>
+                                <p:cTn id="5" presetID="10" presetClass="entr" presetSubtype="0" fill="hold" grpId="0" nodeType="clickEffect">
+                                  <p:stCondLst>
+                                    <p:cond delay="0"/>
+                                  </p:stCondLst>
+                                  <p:childTnLst>
+                                    <p:set>
+                                      <p:cBhvr>
+                                        <p:cTn id="6" dur="1" fill="hold">
+                                          <p:stCondLst>
+                                            <p:cond delay="0"/>
+                                          </p:stCondLst>
+                                        </p:cTn>
+                                        <p:tgtEl>
+                                          <p:spTgt spid="4"/>
+                                        </p:tgtEl>
+                                        <p:attrNameLst>
+                                          <p:attrName>style.visibility</p:attrName>
+                                        </p:attrNameLst>
+                                      </p:cBhvr>
+                                      <p:to>
+                                        <p:strVal val="visible"/>
+                                      </p:to>
+                                    </p:set>
+                                    <p:animEffect transition="in" filter="fade">
+                                      <p:cBhvr>
+                                        <p:cTn id="7" dur="500"/>
+                                        <p:tgtEl>
+                                          <p:spTgt spid="4"/>
+                                        </p:tgtEl>
+                                      </p:cBhvr>
+                                    </p:animEffect>
+                                  </p:childTnLst>
+                                </p:cTn>
+                              </p:par>
+                            </p:childTnLst>
+                          </p:cTn>
+                        </p:par>
+                      </p:childTnLst>
+                    </p:cTn>
+                  </p:par>
+                </p:childTnLst>
+              </p:cTn>
+              <p:prevCondLst>
+                <p:cond evt="onPrev" delay="0">
+                  <p:tgtEl>
+                    <p:sldTgt/>
+                  </p:tgtEl>
+                </p:cond>
+              </p:prevCondLst>
+              <p:nextCondLst>
+                <p:cond evt="onNext" delay="0">
+                  <p:tgtEl>
+                    <p:sldTgt/>
+                  </p:tgtEl>
+                </p:cond>
+              </p:nextCondLst>
+            </p:seq>
+          </p:childTnLst>
+        </p:cTn>
       </p:par>
     </p:tnLst>
+    <p:bldLst>
+      <p:bldP spid="4" grpId="0" animBg="1"/>
+    </p:bldLst>
   </p:timing>
 </p:sld>
 </file>
@@ -13787,10 +9816,9 @@
           <a:lstStyle/>
           <a:p>
             <a:r>
-              <a:rPr lang="en-US" smtClean="0"/>
+              <a:rPr lang="en-US"/>
               <a:t>ARM Template Quick Start</a:t>
             </a:r>
-            <a:endParaRPr lang="en-US"/>
           </a:p>
         </p:txBody>
       </p:sp>
@@ -13804,13 +9832,6 @@
   <p:clrMapOvr>
     <a:masterClrMapping/>
   </p:clrMapOvr>
-  <p:timing>
-    <p:tnLst>
-      <p:par>
-        <p:cTn id="1" dur="indefinite" restart="never" nodeType="tmRoot"/>
-      </p:par>
-    </p:tnLst>
-  </p:timing>
 </p:sld>
 </file>
 
@@ -13841,16 +9862,20 @@
             <p:ph type="title"/>
           </p:nvPr>
         </p:nvSpPr>
-        <p:spPr/>
+        <p:spPr>
+          <a:xfrm>
+            <a:off x="677334" y="609600"/>
+            <a:ext cx="10529928" cy="1320800"/>
+          </a:xfrm>
+        </p:spPr>
         <p:txBody>
           <a:bodyPr/>
           <a:lstStyle/>
           <a:p>
             <a:r>
-              <a:rPr lang="en-US" smtClean="0"/>
-              <a:t>Resource Explorer</a:t>
-            </a:r>
-            <a:endParaRPr lang="en-US"/>
+              <a:rPr lang="en-US" dirty="0"/>
+              <a:t>Resource Explorer (resources.azure.com)</a:t>
+            </a:r>
           </a:p>
         </p:txBody>
       </p:sp>
@@ -13878,6 +9903,49 @@
           </a:prstGeom>
         </p:spPr>
       </p:pic>
+      <p:sp>
+        <p:nvSpPr>
+          <p:cNvPr id="5" name="Rectangle: Rounded Corners 4"/>
+          <p:cNvSpPr/>
+          <p:nvPr/>
+        </p:nvSpPr>
+        <p:spPr>
+          <a:xfrm>
+            <a:off x="4302369" y="2638996"/>
+            <a:ext cx="3587262" cy="1580008"/>
+          </a:xfrm>
+          <a:prstGeom prst="roundRect">
+            <a:avLst/>
+          </a:prstGeom>
+        </p:spPr>
+        <p:style>
+          <a:lnRef idx="2">
+            <a:schemeClr val="accent1">
+              <a:shade val="50000"/>
+            </a:schemeClr>
+          </a:lnRef>
+          <a:fillRef idx="1">
+            <a:schemeClr val="accent1"/>
+          </a:fillRef>
+          <a:effectRef idx="0">
+            <a:schemeClr val="accent1"/>
+          </a:effectRef>
+          <a:fontRef idx="minor">
+            <a:schemeClr val="lt1"/>
+          </a:fontRef>
+        </p:style>
+        <p:txBody>
+          <a:bodyPr rtlCol="0" anchor="ctr"/>
+          <a:lstStyle/>
+          <a:p>
+            <a:pPr algn="ctr"/>
+            <a:r>
+              <a:rPr lang="en-US" sz="2400" dirty="0"/>
+              <a:t>“Everything’s a resource”</a:t>
+            </a:r>
+          </a:p>
+        </p:txBody>
+      </p:sp>
     </p:spTree>
     <p:extLst>
       <p:ext uri="{BB962C8B-B14F-4D97-AF65-F5344CB8AC3E}">
@@ -13888,6 +9956,108 @@
   <p:clrMapOvr>
     <a:masterClrMapping/>
   </p:clrMapOvr>
+  <p:timing>
+    <p:tnLst>
+      <p:par>
+        <p:cTn id="1" dur="indefinite" restart="never" nodeType="tmRoot">
+          <p:childTnLst>
+            <p:seq concurrent="1" nextAc="seek">
+              <p:cTn id="2" dur="indefinite" nodeType="mainSeq">
+                <p:childTnLst>
+                  <p:par>
+                    <p:cTn id="3" fill="hold">
+                      <p:stCondLst>
+                        <p:cond delay="indefinite"/>
+                      </p:stCondLst>
+                      <p:childTnLst>
+                        <p:par>
+                          <p:cTn id="4" fill="hold">
+                            <p:stCondLst>
+                              <p:cond delay="0"/>
+                            </p:stCondLst>
+                            <p:childTnLst>
+                              <p:par>
+                                <p:cTn id="5" presetID="10" presetClass="entr" presetSubtype="0" fill="hold" grpId="0" nodeType="clickEffect">
+                                  <p:stCondLst>
+                                    <p:cond delay="0"/>
+                                  </p:stCondLst>
+                                  <p:childTnLst>
+                                    <p:set>
+                                      <p:cBhvr>
+                                        <p:cTn id="6" dur="1" fill="hold">
+                                          <p:stCondLst>
+                                            <p:cond delay="0"/>
+                                          </p:stCondLst>
+                                        </p:cTn>
+                                        <p:tgtEl>
+                                          <p:spTgt spid="5"/>
+                                        </p:tgtEl>
+                                        <p:attrNameLst>
+                                          <p:attrName>style.visibility</p:attrName>
+                                        </p:attrNameLst>
+                                      </p:cBhvr>
+                                      <p:to>
+                                        <p:strVal val="visible"/>
+                                      </p:to>
+                                    </p:set>
+                                    <p:animEffect transition="in" filter="fade">
+                                      <p:cBhvr>
+                                        <p:cTn id="7" dur="500"/>
+                                        <p:tgtEl>
+                                          <p:spTgt spid="5"/>
+                                        </p:tgtEl>
+                                      </p:cBhvr>
+                                    </p:animEffect>
+                                  </p:childTnLst>
+                                  <p:subTnLst>
+                                    <p:set>
+                                      <p:cBhvr override="childStyle">
+                                        <p:cTn dur="1" fill="hold" display="0" masterRel="nextClick" afterEffect="1"/>
+                                        <p:tgtEl>
+                                          <p:spTgt spid="5"/>
+                                        </p:tgtEl>
+                                        <p:attrNameLst>
+                                          <p:attrName>style.visibility</p:attrName>
+                                        </p:attrNameLst>
+                                      </p:cBhvr>
+                                      <p:to>
+                                        <p:strVal val="hidden"/>
+                                      </p:to>
+                                    </p:set>
+                                  </p:subTnLst>
+                                </p:cTn>
+                              </p:par>
+                            </p:childTnLst>
+                          </p:cTn>
+                        </p:par>
+                      </p:childTnLst>
+                    </p:cTn>
+                  </p:par>
+                </p:childTnLst>
+              </p:cTn>
+              <p:prevCondLst>
+                <p:cond evt="onPrev" delay="0">
+                  <p:tgtEl>
+                    <p:sldTgt/>
+                  </p:tgtEl>
+                </p:cond>
+              </p:prevCondLst>
+              <p:nextCondLst>
+                <p:cond evt="onNext" delay="0">
+                  <p:tgtEl>
+                    <p:sldTgt/>
+                  </p:tgtEl>
+                </p:cond>
+              </p:nextCondLst>
+            </p:seq>
+          </p:childTnLst>
+        </p:cTn>
+      </p:par>
+    </p:tnLst>
+    <p:bldLst>
+      <p:bldP spid="5" grpId="0" animBg="1"/>
+    </p:bldLst>
+  </p:timing>
 </p:sld>
 </file>
 
@@ -13924,10 +10094,9 @@
           <a:lstStyle/>
           <a:p>
             <a:r>
-              <a:rPr lang="en-US" smtClean="0"/>
-              <a:t>Template Format</a:t>
-            </a:r>
-            <a:endParaRPr lang="en-US"/>
+              <a:rPr lang="en-US" dirty="0"/>
+              <a:t>JSON Template Format</a:t>
+            </a:r>
           </a:p>
         </p:txBody>
       </p:sp>
@@ -13955,16 +10124,972 @@
           </a:prstGeom>
         </p:spPr>
       </p:pic>
+      <p:sp>
+        <p:nvSpPr>
+          <p:cNvPr id="4" name="Line Callout 1 3"/>
+          <p:cNvSpPr/>
+          <p:nvPr/>
+        </p:nvSpPr>
+        <p:spPr>
+          <a:xfrm>
+            <a:off x="9382013" y="420624"/>
+            <a:ext cx="2386584" cy="1536192"/>
+          </a:xfrm>
+          <a:prstGeom prst="borderCallout1">
+            <a:avLst>
+              <a:gd name="adj1" fmla="val 18750"/>
+              <a:gd name="adj2" fmla="val -8333"/>
+              <a:gd name="adj3" fmla="val 148810"/>
+              <a:gd name="adj4" fmla="val -300402"/>
+            </a:avLst>
+          </a:prstGeom>
+          <a:solidFill>
+            <a:schemeClr val="accent1"/>
+          </a:solidFill>
+          <a:ln>
+            <a:solidFill>
+              <a:schemeClr val="tx1"/>
+            </a:solidFill>
+          </a:ln>
+          <a:effectLst/>
+        </p:spPr>
+        <p:style>
+          <a:lnRef idx="2">
+            <a:schemeClr val="accent1"/>
+          </a:lnRef>
+          <a:fillRef idx="0">
+            <a:schemeClr val="accent1"/>
+          </a:fillRef>
+          <a:effectRef idx="1">
+            <a:schemeClr val="accent1"/>
+          </a:effectRef>
+          <a:fontRef idx="minor">
+            <a:schemeClr val="tx1"/>
+          </a:fontRef>
+        </p:style>
+        <p:txBody>
+          <a:bodyPr lIns="182880" tIns="182880" rIns="182880" bIns="182880" rtlCol="0" anchor="ctr"/>
+          <a:lstStyle/>
+          <a:p>
+            <a:pPr marL="0" marR="0" lvl="0" indent="0" algn="ctr" defTabSz="457200" rtl="0" eaLnBrk="1" fontAlgn="auto" latinLnBrk="0" hangingPunct="1">
+              <a:lnSpc>
+                <a:spcPct val="100000"/>
+              </a:lnSpc>
+              <a:spcBef>
+                <a:spcPts val="600"/>
+              </a:spcBef>
+              <a:spcAft>
+                <a:spcPts val="0"/>
+              </a:spcAft>
+              <a:buClrTx/>
+              <a:buSzTx/>
+              <a:buFontTx/>
+              <a:buNone/>
+              <a:tabLst/>
+              <a:defRPr/>
+            </a:pPr>
+            <a:r>
+              <a:rPr kumimoji="0" lang="en-US" sz="2400" b="0" i="0" u="none" strike="noStrike" kern="1200" cap="none" spc="0" normalizeH="0" baseline="0" noProof="0" dirty="0">
+                <a:ln>
+                  <a:noFill/>
+                </a:ln>
+                <a:solidFill>
+                  <a:prstClr val="white"/>
+                </a:solidFill>
+                <a:effectLst/>
+                <a:uLnTx/>
+                <a:uFillTx/>
+                <a:latin typeface="Trebuchet MS" panose="020B0603020202020204"/>
+                <a:ea typeface="+mn-ea"/>
+                <a:cs typeface="+mn-cs"/>
+              </a:rPr>
+              <a:t>Required</a:t>
+            </a:r>
+          </a:p>
+        </p:txBody>
+      </p:sp>
+      <p:sp>
+        <p:nvSpPr>
+          <p:cNvPr id="6" name="Line Callout 1 5"/>
+          <p:cNvSpPr/>
+          <p:nvPr/>
+        </p:nvSpPr>
+        <p:spPr>
+          <a:xfrm>
+            <a:off x="9382013" y="3195355"/>
+            <a:ext cx="2386584" cy="1536192"/>
+          </a:xfrm>
+          <a:prstGeom prst="borderCallout1">
+            <a:avLst>
+              <a:gd name="adj1" fmla="val 18750"/>
+              <a:gd name="adj2" fmla="val -8333"/>
+              <a:gd name="adj3" fmla="val -11973"/>
+              <a:gd name="adj4" fmla="val -247555"/>
+            </a:avLst>
+          </a:prstGeom>
+          <a:solidFill>
+            <a:schemeClr val="accent1"/>
+          </a:solidFill>
+          <a:ln>
+            <a:solidFill>
+              <a:schemeClr val="tx1"/>
+            </a:solidFill>
+          </a:ln>
+          <a:effectLst/>
+        </p:spPr>
+        <p:style>
+          <a:lnRef idx="2">
+            <a:schemeClr val="accent1"/>
+          </a:lnRef>
+          <a:fillRef idx="0">
+            <a:schemeClr val="accent1"/>
+          </a:fillRef>
+          <a:effectRef idx="1">
+            <a:schemeClr val="accent1"/>
+          </a:effectRef>
+          <a:fontRef idx="minor">
+            <a:schemeClr val="tx1"/>
+          </a:fontRef>
+        </p:style>
+        <p:txBody>
+          <a:bodyPr lIns="182880" tIns="182880" rIns="182880" bIns="182880" rtlCol="0" anchor="ctr"/>
+          <a:lstStyle/>
+          <a:p>
+            <a:pPr marL="0" marR="0" lvl="0" indent="0" algn="ctr" defTabSz="457200" rtl="0" eaLnBrk="1" fontAlgn="auto" latinLnBrk="0" hangingPunct="1">
+              <a:lnSpc>
+                <a:spcPct val="100000"/>
+              </a:lnSpc>
+              <a:spcBef>
+                <a:spcPts val="600"/>
+              </a:spcBef>
+              <a:spcAft>
+                <a:spcPts val="0"/>
+              </a:spcAft>
+              <a:buClrTx/>
+              <a:buSzTx/>
+              <a:buFontTx/>
+              <a:buNone/>
+              <a:tabLst/>
+              <a:defRPr/>
+            </a:pPr>
+            <a:r>
+              <a:rPr kumimoji="0" lang="en-US" sz="2400" b="0" i="0" u="none" strike="noStrike" kern="1200" cap="none" spc="0" normalizeH="0" baseline="0" noProof="0" dirty="0">
+                <a:ln>
+                  <a:noFill/>
+                </a:ln>
+                <a:solidFill>
+                  <a:prstClr val="white"/>
+                </a:solidFill>
+                <a:effectLst/>
+                <a:uLnTx/>
+                <a:uFillTx/>
+                <a:latin typeface="Trebuchet MS" panose="020B0603020202020204"/>
+                <a:ea typeface="+mn-ea"/>
+                <a:cs typeface="+mn-cs"/>
+              </a:rPr>
+              <a:t>Required; dev use only</a:t>
+            </a:r>
+          </a:p>
+        </p:txBody>
+      </p:sp>
+      <p:sp>
+        <p:nvSpPr>
+          <p:cNvPr id="7" name="Line Callout 1 6"/>
+          <p:cNvSpPr/>
+          <p:nvPr/>
+        </p:nvSpPr>
+        <p:spPr>
+          <a:xfrm>
+            <a:off x="9382013" y="4982114"/>
+            <a:ext cx="2386584" cy="1536192"/>
+          </a:xfrm>
+          <a:prstGeom prst="borderCallout1">
+            <a:avLst>
+              <a:gd name="adj1" fmla="val 18750"/>
+              <a:gd name="adj2" fmla="val -8333"/>
+              <a:gd name="adj3" fmla="val -105022"/>
+              <a:gd name="adj4" fmla="val -257684"/>
+            </a:avLst>
+          </a:prstGeom>
+          <a:solidFill>
+            <a:schemeClr val="accent1"/>
+          </a:solidFill>
+          <a:ln>
+            <a:solidFill>
+              <a:schemeClr val="tx1"/>
+            </a:solidFill>
+          </a:ln>
+          <a:effectLst/>
+        </p:spPr>
+        <p:style>
+          <a:lnRef idx="2">
+            <a:schemeClr val="accent1"/>
+          </a:lnRef>
+          <a:fillRef idx="0">
+            <a:schemeClr val="accent1"/>
+          </a:fillRef>
+          <a:effectRef idx="1">
+            <a:schemeClr val="accent1"/>
+          </a:effectRef>
+          <a:fontRef idx="minor">
+            <a:schemeClr val="tx1"/>
+          </a:fontRef>
+        </p:style>
+        <p:txBody>
+          <a:bodyPr lIns="182880" tIns="182880" rIns="182880" bIns="182880" rtlCol="0" anchor="ctr"/>
+          <a:lstStyle/>
+          <a:p>
+            <a:pPr marL="0" marR="0" lvl="0" indent="0" algn="ctr" defTabSz="457200" rtl="0" eaLnBrk="1" fontAlgn="auto" latinLnBrk="0" hangingPunct="1">
+              <a:lnSpc>
+                <a:spcPct val="100000"/>
+              </a:lnSpc>
+              <a:spcBef>
+                <a:spcPts val="600"/>
+              </a:spcBef>
+              <a:spcAft>
+                <a:spcPts val="0"/>
+              </a:spcAft>
+              <a:buClrTx/>
+              <a:buSzTx/>
+              <a:buFontTx/>
+              <a:buNone/>
+              <a:tabLst/>
+              <a:defRPr/>
+            </a:pPr>
+            <a:r>
+              <a:rPr kumimoji="0" lang="en-US" sz="2400" b="0" i="0" u="none" strike="noStrike" kern="1200" cap="none" spc="0" normalizeH="0" baseline="0" noProof="0" dirty="0">
+                <a:ln>
+                  <a:noFill/>
+                </a:ln>
+                <a:solidFill>
+                  <a:prstClr val="white"/>
+                </a:solidFill>
+                <a:effectLst/>
+                <a:uLnTx/>
+                <a:uFillTx/>
+                <a:latin typeface="Trebuchet MS" panose="020B0603020202020204"/>
+                <a:ea typeface="+mn-ea"/>
+                <a:cs typeface="+mn-cs"/>
+              </a:rPr>
+              <a:t>Customize deployment</a:t>
+            </a:r>
+          </a:p>
+        </p:txBody>
+      </p:sp>
+      <p:sp>
+        <p:nvSpPr>
+          <p:cNvPr id="8" name="Line Callout 1 7"/>
+          <p:cNvSpPr/>
+          <p:nvPr/>
+        </p:nvSpPr>
+        <p:spPr>
+          <a:xfrm>
+            <a:off x="6659834" y="4982114"/>
+            <a:ext cx="2386584" cy="1536192"/>
+          </a:xfrm>
+          <a:prstGeom prst="borderCallout1">
+            <a:avLst>
+              <a:gd name="adj1" fmla="val 18750"/>
+              <a:gd name="adj2" fmla="val -8333"/>
+              <a:gd name="adj3" fmla="val -84497"/>
+              <a:gd name="adj4" fmla="val -146705"/>
+            </a:avLst>
+          </a:prstGeom>
+          <a:solidFill>
+            <a:schemeClr val="accent1"/>
+          </a:solidFill>
+          <a:ln>
+            <a:solidFill>
+              <a:schemeClr val="tx1"/>
+            </a:solidFill>
+          </a:ln>
+          <a:effectLst/>
+        </p:spPr>
+        <p:style>
+          <a:lnRef idx="2">
+            <a:schemeClr val="accent1"/>
+          </a:lnRef>
+          <a:fillRef idx="0">
+            <a:schemeClr val="accent1"/>
+          </a:fillRef>
+          <a:effectRef idx="1">
+            <a:schemeClr val="accent1"/>
+          </a:effectRef>
+          <a:fontRef idx="minor">
+            <a:schemeClr val="tx1"/>
+          </a:fontRef>
+        </p:style>
+        <p:txBody>
+          <a:bodyPr lIns="182880" tIns="182880" rIns="182880" bIns="182880" rtlCol="0" anchor="ctr"/>
+          <a:lstStyle/>
+          <a:p>
+            <a:pPr marL="0" marR="0" lvl="0" indent="0" algn="ctr" defTabSz="457200" rtl="0" eaLnBrk="1" fontAlgn="auto" latinLnBrk="0" hangingPunct="1">
+              <a:lnSpc>
+                <a:spcPct val="100000"/>
+              </a:lnSpc>
+              <a:spcBef>
+                <a:spcPts val="600"/>
+              </a:spcBef>
+              <a:spcAft>
+                <a:spcPts val="0"/>
+              </a:spcAft>
+              <a:buClrTx/>
+              <a:buSzTx/>
+              <a:buFontTx/>
+              <a:buNone/>
+              <a:tabLst/>
+              <a:defRPr/>
+            </a:pPr>
+            <a:r>
+              <a:rPr kumimoji="0" lang="en-US" sz="2400" b="0" i="0" u="none" strike="noStrike" kern="1200" cap="none" spc="0" normalizeH="0" baseline="0" noProof="0" dirty="0">
+                <a:ln>
+                  <a:noFill/>
+                </a:ln>
+                <a:solidFill>
+                  <a:prstClr val="white"/>
+                </a:solidFill>
+                <a:effectLst/>
+                <a:uLnTx/>
+                <a:uFillTx/>
+                <a:latin typeface="Trebuchet MS" panose="020B0603020202020204"/>
+                <a:ea typeface="+mn-ea"/>
+                <a:cs typeface="+mn-cs"/>
+              </a:rPr>
+              <a:t>Values used in expressions</a:t>
+            </a:r>
+          </a:p>
+        </p:txBody>
+      </p:sp>
+      <p:sp>
+        <p:nvSpPr>
+          <p:cNvPr id="9" name="Line Callout 1 8"/>
+          <p:cNvSpPr/>
+          <p:nvPr/>
+        </p:nvSpPr>
+        <p:spPr>
+          <a:xfrm>
+            <a:off x="3937655" y="4982114"/>
+            <a:ext cx="2386584" cy="1536192"/>
+          </a:xfrm>
+          <a:prstGeom prst="borderCallout1">
+            <a:avLst>
+              <a:gd name="adj1" fmla="val 18750"/>
+              <a:gd name="adj2" fmla="val -8333"/>
+              <a:gd name="adj3" fmla="val -71498"/>
+              <a:gd name="adj4" fmla="val -34405"/>
+            </a:avLst>
+          </a:prstGeom>
+          <a:solidFill>
+            <a:schemeClr val="accent1"/>
+          </a:solidFill>
+          <a:ln>
+            <a:solidFill>
+              <a:schemeClr val="tx1"/>
+            </a:solidFill>
+          </a:ln>
+          <a:effectLst/>
+        </p:spPr>
+        <p:style>
+          <a:lnRef idx="2">
+            <a:schemeClr val="accent1"/>
+          </a:lnRef>
+          <a:fillRef idx="0">
+            <a:schemeClr val="accent1"/>
+          </a:fillRef>
+          <a:effectRef idx="1">
+            <a:schemeClr val="accent1"/>
+          </a:effectRef>
+          <a:fontRef idx="minor">
+            <a:schemeClr val="tx1"/>
+          </a:fontRef>
+        </p:style>
+        <p:txBody>
+          <a:bodyPr lIns="182880" tIns="182880" rIns="182880" bIns="182880" rtlCol="0" anchor="ctr"/>
+          <a:lstStyle/>
+          <a:p>
+            <a:pPr marL="0" marR="0" lvl="0" indent="0" algn="ctr" defTabSz="457200" rtl="0" eaLnBrk="1" fontAlgn="auto" latinLnBrk="0" hangingPunct="1">
+              <a:lnSpc>
+                <a:spcPct val="100000"/>
+              </a:lnSpc>
+              <a:spcBef>
+                <a:spcPts val="600"/>
+              </a:spcBef>
+              <a:spcAft>
+                <a:spcPts val="0"/>
+              </a:spcAft>
+              <a:buClrTx/>
+              <a:buSzTx/>
+              <a:buFontTx/>
+              <a:buNone/>
+              <a:tabLst/>
+              <a:defRPr/>
+            </a:pPr>
+            <a:r>
+              <a:rPr kumimoji="0" lang="en-US" sz="2400" b="0" i="0" u="none" strike="noStrike" kern="1200" cap="none" spc="0" normalizeH="0" baseline="0" noProof="0" dirty="0">
+                <a:ln>
+                  <a:noFill/>
+                </a:ln>
+                <a:solidFill>
+                  <a:prstClr val="white"/>
+                </a:solidFill>
+                <a:effectLst/>
+                <a:uLnTx/>
+                <a:uFillTx/>
+                <a:latin typeface="Trebuchet MS" panose="020B0603020202020204"/>
+                <a:ea typeface="+mn-ea"/>
+                <a:cs typeface="+mn-cs"/>
+              </a:rPr>
+              <a:t>Required; included resources</a:t>
+            </a:r>
+          </a:p>
+        </p:txBody>
+      </p:sp>
+      <p:sp>
+        <p:nvSpPr>
+          <p:cNvPr id="10" name="Line Callout 1 9"/>
+          <p:cNvSpPr/>
+          <p:nvPr/>
+        </p:nvSpPr>
+        <p:spPr>
+          <a:xfrm>
+            <a:off x="837103" y="4982114"/>
+            <a:ext cx="2386584" cy="1536192"/>
+          </a:xfrm>
+          <a:prstGeom prst="borderCallout1">
+            <a:avLst>
+              <a:gd name="adj1" fmla="val 16013"/>
+              <a:gd name="adj2" fmla="val 103527"/>
+              <a:gd name="adj3" fmla="val -56446"/>
+              <a:gd name="adj4" fmla="val 84061"/>
+            </a:avLst>
+          </a:prstGeom>
+          <a:solidFill>
+            <a:schemeClr val="accent1"/>
+          </a:solidFill>
+          <a:ln>
+            <a:solidFill>
+              <a:schemeClr val="tx1"/>
+            </a:solidFill>
+          </a:ln>
+          <a:effectLst/>
+        </p:spPr>
+        <p:style>
+          <a:lnRef idx="2">
+            <a:schemeClr val="accent1"/>
+          </a:lnRef>
+          <a:fillRef idx="0">
+            <a:schemeClr val="accent1"/>
+          </a:fillRef>
+          <a:effectRef idx="1">
+            <a:schemeClr val="accent1"/>
+          </a:effectRef>
+          <a:fontRef idx="minor">
+            <a:schemeClr val="tx1"/>
+          </a:fontRef>
+        </p:style>
+        <p:txBody>
+          <a:bodyPr lIns="182880" tIns="182880" rIns="182880" bIns="182880" rtlCol="0" anchor="ctr"/>
+          <a:lstStyle/>
+          <a:p>
+            <a:pPr marL="0" marR="0" lvl="0" indent="0" algn="ctr" defTabSz="457200" rtl="0" eaLnBrk="1" fontAlgn="auto" latinLnBrk="0" hangingPunct="1">
+              <a:lnSpc>
+                <a:spcPct val="100000"/>
+              </a:lnSpc>
+              <a:spcBef>
+                <a:spcPts val="600"/>
+              </a:spcBef>
+              <a:spcAft>
+                <a:spcPts val="0"/>
+              </a:spcAft>
+              <a:buClrTx/>
+              <a:buSzTx/>
+              <a:buFontTx/>
+              <a:buNone/>
+              <a:tabLst/>
+              <a:defRPr/>
+            </a:pPr>
+            <a:r>
+              <a:rPr kumimoji="0" lang="en-US" sz="2400" b="0" i="0" u="none" strike="noStrike" kern="1200" cap="none" spc="0" normalizeH="0" baseline="0" noProof="0" dirty="0">
+                <a:ln>
+                  <a:noFill/>
+                </a:ln>
+                <a:solidFill>
+                  <a:prstClr val="white"/>
+                </a:solidFill>
+                <a:effectLst/>
+                <a:uLnTx/>
+                <a:uFillTx/>
+                <a:latin typeface="Trebuchet MS" panose="020B0603020202020204"/>
+                <a:ea typeface="+mn-ea"/>
+                <a:cs typeface="+mn-cs"/>
+              </a:rPr>
+              <a:t>Values returned by deployment</a:t>
+            </a:r>
+          </a:p>
+        </p:txBody>
+      </p:sp>
     </p:spTree>
     <p:extLst>
       <p:ext uri="{BB962C8B-B14F-4D97-AF65-F5344CB8AC3E}">
-        <p14:creationId xmlns:p14="http://schemas.microsoft.com/office/powerpoint/2010/main" val="1419238932"/>
+        <p14:creationId xmlns:p14="http://schemas.microsoft.com/office/powerpoint/2010/main" val="3938502105"/>
       </p:ext>
     </p:extLst>
   </p:cSld>
   <p:clrMapOvr>
     <a:masterClrMapping/>
   </p:clrMapOvr>
+  <p:timing>
+    <p:tnLst>
+      <p:par>
+        <p:cTn id="1" dur="indefinite" restart="never" nodeType="tmRoot">
+          <p:childTnLst>
+            <p:seq concurrent="1" nextAc="seek">
+              <p:cTn id="2" dur="indefinite" nodeType="mainSeq">
+                <p:childTnLst>
+                  <p:par>
+                    <p:cTn id="3" fill="hold">
+                      <p:stCondLst>
+                        <p:cond delay="indefinite"/>
+                      </p:stCondLst>
+                      <p:childTnLst>
+                        <p:par>
+                          <p:cTn id="4" fill="hold">
+                            <p:stCondLst>
+                              <p:cond delay="0"/>
+                            </p:stCondLst>
+                            <p:childTnLst>
+                              <p:par>
+                                <p:cTn id="5" presetID="10" presetClass="entr" presetSubtype="0" fill="hold" grpId="0" nodeType="clickEffect">
+                                  <p:stCondLst>
+                                    <p:cond delay="0"/>
+                                  </p:stCondLst>
+                                  <p:childTnLst>
+                                    <p:set>
+                                      <p:cBhvr>
+                                        <p:cTn id="6" dur="1" fill="hold">
+                                          <p:stCondLst>
+                                            <p:cond delay="0"/>
+                                          </p:stCondLst>
+                                        </p:cTn>
+                                        <p:tgtEl>
+                                          <p:spTgt spid="4"/>
+                                        </p:tgtEl>
+                                        <p:attrNameLst>
+                                          <p:attrName>style.visibility</p:attrName>
+                                        </p:attrNameLst>
+                                      </p:cBhvr>
+                                      <p:to>
+                                        <p:strVal val="visible"/>
+                                      </p:to>
+                                    </p:set>
+                                    <p:animEffect transition="in" filter="fade">
+                                      <p:cBhvr>
+                                        <p:cTn id="7" dur="500"/>
+                                        <p:tgtEl>
+                                          <p:spTgt spid="4"/>
+                                        </p:tgtEl>
+                                      </p:cBhvr>
+                                    </p:animEffect>
+                                  </p:childTnLst>
+                                  <p:subTnLst>
+                                    <p:set>
+                                      <p:cBhvr override="childStyle">
+                                        <p:cTn dur="1" fill="hold" display="0" masterRel="nextClick" afterEffect="1"/>
+                                        <p:tgtEl>
+                                          <p:spTgt spid="4"/>
+                                        </p:tgtEl>
+                                        <p:attrNameLst>
+                                          <p:attrName>style.visibility</p:attrName>
+                                        </p:attrNameLst>
+                                      </p:cBhvr>
+                                      <p:to>
+                                        <p:strVal val="hidden"/>
+                                      </p:to>
+                                    </p:set>
+                                  </p:subTnLst>
+                                </p:cTn>
+                              </p:par>
+                            </p:childTnLst>
+                          </p:cTn>
+                        </p:par>
+                      </p:childTnLst>
+                    </p:cTn>
+                  </p:par>
+                  <p:par>
+                    <p:cTn id="8" fill="hold">
+                      <p:stCondLst>
+                        <p:cond delay="indefinite"/>
+                      </p:stCondLst>
+                      <p:childTnLst>
+                        <p:par>
+                          <p:cTn id="9" fill="hold">
+                            <p:stCondLst>
+                              <p:cond delay="0"/>
+                            </p:stCondLst>
+                            <p:childTnLst>
+                              <p:par>
+                                <p:cTn id="10" presetID="10" presetClass="entr" presetSubtype="0" fill="hold" grpId="0" nodeType="clickEffect">
+                                  <p:stCondLst>
+                                    <p:cond delay="0"/>
+                                  </p:stCondLst>
+                                  <p:childTnLst>
+                                    <p:set>
+                                      <p:cBhvr>
+                                        <p:cTn id="11" dur="1" fill="hold">
+                                          <p:stCondLst>
+                                            <p:cond delay="0"/>
+                                          </p:stCondLst>
+                                        </p:cTn>
+                                        <p:tgtEl>
+                                          <p:spTgt spid="6"/>
+                                        </p:tgtEl>
+                                        <p:attrNameLst>
+                                          <p:attrName>style.visibility</p:attrName>
+                                        </p:attrNameLst>
+                                      </p:cBhvr>
+                                      <p:to>
+                                        <p:strVal val="visible"/>
+                                      </p:to>
+                                    </p:set>
+                                    <p:animEffect transition="in" filter="fade">
+                                      <p:cBhvr>
+                                        <p:cTn id="12" dur="500"/>
+                                        <p:tgtEl>
+                                          <p:spTgt spid="6"/>
+                                        </p:tgtEl>
+                                      </p:cBhvr>
+                                    </p:animEffect>
+                                  </p:childTnLst>
+                                  <p:subTnLst>
+                                    <p:set>
+                                      <p:cBhvr override="childStyle">
+                                        <p:cTn dur="1" fill="hold" display="0" masterRel="nextClick" afterEffect="1"/>
+                                        <p:tgtEl>
+                                          <p:spTgt spid="6"/>
+                                        </p:tgtEl>
+                                        <p:attrNameLst>
+                                          <p:attrName>style.visibility</p:attrName>
+                                        </p:attrNameLst>
+                                      </p:cBhvr>
+                                      <p:to>
+                                        <p:strVal val="hidden"/>
+                                      </p:to>
+                                    </p:set>
+                                  </p:subTnLst>
+                                </p:cTn>
+                              </p:par>
+                            </p:childTnLst>
+                          </p:cTn>
+                        </p:par>
+                      </p:childTnLst>
+                    </p:cTn>
+                  </p:par>
+                  <p:par>
+                    <p:cTn id="13" fill="hold">
+                      <p:stCondLst>
+                        <p:cond delay="indefinite"/>
+                      </p:stCondLst>
+                      <p:childTnLst>
+                        <p:par>
+                          <p:cTn id="14" fill="hold">
+                            <p:stCondLst>
+                              <p:cond delay="0"/>
+                            </p:stCondLst>
+                            <p:childTnLst>
+                              <p:par>
+                                <p:cTn id="15" presetID="10" presetClass="entr" presetSubtype="0" fill="hold" grpId="0" nodeType="clickEffect">
+                                  <p:stCondLst>
+                                    <p:cond delay="0"/>
+                                  </p:stCondLst>
+                                  <p:childTnLst>
+                                    <p:set>
+                                      <p:cBhvr>
+                                        <p:cTn id="16" dur="1" fill="hold">
+                                          <p:stCondLst>
+                                            <p:cond delay="0"/>
+                                          </p:stCondLst>
+                                        </p:cTn>
+                                        <p:tgtEl>
+                                          <p:spTgt spid="7"/>
+                                        </p:tgtEl>
+                                        <p:attrNameLst>
+                                          <p:attrName>style.visibility</p:attrName>
+                                        </p:attrNameLst>
+                                      </p:cBhvr>
+                                      <p:to>
+                                        <p:strVal val="visible"/>
+                                      </p:to>
+                                    </p:set>
+                                    <p:animEffect transition="in" filter="fade">
+                                      <p:cBhvr>
+                                        <p:cTn id="17" dur="500"/>
+                                        <p:tgtEl>
+                                          <p:spTgt spid="7"/>
+                                        </p:tgtEl>
+                                      </p:cBhvr>
+                                    </p:animEffect>
+                                  </p:childTnLst>
+                                  <p:subTnLst>
+                                    <p:set>
+                                      <p:cBhvr override="childStyle">
+                                        <p:cTn dur="1" fill="hold" display="0" masterRel="nextClick" afterEffect="1"/>
+                                        <p:tgtEl>
+                                          <p:spTgt spid="7"/>
+                                        </p:tgtEl>
+                                        <p:attrNameLst>
+                                          <p:attrName>style.visibility</p:attrName>
+                                        </p:attrNameLst>
+                                      </p:cBhvr>
+                                      <p:to>
+                                        <p:strVal val="hidden"/>
+                                      </p:to>
+                                    </p:set>
+                                  </p:subTnLst>
+                                </p:cTn>
+                              </p:par>
+                            </p:childTnLst>
+                          </p:cTn>
+                        </p:par>
+                      </p:childTnLst>
+                    </p:cTn>
+                  </p:par>
+                  <p:par>
+                    <p:cTn id="18" fill="hold">
+                      <p:stCondLst>
+                        <p:cond delay="indefinite"/>
+                      </p:stCondLst>
+                      <p:childTnLst>
+                        <p:par>
+                          <p:cTn id="19" fill="hold">
+                            <p:stCondLst>
+                              <p:cond delay="0"/>
+                            </p:stCondLst>
+                            <p:childTnLst>
+                              <p:par>
+                                <p:cTn id="20" presetID="10" presetClass="entr" presetSubtype="0" fill="hold" grpId="0" nodeType="clickEffect">
+                                  <p:stCondLst>
+                                    <p:cond delay="0"/>
+                                  </p:stCondLst>
+                                  <p:childTnLst>
+                                    <p:set>
+                                      <p:cBhvr>
+                                        <p:cTn id="21" dur="1" fill="hold">
+                                          <p:stCondLst>
+                                            <p:cond delay="0"/>
+                                          </p:stCondLst>
+                                        </p:cTn>
+                                        <p:tgtEl>
+                                          <p:spTgt spid="8"/>
+                                        </p:tgtEl>
+                                        <p:attrNameLst>
+                                          <p:attrName>style.visibility</p:attrName>
+                                        </p:attrNameLst>
+                                      </p:cBhvr>
+                                      <p:to>
+                                        <p:strVal val="visible"/>
+                                      </p:to>
+                                    </p:set>
+                                    <p:animEffect transition="in" filter="fade">
+                                      <p:cBhvr>
+                                        <p:cTn id="22" dur="500"/>
+                                        <p:tgtEl>
+                                          <p:spTgt spid="8"/>
+                                        </p:tgtEl>
+                                      </p:cBhvr>
+                                    </p:animEffect>
+                                  </p:childTnLst>
+                                  <p:subTnLst>
+                                    <p:set>
+                                      <p:cBhvr override="childStyle">
+                                        <p:cTn dur="1" fill="hold" display="0" masterRel="nextClick" afterEffect="1"/>
+                                        <p:tgtEl>
+                                          <p:spTgt spid="8"/>
+                                        </p:tgtEl>
+                                        <p:attrNameLst>
+                                          <p:attrName>style.visibility</p:attrName>
+                                        </p:attrNameLst>
+                                      </p:cBhvr>
+                                      <p:to>
+                                        <p:strVal val="hidden"/>
+                                      </p:to>
+                                    </p:set>
+                                  </p:subTnLst>
+                                </p:cTn>
+                              </p:par>
+                            </p:childTnLst>
+                          </p:cTn>
+                        </p:par>
+                      </p:childTnLst>
+                    </p:cTn>
+                  </p:par>
+                  <p:par>
+                    <p:cTn id="23" fill="hold">
+                      <p:stCondLst>
+                        <p:cond delay="indefinite"/>
+                      </p:stCondLst>
+                      <p:childTnLst>
+                        <p:par>
+                          <p:cTn id="24" fill="hold">
+                            <p:stCondLst>
+                              <p:cond delay="0"/>
+                            </p:stCondLst>
+                            <p:childTnLst>
+                              <p:par>
+                                <p:cTn id="25" presetID="10" presetClass="entr" presetSubtype="0" fill="hold" grpId="0" nodeType="clickEffect">
+                                  <p:stCondLst>
+                                    <p:cond delay="0"/>
+                                  </p:stCondLst>
+                                  <p:childTnLst>
+                                    <p:set>
+                                      <p:cBhvr>
+                                        <p:cTn id="26" dur="1" fill="hold">
+                                          <p:stCondLst>
+                                            <p:cond delay="0"/>
+                                          </p:stCondLst>
+                                        </p:cTn>
+                                        <p:tgtEl>
+                                          <p:spTgt spid="9"/>
+                                        </p:tgtEl>
+                                        <p:attrNameLst>
+                                          <p:attrName>style.visibility</p:attrName>
+                                        </p:attrNameLst>
+                                      </p:cBhvr>
+                                      <p:to>
+                                        <p:strVal val="visible"/>
+                                      </p:to>
+                                    </p:set>
+                                    <p:animEffect transition="in" filter="fade">
+                                      <p:cBhvr>
+                                        <p:cTn id="27" dur="500"/>
+                                        <p:tgtEl>
+                                          <p:spTgt spid="9"/>
+                                        </p:tgtEl>
+                                      </p:cBhvr>
+                                    </p:animEffect>
+                                  </p:childTnLst>
+                                  <p:subTnLst>
+                                    <p:set>
+                                      <p:cBhvr override="childStyle">
+                                        <p:cTn dur="1" fill="hold" display="0" masterRel="nextClick" afterEffect="1"/>
+                                        <p:tgtEl>
+                                          <p:spTgt spid="9"/>
+                                        </p:tgtEl>
+                                        <p:attrNameLst>
+                                          <p:attrName>style.visibility</p:attrName>
+                                        </p:attrNameLst>
+                                      </p:cBhvr>
+                                      <p:to>
+                                        <p:strVal val="hidden"/>
+                                      </p:to>
+                                    </p:set>
+                                  </p:subTnLst>
+                                </p:cTn>
+                              </p:par>
+                            </p:childTnLst>
+                          </p:cTn>
+                        </p:par>
+                      </p:childTnLst>
+                    </p:cTn>
+                  </p:par>
+                  <p:par>
+                    <p:cTn id="28" fill="hold">
+                      <p:stCondLst>
+                        <p:cond delay="indefinite"/>
+                      </p:stCondLst>
+                      <p:childTnLst>
+                        <p:par>
+                          <p:cTn id="29" fill="hold">
+                            <p:stCondLst>
+                              <p:cond delay="0"/>
+                            </p:stCondLst>
+                            <p:childTnLst>
+                              <p:par>
+                                <p:cTn id="30" presetID="10" presetClass="entr" presetSubtype="0" fill="hold" grpId="0" nodeType="clickEffect">
+                                  <p:stCondLst>
+                                    <p:cond delay="0"/>
+                                  </p:stCondLst>
+                                  <p:childTnLst>
+                                    <p:set>
+                                      <p:cBhvr>
+                                        <p:cTn id="31" dur="1" fill="hold">
+                                          <p:stCondLst>
+                                            <p:cond delay="0"/>
+                                          </p:stCondLst>
+                                        </p:cTn>
+                                        <p:tgtEl>
+                                          <p:spTgt spid="10"/>
+                                        </p:tgtEl>
+                                        <p:attrNameLst>
+                                          <p:attrName>style.visibility</p:attrName>
+                                        </p:attrNameLst>
+                                      </p:cBhvr>
+                                      <p:to>
+                                        <p:strVal val="visible"/>
+                                      </p:to>
+                                    </p:set>
+                                    <p:animEffect transition="in" filter="fade">
+                                      <p:cBhvr>
+                                        <p:cTn id="32" dur="500"/>
+                                        <p:tgtEl>
+                                          <p:spTgt spid="10"/>
+                                        </p:tgtEl>
+                                      </p:cBhvr>
+                                    </p:animEffect>
+                                  </p:childTnLst>
+                                  <p:subTnLst>
+                                    <p:set>
+                                      <p:cBhvr override="childStyle">
+                                        <p:cTn dur="1" fill="hold" display="0" masterRel="nextClick" afterEffect="1"/>
+                                        <p:tgtEl>
+                                          <p:spTgt spid="10"/>
+                                        </p:tgtEl>
+                                        <p:attrNameLst>
+                                          <p:attrName>style.visibility</p:attrName>
+                                        </p:attrNameLst>
+                                      </p:cBhvr>
+                                      <p:to>
+                                        <p:strVal val="hidden"/>
+                                      </p:to>
+                                    </p:set>
+                                  </p:subTnLst>
+                                </p:cTn>
+                              </p:par>
+                            </p:childTnLst>
+                          </p:cTn>
+                        </p:par>
+                      </p:childTnLst>
+                    </p:cTn>
+                  </p:par>
+                </p:childTnLst>
+              </p:cTn>
+              <p:prevCondLst>
+                <p:cond evt="onPrev" delay="0">
+                  <p:tgtEl>
+                    <p:sldTgt/>
+                  </p:tgtEl>
+                </p:cond>
+              </p:prevCondLst>
+              <p:nextCondLst>
+                <p:cond evt="onNext" delay="0">
+                  <p:tgtEl>
+                    <p:sldTgt/>
+                  </p:tgtEl>
+                </p:cond>
+              </p:nextCondLst>
+            </p:seq>
+          </p:childTnLst>
+        </p:cTn>
+      </p:par>
+    </p:tnLst>
+    <p:bldLst>
+      <p:bldP spid="4" grpId="0" animBg="1"/>
+      <p:bldP spid="6" grpId="0" animBg="1"/>
+      <p:bldP spid="7" grpId="0" animBg="1"/>
+      <p:bldP spid="8" grpId="0" animBg="1"/>
+      <p:bldP spid="9" grpId="0" animBg="1"/>
+      <p:bldP spid="10" grpId="0" animBg="1"/>
+    </p:bldLst>
+  </p:timing>
 </p:sld>
 </file>
 
@@ -14001,10 +11126,9 @@
           <a:lstStyle/>
           <a:p>
             <a:r>
-              <a:rPr lang="en-US" smtClean="0"/>
+              <a:rPr lang="en-US"/>
               <a:t>Expressions and Functions</a:t>
             </a:r>
-            <a:endParaRPr lang="en-US"/>
           </a:p>
         </p:txBody>
       </p:sp>
@@ -14032,16 +11156,384 @@
           </a:prstGeom>
         </p:spPr>
       </p:pic>
+      <p:sp>
+        <p:nvSpPr>
+          <p:cNvPr id="5" name="Line Callout 1 4"/>
+          <p:cNvSpPr/>
+          <p:nvPr/>
+        </p:nvSpPr>
+        <p:spPr>
+          <a:xfrm>
+            <a:off x="6239421" y="1380384"/>
+            <a:ext cx="2386584" cy="1536192"/>
+          </a:xfrm>
+          <a:prstGeom prst="borderCallout1">
+            <a:avLst>
+              <a:gd name="adj1" fmla="val 18750"/>
+              <a:gd name="adj2" fmla="val -8333"/>
+              <a:gd name="adj3" fmla="val 110496"/>
+              <a:gd name="adj4" fmla="val -146264"/>
+            </a:avLst>
+          </a:prstGeom>
+          <a:solidFill>
+            <a:schemeClr val="accent1"/>
+          </a:solidFill>
+          <a:ln>
+            <a:solidFill>
+              <a:schemeClr val="tx1"/>
+            </a:solidFill>
+          </a:ln>
+          <a:effectLst/>
+        </p:spPr>
+        <p:style>
+          <a:lnRef idx="2">
+            <a:schemeClr val="accent1"/>
+          </a:lnRef>
+          <a:fillRef idx="0">
+            <a:schemeClr val="accent1"/>
+          </a:fillRef>
+          <a:effectRef idx="1">
+            <a:schemeClr val="accent1"/>
+          </a:effectRef>
+          <a:fontRef idx="minor">
+            <a:schemeClr val="tx1"/>
+          </a:fontRef>
+        </p:style>
+        <p:txBody>
+          <a:bodyPr lIns="182880" tIns="182880" rIns="182880" bIns="182880" rtlCol="0" anchor="ctr"/>
+          <a:lstStyle/>
+          <a:p>
+            <a:pPr marL="0" marR="0" lvl="0" indent="0" algn="ctr" defTabSz="457200" rtl="0" eaLnBrk="1" fontAlgn="auto" latinLnBrk="0" hangingPunct="1">
+              <a:lnSpc>
+                <a:spcPct val="100000"/>
+              </a:lnSpc>
+              <a:spcBef>
+                <a:spcPts val="600"/>
+              </a:spcBef>
+              <a:spcAft>
+                <a:spcPts val="0"/>
+              </a:spcAft>
+              <a:buClrTx/>
+              <a:buSzTx/>
+              <a:buFontTx/>
+              <a:buNone/>
+              <a:tabLst/>
+              <a:defRPr/>
+            </a:pPr>
+            <a:r>
+              <a:rPr kumimoji="0" lang="en-US" sz="2000" b="0" i="0" u="none" strike="noStrike" kern="1200" cap="none" spc="0" normalizeH="0" baseline="0" noProof="0">
+                <a:ln>
+                  <a:noFill/>
+                </a:ln>
+                <a:solidFill>
+                  <a:prstClr val="white"/>
+                </a:solidFill>
+                <a:effectLst/>
+                <a:uLnTx/>
+                <a:uFillTx/>
+                <a:latin typeface="Trebuchet MS" panose="020B0603020202020204"/>
+                <a:ea typeface="+mn-ea"/>
+                <a:cs typeface="+mn-cs"/>
+              </a:rPr>
+              <a:t>expression</a:t>
+            </a:r>
+            <a:endParaRPr kumimoji="0" lang="en-US" sz="2000" b="0" i="0" u="none" strike="noStrike" kern="1200" cap="none" spc="0" normalizeH="0" baseline="0" noProof="0" dirty="0">
+              <a:ln>
+                <a:noFill/>
+              </a:ln>
+              <a:solidFill>
+                <a:prstClr val="white"/>
+              </a:solidFill>
+              <a:effectLst/>
+              <a:uLnTx/>
+              <a:uFillTx/>
+              <a:latin typeface="Trebuchet MS" panose="020B0603020202020204"/>
+              <a:ea typeface="+mn-ea"/>
+              <a:cs typeface="+mn-cs"/>
+            </a:endParaRPr>
+          </a:p>
+        </p:txBody>
+      </p:sp>
+      <p:sp>
+        <p:nvSpPr>
+          <p:cNvPr id="6" name="Line Callout 1 5"/>
+          <p:cNvSpPr/>
+          <p:nvPr/>
+        </p:nvSpPr>
+        <p:spPr>
+          <a:xfrm>
+            <a:off x="6239421" y="4668902"/>
+            <a:ext cx="2386584" cy="1536192"/>
+          </a:xfrm>
+          <a:prstGeom prst="borderCallout1">
+            <a:avLst>
+              <a:gd name="adj1" fmla="val 18750"/>
+              <a:gd name="adj2" fmla="val -8333"/>
+              <a:gd name="adj3" fmla="val -55076"/>
+              <a:gd name="adj4" fmla="val -74039"/>
+            </a:avLst>
+          </a:prstGeom>
+          <a:solidFill>
+            <a:schemeClr val="accent1"/>
+          </a:solidFill>
+          <a:ln>
+            <a:solidFill>
+              <a:schemeClr val="tx1"/>
+            </a:solidFill>
+          </a:ln>
+          <a:effectLst/>
+        </p:spPr>
+        <p:style>
+          <a:lnRef idx="2">
+            <a:schemeClr val="accent1"/>
+          </a:lnRef>
+          <a:fillRef idx="0">
+            <a:schemeClr val="accent1"/>
+          </a:fillRef>
+          <a:effectRef idx="1">
+            <a:schemeClr val="accent1"/>
+          </a:effectRef>
+          <a:fontRef idx="minor">
+            <a:schemeClr val="tx1"/>
+          </a:fontRef>
+        </p:style>
+        <p:txBody>
+          <a:bodyPr lIns="182880" tIns="182880" rIns="182880" bIns="182880" rtlCol="0" anchor="ctr"/>
+          <a:lstStyle/>
+          <a:p>
+            <a:pPr marL="0" marR="0" lvl="0" indent="0" algn="ctr" defTabSz="457200" rtl="0" eaLnBrk="1" fontAlgn="auto" latinLnBrk="0" hangingPunct="1">
+              <a:lnSpc>
+                <a:spcPct val="100000"/>
+              </a:lnSpc>
+              <a:spcBef>
+                <a:spcPts val="600"/>
+              </a:spcBef>
+              <a:spcAft>
+                <a:spcPts val="0"/>
+              </a:spcAft>
+              <a:buClrTx/>
+              <a:buSzTx/>
+              <a:buFontTx/>
+              <a:buNone/>
+              <a:tabLst/>
+              <a:defRPr/>
+            </a:pPr>
+            <a:r>
+              <a:rPr kumimoji="0" lang="en-US" sz="2000" b="0" i="0" u="none" strike="noStrike" kern="1200" cap="none" spc="0" normalizeH="0" baseline="0" noProof="0">
+                <a:ln>
+                  <a:noFill/>
+                </a:ln>
+                <a:solidFill>
+                  <a:prstClr val="white"/>
+                </a:solidFill>
+                <a:effectLst/>
+                <a:uLnTx/>
+                <a:uFillTx/>
+                <a:latin typeface="Trebuchet MS" panose="020B0603020202020204"/>
+                <a:ea typeface="+mn-ea"/>
+                <a:cs typeface="+mn-cs"/>
+              </a:rPr>
+              <a:t>function</a:t>
+            </a:r>
+            <a:endParaRPr kumimoji="0" lang="en-US" sz="2000" b="0" i="0" u="none" strike="noStrike" kern="1200" cap="none" spc="0" normalizeH="0" baseline="0" noProof="0" dirty="0">
+              <a:ln>
+                <a:noFill/>
+              </a:ln>
+              <a:solidFill>
+                <a:prstClr val="white"/>
+              </a:solidFill>
+              <a:effectLst/>
+              <a:uLnTx/>
+              <a:uFillTx/>
+              <a:latin typeface="Trebuchet MS" panose="020B0603020202020204"/>
+              <a:ea typeface="+mn-ea"/>
+              <a:cs typeface="+mn-cs"/>
+            </a:endParaRPr>
+          </a:p>
+        </p:txBody>
+      </p:sp>
     </p:spTree>
     <p:extLst>
       <p:ext uri="{BB962C8B-B14F-4D97-AF65-F5344CB8AC3E}">
-        <p14:creationId xmlns:p14="http://schemas.microsoft.com/office/powerpoint/2010/main" val="1588348560"/>
+        <p14:creationId xmlns:p14="http://schemas.microsoft.com/office/powerpoint/2010/main" val="1364356439"/>
       </p:ext>
     </p:extLst>
   </p:cSld>
   <p:clrMapOvr>
     <a:masterClrMapping/>
   </p:clrMapOvr>
+  <p:timing>
+    <p:tnLst>
+      <p:par>
+        <p:cTn id="1" dur="indefinite" restart="never" nodeType="tmRoot">
+          <p:childTnLst>
+            <p:seq concurrent="1" nextAc="seek">
+              <p:cTn id="2" dur="indefinite" nodeType="mainSeq">
+                <p:childTnLst>
+                  <p:par>
+                    <p:cTn id="3" fill="hold">
+                      <p:stCondLst>
+                        <p:cond delay="indefinite"/>
+                      </p:stCondLst>
+                      <p:childTnLst>
+                        <p:par>
+                          <p:cTn id="4" fill="hold">
+                            <p:stCondLst>
+                              <p:cond delay="0"/>
+                            </p:stCondLst>
+                            <p:childTnLst>
+                              <p:par>
+                                <p:cTn id="5" presetID="10" presetClass="entr" presetSubtype="0" fill="hold" grpId="0" nodeType="clickEffect">
+                                  <p:stCondLst>
+                                    <p:cond delay="0"/>
+                                  </p:stCondLst>
+                                  <p:childTnLst>
+                                    <p:set>
+                                      <p:cBhvr>
+                                        <p:cTn id="6" dur="1" fill="hold">
+                                          <p:stCondLst>
+                                            <p:cond delay="0"/>
+                                          </p:stCondLst>
+                                        </p:cTn>
+                                        <p:tgtEl>
+                                          <p:spTgt spid="5"/>
+                                        </p:tgtEl>
+                                        <p:attrNameLst>
+                                          <p:attrName>style.visibility</p:attrName>
+                                        </p:attrNameLst>
+                                      </p:cBhvr>
+                                      <p:to>
+                                        <p:strVal val="visible"/>
+                                      </p:to>
+                                    </p:set>
+                                    <p:animEffect transition="in" filter="fade">
+                                      <p:cBhvr>
+                                        <p:cTn id="7" dur="500"/>
+                                        <p:tgtEl>
+                                          <p:spTgt spid="5"/>
+                                        </p:tgtEl>
+                                      </p:cBhvr>
+                                    </p:animEffect>
+                                  </p:childTnLst>
+                                  <p:subTnLst>
+                                    <p:set>
+                                      <p:cBhvr override="childStyle">
+                                        <p:cTn dur="1" fill="hold" display="0" masterRel="nextClick" afterEffect="1"/>
+                                        <p:tgtEl>
+                                          <p:spTgt spid="5"/>
+                                        </p:tgtEl>
+                                        <p:attrNameLst>
+                                          <p:attrName>style.visibility</p:attrName>
+                                        </p:attrNameLst>
+                                      </p:cBhvr>
+                                      <p:to>
+                                        <p:strVal val="hidden"/>
+                                      </p:to>
+                                    </p:set>
+                                  </p:subTnLst>
+                                </p:cTn>
+                              </p:par>
+                            </p:childTnLst>
+                          </p:cTn>
+                        </p:par>
+                      </p:childTnLst>
+                    </p:cTn>
+                  </p:par>
+                  <p:par>
+                    <p:cTn id="8" fill="hold">
+                      <p:stCondLst>
+                        <p:cond delay="indefinite"/>
+                      </p:stCondLst>
+                      <p:childTnLst>
+                        <p:par>
+                          <p:cTn id="9" fill="hold">
+                            <p:stCondLst>
+                              <p:cond delay="0"/>
+                            </p:stCondLst>
+                            <p:childTnLst>
+                              <p:par>
+                                <p:cTn id="10" presetID="10" presetClass="entr" presetSubtype="0" fill="hold" grpId="0" nodeType="clickEffect">
+                                  <p:stCondLst>
+                                    <p:cond delay="0"/>
+                                  </p:stCondLst>
+                                  <p:childTnLst>
+                                    <p:set>
+                                      <p:cBhvr>
+                                        <p:cTn id="11" dur="1" fill="hold">
+                                          <p:stCondLst>
+                                            <p:cond delay="0"/>
+                                          </p:stCondLst>
+                                        </p:cTn>
+                                        <p:tgtEl>
+                                          <p:spTgt spid="6"/>
+                                        </p:tgtEl>
+                                        <p:attrNameLst>
+                                          <p:attrName>style.visibility</p:attrName>
+                                        </p:attrNameLst>
+                                      </p:cBhvr>
+                                      <p:to>
+                                        <p:strVal val="visible"/>
+                                      </p:to>
+                                    </p:set>
+                                    <p:animEffect transition="in" filter="fade">
+                                      <p:cBhvr>
+                                        <p:cTn id="12" dur="500"/>
+                                        <p:tgtEl>
+                                          <p:spTgt spid="6"/>
+                                        </p:tgtEl>
+                                      </p:cBhvr>
+                                    </p:animEffect>
+                                  </p:childTnLst>
+                                  <p:subTnLst>
+                                    <p:set>
+                                      <p:cBhvr override="childStyle">
+                                        <p:cTn dur="1" fill="hold" display="0" masterRel="nextClick" afterEffect="1"/>
+                                        <p:tgtEl>
+                                          <p:spTgt spid="6"/>
+                                        </p:tgtEl>
+                                        <p:attrNameLst>
+                                          <p:attrName>style.visibility</p:attrName>
+                                        </p:attrNameLst>
+                                      </p:cBhvr>
+                                      <p:to>
+                                        <p:strVal val="hidden"/>
+                                      </p:to>
+                                    </p:set>
+                                  </p:subTnLst>
+                                </p:cTn>
+                              </p:par>
+                            </p:childTnLst>
+                          </p:cTn>
+                        </p:par>
+                      </p:childTnLst>
+                    </p:cTn>
+                  </p:par>
+                </p:childTnLst>
+              </p:cTn>
+              <p:prevCondLst>
+                <p:cond evt="onPrev" delay="0">
+                  <p:tgtEl>
+                    <p:sldTgt/>
+                  </p:tgtEl>
+                </p:cond>
+              </p:prevCondLst>
+              <p:nextCondLst>
+                <p:cond evt="onNext" delay="0">
+                  <p:tgtEl>
+                    <p:sldTgt/>
+                  </p:tgtEl>
+                </p:cond>
+              </p:nextCondLst>
+            </p:seq>
+          </p:childTnLst>
+        </p:cTn>
+      </p:par>
+    </p:tnLst>
+    <p:bldLst>
+      <p:bldP spid="5" grpId="0" animBg="1"/>
+      <p:bldP spid="6" grpId="0" animBg="1"/>
+    </p:bldLst>
+  </p:timing>
 </p:sld>
 </file>
 
@@ -14078,10 +11570,9 @@
           <a:lstStyle/>
           <a:p>
             <a:r>
-              <a:rPr lang="en-US" smtClean="0"/>
+              <a:rPr lang="en-US"/>
               <a:t>Template Deployment</a:t>
             </a:r>
-            <a:endParaRPr lang="en-US"/>
           </a:p>
         </p:txBody>
       </p:sp>
@@ -14109,16 +11600,392 @@
           </a:prstGeom>
         </p:spPr>
       </p:pic>
+      <p:sp>
+        <p:nvSpPr>
+          <p:cNvPr id="5" name="Line Callout 1 4"/>
+          <p:cNvSpPr/>
+          <p:nvPr/>
+        </p:nvSpPr>
+        <p:spPr>
+          <a:xfrm>
+            <a:off x="6873767" y="4379594"/>
+            <a:ext cx="4969075" cy="1536192"/>
+          </a:xfrm>
+          <a:prstGeom prst="borderCallout1">
+            <a:avLst>
+              <a:gd name="adj1" fmla="val 18750"/>
+              <a:gd name="adj2" fmla="val -8333"/>
+              <a:gd name="adj3" fmla="val -80391"/>
+              <a:gd name="adj4" fmla="val -2589"/>
+            </a:avLst>
+          </a:prstGeom>
+          <a:solidFill>
+            <a:schemeClr val="accent1"/>
+          </a:solidFill>
+          <a:ln>
+            <a:solidFill>
+              <a:schemeClr val="tx1"/>
+            </a:solidFill>
+          </a:ln>
+          <a:effectLst/>
+        </p:spPr>
+        <p:style>
+          <a:lnRef idx="2">
+            <a:schemeClr val="accent1"/>
+          </a:lnRef>
+          <a:fillRef idx="0">
+            <a:schemeClr val="accent1"/>
+          </a:fillRef>
+          <a:effectRef idx="1">
+            <a:schemeClr val="accent1"/>
+          </a:effectRef>
+          <a:fontRef idx="minor">
+            <a:schemeClr val="tx1"/>
+          </a:fontRef>
+        </p:style>
+        <p:txBody>
+          <a:bodyPr lIns="182880" tIns="182880" rIns="182880" bIns="182880" rtlCol="0" anchor="ctr"/>
+          <a:lstStyle/>
+          <a:p>
+            <a:pPr marL="0" marR="0" lvl="0" indent="0" algn="ctr" defTabSz="457200" rtl="0" eaLnBrk="1" fontAlgn="auto" latinLnBrk="0" hangingPunct="1">
+              <a:lnSpc>
+                <a:spcPct val="100000"/>
+              </a:lnSpc>
+              <a:spcBef>
+                <a:spcPts val="600"/>
+              </a:spcBef>
+              <a:spcAft>
+                <a:spcPts val="0"/>
+              </a:spcAft>
+              <a:buClrTx/>
+              <a:buSzTx/>
+              <a:buFontTx/>
+              <a:buNone/>
+              <a:tabLst/>
+              <a:defRPr/>
+            </a:pPr>
+            <a:r>
+              <a:rPr kumimoji="0" lang="en-US" sz="2400" b="0" i="0" u="none" strike="noStrike" kern="1200" cap="none" spc="0" normalizeH="0" baseline="0" noProof="0" dirty="0">
+                <a:ln>
+                  <a:noFill/>
+                </a:ln>
+                <a:solidFill>
+                  <a:prstClr val="white"/>
+                </a:solidFill>
+                <a:effectLst/>
+                <a:uLnTx/>
+                <a:uFillTx/>
+                <a:latin typeface="Trebuchet MS" panose="020B0603020202020204"/>
+                <a:ea typeface="+mn-ea"/>
+                <a:cs typeface="+mn-cs"/>
+              </a:rPr>
+              <a:t>Complete (strict)</a:t>
+            </a:r>
+          </a:p>
+          <a:p>
+            <a:pPr marL="0" marR="0" lvl="0" indent="0" algn="ctr" defTabSz="457200" rtl="0" eaLnBrk="1" fontAlgn="auto" latinLnBrk="0" hangingPunct="1">
+              <a:lnSpc>
+                <a:spcPct val="100000"/>
+              </a:lnSpc>
+              <a:spcBef>
+                <a:spcPts val="600"/>
+              </a:spcBef>
+              <a:spcAft>
+                <a:spcPts val="0"/>
+              </a:spcAft>
+              <a:buClrTx/>
+              <a:buSzTx/>
+              <a:buFontTx/>
+              <a:buNone/>
+              <a:tabLst/>
+              <a:defRPr/>
+            </a:pPr>
+            <a:r>
+              <a:rPr kumimoji="0" lang="en-US" sz="2400" b="0" i="0" u="none" strike="noStrike" kern="1200" cap="none" spc="0" normalizeH="0" baseline="0" noProof="0" dirty="0">
+                <a:ln>
+                  <a:noFill/>
+                </a:ln>
+                <a:solidFill>
+                  <a:prstClr val="white"/>
+                </a:solidFill>
+                <a:effectLst/>
+                <a:uLnTx/>
+                <a:uFillTx/>
+                <a:latin typeface="Trebuchet MS" panose="020B0603020202020204"/>
+                <a:ea typeface="+mn-ea"/>
+                <a:cs typeface="+mn-cs"/>
+              </a:rPr>
+              <a:t>Incremental (no deletion of existing resources)</a:t>
+            </a:r>
+          </a:p>
+        </p:txBody>
+      </p:sp>
+      <p:sp>
+        <p:nvSpPr>
+          <p:cNvPr id="6" name="Line Callout 1 5"/>
+          <p:cNvSpPr/>
+          <p:nvPr/>
+        </p:nvSpPr>
+        <p:spPr>
+          <a:xfrm>
+            <a:off x="945932" y="4999705"/>
+            <a:ext cx="4969075" cy="1536192"/>
+          </a:xfrm>
+          <a:prstGeom prst="borderCallout1">
+            <a:avLst>
+              <a:gd name="adj1" fmla="val 18750"/>
+              <a:gd name="adj2" fmla="val -8333"/>
+              <a:gd name="adj3" fmla="val -85864"/>
+              <a:gd name="adj4" fmla="val 12429"/>
+            </a:avLst>
+          </a:prstGeom>
+          <a:solidFill>
+            <a:schemeClr val="accent1"/>
+          </a:solidFill>
+          <a:ln>
+            <a:solidFill>
+              <a:schemeClr val="tx1"/>
+            </a:solidFill>
+          </a:ln>
+          <a:effectLst/>
+        </p:spPr>
+        <p:style>
+          <a:lnRef idx="2">
+            <a:schemeClr val="accent1"/>
+          </a:lnRef>
+          <a:fillRef idx="0">
+            <a:schemeClr val="accent1"/>
+          </a:fillRef>
+          <a:effectRef idx="1">
+            <a:schemeClr val="accent1"/>
+          </a:effectRef>
+          <a:fontRef idx="minor">
+            <a:schemeClr val="tx1"/>
+          </a:fontRef>
+        </p:style>
+        <p:txBody>
+          <a:bodyPr lIns="182880" tIns="182880" rIns="182880" bIns="182880" rtlCol="0" anchor="ctr"/>
+          <a:lstStyle/>
+          <a:p>
+            <a:pPr marL="0" marR="0" lvl="0" indent="0" algn="ctr" defTabSz="457200" rtl="0" eaLnBrk="1" fontAlgn="auto" latinLnBrk="0" hangingPunct="1">
+              <a:lnSpc>
+                <a:spcPct val="100000"/>
+              </a:lnSpc>
+              <a:spcBef>
+                <a:spcPts val="600"/>
+              </a:spcBef>
+              <a:spcAft>
+                <a:spcPts val="0"/>
+              </a:spcAft>
+              <a:buClrTx/>
+              <a:buSzTx/>
+              <a:buFontTx/>
+              <a:buNone/>
+              <a:tabLst/>
+              <a:defRPr/>
+            </a:pPr>
+            <a:r>
+              <a:rPr kumimoji="0" lang="en-US" sz="2400" b="0" i="0" u="none" strike="noStrike" kern="1200" cap="none" spc="0" normalizeH="0" baseline="0" noProof="0" dirty="0">
+                <a:ln>
+                  <a:noFill/>
+                </a:ln>
+                <a:solidFill>
+                  <a:prstClr val="white"/>
+                </a:solidFill>
+                <a:effectLst/>
+                <a:uLnTx/>
+                <a:uFillTx/>
+                <a:latin typeface="Trebuchet MS" panose="020B0603020202020204"/>
+                <a:ea typeface="+mn-ea"/>
+                <a:cs typeface="+mn-cs"/>
+              </a:rPr>
+              <a:t>Can be local file or URI</a:t>
+            </a:r>
+          </a:p>
+        </p:txBody>
+      </p:sp>
     </p:spTree>
     <p:extLst>
       <p:ext uri="{BB962C8B-B14F-4D97-AF65-F5344CB8AC3E}">
-        <p14:creationId xmlns:p14="http://schemas.microsoft.com/office/powerpoint/2010/main" val="716878208"/>
+        <p14:creationId xmlns:p14="http://schemas.microsoft.com/office/powerpoint/2010/main" val="3807216053"/>
       </p:ext>
     </p:extLst>
   </p:cSld>
   <p:clrMapOvr>
     <a:masterClrMapping/>
   </p:clrMapOvr>
+  <p:timing>
+    <p:tnLst>
+      <p:par>
+        <p:cTn id="1" dur="indefinite" restart="never" nodeType="tmRoot">
+          <p:childTnLst>
+            <p:seq concurrent="1" nextAc="seek">
+              <p:cTn id="2" dur="indefinite" nodeType="mainSeq">
+                <p:childTnLst>
+                  <p:par>
+                    <p:cTn id="3" fill="hold">
+                      <p:stCondLst>
+                        <p:cond delay="indefinite"/>
+                      </p:stCondLst>
+                      <p:childTnLst>
+                        <p:par>
+                          <p:cTn id="4" fill="hold">
+                            <p:stCondLst>
+                              <p:cond delay="0"/>
+                            </p:stCondLst>
+                            <p:childTnLst>
+                              <p:par>
+                                <p:cTn id="5" presetID="10" presetClass="entr" presetSubtype="0" fill="hold" grpId="0" nodeType="clickEffect">
+                                  <p:stCondLst>
+                                    <p:cond delay="0"/>
+                                  </p:stCondLst>
+                                  <p:childTnLst>
+                                    <p:set>
+                                      <p:cBhvr>
+                                        <p:cTn id="6" dur="1" fill="hold">
+                                          <p:stCondLst>
+                                            <p:cond delay="0"/>
+                                          </p:stCondLst>
+                                        </p:cTn>
+                                        <p:tgtEl>
+                                          <p:spTgt spid="5"/>
+                                        </p:tgtEl>
+                                        <p:attrNameLst>
+                                          <p:attrName>style.visibility</p:attrName>
+                                        </p:attrNameLst>
+                                      </p:cBhvr>
+                                      <p:to>
+                                        <p:strVal val="visible"/>
+                                      </p:to>
+                                    </p:set>
+                                    <p:animEffect transition="in" filter="fade">
+                                      <p:cBhvr>
+                                        <p:cTn id="7" dur="500"/>
+                                        <p:tgtEl>
+                                          <p:spTgt spid="5"/>
+                                        </p:tgtEl>
+                                      </p:cBhvr>
+                                    </p:animEffect>
+                                  </p:childTnLst>
+                                  <p:subTnLst>
+                                    <p:set>
+                                      <p:cBhvr override="childStyle">
+                                        <p:cTn dur="1" fill="hold" display="0" masterRel="nextClick" afterEffect="1"/>
+                                        <p:tgtEl>
+                                          <p:spTgt spid="5"/>
+                                        </p:tgtEl>
+                                        <p:attrNameLst>
+                                          <p:attrName>style.visibility</p:attrName>
+                                        </p:attrNameLst>
+                                      </p:cBhvr>
+                                      <p:to>
+                                        <p:strVal val="hidden"/>
+                                      </p:to>
+                                    </p:set>
+                                  </p:subTnLst>
+                                </p:cTn>
+                              </p:par>
+                            </p:childTnLst>
+                          </p:cTn>
+                        </p:par>
+                      </p:childTnLst>
+                    </p:cTn>
+                  </p:par>
+                  <p:par>
+                    <p:cTn id="8" fill="hold">
+                      <p:stCondLst>
+                        <p:cond delay="indefinite"/>
+                      </p:stCondLst>
+                      <p:childTnLst>
+                        <p:par>
+                          <p:cTn id="9" fill="hold">
+                            <p:stCondLst>
+                              <p:cond delay="0"/>
+                            </p:stCondLst>
+                            <p:childTnLst>
+                              <p:par>
+                                <p:cTn id="10" presetID="10" presetClass="entr" presetSubtype="0" fill="hold" grpId="0" nodeType="clickEffect">
+                                  <p:stCondLst>
+                                    <p:cond delay="0"/>
+                                  </p:stCondLst>
+                                  <p:childTnLst>
+                                    <p:set>
+                                      <p:cBhvr>
+                                        <p:cTn id="11" dur="1" fill="hold">
+                                          <p:stCondLst>
+                                            <p:cond delay="0"/>
+                                          </p:stCondLst>
+                                        </p:cTn>
+                                        <p:tgtEl>
+                                          <p:spTgt spid="6"/>
+                                        </p:tgtEl>
+                                        <p:attrNameLst>
+                                          <p:attrName>style.visibility</p:attrName>
+                                        </p:attrNameLst>
+                                      </p:cBhvr>
+                                      <p:to>
+                                        <p:strVal val="visible"/>
+                                      </p:to>
+                                    </p:set>
+                                    <p:animEffect transition="in" filter="fade">
+                                      <p:cBhvr>
+                                        <p:cTn id="12" dur="500"/>
+                                        <p:tgtEl>
+                                          <p:spTgt spid="6"/>
+                                        </p:tgtEl>
+                                      </p:cBhvr>
+                                    </p:animEffect>
+                                  </p:childTnLst>
+                                  <p:subTnLst>
+                                    <p:set>
+                                      <p:cBhvr override="childStyle">
+                                        <p:cTn dur="1" fill="hold" display="0" masterRel="nextClick" afterEffect="1"/>
+                                        <p:tgtEl>
+                                          <p:spTgt spid="6"/>
+                                        </p:tgtEl>
+                                        <p:attrNameLst>
+                                          <p:attrName>style.visibility</p:attrName>
+                                        </p:attrNameLst>
+                                      </p:cBhvr>
+                                      <p:to>
+                                        <p:strVal val="hidden"/>
+                                      </p:to>
+                                    </p:set>
+                                  </p:subTnLst>
+                                </p:cTn>
+                              </p:par>
+                            </p:childTnLst>
+                          </p:cTn>
+                        </p:par>
+                      </p:childTnLst>
+                    </p:cTn>
+                  </p:par>
+                </p:childTnLst>
+              </p:cTn>
+              <p:prevCondLst>
+                <p:cond evt="onPrev" delay="0">
+                  <p:tgtEl>
+                    <p:sldTgt/>
+                  </p:tgtEl>
+                </p:cond>
+              </p:prevCondLst>
+              <p:nextCondLst>
+                <p:cond evt="onNext" delay="0">
+                  <p:tgtEl>
+                    <p:sldTgt/>
+                  </p:tgtEl>
+                </p:cond>
+              </p:nextCondLst>
+            </p:seq>
+          </p:childTnLst>
+        </p:cTn>
+      </p:par>
+    </p:tnLst>
+    <p:bldLst>
+      <p:bldP spid="5" grpId="0" animBg="1"/>
+      <p:bldP spid="6" grpId="0" animBg="1"/>
+    </p:bldLst>
+  </p:timing>
 </p:sld>
 </file>
 
@@ -14155,10 +12022,9 @@
           <a:lstStyle/>
           <a:p>
             <a:r>
-              <a:rPr lang="en-US" smtClean="0"/>
+              <a:rPr lang="en-US"/>
               <a:t>ARM Template Helpers</a:t>
             </a:r>
-            <a:endParaRPr lang="en-US"/>
           </a:p>
         </p:txBody>
       </p:sp>
@@ -14172,13 +12038,6 @@
   <p:clrMapOvr>
     <a:masterClrMapping/>
   </p:clrMapOvr>
-  <p:timing>
-    <p:tnLst>
-      <p:par>
-        <p:cTn id="1" dur="indefinite" restart="never" nodeType="tmRoot"/>
-      </p:par>
-    </p:tnLst>
-  </p:timing>
 </p:sld>
 </file>
 
